--- a/presentation/MikeYung_Presentation_v1.pptx
+++ b/presentation/MikeYung_Presentation_v1.pptx
@@ -5,7 +5,7 @@
     <p:sldMasterId id="2147483648" r:id="rId1"/>
   </p:sldMasterIdLst>
   <p:notesMasterIdLst>
-    <p:notesMasterId r:id="rId16"/>
+    <p:notesMasterId r:id="rId18"/>
   </p:notesMasterIdLst>
   <p:sldIdLst>
     <p:sldId id="256" r:id="rId2"/>
@@ -13,15 +13,17 @@
     <p:sldId id="261" r:id="rId4"/>
     <p:sldId id="258" r:id="rId5"/>
     <p:sldId id="259" r:id="rId6"/>
-    <p:sldId id="260" r:id="rId7"/>
-    <p:sldId id="262" r:id="rId8"/>
-    <p:sldId id="266" r:id="rId9"/>
-    <p:sldId id="267" r:id="rId10"/>
-    <p:sldId id="270" r:id="rId11"/>
-    <p:sldId id="271" r:id="rId12"/>
-    <p:sldId id="272" r:id="rId13"/>
-    <p:sldId id="263" r:id="rId14"/>
-    <p:sldId id="265" r:id="rId15"/>
+    <p:sldId id="277" r:id="rId7"/>
+    <p:sldId id="276" r:id="rId8"/>
+    <p:sldId id="260" r:id="rId9"/>
+    <p:sldId id="262" r:id="rId10"/>
+    <p:sldId id="273" r:id="rId11"/>
+    <p:sldId id="266" r:id="rId12"/>
+    <p:sldId id="267" r:id="rId13"/>
+    <p:sldId id="270" r:id="rId14"/>
+    <p:sldId id="271" r:id="rId15"/>
+    <p:sldId id="272" r:id="rId16"/>
+    <p:sldId id="265" r:id="rId17"/>
   </p:sldIdLst>
   <p:sldSz cx="9144000" cy="6858000" type="screen4x3"/>
   <p:notesSz cx="6858000" cy="9144000"/>
@@ -205,7 +207,7 @@
           <a:p>
             <a:fld id="{506F8C5A-0F3E-794E-B316-BB83B2B9B53D}" type="datetimeFigureOut">
               <a:rPr lang="en-US" smtClean="0"/>
-              <a:t>11/23/16</a:t>
+              <a:t>11/26/16</a:t>
             </a:fld>
             <a:endParaRPr lang="en-US"/>
           </a:p>
@@ -473,6 +475,154 @@
 </p:notesMaster>
 </file>
 
+<file path=ppt/notesSlides/notesSlide1.xml><?xml version="1.0" encoding="utf-8"?>
+<p:notes xmlns:a="http://schemas.openxmlformats.org/drawingml/2006/main" xmlns:r="http://schemas.openxmlformats.org/officeDocument/2006/relationships" xmlns:p="http://schemas.openxmlformats.org/presentationml/2006/main">
+  <p:cSld>
+    <p:spTree>
+      <p:nvGrpSpPr>
+        <p:cNvPr id="1" name=""/>
+        <p:cNvGrpSpPr/>
+        <p:nvPr/>
+      </p:nvGrpSpPr>
+      <p:grpSpPr>
+        <a:xfrm>
+          <a:off x="0" y="0"/>
+          <a:ext cx="0" cy="0"/>
+          <a:chOff x="0" y="0"/>
+          <a:chExt cx="0" cy="0"/>
+        </a:xfrm>
+      </p:grpSpPr>
+      <p:sp>
+        <p:nvSpPr>
+          <p:cNvPr id="2" name="Slide Image Placeholder 1"/>
+          <p:cNvSpPr>
+            <a:spLocks noGrp="1" noRot="1" noChangeAspect="1"/>
+          </p:cNvSpPr>
+          <p:nvPr>
+            <p:ph type="sldImg"/>
+          </p:nvPr>
+        </p:nvSpPr>
+        <p:spPr/>
+      </p:sp>
+      <p:sp>
+        <p:nvSpPr>
+          <p:cNvPr id="3" name="Notes Placeholder 2"/>
+          <p:cNvSpPr>
+            <a:spLocks noGrp="1"/>
+          </p:cNvSpPr>
+          <p:nvPr>
+            <p:ph type="body" idx="1"/>
+          </p:nvPr>
+        </p:nvSpPr>
+        <p:spPr/>
+        <p:txBody>
+          <a:bodyPr/>
+          <a:lstStyle/>
+          <a:p>
+            <a:pPr marL="285750" indent="-285750">
+              <a:buFontTx/>
+              <a:buChar char="-"/>
+            </a:pPr>
+            <a:r>
+              <a:rPr lang="en-US" dirty="0" smtClean="0"/>
+              <a:t>Give example of how it can be used in </a:t>
+            </a:r>
+            <a:r>
+              <a:rPr lang="en-US" dirty="0" err="1" smtClean="0"/>
+              <a:t>AdmitSee’s</a:t>
+            </a:r>
+            <a:r>
+              <a:rPr lang="en-US" dirty="0" smtClean="0"/>
+              <a:t> site</a:t>
+            </a:r>
+          </a:p>
+          <a:p>
+            <a:pPr marL="742950" lvl="1" indent="-285750">
+              <a:buFontTx/>
+              <a:buChar char="-"/>
+            </a:pPr>
+            <a:r>
+              <a:rPr lang="en-US" dirty="0" smtClean="0"/>
+              <a:t>If you increase your SAT score by 100 points, you improve your odds by 2x</a:t>
+            </a:r>
+          </a:p>
+          <a:p>
+            <a:pPr marL="742950" lvl="1" indent="-285750">
+              <a:buFontTx/>
+              <a:buChar char="-"/>
+            </a:pPr>
+            <a:r>
+              <a:rPr lang="en-US" dirty="0" smtClean="0"/>
+              <a:t>Caveat: model assumes the incremental effect of SAT score on </a:t>
+            </a:r>
+            <a:r>
+              <a:rPr lang="en-US" dirty="0" err="1" smtClean="0"/>
+              <a:t>prob</a:t>
+            </a:r>
+            <a:r>
+              <a:rPr lang="en-US" dirty="0" smtClean="0"/>
+              <a:t> is same</a:t>
+            </a:r>
+          </a:p>
+          <a:p>
+            <a:pPr marL="742950" lvl="1" indent="-285750">
+              <a:buFontTx/>
+              <a:buChar char="-"/>
+            </a:pPr>
+            <a:r>
+              <a:rPr lang="en-US" dirty="0" smtClean="0"/>
+              <a:t>In reality, it’s not. Going from 1800 to 1900 will </a:t>
+            </a:r>
+            <a:r>
+              <a:rPr lang="en-US" dirty="0" err="1" smtClean="0"/>
+              <a:t>prob</a:t>
+            </a:r>
+            <a:r>
+              <a:rPr lang="en-US" dirty="0" smtClean="0"/>
+              <a:t> have a lesser effect than 2200 to 2300</a:t>
+            </a:r>
+          </a:p>
+          <a:p>
+            <a:endParaRPr lang="en-US" dirty="0"/>
+          </a:p>
+        </p:txBody>
+      </p:sp>
+      <p:sp>
+        <p:nvSpPr>
+          <p:cNvPr id="4" name="Slide Number Placeholder 3"/>
+          <p:cNvSpPr>
+            <a:spLocks noGrp="1"/>
+          </p:cNvSpPr>
+          <p:nvPr>
+            <p:ph type="sldNum" sz="quarter" idx="10"/>
+          </p:nvPr>
+        </p:nvSpPr>
+        <p:spPr/>
+        <p:txBody>
+          <a:bodyPr/>
+          <a:lstStyle/>
+          <a:p>
+            <a:fld id="{F7F7955B-160C-0041-B70F-08136C325BDD}" type="slidenum">
+              <a:rPr lang="en-US" smtClean="0"/>
+              <a:t>8</a:t>
+            </a:fld>
+            <a:endParaRPr lang="en-US"/>
+          </a:p>
+        </p:txBody>
+      </p:sp>
+    </p:spTree>
+    <p:extLst>
+      <p:ext uri="{BB962C8B-B14F-4D97-AF65-F5344CB8AC3E}">
+        <p14:creationId xmlns:p14="http://schemas.microsoft.com/office/powerpoint/2010/main" val="3453620544"/>
+      </p:ext>
+    </p:extLst>
+  </p:cSld>
+  <p:clrMapOvr>
+    <a:masterClrMapping/>
+  </p:clrMapOvr>
+</p:notes>
+</file>
+
 <file path=ppt/slideLayouts/slideLayout1.xml><?xml version="1.0" encoding="utf-8"?>
 <p:sldLayout xmlns:a="http://schemas.openxmlformats.org/drawingml/2006/main" xmlns:r="http://schemas.openxmlformats.org/officeDocument/2006/relationships" xmlns:p="http://schemas.openxmlformats.org/presentationml/2006/main" type="title" preserve="1">
   <p:cSld name="Title Slide">
@@ -654,7 +804,7 @@
           <a:p>
             <a:fld id="{4CF51189-0E46-2643-AA7B-9DE1EBEA5A59}" type="datetimeFigureOut">
               <a:rPr lang="en-US" smtClean="0"/>
-              <a:t>11/23/16</a:t>
+              <a:t>11/26/16</a:t>
             </a:fld>
             <a:endParaRPr lang="en-US"/>
           </a:p>
@@ -824,7 +974,7 @@
           <a:p>
             <a:fld id="{4CF51189-0E46-2643-AA7B-9DE1EBEA5A59}" type="datetimeFigureOut">
               <a:rPr lang="en-US" smtClean="0"/>
-              <a:t>11/23/16</a:t>
+              <a:t>11/26/16</a:t>
             </a:fld>
             <a:endParaRPr lang="en-US"/>
           </a:p>
@@ -1004,7 +1154,7 @@
           <a:p>
             <a:fld id="{4CF51189-0E46-2643-AA7B-9DE1EBEA5A59}" type="datetimeFigureOut">
               <a:rPr lang="en-US" smtClean="0"/>
-              <a:t>11/23/16</a:t>
+              <a:t>11/26/16</a:t>
             </a:fld>
             <a:endParaRPr lang="en-US"/>
           </a:p>
@@ -1425,7 +1575,7 @@
           <a:p>
             <a:fld id="{4CF51189-0E46-2643-AA7B-9DE1EBEA5A59}" type="datetimeFigureOut">
               <a:rPr lang="en-US" smtClean="0"/>
-              <a:t>11/23/16</a:t>
+              <a:t>11/26/16</a:t>
             </a:fld>
             <a:endParaRPr lang="en-US"/>
           </a:p>
@@ -1713,7 +1863,7 @@
           <a:p>
             <a:fld id="{4CF51189-0E46-2643-AA7B-9DE1EBEA5A59}" type="datetimeFigureOut">
               <a:rPr lang="en-US" smtClean="0"/>
-              <a:t>11/23/16</a:t>
+              <a:t>11/26/16</a:t>
             </a:fld>
             <a:endParaRPr lang="en-US"/>
           </a:p>
@@ -2135,7 +2285,7 @@
           <a:p>
             <a:fld id="{4CF51189-0E46-2643-AA7B-9DE1EBEA5A59}" type="datetimeFigureOut">
               <a:rPr lang="en-US" smtClean="0"/>
-              <a:t>11/23/16</a:t>
+              <a:t>11/26/16</a:t>
             </a:fld>
             <a:endParaRPr lang="en-US"/>
           </a:p>
@@ -2253,7 +2403,7 @@
           <a:p>
             <a:fld id="{4CF51189-0E46-2643-AA7B-9DE1EBEA5A59}" type="datetimeFigureOut">
               <a:rPr lang="en-US" smtClean="0"/>
-              <a:t>11/23/16</a:t>
+              <a:t>11/26/16</a:t>
             </a:fld>
             <a:endParaRPr lang="en-US"/>
           </a:p>
@@ -2348,7 +2498,7 @@
           <a:p>
             <a:fld id="{4CF51189-0E46-2643-AA7B-9DE1EBEA5A59}" type="datetimeFigureOut">
               <a:rPr lang="en-US" smtClean="0"/>
-              <a:t>11/23/16</a:t>
+              <a:t>11/26/16</a:t>
             </a:fld>
             <a:endParaRPr lang="en-US"/>
           </a:p>
@@ -2625,7 +2775,7 @@
           <a:p>
             <a:fld id="{4CF51189-0E46-2643-AA7B-9DE1EBEA5A59}" type="datetimeFigureOut">
               <a:rPr lang="en-US" smtClean="0"/>
-              <a:t>11/23/16</a:t>
+              <a:t>11/26/16</a:t>
             </a:fld>
             <a:endParaRPr lang="en-US"/>
           </a:p>
@@ -2878,7 +3028,7 @@
           <a:p>
             <a:fld id="{4CF51189-0E46-2643-AA7B-9DE1EBEA5A59}" type="datetimeFigureOut">
               <a:rPr lang="en-US" smtClean="0"/>
-              <a:t>11/23/16</a:t>
+              <a:t>11/26/16</a:t>
             </a:fld>
             <a:endParaRPr lang="en-US"/>
           </a:p>
@@ -3131,7 +3281,7 @@
           <a:p>
             <a:fld id="{4CF51189-0E46-2643-AA7B-9DE1EBEA5A59}" type="datetimeFigureOut">
               <a:rPr lang="en-US" smtClean="0"/>
-              <a:t>11/23/16</a:t>
+              <a:t>11/26/16</a:t>
             </a:fld>
             <a:endParaRPr lang="en-US"/>
           </a:p>
@@ -3617,6 +3767,82 @@
           </a:prstGeom>
         </p:spPr>
       </p:pic>
+      <p:cxnSp>
+        <p:nvCxnSpPr>
+          <p:cNvPr id="9" name="Straight Arrow Connector 8"/>
+          <p:cNvCxnSpPr/>
+          <p:nvPr/>
+        </p:nvCxnSpPr>
+        <p:spPr>
+          <a:xfrm>
+            <a:off x="940741" y="4380325"/>
+            <a:ext cx="7377759" cy="0"/>
+          </a:xfrm>
+          <a:prstGeom prst="straightConnector1">
+            <a:avLst/>
+          </a:prstGeom>
+          <a:ln w="12700" cmpd="sng">
+            <a:solidFill>
+              <a:srgbClr val="C8C8C8"/>
+            </a:solidFill>
+            <a:headEnd type="none"/>
+            <a:tailEnd type="none"/>
+          </a:ln>
+          <a:effectLst/>
+        </p:spPr>
+        <p:style>
+          <a:lnRef idx="2">
+            <a:schemeClr val="accent1"/>
+          </a:lnRef>
+          <a:fillRef idx="0">
+            <a:schemeClr val="accent1"/>
+          </a:fillRef>
+          <a:effectRef idx="1">
+            <a:schemeClr val="accent1"/>
+          </a:effectRef>
+          <a:fontRef idx="minor">
+            <a:schemeClr val="tx1"/>
+          </a:fontRef>
+        </p:style>
+      </p:cxnSp>
+      <p:cxnSp>
+        <p:nvCxnSpPr>
+          <p:cNvPr id="10" name="Straight Arrow Connector 9"/>
+          <p:cNvCxnSpPr/>
+          <p:nvPr/>
+        </p:nvCxnSpPr>
+        <p:spPr>
+          <a:xfrm>
+            <a:off x="4576233" y="3066815"/>
+            <a:ext cx="0" cy="2627018"/>
+          </a:xfrm>
+          <a:prstGeom prst="straightConnector1">
+            <a:avLst/>
+          </a:prstGeom>
+          <a:ln w="12700" cmpd="sng">
+            <a:solidFill>
+              <a:srgbClr val="C8C8C8"/>
+            </a:solidFill>
+            <a:headEnd type="none"/>
+            <a:tailEnd type="none"/>
+          </a:ln>
+          <a:effectLst/>
+        </p:spPr>
+        <p:style>
+          <a:lnRef idx="2">
+            <a:schemeClr val="accent1"/>
+          </a:lnRef>
+          <a:fillRef idx="0">
+            <a:schemeClr val="accent1"/>
+          </a:fillRef>
+          <a:effectRef idx="1">
+            <a:schemeClr val="accent1"/>
+          </a:effectRef>
+          <a:fontRef idx="minor">
+            <a:schemeClr val="tx1"/>
+          </a:fontRef>
+        </p:style>
+      </p:cxnSp>
       <p:sp>
         <p:nvSpPr>
           <p:cNvPr id="2" name="Title 1"/>
@@ -3636,12 +3862,1067 @@
           <a:p>
             <a:r>
               <a:rPr lang="en-US" sz="3200" dirty="0" smtClean="0"/>
-              <a:t>The Landscape of Colleges vs. Essay Topics</a:t>
+              <a:t>A 2-D Representation of College Essays</a:t>
             </a:r>
             <a:endParaRPr lang="en-US" sz="3200" dirty="0"/>
           </a:p>
         </p:txBody>
       </p:sp>
+      <p:sp>
+        <p:nvSpPr>
+          <p:cNvPr id="17" name="TextBox 16"/>
+          <p:cNvSpPr txBox="1"/>
+          <p:nvPr/>
+        </p:nvSpPr>
+        <p:spPr>
+          <a:xfrm>
+            <a:off x="3975510" y="5658556"/>
+            <a:ext cx="1236461" cy="307777"/>
+          </a:xfrm>
+          <a:prstGeom prst="rect">
+            <a:avLst/>
+          </a:prstGeom>
+          <a:noFill/>
+        </p:spPr>
+        <p:txBody>
+          <a:bodyPr wrap="none" rtlCol="0">
+            <a:spAutoFit/>
+          </a:bodyPr>
+          <a:lstStyle/>
+          <a:p>
+            <a:pPr algn="ctr"/>
+            <a:r>
+              <a:rPr lang="en-US" sz="1400" dirty="0" smtClean="0">
+                <a:solidFill>
+                  <a:schemeClr val="bg1">
+                    <a:lumMod val="50000"/>
+                  </a:schemeClr>
+                </a:solidFill>
+              </a:rPr>
+              <a:t>Cultural Focus</a:t>
+            </a:r>
+            <a:endParaRPr lang="en-US" sz="1400" baseline="30000" dirty="0">
+              <a:solidFill>
+                <a:schemeClr val="bg1">
+                  <a:lumMod val="50000"/>
+                </a:schemeClr>
+              </a:solidFill>
+            </a:endParaRPr>
+          </a:p>
+        </p:txBody>
+      </p:sp>
+      <p:sp>
+        <p:nvSpPr>
+          <p:cNvPr id="18" name="TextBox 17"/>
+          <p:cNvSpPr txBox="1"/>
+          <p:nvPr/>
+        </p:nvSpPr>
+        <p:spPr>
+          <a:xfrm>
+            <a:off x="7723219" y="4397494"/>
+            <a:ext cx="684803" cy="523220"/>
+          </a:xfrm>
+          <a:prstGeom prst="rect">
+            <a:avLst/>
+          </a:prstGeom>
+          <a:noFill/>
+        </p:spPr>
+        <p:txBody>
+          <a:bodyPr wrap="none" rtlCol="0">
+            <a:spAutoFit/>
+          </a:bodyPr>
+          <a:lstStyle/>
+          <a:p>
+            <a:pPr algn="r"/>
+            <a:r>
+              <a:rPr lang="en-US" sz="1400" dirty="0" smtClean="0">
+                <a:solidFill>
+                  <a:schemeClr val="bg1">
+                    <a:lumMod val="50000"/>
+                  </a:schemeClr>
+                </a:solidFill>
+              </a:rPr>
+              <a:t>Career</a:t>
+            </a:r>
+          </a:p>
+          <a:p>
+            <a:pPr algn="r"/>
+            <a:r>
+              <a:rPr lang="en-US" sz="1400" dirty="0" smtClean="0">
+                <a:solidFill>
+                  <a:schemeClr val="bg1">
+                    <a:lumMod val="50000"/>
+                  </a:schemeClr>
+                </a:solidFill>
+              </a:rPr>
+              <a:t>Driven</a:t>
+            </a:r>
+            <a:endParaRPr lang="en-US" sz="1400" dirty="0">
+              <a:solidFill>
+                <a:schemeClr val="bg1">
+                  <a:lumMod val="50000"/>
+                </a:schemeClr>
+              </a:solidFill>
+            </a:endParaRPr>
+          </a:p>
+        </p:txBody>
+      </p:sp>
+      <p:sp>
+        <p:nvSpPr>
+          <p:cNvPr id="19" name="TextBox 18"/>
+          <p:cNvSpPr txBox="1"/>
+          <p:nvPr/>
+        </p:nvSpPr>
+        <p:spPr>
+          <a:xfrm>
+            <a:off x="3926994" y="2740224"/>
+            <a:ext cx="1333506" cy="307777"/>
+          </a:xfrm>
+          <a:prstGeom prst="rect">
+            <a:avLst/>
+          </a:prstGeom>
+          <a:noFill/>
+        </p:spPr>
+        <p:txBody>
+          <a:bodyPr wrap="none" rtlCol="0">
+            <a:spAutoFit/>
+          </a:bodyPr>
+          <a:lstStyle/>
+          <a:p>
+            <a:pPr algn="ctr"/>
+            <a:r>
+              <a:rPr lang="en-US" sz="1400" dirty="0" smtClean="0">
+                <a:solidFill>
+                  <a:schemeClr val="bg1">
+                    <a:lumMod val="50000"/>
+                  </a:schemeClr>
+                </a:solidFill>
+              </a:rPr>
+              <a:t>Scientific Focus</a:t>
+            </a:r>
+            <a:endParaRPr lang="en-US" sz="1400" baseline="30000" dirty="0">
+              <a:solidFill>
+                <a:schemeClr val="bg1">
+                  <a:lumMod val="50000"/>
+                </a:schemeClr>
+              </a:solidFill>
+            </a:endParaRPr>
+          </a:p>
+        </p:txBody>
+      </p:sp>
+      <p:sp>
+        <p:nvSpPr>
+          <p:cNvPr id="20" name="TextBox 19"/>
+          <p:cNvSpPr txBox="1"/>
+          <p:nvPr/>
+        </p:nvSpPr>
+        <p:spPr>
+          <a:xfrm>
+            <a:off x="742926" y="4397494"/>
+            <a:ext cx="1011252" cy="523220"/>
+          </a:xfrm>
+          <a:prstGeom prst="rect">
+            <a:avLst/>
+          </a:prstGeom>
+          <a:noFill/>
+        </p:spPr>
+        <p:txBody>
+          <a:bodyPr wrap="none" rtlCol="0">
+            <a:spAutoFit/>
+          </a:bodyPr>
+          <a:lstStyle/>
+          <a:p>
+            <a:r>
+              <a:rPr lang="en-US" sz="1400" dirty="0" smtClean="0">
+                <a:solidFill>
+                  <a:schemeClr val="bg1">
+                    <a:lumMod val="50000"/>
+                  </a:schemeClr>
+                </a:solidFill>
+              </a:rPr>
+              <a:t>Personality</a:t>
+            </a:r>
+          </a:p>
+          <a:p>
+            <a:r>
+              <a:rPr lang="en-US" sz="1400" dirty="0" smtClean="0">
+                <a:solidFill>
+                  <a:schemeClr val="bg1">
+                    <a:lumMod val="50000"/>
+                  </a:schemeClr>
+                </a:solidFill>
+              </a:rPr>
+              <a:t>Driven</a:t>
+            </a:r>
+          </a:p>
+        </p:txBody>
+      </p:sp>
+      <p:graphicFrame>
+        <p:nvGraphicFramePr>
+          <p:cNvPr id="5" name="Table 4"/>
+          <p:cNvGraphicFramePr>
+            <a:graphicFrameLocks noGrp="1"/>
+          </p:cNvGraphicFramePr>
+          <p:nvPr>
+            <p:extLst>
+              <p:ext uri="{D42A27DB-BD31-4B8C-83A1-F6EECF244321}">
+                <p14:modId xmlns:p14="http://schemas.microsoft.com/office/powerpoint/2010/main" val="3412139292"/>
+              </p:ext>
+            </p:extLst>
+          </p:nvPr>
+        </p:nvGraphicFramePr>
+        <p:xfrm>
+          <a:off x="742927" y="1771765"/>
+          <a:ext cx="7665098" cy="741680"/>
+        </p:xfrm>
+        <a:graphic>
+          <a:graphicData uri="http://schemas.openxmlformats.org/drawingml/2006/table">
+            <a:tbl>
+              <a:tblPr>
+                <a:tableStyleId>{5C22544A-7EE6-4342-B048-85BDC9FD1C3A}</a:tableStyleId>
+              </a:tblPr>
+              <a:tblGrid>
+                <a:gridCol w="832410"/>
+                <a:gridCol w="1708172"/>
+                <a:gridCol w="1708172"/>
+                <a:gridCol w="1708172"/>
+                <a:gridCol w="1708172"/>
+              </a:tblGrid>
+              <a:tr h="370840">
+                <a:tc>
+                  <a:txBody>
+                    <a:bodyPr/>
+                    <a:lstStyle/>
+                    <a:p>
+                      <a:pPr algn="ctr"/>
+                      <a:r>
+                        <a:rPr lang="en-US" sz="1400" b="1" dirty="0" smtClean="0"/>
+                        <a:t>Step</a:t>
+                      </a:r>
+                      <a:endParaRPr lang="en-US" sz="1400" b="1" dirty="0"/>
+                    </a:p>
+                  </a:txBody>
+                  <a:tcPr>
+                    <a:lnR w="12700" cap="flat" cmpd="sng" algn="ctr">
+                      <a:solidFill>
+                        <a:prstClr val="black">
+                          <a:lumMod val="65000"/>
+                          <a:lumOff val="35000"/>
+                        </a:prstClr>
+                      </a:solidFill>
+                      <a:prstDash val="solid"/>
+                      <a:round/>
+                      <a:headEnd type="none" w="med" len="med"/>
+                      <a:tailEnd type="none" w="med" len="med"/>
+                    </a:lnR>
+                    <a:lnB w="12700" cap="flat" cmpd="sng" algn="ctr">
+                      <a:solidFill>
+                        <a:prstClr val="black">
+                          <a:lumMod val="65000"/>
+                          <a:lumOff val="35000"/>
+                        </a:prstClr>
+                      </a:solidFill>
+                      <a:prstDash val="solid"/>
+                      <a:round/>
+                      <a:headEnd type="none" w="med" len="med"/>
+                      <a:tailEnd type="none" w="med" len="med"/>
+                    </a:lnB>
+                    <a:noFill/>
+                  </a:tcPr>
+                </a:tc>
+                <a:tc>
+                  <a:txBody>
+                    <a:bodyPr/>
+                    <a:lstStyle/>
+                    <a:p>
+                      <a:pPr algn="ctr"/>
+                      <a:r>
+                        <a:rPr lang="en-US" sz="1400" baseline="0" dirty="0" err="1" smtClean="0">
+                          <a:solidFill>
+                            <a:schemeClr val="tx1">
+                              <a:lumMod val="65000"/>
+                              <a:lumOff val="35000"/>
+                            </a:schemeClr>
+                          </a:solidFill>
+                        </a:rPr>
+                        <a:t>Vectorize</a:t>
+                      </a:r>
+                      <a:r>
+                        <a:rPr lang="en-US" sz="1400" baseline="0" dirty="0" smtClean="0">
+                          <a:solidFill>
+                            <a:schemeClr val="tx1">
+                              <a:lumMod val="65000"/>
+                              <a:lumOff val="35000"/>
+                            </a:schemeClr>
+                          </a:solidFill>
+                        </a:rPr>
+                        <a:t> Text</a:t>
+                      </a:r>
+                      <a:endParaRPr lang="en-US" sz="1400" dirty="0">
+                        <a:solidFill>
+                          <a:schemeClr val="tx1">
+                            <a:lumMod val="65000"/>
+                            <a:lumOff val="35000"/>
+                          </a:schemeClr>
+                        </a:solidFill>
+                      </a:endParaRPr>
+                    </a:p>
+                  </a:txBody>
+                  <a:tcPr>
+                    <a:lnL w="12700" cap="flat" cmpd="sng" algn="ctr">
+                      <a:solidFill>
+                        <a:prstClr val="black">
+                          <a:lumMod val="65000"/>
+                          <a:lumOff val="35000"/>
+                        </a:prstClr>
+                      </a:solidFill>
+                      <a:prstDash val="solid"/>
+                      <a:round/>
+                      <a:headEnd type="none" w="med" len="med"/>
+                      <a:tailEnd type="none" w="med" len="med"/>
+                    </a:lnL>
+                    <a:lnR w="12700" cap="flat" cmpd="sng" algn="ctr">
+                      <a:noFill/>
+                      <a:prstDash val="solid"/>
+                      <a:round/>
+                      <a:headEnd type="none" w="med" len="med"/>
+                      <a:tailEnd type="none" w="med" len="med"/>
+                    </a:lnR>
+                    <a:lnB w="12700" cap="flat" cmpd="sng" algn="ctr">
+                      <a:solidFill>
+                        <a:prstClr val="black">
+                          <a:lumMod val="65000"/>
+                          <a:lumOff val="35000"/>
+                        </a:prstClr>
+                      </a:solidFill>
+                      <a:prstDash val="solid"/>
+                      <a:round/>
+                      <a:headEnd type="none" w="med" len="med"/>
+                      <a:tailEnd type="none" w="med" len="med"/>
+                    </a:lnB>
+                    <a:noFill/>
+                  </a:tcPr>
+                </a:tc>
+                <a:tc>
+                  <a:txBody>
+                    <a:bodyPr/>
+                    <a:lstStyle/>
+                    <a:p>
+                      <a:pPr algn="ctr"/>
+                      <a:r>
+                        <a:rPr lang="en-US" sz="1400" dirty="0" smtClean="0">
+                          <a:solidFill>
+                            <a:schemeClr val="tx1">
+                              <a:lumMod val="65000"/>
+                              <a:lumOff val="35000"/>
+                            </a:schemeClr>
+                          </a:solidFill>
+                        </a:rPr>
+                        <a:t>Topic Modeling</a:t>
+                      </a:r>
+                      <a:endParaRPr lang="en-US" sz="1400" dirty="0">
+                        <a:solidFill>
+                          <a:schemeClr val="tx1">
+                            <a:lumMod val="65000"/>
+                            <a:lumOff val="35000"/>
+                          </a:schemeClr>
+                        </a:solidFill>
+                      </a:endParaRPr>
+                    </a:p>
+                  </a:txBody>
+                  <a:tcPr>
+                    <a:lnL w="12700" cap="flat" cmpd="sng" algn="ctr">
+                      <a:noFill/>
+                      <a:prstDash val="solid"/>
+                      <a:round/>
+                      <a:headEnd type="none" w="med" len="med"/>
+                      <a:tailEnd type="none" w="med" len="med"/>
+                    </a:lnL>
+                    <a:lnR w="12700" cap="flat" cmpd="sng" algn="ctr">
+                      <a:noFill/>
+                      <a:prstDash val="solid"/>
+                      <a:round/>
+                      <a:headEnd type="none" w="med" len="med"/>
+                      <a:tailEnd type="none" w="med" len="med"/>
+                    </a:lnR>
+                    <a:lnB w="12700" cap="flat" cmpd="sng" algn="ctr">
+                      <a:solidFill>
+                        <a:prstClr val="black">
+                          <a:lumMod val="65000"/>
+                          <a:lumOff val="35000"/>
+                        </a:prstClr>
+                      </a:solidFill>
+                      <a:prstDash val="solid"/>
+                      <a:round/>
+                      <a:headEnd type="none" w="med" len="med"/>
+                      <a:tailEnd type="none" w="med" len="med"/>
+                    </a:lnB>
+                    <a:noFill/>
+                  </a:tcPr>
+                </a:tc>
+                <a:tc>
+                  <a:txBody>
+                    <a:bodyPr/>
+                    <a:lstStyle/>
+                    <a:p>
+                      <a:pPr algn="ctr"/>
+                      <a:r>
+                        <a:rPr lang="en-US" sz="1400" dirty="0" smtClean="0">
+                          <a:solidFill>
+                            <a:schemeClr val="tx1">
+                              <a:lumMod val="65000"/>
+                              <a:lumOff val="35000"/>
+                            </a:schemeClr>
+                          </a:solidFill>
+                        </a:rPr>
+                        <a:t>Visualize</a:t>
+                      </a:r>
+                      <a:r>
+                        <a:rPr lang="en-US" sz="1400" baseline="0" dirty="0" smtClean="0">
+                          <a:solidFill>
+                            <a:schemeClr val="tx1">
+                              <a:lumMod val="65000"/>
+                              <a:lumOff val="35000"/>
+                            </a:schemeClr>
+                          </a:solidFill>
+                        </a:rPr>
+                        <a:t> </a:t>
+                      </a:r>
+                      <a:r>
+                        <a:rPr lang="en-US" sz="1400" baseline="0" dirty="0" smtClean="0">
+                          <a:solidFill>
+                            <a:schemeClr val="tx1">
+                              <a:lumMod val="65000"/>
+                              <a:lumOff val="35000"/>
+                            </a:schemeClr>
+                          </a:solidFill>
+                        </a:rPr>
+                        <a:t>in 2D</a:t>
+                      </a:r>
+                      <a:endParaRPr lang="en-US" sz="1400" dirty="0">
+                        <a:solidFill>
+                          <a:schemeClr val="tx1">
+                            <a:lumMod val="65000"/>
+                            <a:lumOff val="35000"/>
+                          </a:schemeClr>
+                        </a:solidFill>
+                      </a:endParaRPr>
+                    </a:p>
+                  </a:txBody>
+                  <a:tcPr>
+                    <a:lnL w="12700" cap="flat" cmpd="sng" algn="ctr">
+                      <a:noFill/>
+                      <a:prstDash val="solid"/>
+                      <a:round/>
+                      <a:headEnd type="none" w="med" len="med"/>
+                      <a:tailEnd type="none" w="med" len="med"/>
+                    </a:lnL>
+                    <a:lnR w="12700" cap="flat" cmpd="sng" algn="ctr">
+                      <a:noFill/>
+                      <a:prstDash val="solid"/>
+                      <a:round/>
+                      <a:headEnd type="none" w="med" len="med"/>
+                      <a:tailEnd type="none" w="med" len="med"/>
+                    </a:lnR>
+                    <a:lnB w="12700" cap="flat" cmpd="sng" algn="ctr">
+                      <a:solidFill>
+                        <a:prstClr val="black">
+                          <a:lumMod val="65000"/>
+                          <a:lumOff val="35000"/>
+                        </a:prstClr>
+                      </a:solidFill>
+                      <a:prstDash val="solid"/>
+                      <a:round/>
+                      <a:headEnd type="none" w="med" len="med"/>
+                      <a:tailEnd type="none" w="med" len="med"/>
+                    </a:lnB>
+                    <a:noFill/>
+                  </a:tcPr>
+                </a:tc>
+                <a:tc>
+                  <a:txBody>
+                    <a:bodyPr/>
+                    <a:lstStyle/>
+                    <a:p>
+                      <a:pPr algn="ctr"/>
+                      <a:r>
+                        <a:rPr lang="en-US" sz="1400" dirty="0" smtClean="0">
+                          <a:solidFill>
+                            <a:schemeClr val="tx1">
+                              <a:lumMod val="65000"/>
+                              <a:lumOff val="35000"/>
+                            </a:schemeClr>
+                          </a:solidFill>
+                        </a:rPr>
+                        <a:t>Clustering</a:t>
+                      </a:r>
+                      <a:endParaRPr lang="en-US" sz="1400" dirty="0">
+                        <a:solidFill>
+                          <a:schemeClr val="tx1">
+                            <a:lumMod val="65000"/>
+                            <a:lumOff val="35000"/>
+                          </a:schemeClr>
+                        </a:solidFill>
+                      </a:endParaRPr>
+                    </a:p>
+                  </a:txBody>
+                  <a:tcPr>
+                    <a:lnL w="12700" cap="flat" cmpd="sng" algn="ctr">
+                      <a:noFill/>
+                      <a:prstDash val="solid"/>
+                      <a:round/>
+                      <a:headEnd type="none" w="med" len="med"/>
+                      <a:tailEnd type="none" w="med" len="med"/>
+                    </a:lnL>
+                    <a:lnB w="12700" cap="flat" cmpd="sng" algn="ctr">
+                      <a:solidFill>
+                        <a:prstClr val="black">
+                          <a:lumMod val="65000"/>
+                          <a:lumOff val="35000"/>
+                        </a:prstClr>
+                      </a:solidFill>
+                      <a:prstDash val="solid"/>
+                      <a:round/>
+                      <a:headEnd type="none" w="med" len="med"/>
+                      <a:tailEnd type="none" w="med" len="med"/>
+                    </a:lnB>
+                    <a:noFill/>
+                  </a:tcPr>
+                </a:tc>
+              </a:tr>
+              <a:tr h="370840">
+                <a:tc>
+                  <a:txBody>
+                    <a:bodyPr/>
+                    <a:lstStyle/>
+                    <a:p>
+                      <a:pPr algn="ctr"/>
+                      <a:r>
+                        <a:rPr lang="en-US" sz="1400" b="1" dirty="0" smtClean="0"/>
+                        <a:t>Method</a:t>
+                      </a:r>
+                      <a:endParaRPr lang="en-US" sz="1400" b="1" dirty="0"/>
+                    </a:p>
+                  </a:txBody>
+                  <a:tcPr>
+                    <a:lnR w="12700" cap="flat" cmpd="sng" algn="ctr">
+                      <a:solidFill>
+                        <a:prstClr val="black">
+                          <a:lumMod val="65000"/>
+                          <a:lumOff val="35000"/>
+                        </a:prstClr>
+                      </a:solidFill>
+                      <a:prstDash val="solid"/>
+                      <a:round/>
+                      <a:headEnd type="none" w="med" len="med"/>
+                      <a:tailEnd type="none" w="med" len="med"/>
+                    </a:lnR>
+                    <a:lnT w="12700" cap="flat" cmpd="sng" algn="ctr">
+                      <a:solidFill>
+                        <a:prstClr val="black">
+                          <a:lumMod val="65000"/>
+                          <a:lumOff val="35000"/>
+                        </a:prstClr>
+                      </a:solidFill>
+                      <a:prstDash val="solid"/>
+                      <a:round/>
+                      <a:headEnd type="none" w="med" len="med"/>
+                      <a:tailEnd type="none" w="med" len="med"/>
+                    </a:lnT>
+                    <a:noFill/>
+                  </a:tcPr>
+                </a:tc>
+                <a:tc>
+                  <a:txBody>
+                    <a:bodyPr/>
+                    <a:lstStyle/>
+                    <a:p>
+                      <a:pPr algn="ctr"/>
+                      <a:r>
+                        <a:rPr lang="en-US" sz="1400" i="1" dirty="0" smtClean="0">
+                          <a:solidFill>
+                            <a:schemeClr val="tx1">
+                              <a:lumMod val="65000"/>
+                              <a:lumOff val="35000"/>
+                            </a:schemeClr>
+                          </a:solidFill>
+                        </a:rPr>
+                        <a:t>TF-IDF</a:t>
+                      </a:r>
+                      <a:endParaRPr lang="en-US" sz="1400" i="1" dirty="0">
+                        <a:solidFill>
+                          <a:schemeClr val="tx1">
+                            <a:lumMod val="65000"/>
+                            <a:lumOff val="35000"/>
+                          </a:schemeClr>
+                        </a:solidFill>
+                      </a:endParaRPr>
+                    </a:p>
+                  </a:txBody>
+                  <a:tcPr>
+                    <a:lnL w="12700" cap="flat" cmpd="sng" algn="ctr">
+                      <a:solidFill>
+                        <a:prstClr val="black">
+                          <a:lumMod val="65000"/>
+                          <a:lumOff val="35000"/>
+                        </a:prstClr>
+                      </a:solidFill>
+                      <a:prstDash val="solid"/>
+                      <a:round/>
+                      <a:headEnd type="none" w="med" len="med"/>
+                      <a:tailEnd type="none" w="med" len="med"/>
+                    </a:lnL>
+                    <a:lnR w="12700" cap="flat" cmpd="sng" algn="ctr">
+                      <a:noFill/>
+                      <a:prstDash val="solid"/>
+                      <a:round/>
+                      <a:headEnd type="none" w="med" len="med"/>
+                      <a:tailEnd type="none" w="med" len="med"/>
+                    </a:lnR>
+                    <a:lnT w="12700" cap="flat" cmpd="sng" algn="ctr">
+                      <a:solidFill>
+                        <a:prstClr val="black">
+                          <a:lumMod val="65000"/>
+                          <a:lumOff val="35000"/>
+                        </a:prstClr>
+                      </a:solidFill>
+                      <a:prstDash val="solid"/>
+                      <a:round/>
+                      <a:headEnd type="none" w="med" len="med"/>
+                      <a:tailEnd type="none" w="med" len="med"/>
+                    </a:lnT>
+                    <a:noFill/>
+                  </a:tcPr>
+                </a:tc>
+                <a:tc>
+                  <a:txBody>
+                    <a:bodyPr/>
+                    <a:lstStyle/>
+                    <a:p>
+                      <a:pPr algn="ctr"/>
+                      <a:r>
+                        <a:rPr lang="en-US" sz="1400" i="1" dirty="0" smtClean="0">
+                          <a:solidFill>
+                            <a:schemeClr val="tx1">
+                              <a:lumMod val="65000"/>
+                              <a:lumOff val="35000"/>
+                            </a:schemeClr>
+                          </a:solidFill>
+                        </a:rPr>
+                        <a:t>NMF</a:t>
+                      </a:r>
+                      <a:endParaRPr lang="en-US" sz="1400" i="1" dirty="0">
+                        <a:solidFill>
+                          <a:schemeClr val="tx1">
+                            <a:lumMod val="65000"/>
+                            <a:lumOff val="35000"/>
+                          </a:schemeClr>
+                        </a:solidFill>
+                      </a:endParaRPr>
+                    </a:p>
+                  </a:txBody>
+                  <a:tcPr>
+                    <a:lnL w="12700" cap="flat" cmpd="sng" algn="ctr">
+                      <a:noFill/>
+                      <a:prstDash val="solid"/>
+                      <a:round/>
+                      <a:headEnd type="none" w="med" len="med"/>
+                      <a:tailEnd type="none" w="med" len="med"/>
+                    </a:lnL>
+                    <a:lnR w="12700" cap="flat" cmpd="sng" algn="ctr">
+                      <a:noFill/>
+                      <a:prstDash val="solid"/>
+                      <a:round/>
+                      <a:headEnd type="none" w="med" len="med"/>
+                      <a:tailEnd type="none" w="med" len="med"/>
+                    </a:lnR>
+                    <a:lnT w="12700" cap="flat" cmpd="sng" algn="ctr">
+                      <a:solidFill>
+                        <a:prstClr val="black">
+                          <a:lumMod val="65000"/>
+                          <a:lumOff val="35000"/>
+                        </a:prstClr>
+                      </a:solidFill>
+                      <a:prstDash val="solid"/>
+                      <a:round/>
+                      <a:headEnd type="none" w="med" len="med"/>
+                      <a:tailEnd type="none" w="med" len="med"/>
+                    </a:lnT>
+                    <a:noFill/>
+                  </a:tcPr>
+                </a:tc>
+                <a:tc>
+                  <a:txBody>
+                    <a:bodyPr/>
+                    <a:lstStyle/>
+                    <a:p>
+                      <a:pPr algn="ctr"/>
+                      <a:r>
+                        <a:rPr lang="en-US" sz="1400" i="1" dirty="0" smtClean="0">
+                          <a:solidFill>
+                            <a:schemeClr val="tx1">
+                              <a:lumMod val="65000"/>
+                              <a:lumOff val="35000"/>
+                            </a:schemeClr>
+                          </a:solidFill>
+                        </a:rPr>
+                        <a:t>PCA</a:t>
+                      </a:r>
+                      <a:endParaRPr lang="en-US" sz="1400" i="1" dirty="0">
+                        <a:solidFill>
+                          <a:schemeClr val="tx1">
+                            <a:lumMod val="65000"/>
+                            <a:lumOff val="35000"/>
+                          </a:schemeClr>
+                        </a:solidFill>
+                      </a:endParaRPr>
+                    </a:p>
+                  </a:txBody>
+                  <a:tcPr>
+                    <a:lnL w="12700" cap="flat" cmpd="sng" algn="ctr">
+                      <a:noFill/>
+                      <a:prstDash val="solid"/>
+                      <a:round/>
+                      <a:headEnd type="none" w="med" len="med"/>
+                      <a:tailEnd type="none" w="med" len="med"/>
+                    </a:lnL>
+                    <a:lnR w="12700" cap="flat" cmpd="sng" algn="ctr">
+                      <a:noFill/>
+                      <a:prstDash val="solid"/>
+                      <a:round/>
+                      <a:headEnd type="none" w="med" len="med"/>
+                      <a:tailEnd type="none" w="med" len="med"/>
+                    </a:lnR>
+                    <a:lnT w="12700" cap="flat" cmpd="sng" algn="ctr">
+                      <a:solidFill>
+                        <a:prstClr val="black">
+                          <a:lumMod val="65000"/>
+                          <a:lumOff val="35000"/>
+                        </a:prstClr>
+                      </a:solidFill>
+                      <a:prstDash val="solid"/>
+                      <a:round/>
+                      <a:headEnd type="none" w="med" len="med"/>
+                      <a:tailEnd type="none" w="med" len="med"/>
+                    </a:lnT>
+                    <a:noFill/>
+                  </a:tcPr>
+                </a:tc>
+                <a:tc>
+                  <a:txBody>
+                    <a:bodyPr/>
+                    <a:lstStyle/>
+                    <a:p>
+                      <a:pPr algn="ctr"/>
+                      <a:r>
+                        <a:rPr lang="en-US" sz="1400" i="1" dirty="0" smtClean="0">
+                          <a:solidFill>
+                            <a:schemeClr val="tx1">
+                              <a:lumMod val="65000"/>
+                              <a:lumOff val="35000"/>
+                            </a:schemeClr>
+                          </a:solidFill>
+                        </a:rPr>
+                        <a:t>K-</a:t>
+                      </a:r>
+                      <a:r>
+                        <a:rPr lang="en-US" sz="1400" i="1" dirty="0" smtClean="0">
+                          <a:solidFill>
+                            <a:schemeClr val="tx1">
+                              <a:lumMod val="65000"/>
+                              <a:lumOff val="35000"/>
+                            </a:schemeClr>
+                          </a:solidFill>
+                        </a:rPr>
+                        <a:t>Means</a:t>
+                      </a:r>
+                      <a:endParaRPr lang="en-US" sz="1400" i="1" dirty="0">
+                        <a:solidFill>
+                          <a:schemeClr val="tx1">
+                            <a:lumMod val="65000"/>
+                            <a:lumOff val="35000"/>
+                          </a:schemeClr>
+                        </a:solidFill>
+                      </a:endParaRPr>
+                    </a:p>
+                  </a:txBody>
+                  <a:tcPr>
+                    <a:lnL w="12700" cap="flat" cmpd="sng" algn="ctr">
+                      <a:noFill/>
+                      <a:prstDash val="solid"/>
+                      <a:round/>
+                      <a:headEnd type="none" w="med" len="med"/>
+                      <a:tailEnd type="none" w="med" len="med"/>
+                    </a:lnL>
+                    <a:lnT w="12700" cap="flat" cmpd="sng" algn="ctr">
+                      <a:solidFill>
+                        <a:prstClr val="black">
+                          <a:lumMod val="65000"/>
+                          <a:lumOff val="35000"/>
+                        </a:prstClr>
+                      </a:solidFill>
+                      <a:prstDash val="solid"/>
+                      <a:round/>
+                      <a:headEnd type="none" w="med" len="med"/>
+                      <a:tailEnd type="none" w="med" len="med"/>
+                    </a:lnT>
+                    <a:noFill/>
+                  </a:tcPr>
+                </a:tc>
+              </a:tr>
+            </a:tbl>
+          </a:graphicData>
+        </a:graphic>
+      </p:graphicFrame>
+      <p:sp>
+        <p:nvSpPr>
+          <p:cNvPr id="6" name="TextBox 5"/>
+          <p:cNvSpPr txBox="1"/>
+          <p:nvPr/>
+        </p:nvSpPr>
+        <p:spPr>
+          <a:xfrm>
+            <a:off x="5532885" y="6098611"/>
+            <a:ext cx="2903359" cy="276999"/>
+          </a:xfrm>
+          <a:prstGeom prst="rect">
+            <a:avLst/>
+          </a:prstGeom>
+          <a:noFill/>
+        </p:spPr>
+        <p:txBody>
+          <a:bodyPr wrap="none" rtlCol="0">
+            <a:spAutoFit/>
+          </a:bodyPr>
+          <a:lstStyle/>
+          <a:p>
+            <a:r>
+              <a:rPr lang="en-US" sz="1200" dirty="0" smtClean="0">
+                <a:solidFill>
+                  <a:schemeClr val="tx1">
+                    <a:lumMod val="50000"/>
+                    <a:lumOff val="50000"/>
+                  </a:schemeClr>
+                </a:solidFill>
+              </a:rPr>
+              <a:t>*Each point represents a college/university</a:t>
+            </a:r>
+            <a:endParaRPr lang="en-US" sz="1200" dirty="0">
+              <a:solidFill>
+                <a:schemeClr val="tx1">
+                  <a:lumMod val="50000"/>
+                  <a:lumOff val="50000"/>
+                </a:schemeClr>
+              </a:solidFill>
+            </a:endParaRPr>
+          </a:p>
+        </p:txBody>
+      </p:sp>
+      <p:sp>
+        <p:nvSpPr>
+          <p:cNvPr id="8" name="Isosceles Triangle 7"/>
+          <p:cNvSpPr/>
+          <p:nvPr/>
+        </p:nvSpPr>
+        <p:spPr>
+          <a:xfrm rot="5400000">
+            <a:off x="3254242" y="2048780"/>
+            <a:ext cx="226069" cy="194887"/>
+          </a:xfrm>
+          <a:prstGeom prst="triangle">
+            <a:avLst/>
+          </a:prstGeom>
+          <a:solidFill>
+            <a:schemeClr val="tx1">
+              <a:lumMod val="65000"/>
+              <a:lumOff val="35000"/>
+            </a:schemeClr>
+          </a:solidFill>
+          <a:ln>
+            <a:noFill/>
+          </a:ln>
+          <a:effectLst/>
+        </p:spPr>
+        <p:style>
+          <a:lnRef idx="1">
+            <a:schemeClr val="accent1"/>
+          </a:lnRef>
+          <a:fillRef idx="3">
+            <a:schemeClr val="accent1"/>
+          </a:fillRef>
+          <a:effectRef idx="2">
+            <a:schemeClr val="accent1"/>
+          </a:effectRef>
+          <a:fontRef idx="minor">
+            <a:schemeClr val="lt1"/>
+          </a:fontRef>
+        </p:style>
+        <p:txBody>
+          <a:bodyPr rtlCol="0" anchor="ctr"/>
+          <a:lstStyle/>
+          <a:p>
+            <a:pPr algn="ctr"/>
+            <a:endParaRPr lang="en-US"/>
+          </a:p>
+        </p:txBody>
+      </p:sp>
+      <p:sp>
+        <p:nvSpPr>
+          <p:cNvPr id="22" name="Isosceles Triangle 21"/>
+          <p:cNvSpPr/>
+          <p:nvPr/>
+        </p:nvSpPr>
+        <p:spPr>
+          <a:xfrm rot="5400000">
+            <a:off x="4923023" y="2048780"/>
+            <a:ext cx="226069" cy="194887"/>
+          </a:xfrm>
+          <a:prstGeom prst="triangle">
+            <a:avLst/>
+          </a:prstGeom>
+          <a:solidFill>
+            <a:schemeClr val="tx1">
+              <a:lumMod val="65000"/>
+              <a:lumOff val="35000"/>
+            </a:schemeClr>
+          </a:solidFill>
+          <a:ln>
+            <a:noFill/>
+          </a:ln>
+          <a:effectLst/>
+        </p:spPr>
+        <p:style>
+          <a:lnRef idx="1">
+            <a:schemeClr val="accent1"/>
+          </a:lnRef>
+          <a:fillRef idx="3">
+            <a:schemeClr val="accent1"/>
+          </a:fillRef>
+          <a:effectRef idx="2">
+            <a:schemeClr val="accent1"/>
+          </a:effectRef>
+          <a:fontRef idx="minor">
+            <a:schemeClr val="lt1"/>
+          </a:fontRef>
+        </p:style>
+        <p:txBody>
+          <a:bodyPr rtlCol="0" anchor="ctr"/>
+          <a:lstStyle/>
+          <a:p>
+            <a:pPr algn="ctr"/>
+            <a:endParaRPr lang="en-US"/>
+          </a:p>
+        </p:txBody>
+      </p:sp>
+      <p:sp>
+        <p:nvSpPr>
+          <p:cNvPr id="23" name="Isosceles Triangle 22"/>
+          <p:cNvSpPr/>
+          <p:nvPr/>
+        </p:nvSpPr>
+        <p:spPr>
+          <a:xfrm rot="5400000">
+            <a:off x="6669544" y="2048780"/>
+            <a:ext cx="226069" cy="194887"/>
+          </a:xfrm>
+          <a:prstGeom prst="triangle">
+            <a:avLst/>
+          </a:prstGeom>
+          <a:solidFill>
+            <a:schemeClr val="tx1">
+              <a:lumMod val="65000"/>
+              <a:lumOff val="35000"/>
+            </a:schemeClr>
+          </a:solidFill>
+          <a:ln>
+            <a:noFill/>
+          </a:ln>
+          <a:effectLst/>
+        </p:spPr>
+        <p:style>
+          <a:lnRef idx="1">
+            <a:schemeClr val="accent1"/>
+          </a:lnRef>
+          <a:fillRef idx="3">
+            <a:schemeClr val="accent1"/>
+          </a:fillRef>
+          <a:effectRef idx="2">
+            <a:schemeClr val="accent1"/>
+          </a:effectRef>
+          <a:fontRef idx="minor">
+            <a:schemeClr val="lt1"/>
+          </a:fontRef>
+        </p:style>
+        <p:txBody>
+          <a:bodyPr rtlCol="0" anchor="ctr"/>
+          <a:lstStyle/>
+          <a:p>
+            <a:pPr algn="ctr"/>
+            <a:endParaRPr lang="en-US"/>
+          </a:p>
+        </p:txBody>
+      </p:sp>
+    </p:spTree>
+    <p:extLst>
+      <p:ext uri="{BB962C8B-B14F-4D97-AF65-F5344CB8AC3E}">
+        <p14:creationId xmlns:p14="http://schemas.microsoft.com/office/powerpoint/2010/main" val="200779655"/>
+      </p:ext>
+    </p:extLst>
+  </p:cSld>
+  <p:clrMapOvr>
+    <a:masterClrMapping/>
+  </p:clrMapOvr>
+  <p:timing>
+    <p:tnLst>
+      <p:par>
+        <p:cTn xmlns:p14="http://schemas.microsoft.com/office/powerpoint/2010/main" id="1" dur="indefinite" restart="never" nodeType="tmRoot"/>
+      </p:par>
+    </p:tnLst>
+  </p:timing>
+</p:sld>
+</file>
+
+<file path=ppt/slides/slide11.xml><?xml version="1.0" encoding="utf-8"?>
+<p:sld xmlns:a="http://schemas.openxmlformats.org/drawingml/2006/main" xmlns:r="http://schemas.openxmlformats.org/officeDocument/2006/relationships" xmlns:p="http://schemas.openxmlformats.org/presentationml/2006/main">
+  <p:cSld>
+    <p:spTree>
+      <p:nvGrpSpPr>
+        <p:cNvPr id="1" name=""/>
+        <p:cNvGrpSpPr/>
+        <p:nvPr/>
+      </p:nvGrpSpPr>
+      <p:grpSpPr>
+        <a:xfrm>
+          <a:off x="0" y="0"/>
+          <a:ext cx="0" cy="0"/>
+          <a:chOff x="0" y="0"/>
+          <a:chExt cx="0" cy="0"/>
+        </a:xfrm>
+      </p:grpSpPr>
+      <p:pic>
+        <p:nvPicPr>
+          <p:cNvPr id="21" name="Picture 20"/>
+          <p:cNvPicPr>
+            <a:picLocks noChangeAspect="1"/>
+          </p:cNvPicPr>
+          <p:nvPr/>
+        </p:nvPicPr>
+        <p:blipFill>
+          <a:blip r:embed="rId2"/>
+          <a:stretch>
+            <a:fillRect/>
+          </a:stretch>
+        </p:blipFill>
+        <p:spPr>
+          <a:xfrm>
+            <a:off x="685800" y="2413000"/>
+            <a:ext cx="7769257" cy="3505200"/>
+          </a:xfrm>
+          <a:prstGeom prst="rect">
+            <a:avLst/>
+          </a:prstGeom>
+        </p:spPr>
+      </p:pic>
       <p:sp>
         <p:nvSpPr>
           <p:cNvPr id="14" name="Freeform 13"/>
@@ -3650,7 +4931,7 @@
         </p:nvSpPr>
         <p:spPr>
           <a:xfrm>
-            <a:off x="4178300" y="2741265"/>
+            <a:off x="4178300" y="2534545"/>
             <a:ext cx="2167135" cy="1424335"/>
           </a:xfrm>
           <a:custGeom>
@@ -3760,13 +5041,1552 @@
       </p:sp>
       <p:sp>
         <p:nvSpPr>
+          <p:cNvPr id="3" name="TextBox 2"/>
+          <p:cNvSpPr txBox="1"/>
+          <p:nvPr/>
+        </p:nvSpPr>
+        <p:spPr>
+          <a:xfrm>
+            <a:off x="5773934" y="2671946"/>
+            <a:ext cx="710451" cy="276999"/>
+          </a:xfrm>
+          <a:prstGeom prst="rect">
+            <a:avLst/>
+          </a:prstGeom>
+          <a:noFill/>
+        </p:spPr>
+        <p:txBody>
+          <a:bodyPr wrap="none" rtlCol="0">
+            <a:spAutoFit/>
+          </a:bodyPr>
+          <a:lstStyle/>
+          <a:p>
+            <a:r>
+              <a:rPr lang="en-US" sz="1200" b="1" dirty="0" smtClean="0"/>
+              <a:t>CalTech</a:t>
+            </a:r>
+            <a:endParaRPr lang="en-US" sz="1200" b="1" dirty="0"/>
+          </a:p>
+        </p:txBody>
+      </p:sp>
+      <p:sp>
+        <p:nvSpPr>
+          <p:cNvPr id="10" name="TextBox 9"/>
+          <p:cNvSpPr txBox="1"/>
+          <p:nvPr/>
+        </p:nvSpPr>
+        <p:spPr>
+          <a:xfrm>
+            <a:off x="5703636" y="3095279"/>
+            <a:ext cx="453970" cy="276999"/>
+          </a:xfrm>
+          <a:prstGeom prst="rect">
+            <a:avLst/>
+          </a:prstGeom>
+          <a:noFill/>
+        </p:spPr>
+        <p:txBody>
+          <a:bodyPr wrap="none" rtlCol="0">
+            <a:spAutoFit/>
+          </a:bodyPr>
+          <a:lstStyle/>
+          <a:p>
+            <a:r>
+              <a:rPr lang="en-US" sz="1200" b="1" dirty="0" smtClean="0"/>
+              <a:t>MIT</a:t>
+            </a:r>
+            <a:endParaRPr lang="en-US" sz="1200" b="1" dirty="0"/>
+          </a:p>
+        </p:txBody>
+      </p:sp>
+      <p:sp>
+        <p:nvSpPr>
+          <p:cNvPr id="11" name="TextBox 10"/>
+          <p:cNvSpPr txBox="1"/>
+          <p:nvPr/>
+        </p:nvSpPr>
+        <p:spPr>
+          <a:xfrm>
+            <a:off x="4651199" y="3095278"/>
+            <a:ext cx="505066" cy="276999"/>
+          </a:xfrm>
+          <a:prstGeom prst="rect">
+            <a:avLst/>
+          </a:prstGeom>
+          <a:noFill/>
+        </p:spPr>
+        <p:txBody>
+          <a:bodyPr wrap="none" rtlCol="0">
+            <a:spAutoFit/>
+          </a:bodyPr>
+          <a:lstStyle/>
+          <a:p>
+            <a:pPr algn="ctr"/>
+            <a:r>
+              <a:rPr lang="en-US" sz="1200" b="1" dirty="0" smtClean="0"/>
+              <a:t>CMU</a:t>
+            </a:r>
+            <a:endParaRPr lang="en-US" sz="1200" b="1" dirty="0"/>
+          </a:p>
+        </p:txBody>
+      </p:sp>
+      <p:sp>
+        <p:nvSpPr>
+          <p:cNvPr id="12" name="TextBox 11"/>
+          <p:cNvSpPr txBox="1"/>
+          <p:nvPr/>
+        </p:nvSpPr>
+        <p:spPr>
+          <a:xfrm>
+            <a:off x="5265933" y="2523676"/>
+            <a:ext cx="663313" cy="276999"/>
+          </a:xfrm>
+          <a:prstGeom prst="rect">
+            <a:avLst/>
+          </a:prstGeom>
+          <a:noFill/>
+        </p:spPr>
+        <p:txBody>
+          <a:bodyPr wrap="none" rtlCol="0">
+            <a:spAutoFit/>
+          </a:bodyPr>
+          <a:lstStyle/>
+          <a:p>
+            <a:r>
+              <a:rPr lang="en-US" sz="1200" b="1" dirty="0" smtClean="0"/>
+              <a:t>Purdue</a:t>
+            </a:r>
+            <a:endParaRPr lang="en-US" sz="1200" b="1" dirty="0"/>
+          </a:p>
+        </p:txBody>
+      </p:sp>
+      <p:cxnSp>
+        <p:nvCxnSpPr>
+          <p:cNvPr id="13" name="Straight Arrow Connector 12"/>
+          <p:cNvCxnSpPr/>
+          <p:nvPr/>
+        </p:nvCxnSpPr>
+        <p:spPr>
+          <a:xfrm>
+            <a:off x="940741" y="4173605"/>
+            <a:ext cx="7377759" cy="0"/>
+          </a:xfrm>
+          <a:prstGeom prst="straightConnector1">
+            <a:avLst/>
+          </a:prstGeom>
+          <a:ln w="12700" cmpd="sng">
+            <a:solidFill>
+              <a:srgbClr val="C8C8C8"/>
+            </a:solidFill>
+            <a:headEnd type="none"/>
+            <a:tailEnd type="none"/>
+          </a:ln>
+          <a:effectLst/>
+        </p:spPr>
+        <p:style>
+          <a:lnRef idx="2">
+            <a:schemeClr val="accent1"/>
+          </a:lnRef>
+          <a:fillRef idx="0">
+            <a:schemeClr val="accent1"/>
+          </a:fillRef>
+          <a:effectRef idx="1">
+            <a:schemeClr val="accent1"/>
+          </a:effectRef>
+          <a:fontRef idx="minor">
+            <a:schemeClr val="tx1"/>
+          </a:fontRef>
+        </p:style>
+      </p:cxnSp>
+      <p:cxnSp>
+        <p:nvCxnSpPr>
+          <p:cNvPr id="15" name="Straight Arrow Connector 14"/>
+          <p:cNvCxnSpPr/>
+          <p:nvPr/>
+        </p:nvCxnSpPr>
+        <p:spPr>
+          <a:xfrm>
+            <a:off x="4576233" y="2860095"/>
+            <a:ext cx="0" cy="2627018"/>
+          </a:xfrm>
+          <a:prstGeom prst="straightConnector1">
+            <a:avLst/>
+          </a:prstGeom>
+          <a:ln w="12700" cmpd="sng">
+            <a:solidFill>
+              <a:srgbClr val="C8C8C8"/>
+            </a:solidFill>
+            <a:headEnd type="none"/>
+            <a:tailEnd type="none"/>
+          </a:ln>
+          <a:effectLst/>
+        </p:spPr>
+        <p:style>
+          <a:lnRef idx="2">
+            <a:schemeClr val="accent1"/>
+          </a:lnRef>
+          <a:fillRef idx="0">
+            <a:schemeClr val="accent1"/>
+          </a:fillRef>
+          <a:effectRef idx="1">
+            <a:schemeClr val="accent1"/>
+          </a:effectRef>
+          <a:fontRef idx="minor">
+            <a:schemeClr val="tx1"/>
+          </a:fontRef>
+        </p:style>
+      </p:cxnSp>
+      <p:sp>
+        <p:nvSpPr>
+          <p:cNvPr id="17" name="TextBox 16"/>
+          <p:cNvSpPr txBox="1"/>
+          <p:nvPr/>
+        </p:nvSpPr>
+        <p:spPr>
+          <a:xfrm>
+            <a:off x="3975510" y="5451836"/>
+            <a:ext cx="1236461" cy="307777"/>
+          </a:xfrm>
+          <a:prstGeom prst="rect">
+            <a:avLst/>
+          </a:prstGeom>
+          <a:noFill/>
+        </p:spPr>
+        <p:txBody>
+          <a:bodyPr wrap="none" rtlCol="0">
+            <a:spAutoFit/>
+          </a:bodyPr>
+          <a:lstStyle/>
+          <a:p>
+            <a:pPr algn="ctr"/>
+            <a:r>
+              <a:rPr lang="en-US" sz="1400" dirty="0" smtClean="0">
+                <a:solidFill>
+                  <a:schemeClr val="bg1">
+                    <a:lumMod val="50000"/>
+                  </a:schemeClr>
+                </a:solidFill>
+              </a:rPr>
+              <a:t>Cultural Focus</a:t>
+            </a:r>
+            <a:endParaRPr lang="en-US" sz="1400" baseline="30000" dirty="0">
+              <a:solidFill>
+                <a:schemeClr val="bg1">
+                  <a:lumMod val="50000"/>
+                </a:schemeClr>
+              </a:solidFill>
+            </a:endParaRPr>
+          </a:p>
+        </p:txBody>
+      </p:sp>
+      <p:sp>
+        <p:nvSpPr>
+          <p:cNvPr id="18" name="TextBox 17"/>
+          <p:cNvSpPr txBox="1"/>
+          <p:nvPr/>
+        </p:nvSpPr>
+        <p:spPr>
+          <a:xfrm>
+            <a:off x="7723219" y="4190774"/>
+            <a:ext cx="684803" cy="523220"/>
+          </a:xfrm>
+          <a:prstGeom prst="rect">
+            <a:avLst/>
+          </a:prstGeom>
+          <a:noFill/>
+        </p:spPr>
+        <p:txBody>
+          <a:bodyPr wrap="none" rtlCol="0">
+            <a:spAutoFit/>
+          </a:bodyPr>
+          <a:lstStyle/>
+          <a:p>
+            <a:pPr algn="r"/>
+            <a:r>
+              <a:rPr lang="en-US" sz="1400" dirty="0" smtClean="0">
+                <a:solidFill>
+                  <a:schemeClr val="bg1">
+                    <a:lumMod val="50000"/>
+                  </a:schemeClr>
+                </a:solidFill>
+              </a:rPr>
+              <a:t>Career</a:t>
+            </a:r>
+          </a:p>
+          <a:p>
+            <a:pPr algn="r"/>
+            <a:r>
+              <a:rPr lang="en-US" sz="1400" dirty="0" smtClean="0">
+                <a:solidFill>
+                  <a:schemeClr val="bg1">
+                    <a:lumMod val="50000"/>
+                  </a:schemeClr>
+                </a:solidFill>
+              </a:rPr>
+              <a:t>Driven</a:t>
+            </a:r>
+            <a:endParaRPr lang="en-US" sz="1400" dirty="0">
+              <a:solidFill>
+                <a:schemeClr val="bg1">
+                  <a:lumMod val="50000"/>
+                </a:schemeClr>
+              </a:solidFill>
+            </a:endParaRPr>
+          </a:p>
+        </p:txBody>
+      </p:sp>
+      <p:sp>
+        <p:nvSpPr>
+          <p:cNvPr id="19" name="TextBox 18"/>
+          <p:cNvSpPr txBox="1"/>
+          <p:nvPr/>
+        </p:nvSpPr>
+        <p:spPr>
+          <a:xfrm>
+            <a:off x="3926994" y="2533504"/>
+            <a:ext cx="1333506" cy="307777"/>
+          </a:xfrm>
+          <a:prstGeom prst="rect">
+            <a:avLst/>
+          </a:prstGeom>
+          <a:noFill/>
+        </p:spPr>
+        <p:txBody>
+          <a:bodyPr wrap="none" rtlCol="0">
+            <a:spAutoFit/>
+          </a:bodyPr>
+          <a:lstStyle/>
+          <a:p>
+            <a:pPr algn="ctr"/>
+            <a:r>
+              <a:rPr lang="en-US" sz="1400" dirty="0" smtClean="0">
+                <a:solidFill>
+                  <a:schemeClr val="bg1">
+                    <a:lumMod val="50000"/>
+                  </a:schemeClr>
+                </a:solidFill>
+              </a:rPr>
+              <a:t>Scientific Focus</a:t>
+            </a:r>
+            <a:endParaRPr lang="en-US" sz="1400" baseline="30000" dirty="0">
+              <a:solidFill>
+                <a:schemeClr val="bg1">
+                  <a:lumMod val="50000"/>
+                </a:schemeClr>
+              </a:solidFill>
+            </a:endParaRPr>
+          </a:p>
+        </p:txBody>
+      </p:sp>
+      <p:sp>
+        <p:nvSpPr>
+          <p:cNvPr id="20" name="TextBox 19"/>
+          <p:cNvSpPr txBox="1"/>
+          <p:nvPr/>
+        </p:nvSpPr>
+        <p:spPr>
+          <a:xfrm>
+            <a:off x="742926" y="4190774"/>
+            <a:ext cx="1011252" cy="523220"/>
+          </a:xfrm>
+          <a:prstGeom prst="rect">
+            <a:avLst/>
+          </a:prstGeom>
+          <a:noFill/>
+        </p:spPr>
+        <p:txBody>
+          <a:bodyPr wrap="none" rtlCol="0">
+            <a:spAutoFit/>
+          </a:bodyPr>
+          <a:lstStyle/>
+          <a:p>
+            <a:r>
+              <a:rPr lang="en-US" sz="1400" dirty="0" smtClean="0">
+                <a:solidFill>
+                  <a:schemeClr val="bg1">
+                    <a:lumMod val="50000"/>
+                  </a:schemeClr>
+                </a:solidFill>
+              </a:rPr>
+              <a:t>Personality</a:t>
+            </a:r>
+          </a:p>
+          <a:p>
+            <a:r>
+              <a:rPr lang="en-US" sz="1400" dirty="0" smtClean="0">
+                <a:solidFill>
+                  <a:schemeClr val="bg1">
+                    <a:lumMod val="50000"/>
+                  </a:schemeClr>
+                </a:solidFill>
+              </a:rPr>
+              <a:t>Driven</a:t>
+            </a:r>
+          </a:p>
+        </p:txBody>
+      </p:sp>
+      <p:sp>
+        <p:nvSpPr>
+          <p:cNvPr id="16" name="TextBox 15"/>
+          <p:cNvSpPr txBox="1"/>
+          <p:nvPr/>
+        </p:nvSpPr>
+        <p:spPr>
+          <a:xfrm>
+            <a:off x="5532885" y="5891891"/>
+            <a:ext cx="2903359" cy="276999"/>
+          </a:xfrm>
+          <a:prstGeom prst="rect">
+            <a:avLst/>
+          </a:prstGeom>
+          <a:noFill/>
+        </p:spPr>
+        <p:txBody>
+          <a:bodyPr wrap="none" rtlCol="0">
+            <a:spAutoFit/>
+          </a:bodyPr>
+          <a:lstStyle/>
+          <a:p>
+            <a:r>
+              <a:rPr lang="en-US" sz="1200" dirty="0" smtClean="0">
+                <a:solidFill>
+                  <a:schemeClr val="tx1">
+                    <a:lumMod val="50000"/>
+                    <a:lumOff val="50000"/>
+                  </a:schemeClr>
+                </a:solidFill>
+              </a:rPr>
+              <a:t>*Each point represents a college/university</a:t>
+            </a:r>
+            <a:endParaRPr lang="en-US" sz="1200" dirty="0">
+              <a:solidFill>
+                <a:schemeClr val="tx1">
+                  <a:lumMod val="50000"/>
+                  <a:lumOff val="50000"/>
+                </a:schemeClr>
+              </a:solidFill>
+            </a:endParaRPr>
+          </a:p>
+        </p:txBody>
+      </p:sp>
+      <p:sp>
+        <p:nvSpPr>
+          <p:cNvPr id="4" name="TextBox 3"/>
+          <p:cNvSpPr txBox="1"/>
+          <p:nvPr/>
+        </p:nvSpPr>
+        <p:spPr>
+          <a:xfrm>
+            <a:off x="685800" y="1942508"/>
+            <a:ext cx="4938371" cy="461665"/>
+          </a:xfrm>
+          <a:prstGeom prst="rect">
+            <a:avLst/>
+          </a:prstGeom>
+          <a:noFill/>
+        </p:spPr>
+        <p:txBody>
+          <a:bodyPr wrap="none" rtlCol="0">
+            <a:spAutoFit/>
+          </a:bodyPr>
+          <a:lstStyle/>
+          <a:p>
+            <a:r>
+              <a:rPr lang="en-US" sz="2400" dirty="0" smtClean="0"/>
+              <a:t>Cluster #1: Colleges with STEM Focus</a:t>
+            </a:r>
+            <a:endParaRPr lang="en-US" sz="2400" dirty="0"/>
+          </a:p>
+        </p:txBody>
+      </p:sp>
+      <p:sp>
+        <p:nvSpPr>
+          <p:cNvPr id="23" name="Title 1"/>
+          <p:cNvSpPr>
+            <a:spLocks noGrp="1"/>
+          </p:cNvSpPr>
+          <p:nvPr>
+            <p:ph type="title"/>
+          </p:nvPr>
+        </p:nvSpPr>
+        <p:spPr>
+          <a:xfrm>
+            <a:off x="457200" y="274638"/>
+            <a:ext cx="8229600" cy="1143000"/>
+          </a:xfrm>
+        </p:spPr>
+        <p:txBody>
+          <a:bodyPr>
+            <a:normAutofit/>
+          </a:bodyPr>
+          <a:lstStyle/>
+          <a:p>
+            <a:r>
+              <a:rPr lang="en-US" sz="3200" dirty="0" smtClean="0"/>
+              <a:t>A 2-D Representation of College Essays</a:t>
+            </a:r>
+            <a:endParaRPr lang="en-US" sz="3200" dirty="0"/>
+          </a:p>
+        </p:txBody>
+      </p:sp>
+    </p:spTree>
+    <p:extLst>
+      <p:ext uri="{BB962C8B-B14F-4D97-AF65-F5344CB8AC3E}">
+        <p14:creationId xmlns:p14="http://schemas.microsoft.com/office/powerpoint/2010/main" val="497916325"/>
+      </p:ext>
+    </p:extLst>
+  </p:cSld>
+  <p:clrMapOvr>
+    <a:masterClrMapping/>
+  </p:clrMapOvr>
+  <p:timing>
+    <p:tnLst>
+      <p:par>
+        <p:cTn xmlns:p14="http://schemas.microsoft.com/office/powerpoint/2010/main" id="1" dur="indefinite" restart="never" nodeType="tmRoot"/>
+      </p:par>
+    </p:tnLst>
+  </p:timing>
+</p:sld>
+</file>
+
+<file path=ppt/slides/slide12.xml><?xml version="1.0" encoding="utf-8"?>
+<p:sld xmlns:a="http://schemas.openxmlformats.org/drawingml/2006/main" xmlns:r="http://schemas.openxmlformats.org/officeDocument/2006/relationships" xmlns:p="http://schemas.openxmlformats.org/presentationml/2006/main">
+  <p:cSld>
+    <p:spTree>
+      <p:nvGrpSpPr>
+        <p:cNvPr id="1" name=""/>
+        <p:cNvGrpSpPr/>
+        <p:nvPr/>
+      </p:nvGrpSpPr>
+      <p:grpSpPr>
+        <a:xfrm>
+          <a:off x="0" y="0"/>
+          <a:ext cx="0" cy="0"/>
+          <a:chOff x="0" y="0"/>
+          <a:chExt cx="0" cy="0"/>
+        </a:xfrm>
+      </p:grpSpPr>
+      <p:pic>
+        <p:nvPicPr>
+          <p:cNvPr id="21" name="Picture 20"/>
+          <p:cNvPicPr>
+            <a:picLocks noChangeAspect="1"/>
+          </p:cNvPicPr>
+          <p:nvPr/>
+        </p:nvPicPr>
+        <p:blipFill>
+          <a:blip r:embed="rId2"/>
+          <a:stretch>
+            <a:fillRect/>
+          </a:stretch>
+        </p:blipFill>
+        <p:spPr>
+          <a:xfrm>
+            <a:off x="685800" y="2413000"/>
+            <a:ext cx="7769257" cy="3505200"/>
+          </a:xfrm>
+          <a:prstGeom prst="rect">
+            <a:avLst/>
+          </a:prstGeom>
+        </p:spPr>
+      </p:pic>
+      <p:sp>
+        <p:nvSpPr>
+          <p:cNvPr id="14" name="Freeform 13"/>
+          <p:cNvSpPr/>
+          <p:nvPr/>
+        </p:nvSpPr>
+        <p:spPr>
+          <a:xfrm>
+            <a:off x="4178300" y="2534545"/>
+            <a:ext cx="2167135" cy="1424335"/>
+          </a:xfrm>
+          <a:custGeom>
+            <a:avLst/>
+            <a:gdLst>
+              <a:gd name="connsiteX0" fmla="*/ 1113035 w 2226070"/>
+              <a:gd name="connsiteY0" fmla="*/ 141635 h 1100691"/>
+              <a:gd name="connsiteX1" fmla="*/ 33535 w 2226070"/>
+              <a:gd name="connsiteY1" fmla="*/ 611535 h 1100691"/>
+              <a:gd name="connsiteX2" fmla="*/ 414535 w 2226070"/>
+              <a:gd name="connsiteY2" fmla="*/ 1005235 h 1100691"/>
+              <a:gd name="connsiteX3" fmla="*/ 1811535 w 2226070"/>
+              <a:gd name="connsiteY3" fmla="*/ 1017935 h 1100691"/>
+              <a:gd name="connsiteX4" fmla="*/ 2192535 w 2226070"/>
+              <a:gd name="connsiteY4" fmla="*/ 65435 h 1100691"/>
+              <a:gd name="connsiteX5" fmla="*/ 1113035 w 2226070"/>
+              <a:gd name="connsiteY5" fmla="*/ 141635 h 1100691"/>
+            </a:gdLst>
+            <a:ahLst/>
+            <a:cxnLst>
+              <a:cxn ang="0">
+                <a:pos x="connsiteX0" y="connsiteY0"/>
+              </a:cxn>
+              <a:cxn ang="0">
+                <a:pos x="connsiteX1" y="connsiteY1"/>
+              </a:cxn>
+              <a:cxn ang="0">
+                <a:pos x="connsiteX2" y="connsiteY2"/>
+              </a:cxn>
+              <a:cxn ang="0">
+                <a:pos x="connsiteX3" y="connsiteY3"/>
+              </a:cxn>
+              <a:cxn ang="0">
+                <a:pos x="connsiteX4" y="connsiteY4"/>
+              </a:cxn>
+              <a:cxn ang="0">
+                <a:pos x="connsiteX5" y="connsiteY5"/>
+              </a:cxn>
+            </a:cxnLst>
+            <a:rect l="l" t="t" r="r" b="b"/>
+            <a:pathLst>
+              <a:path w="2226070" h="1100691">
+                <a:moveTo>
+                  <a:pt x="1113035" y="141635"/>
+                </a:moveTo>
+                <a:cubicBezTo>
+                  <a:pt x="753202" y="232652"/>
+                  <a:pt x="149952" y="467602"/>
+                  <a:pt x="33535" y="611535"/>
+                </a:cubicBezTo>
+                <a:cubicBezTo>
+                  <a:pt x="-82882" y="755468"/>
+                  <a:pt x="118202" y="937502"/>
+                  <a:pt x="414535" y="1005235"/>
+                </a:cubicBezTo>
+                <a:cubicBezTo>
+                  <a:pt x="710868" y="1072968"/>
+                  <a:pt x="1515202" y="1174568"/>
+                  <a:pt x="1811535" y="1017935"/>
+                </a:cubicBezTo>
+                <a:cubicBezTo>
+                  <a:pt x="2107868" y="861302"/>
+                  <a:pt x="2308952" y="211485"/>
+                  <a:pt x="2192535" y="65435"/>
+                </a:cubicBezTo>
+                <a:cubicBezTo>
+                  <a:pt x="2076118" y="-80615"/>
+                  <a:pt x="1472868" y="50618"/>
+                  <a:pt x="1113035" y="141635"/>
+                </a:cubicBezTo>
+                <a:close/>
+              </a:path>
+            </a:pathLst>
+          </a:custGeom>
+          <a:solidFill>
+            <a:srgbClr val="CECE00">
+              <a:alpha val="16000"/>
+            </a:srgbClr>
+          </a:solidFill>
+          <a:ln>
+            <a:noFill/>
+          </a:ln>
+          <a:effectLst/>
+        </p:spPr>
+        <p:style>
+          <a:lnRef idx="1">
+            <a:schemeClr val="accent1"/>
+          </a:lnRef>
+          <a:fillRef idx="3">
+            <a:schemeClr val="accent1"/>
+          </a:fillRef>
+          <a:effectRef idx="2">
+            <a:schemeClr val="accent1"/>
+          </a:effectRef>
+          <a:fontRef idx="minor">
+            <a:schemeClr val="lt1"/>
+          </a:fontRef>
+        </p:style>
+        <p:txBody>
+          <a:bodyPr rtlCol="0" anchor="ctr"/>
+          <a:lstStyle/>
+          <a:p>
+            <a:pPr algn="ctr"/>
+            <a:endParaRPr lang="en-US"/>
+          </a:p>
+        </p:txBody>
+      </p:sp>
+      <p:sp>
+        <p:nvSpPr>
+          <p:cNvPr id="22" name="Freeform 21"/>
+          <p:cNvSpPr/>
+          <p:nvPr/>
+        </p:nvSpPr>
+        <p:spPr>
+          <a:xfrm>
+            <a:off x="5888307" y="3361253"/>
+            <a:ext cx="2546852" cy="2475209"/>
+          </a:xfrm>
+          <a:custGeom>
+            <a:avLst/>
+            <a:gdLst>
+              <a:gd name="connsiteX0" fmla="*/ 276078 w 2546852"/>
+              <a:gd name="connsiteY0" fmla="*/ 222489 h 2475209"/>
+              <a:gd name="connsiteX1" fmla="*/ 2539 w 2546852"/>
+              <a:gd name="connsiteY1" fmla="*/ 837950 h 2475209"/>
+              <a:gd name="connsiteX2" fmla="*/ 422616 w 2546852"/>
+              <a:gd name="connsiteY2" fmla="*/ 1795335 h 2475209"/>
+              <a:gd name="connsiteX3" fmla="*/ 1721924 w 2546852"/>
+              <a:gd name="connsiteY3" fmla="*/ 2459642 h 2475209"/>
+              <a:gd name="connsiteX4" fmla="*/ 2464385 w 2546852"/>
+              <a:gd name="connsiteY4" fmla="*/ 2137258 h 2475209"/>
+              <a:gd name="connsiteX5" fmla="*/ 2347155 w 2546852"/>
+              <a:gd name="connsiteY5" fmla="*/ 769565 h 2475209"/>
+              <a:gd name="connsiteX6" fmla="*/ 852462 w 2546852"/>
+              <a:gd name="connsiteY6" fmla="*/ 27104 h 2475209"/>
+              <a:gd name="connsiteX7" fmla="*/ 276078 w 2546852"/>
+              <a:gd name="connsiteY7" fmla="*/ 222489 h 2475209"/>
+            </a:gdLst>
+            <a:ahLst/>
+            <a:cxnLst>
+              <a:cxn ang="0">
+                <a:pos x="connsiteX0" y="connsiteY0"/>
+              </a:cxn>
+              <a:cxn ang="0">
+                <a:pos x="connsiteX1" y="connsiteY1"/>
+              </a:cxn>
+              <a:cxn ang="0">
+                <a:pos x="connsiteX2" y="connsiteY2"/>
+              </a:cxn>
+              <a:cxn ang="0">
+                <a:pos x="connsiteX3" y="connsiteY3"/>
+              </a:cxn>
+              <a:cxn ang="0">
+                <a:pos x="connsiteX4" y="connsiteY4"/>
+              </a:cxn>
+              <a:cxn ang="0">
+                <a:pos x="connsiteX5" y="connsiteY5"/>
+              </a:cxn>
+              <a:cxn ang="0">
+                <a:pos x="connsiteX6" y="connsiteY6"/>
+              </a:cxn>
+              <a:cxn ang="0">
+                <a:pos x="connsiteX7" y="connsiteY7"/>
+              </a:cxn>
+            </a:cxnLst>
+            <a:rect l="l" t="t" r="r" b="b"/>
+            <a:pathLst>
+              <a:path w="2546852" h="2475209">
+                <a:moveTo>
+                  <a:pt x="276078" y="222489"/>
+                </a:moveTo>
+                <a:cubicBezTo>
+                  <a:pt x="134424" y="357630"/>
+                  <a:pt x="-21884" y="575809"/>
+                  <a:pt x="2539" y="837950"/>
+                </a:cubicBezTo>
+                <a:cubicBezTo>
+                  <a:pt x="26962" y="1100091"/>
+                  <a:pt x="136052" y="1525053"/>
+                  <a:pt x="422616" y="1795335"/>
+                </a:cubicBezTo>
+                <a:cubicBezTo>
+                  <a:pt x="709180" y="2065617"/>
+                  <a:pt x="1381629" y="2402655"/>
+                  <a:pt x="1721924" y="2459642"/>
+                </a:cubicBezTo>
+                <a:cubicBezTo>
+                  <a:pt x="2062219" y="2516629"/>
+                  <a:pt x="2360180" y="2418938"/>
+                  <a:pt x="2464385" y="2137258"/>
+                </a:cubicBezTo>
+                <a:cubicBezTo>
+                  <a:pt x="2568590" y="1855578"/>
+                  <a:pt x="2615809" y="1121257"/>
+                  <a:pt x="2347155" y="769565"/>
+                </a:cubicBezTo>
+                <a:cubicBezTo>
+                  <a:pt x="2078501" y="417873"/>
+                  <a:pt x="1197641" y="116655"/>
+                  <a:pt x="852462" y="27104"/>
+                </a:cubicBezTo>
+                <a:cubicBezTo>
+                  <a:pt x="507283" y="-62447"/>
+                  <a:pt x="417732" y="87348"/>
+                  <a:pt x="276078" y="222489"/>
+                </a:cubicBezTo>
+                <a:close/>
+              </a:path>
+            </a:pathLst>
+          </a:custGeom>
+          <a:solidFill>
+            <a:schemeClr val="accent4">
+              <a:lumMod val="60000"/>
+              <a:lumOff val="40000"/>
+              <a:alpha val="26000"/>
+            </a:schemeClr>
+          </a:solidFill>
+          <a:ln>
+            <a:noFill/>
+          </a:ln>
+          <a:effectLst/>
+        </p:spPr>
+        <p:style>
+          <a:lnRef idx="1">
+            <a:schemeClr val="accent1"/>
+          </a:lnRef>
+          <a:fillRef idx="3">
+            <a:schemeClr val="accent1"/>
+          </a:fillRef>
+          <a:effectRef idx="2">
+            <a:schemeClr val="accent1"/>
+          </a:effectRef>
+          <a:fontRef idx="minor">
+            <a:schemeClr val="lt1"/>
+          </a:fontRef>
+        </p:style>
+        <p:txBody>
+          <a:bodyPr rtlCol="0" anchor="ctr"/>
+          <a:lstStyle/>
+          <a:p>
+            <a:pPr algn="ctr"/>
+            <a:endParaRPr lang="en-US"/>
+          </a:p>
+        </p:txBody>
+      </p:sp>
+      <p:sp>
+        <p:nvSpPr>
+          <p:cNvPr id="9" name="TextBox 8"/>
+          <p:cNvSpPr txBox="1"/>
+          <p:nvPr/>
+        </p:nvSpPr>
+        <p:spPr>
+          <a:xfrm>
+            <a:off x="6585417" y="3497215"/>
+            <a:ext cx="699606" cy="461665"/>
+          </a:xfrm>
+          <a:prstGeom prst="rect">
+            <a:avLst/>
+          </a:prstGeom>
+          <a:noFill/>
+        </p:spPr>
+        <p:txBody>
+          <a:bodyPr wrap="none" rtlCol="0">
+            <a:spAutoFit/>
+          </a:bodyPr>
+          <a:lstStyle/>
+          <a:p>
+            <a:pPr algn="ctr"/>
+            <a:r>
+              <a:rPr lang="en-US" sz="1200" b="1" dirty="0" smtClean="0">
+                <a:solidFill>
+                  <a:srgbClr val="000000"/>
+                </a:solidFill>
+              </a:rPr>
+              <a:t>Arizona</a:t>
+            </a:r>
+          </a:p>
+          <a:p>
+            <a:pPr algn="ctr"/>
+            <a:r>
+              <a:rPr lang="en-US" sz="1200" b="1" dirty="0" smtClean="0">
+                <a:solidFill>
+                  <a:srgbClr val="000000"/>
+                </a:solidFill>
+              </a:rPr>
+              <a:t>State</a:t>
+            </a:r>
+            <a:endParaRPr lang="en-US" sz="1200" b="1" dirty="0">
+              <a:solidFill>
+                <a:srgbClr val="000000"/>
+              </a:solidFill>
+            </a:endParaRPr>
+          </a:p>
+        </p:txBody>
+      </p:sp>
+      <p:sp>
+        <p:nvSpPr>
+          <p:cNvPr id="10" name="TextBox 9"/>
+          <p:cNvSpPr txBox="1"/>
+          <p:nvPr/>
+        </p:nvSpPr>
+        <p:spPr>
+          <a:xfrm>
+            <a:off x="7010125" y="3941314"/>
+            <a:ext cx="800219" cy="461665"/>
+          </a:xfrm>
+          <a:prstGeom prst="rect">
+            <a:avLst/>
+          </a:prstGeom>
+          <a:noFill/>
+        </p:spPr>
+        <p:txBody>
+          <a:bodyPr wrap="none" rtlCol="0">
+            <a:spAutoFit/>
+          </a:bodyPr>
+          <a:lstStyle/>
+          <a:p>
+            <a:pPr algn="ctr"/>
+            <a:r>
+              <a:rPr lang="en-US" sz="1200" b="1" dirty="0" smtClean="0">
+                <a:solidFill>
+                  <a:srgbClr val="000000"/>
+                </a:solidFill>
+              </a:rPr>
+              <a:t>Michigan</a:t>
+            </a:r>
+          </a:p>
+          <a:p>
+            <a:pPr algn="ctr"/>
+            <a:r>
+              <a:rPr lang="en-US" sz="1200" b="1" dirty="0" smtClean="0">
+                <a:solidFill>
+                  <a:srgbClr val="000000"/>
+                </a:solidFill>
+              </a:rPr>
+              <a:t>State</a:t>
+            </a:r>
+            <a:endParaRPr lang="en-US" sz="1200" b="1" dirty="0">
+              <a:solidFill>
+                <a:srgbClr val="000000"/>
+              </a:solidFill>
+            </a:endParaRPr>
+          </a:p>
+        </p:txBody>
+      </p:sp>
+      <p:sp>
+        <p:nvSpPr>
+          <p:cNvPr id="11" name="TextBox 10"/>
+          <p:cNvSpPr txBox="1"/>
+          <p:nvPr/>
+        </p:nvSpPr>
+        <p:spPr>
+          <a:xfrm>
+            <a:off x="6737430" y="4676147"/>
+            <a:ext cx="787395" cy="461665"/>
+          </a:xfrm>
+          <a:prstGeom prst="rect">
+            <a:avLst/>
+          </a:prstGeom>
+          <a:noFill/>
+        </p:spPr>
+        <p:txBody>
+          <a:bodyPr wrap="none" rtlCol="0">
+            <a:spAutoFit/>
+          </a:bodyPr>
+          <a:lstStyle/>
+          <a:p>
+            <a:pPr algn="ctr"/>
+            <a:r>
+              <a:rPr lang="en-US" sz="1200" b="1" dirty="0" smtClean="0">
+                <a:solidFill>
+                  <a:srgbClr val="000000"/>
+                </a:solidFill>
+              </a:rPr>
+              <a:t>Cal State</a:t>
+            </a:r>
+          </a:p>
+          <a:p>
+            <a:pPr algn="ctr"/>
+            <a:r>
+              <a:rPr lang="en-US" sz="1200" b="1" dirty="0" smtClean="0">
+                <a:solidFill>
+                  <a:srgbClr val="000000"/>
+                </a:solidFill>
+              </a:rPr>
+              <a:t>LB	</a:t>
+            </a:r>
+            <a:endParaRPr lang="en-US" sz="1200" b="1" dirty="0">
+              <a:solidFill>
+                <a:srgbClr val="000000"/>
+              </a:solidFill>
+            </a:endParaRPr>
+          </a:p>
+        </p:txBody>
+      </p:sp>
+      <p:sp>
+        <p:nvSpPr>
+          <p:cNvPr id="12" name="TextBox 11"/>
+          <p:cNvSpPr txBox="1"/>
+          <p:nvPr/>
+        </p:nvSpPr>
+        <p:spPr>
+          <a:xfrm>
+            <a:off x="7410234" y="5340674"/>
+            <a:ext cx="774571" cy="276999"/>
+          </a:xfrm>
+          <a:prstGeom prst="rect">
+            <a:avLst/>
+          </a:prstGeom>
+          <a:noFill/>
+        </p:spPr>
+        <p:txBody>
+          <a:bodyPr wrap="none" rtlCol="0">
+            <a:spAutoFit/>
+          </a:bodyPr>
+          <a:lstStyle/>
+          <a:p>
+            <a:r>
+              <a:rPr lang="en-US" sz="1200" b="1" dirty="0" smtClean="0">
+                <a:solidFill>
+                  <a:srgbClr val="000000"/>
+                </a:solidFill>
+              </a:rPr>
+              <a:t>SD State</a:t>
+            </a:r>
+            <a:endParaRPr lang="en-US" sz="1200" b="1" dirty="0">
+              <a:solidFill>
+                <a:srgbClr val="000000"/>
+              </a:solidFill>
+            </a:endParaRPr>
+          </a:p>
+        </p:txBody>
+      </p:sp>
+      <p:cxnSp>
+        <p:nvCxnSpPr>
+          <p:cNvPr id="15" name="Straight Arrow Connector 14"/>
+          <p:cNvCxnSpPr/>
+          <p:nvPr/>
+        </p:nvCxnSpPr>
+        <p:spPr>
+          <a:xfrm>
+            <a:off x="940741" y="4173605"/>
+            <a:ext cx="7377759" cy="0"/>
+          </a:xfrm>
+          <a:prstGeom prst="straightConnector1">
+            <a:avLst/>
+          </a:prstGeom>
+          <a:ln w="12700" cmpd="sng">
+            <a:solidFill>
+              <a:srgbClr val="C8C8C8"/>
+            </a:solidFill>
+            <a:headEnd type="none"/>
+            <a:tailEnd type="none"/>
+          </a:ln>
+          <a:effectLst/>
+        </p:spPr>
+        <p:style>
+          <a:lnRef idx="2">
+            <a:schemeClr val="accent1"/>
+          </a:lnRef>
+          <a:fillRef idx="0">
+            <a:schemeClr val="accent1"/>
+          </a:fillRef>
+          <a:effectRef idx="1">
+            <a:schemeClr val="accent1"/>
+          </a:effectRef>
+          <a:fontRef idx="minor">
+            <a:schemeClr val="tx1"/>
+          </a:fontRef>
+        </p:style>
+      </p:cxnSp>
+      <p:cxnSp>
+        <p:nvCxnSpPr>
+          <p:cNvPr id="17" name="Straight Arrow Connector 16"/>
+          <p:cNvCxnSpPr/>
+          <p:nvPr/>
+        </p:nvCxnSpPr>
+        <p:spPr>
+          <a:xfrm>
+            <a:off x="4576233" y="2860095"/>
+            <a:ext cx="0" cy="2627018"/>
+          </a:xfrm>
+          <a:prstGeom prst="straightConnector1">
+            <a:avLst/>
+          </a:prstGeom>
+          <a:ln w="12700" cmpd="sng">
+            <a:solidFill>
+              <a:srgbClr val="C8C8C8"/>
+            </a:solidFill>
+            <a:headEnd type="none"/>
+            <a:tailEnd type="none"/>
+          </a:ln>
+          <a:effectLst/>
+        </p:spPr>
+        <p:style>
+          <a:lnRef idx="2">
+            <a:schemeClr val="accent1"/>
+          </a:lnRef>
+          <a:fillRef idx="0">
+            <a:schemeClr val="accent1"/>
+          </a:fillRef>
+          <a:effectRef idx="1">
+            <a:schemeClr val="accent1"/>
+          </a:effectRef>
+          <a:fontRef idx="minor">
+            <a:schemeClr val="tx1"/>
+          </a:fontRef>
+        </p:style>
+      </p:cxnSp>
+      <p:sp>
+        <p:nvSpPr>
+          <p:cNvPr id="26" name="TextBox 25"/>
+          <p:cNvSpPr txBox="1"/>
+          <p:nvPr/>
+        </p:nvSpPr>
+        <p:spPr>
+          <a:xfrm>
+            <a:off x="3975510" y="5451836"/>
+            <a:ext cx="1236461" cy="307777"/>
+          </a:xfrm>
+          <a:prstGeom prst="rect">
+            <a:avLst/>
+          </a:prstGeom>
+          <a:noFill/>
+        </p:spPr>
+        <p:txBody>
+          <a:bodyPr wrap="none" rtlCol="0">
+            <a:spAutoFit/>
+          </a:bodyPr>
+          <a:lstStyle/>
+          <a:p>
+            <a:pPr algn="ctr"/>
+            <a:r>
+              <a:rPr lang="en-US" sz="1400" dirty="0" smtClean="0">
+                <a:solidFill>
+                  <a:schemeClr val="bg1">
+                    <a:lumMod val="50000"/>
+                  </a:schemeClr>
+                </a:solidFill>
+              </a:rPr>
+              <a:t>Cultural Focus</a:t>
+            </a:r>
+            <a:endParaRPr lang="en-US" sz="1400" baseline="30000" dirty="0">
+              <a:solidFill>
+                <a:schemeClr val="bg1">
+                  <a:lumMod val="50000"/>
+                </a:schemeClr>
+              </a:solidFill>
+            </a:endParaRPr>
+          </a:p>
+        </p:txBody>
+      </p:sp>
+      <p:sp>
+        <p:nvSpPr>
+          <p:cNvPr id="27" name="TextBox 26"/>
+          <p:cNvSpPr txBox="1"/>
+          <p:nvPr/>
+        </p:nvSpPr>
+        <p:spPr>
+          <a:xfrm>
+            <a:off x="7723219" y="4190774"/>
+            <a:ext cx="684803" cy="523220"/>
+          </a:xfrm>
+          <a:prstGeom prst="rect">
+            <a:avLst/>
+          </a:prstGeom>
+          <a:noFill/>
+        </p:spPr>
+        <p:txBody>
+          <a:bodyPr wrap="none" rtlCol="0">
+            <a:spAutoFit/>
+          </a:bodyPr>
+          <a:lstStyle/>
+          <a:p>
+            <a:pPr algn="r"/>
+            <a:r>
+              <a:rPr lang="en-US" sz="1400" dirty="0" smtClean="0">
+                <a:solidFill>
+                  <a:schemeClr val="bg1">
+                    <a:lumMod val="50000"/>
+                  </a:schemeClr>
+                </a:solidFill>
+              </a:rPr>
+              <a:t>Career</a:t>
+            </a:r>
+          </a:p>
+          <a:p>
+            <a:pPr algn="r"/>
+            <a:r>
+              <a:rPr lang="en-US" sz="1400" dirty="0" smtClean="0">
+                <a:solidFill>
+                  <a:schemeClr val="bg1">
+                    <a:lumMod val="50000"/>
+                  </a:schemeClr>
+                </a:solidFill>
+              </a:rPr>
+              <a:t>Driven</a:t>
+            </a:r>
+            <a:endParaRPr lang="en-US" sz="1400" dirty="0">
+              <a:solidFill>
+                <a:schemeClr val="bg1">
+                  <a:lumMod val="50000"/>
+                </a:schemeClr>
+              </a:solidFill>
+            </a:endParaRPr>
+          </a:p>
+        </p:txBody>
+      </p:sp>
+      <p:sp>
+        <p:nvSpPr>
+          <p:cNvPr id="28" name="TextBox 27"/>
+          <p:cNvSpPr txBox="1"/>
+          <p:nvPr/>
+        </p:nvSpPr>
+        <p:spPr>
+          <a:xfrm>
+            <a:off x="3926994" y="2533504"/>
+            <a:ext cx="1333506" cy="307777"/>
+          </a:xfrm>
+          <a:prstGeom prst="rect">
+            <a:avLst/>
+          </a:prstGeom>
+          <a:noFill/>
+        </p:spPr>
+        <p:txBody>
+          <a:bodyPr wrap="none" rtlCol="0">
+            <a:spAutoFit/>
+          </a:bodyPr>
+          <a:lstStyle/>
+          <a:p>
+            <a:pPr algn="ctr"/>
+            <a:r>
+              <a:rPr lang="en-US" sz="1400" dirty="0" smtClean="0">
+                <a:solidFill>
+                  <a:schemeClr val="bg1">
+                    <a:lumMod val="50000"/>
+                  </a:schemeClr>
+                </a:solidFill>
+              </a:rPr>
+              <a:t>Scientific Focus</a:t>
+            </a:r>
+            <a:endParaRPr lang="en-US" sz="1400" baseline="30000" dirty="0">
+              <a:solidFill>
+                <a:schemeClr val="bg1">
+                  <a:lumMod val="50000"/>
+                </a:schemeClr>
+              </a:solidFill>
+            </a:endParaRPr>
+          </a:p>
+        </p:txBody>
+      </p:sp>
+      <p:sp>
+        <p:nvSpPr>
+          <p:cNvPr id="29" name="TextBox 28"/>
+          <p:cNvSpPr txBox="1"/>
+          <p:nvPr/>
+        </p:nvSpPr>
+        <p:spPr>
+          <a:xfrm>
+            <a:off x="742926" y="4190774"/>
+            <a:ext cx="1011252" cy="523220"/>
+          </a:xfrm>
+          <a:prstGeom prst="rect">
+            <a:avLst/>
+          </a:prstGeom>
+          <a:noFill/>
+        </p:spPr>
+        <p:txBody>
+          <a:bodyPr wrap="none" rtlCol="0">
+            <a:spAutoFit/>
+          </a:bodyPr>
+          <a:lstStyle/>
+          <a:p>
+            <a:r>
+              <a:rPr lang="en-US" sz="1400" dirty="0" smtClean="0">
+                <a:solidFill>
+                  <a:schemeClr val="bg1">
+                    <a:lumMod val="50000"/>
+                  </a:schemeClr>
+                </a:solidFill>
+              </a:rPr>
+              <a:t>Personality</a:t>
+            </a:r>
+          </a:p>
+          <a:p>
+            <a:r>
+              <a:rPr lang="en-US" sz="1400" dirty="0" smtClean="0">
+                <a:solidFill>
+                  <a:schemeClr val="bg1">
+                    <a:lumMod val="50000"/>
+                  </a:schemeClr>
+                </a:solidFill>
+              </a:rPr>
+              <a:t>Driven</a:t>
+            </a:r>
+          </a:p>
+        </p:txBody>
+      </p:sp>
+      <p:sp>
+        <p:nvSpPr>
+          <p:cNvPr id="16" name="TextBox 15"/>
+          <p:cNvSpPr txBox="1"/>
+          <p:nvPr/>
+        </p:nvSpPr>
+        <p:spPr>
+          <a:xfrm>
+            <a:off x="5532885" y="5891891"/>
+            <a:ext cx="2903359" cy="276999"/>
+          </a:xfrm>
+          <a:prstGeom prst="rect">
+            <a:avLst/>
+          </a:prstGeom>
+          <a:noFill/>
+        </p:spPr>
+        <p:txBody>
+          <a:bodyPr wrap="none" rtlCol="0">
+            <a:spAutoFit/>
+          </a:bodyPr>
+          <a:lstStyle/>
+          <a:p>
+            <a:r>
+              <a:rPr lang="en-US" sz="1200" dirty="0" smtClean="0">
+                <a:solidFill>
+                  <a:schemeClr val="tx1">
+                    <a:lumMod val="50000"/>
+                    <a:lumOff val="50000"/>
+                  </a:schemeClr>
+                </a:solidFill>
+              </a:rPr>
+              <a:t>*Each point represents a college/university</a:t>
+            </a:r>
+            <a:endParaRPr lang="en-US" sz="1200" dirty="0">
+              <a:solidFill>
+                <a:schemeClr val="tx1">
+                  <a:lumMod val="50000"/>
+                  <a:lumOff val="50000"/>
+                </a:schemeClr>
+              </a:solidFill>
+            </a:endParaRPr>
+          </a:p>
+        </p:txBody>
+      </p:sp>
+      <p:sp>
+        <p:nvSpPr>
+          <p:cNvPr id="18" name="TextBox 17"/>
+          <p:cNvSpPr txBox="1"/>
+          <p:nvPr/>
+        </p:nvSpPr>
+        <p:spPr>
+          <a:xfrm>
+            <a:off x="685800" y="1942508"/>
+            <a:ext cx="5869215" cy="461665"/>
+          </a:xfrm>
+          <a:prstGeom prst="rect">
+            <a:avLst/>
+          </a:prstGeom>
+          <a:noFill/>
+        </p:spPr>
+        <p:txBody>
+          <a:bodyPr wrap="none" rtlCol="0">
+            <a:spAutoFit/>
+          </a:bodyPr>
+          <a:lstStyle/>
+          <a:p>
+            <a:r>
+              <a:rPr lang="en-US" sz="2400" dirty="0" smtClean="0"/>
+              <a:t>Cluster #2: State Schools, Large Institutions</a:t>
+            </a:r>
+            <a:endParaRPr lang="en-US" sz="2400" dirty="0"/>
+          </a:p>
+        </p:txBody>
+      </p:sp>
+      <p:sp>
+        <p:nvSpPr>
+          <p:cNvPr id="20" name="Title 1"/>
+          <p:cNvSpPr>
+            <a:spLocks noGrp="1"/>
+          </p:cNvSpPr>
+          <p:nvPr>
+            <p:ph type="title"/>
+          </p:nvPr>
+        </p:nvSpPr>
+        <p:spPr>
+          <a:xfrm>
+            <a:off x="457200" y="274638"/>
+            <a:ext cx="8229600" cy="1143000"/>
+          </a:xfrm>
+        </p:spPr>
+        <p:txBody>
+          <a:bodyPr>
+            <a:normAutofit/>
+          </a:bodyPr>
+          <a:lstStyle/>
+          <a:p>
+            <a:r>
+              <a:rPr lang="en-US" sz="3200" dirty="0" smtClean="0"/>
+              <a:t>A 2-D Representation of College Essays</a:t>
+            </a:r>
+            <a:endParaRPr lang="en-US" sz="3200" dirty="0"/>
+          </a:p>
+        </p:txBody>
+      </p:sp>
+    </p:spTree>
+    <p:extLst>
+      <p:ext uri="{BB962C8B-B14F-4D97-AF65-F5344CB8AC3E}">
+        <p14:creationId xmlns:p14="http://schemas.microsoft.com/office/powerpoint/2010/main" val="2327585848"/>
+      </p:ext>
+    </p:extLst>
+  </p:cSld>
+  <p:clrMapOvr>
+    <a:masterClrMapping/>
+  </p:clrMapOvr>
+  <p:timing>
+    <p:tnLst>
+      <p:par>
+        <p:cTn xmlns:p14="http://schemas.microsoft.com/office/powerpoint/2010/main" id="1" dur="indefinite" restart="never" nodeType="tmRoot"/>
+      </p:par>
+    </p:tnLst>
+  </p:timing>
+</p:sld>
+</file>
+
+<file path=ppt/slides/slide13.xml><?xml version="1.0" encoding="utf-8"?>
+<p:sld xmlns:a="http://schemas.openxmlformats.org/drawingml/2006/main" xmlns:r="http://schemas.openxmlformats.org/officeDocument/2006/relationships" xmlns:p="http://schemas.openxmlformats.org/presentationml/2006/main">
+  <p:cSld>
+    <p:spTree>
+      <p:nvGrpSpPr>
+        <p:cNvPr id="1" name=""/>
+        <p:cNvGrpSpPr/>
+        <p:nvPr/>
+      </p:nvGrpSpPr>
+      <p:grpSpPr>
+        <a:xfrm>
+          <a:off x="0" y="0"/>
+          <a:ext cx="0" cy="0"/>
+          <a:chOff x="0" y="0"/>
+          <a:chExt cx="0" cy="0"/>
+        </a:xfrm>
+      </p:grpSpPr>
+      <p:pic>
+        <p:nvPicPr>
+          <p:cNvPr id="21" name="Picture 20"/>
+          <p:cNvPicPr>
+            <a:picLocks noChangeAspect="1"/>
+          </p:cNvPicPr>
+          <p:nvPr/>
+        </p:nvPicPr>
+        <p:blipFill>
+          <a:blip r:embed="rId2"/>
+          <a:stretch>
+            <a:fillRect/>
+          </a:stretch>
+        </p:blipFill>
+        <p:spPr>
+          <a:xfrm>
+            <a:off x="685800" y="2408822"/>
+            <a:ext cx="7769257" cy="3505200"/>
+          </a:xfrm>
+          <a:prstGeom prst="rect">
+            <a:avLst/>
+          </a:prstGeom>
+        </p:spPr>
+      </p:pic>
+      <p:sp>
+        <p:nvSpPr>
+          <p:cNvPr id="14" name="Freeform 13"/>
+          <p:cNvSpPr/>
+          <p:nvPr/>
+        </p:nvSpPr>
+        <p:spPr>
+          <a:xfrm>
+            <a:off x="4178300" y="2530367"/>
+            <a:ext cx="2167135" cy="1424335"/>
+          </a:xfrm>
+          <a:custGeom>
+            <a:avLst/>
+            <a:gdLst>
+              <a:gd name="connsiteX0" fmla="*/ 1113035 w 2226070"/>
+              <a:gd name="connsiteY0" fmla="*/ 141635 h 1100691"/>
+              <a:gd name="connsiteX1" fmla="*/ 33535 w 2226070"/>
+              <a:gd name="connsiteY1" fmla="*/ 611535 h 1100691"/>
+              <a:gd name="connsiteX2" fmla="*/ 414535 w 2226070"/>
+              <a:gd name="connsiteY2" fmla="*/ 1005235 h 1100691"/>
+              <a:gd name="connsiteX3" fmla="*/ 1811535 w 2226070"/>
+              <a:gd name="connsiteY3" fmla="*/ 1017935 h 1100691"/>
+              <a:gd name="connsiteX4" fmla="*/ 2192535 w 2226070"/>
+              <a:gd name="connsiteY4" fmla="*/ 65435 h 1100691"/>
+              <a:gd name="connsiteX5" fmla="*/ 1113035 w 2226070"/>
+              <a:gd name="connsiteY5" fmla="*/ 141635 h 1100691"/>
+            </a:gdLst>
+            <a:ahLst/>
+            <a:cxnLst>
+              <a:cxn ang="0">
+                <a:pos x="connsiteX0" y="connsiteY0"/>
+              </a:cxn>
+              <a:cxn ang="0">
+                <a:pos x="connsiteX1" y="connsiteY1"/>
+              </a:cxn>
+              <a:cxn ang="0">
+                <a:pos x="connsiteX2" y="connsiteY2"/>
+              </a:cxn>
+              <a:cxn ang="0">
+                <a:pos x="connsiteX3" y="connsiteY3"/>
+              </a:cxn>
+              <a:cxn ang="0">
+                <a:pos x="connsiteX4" y="connsiteY4"/>
+              </a:cxn>
+              <a:cxn ang="0">
+                <a:pos x="connsiteX5" y="connsiteY5"/>
+              </a:cxn>
+            </a:cxnLst>
+            <a:rect l="l" t="t" r="r" b="b"/>
+            <a:pathLst>
+              <a:path w="2226070" h="1100691">
+                <a:moveTo>
+                  <a:pt x="1113035" y="141635"/>
+                </a:moveTo>
+                <a:cubicBezTo>
+                  <a:pt x="753202" y="232652"/>
+                  <a:pt x="149952" y="467602"/>
+                  <a:pt x="33535" y="611535"/>
+                </a:cubicBezTo>
+                <a:cubicBezTo>
+                  <a:pt x="-82882" y="755468"/>
+                  <a:pt x="118202" y="937502"/>
+                  <a:pt x="414535" y="1005235"/>
+                </a:cubicBezTo>
+                <a:cubicBezTo>
+                  <a:pt x="710868" y="1072968"/>
+                  <a:pt x="1515202" y="1174568"/>
+                  <a:pt x="1811535" y="1017935"/>
+                </a:cubicBezTo>
+                <a:cubicBezTo>
+                  <a:pt x="2107868" y="861302"/>
+                  <a:pt x="2308952" y="211485"/>
+                  <a:pt x="2192535" y="65435"/>
+                </a:cubicBezTo>
+                <a:cubicBezTo>
+                  <a:pt x="2076118" y="-80615"/>
+                  <a:pt x="1472868" y="50618"/>
+                  <a:pt x="1113035" y="141635"/>
+                </a:cubicBezTo>
+                <a:close/>
+              </a:path>
+            </a:pathLst>
+          </a:custGeom>
+          <a:solidFill>
+            <a:srgbClr val="CECE00">
+              <a:alpha val="16000"/>
+            </a:srgbClr>
+          </a:solidFill>
+          <a:ln>
+            <a:noFill/>
+          </a:ln>
+          <a:effectLst/>
+        </p:spPr>
+        <p:style>
+          <a:lnRef idx="1">
+            <a:schemeClr val="accent1"/>
+          </a:lnRef>
+          <a:fillRef idx="3">
+            <a:schemeClr val="accent1"/>
+          </a:fillRef>
+          <a:effectRef idx="2">
+            <a:schemeClr val="accent1"/>
+          </a:effectRef>
+          <a:fontRef idx="minor">
+            <a:schemeClr val="lt1"/>
+          </a:fontRef>
+        </p:style>
+        <p:txBody>
+          <a:bodyPr rtlCol="0" anchor="ctr"/>
+          <a:lstStyle/>
+          <a:p>
+            <a:pPr algn="ctr"/>
+            <a:endParaRPr lang="en-US"/>
+          </a:p>
+        </p:txBody>
+      </p:sp>
+      <p:sp>
+        <p:nvSpPr>
           <p:cNvPr id="16" name="Freeform 15"/>
           <p:cNvSpPr/>
           <p:nvPr/>
         </p:nvSpPr>
         <p:spPr>
           <a:xfrm>
-            <a:off x="808897" y="4004020"/>
+            <a:off x="808897" y="3793122"/>
             <a:ext cx="2823303" cy="1125892"/>
           </a:xfrm>
           <a:custGeom>
@@ -3904,7 +6724,7 @@
         </p:nvSpPr>
         <p:spPr>
           <a:xfrm>
-            <a:off x="5888307" y="3567973"/>
+            <a:off x="5888307" y="3357075"/>
             <a:ext cx="2546852" cy="2475209"/>
           </a:xfrm>
           <a:custGeom>
@@ -4042,7 +6862,7 @@
         </p:nvCxnSpPr>
         <p:spPr>
           <a:xfrm>
-            <a:off x="940741" y="4380325"/>
+            <a:off x="940741" y="4169427"/>
             <a:ext cx="7377759" cy="0"/>
           </a:xfrm>
           <a:prstGeom prst="straightConnector1">
@@ -4080,7 +6900,7 @@
         </p:nvCxnSpPr>
         <p:spPr>
           <a:xfrm>
-            <a:off x="4576233" y="3066815"/>
+            <a:off x="4576233" y="2855917"/>
             <a:ext cx="0" cy="2627018"/>
           </a:xfrm>
           <a:prstGeom prst="straightConnector1">
@@ -4118,7 +6938,7 @@
         </p:nvSpPr>
         <p:spPr>
           <a:xfrm>
-            <a:off x="808897" y="4004020"/>
+            <a:off x="808897" y="3793122"/>
             <a:ext cx="775648" cy="276999"/>
           </a:xfrm>
           <a:prstGeom prst="rect">
@@ -4157,7 +6977,7 @@
         </p:nvSpPr>
         <p:spPr>
           <a:xfrm>
-            <a:off x="1720636" y="4119089"/>
+            <a:off x="1720636" y="3908191"/>
             <a:ext cx="825992" cy="276999"/>
           </a:xfrm>
           <a:prstGeom prst="rect">
@@ -4196,7 +7016,7 @@
         </p:nvSpPr>
         <p:spPr>
           <a:xfrm>
-            <a:off x="2496397" y="4835537"/>
+            <a:off x="2496397" y="4624639"/>
             <a:ext cx="815848" cy="276999"/>
           </a:xfrm>
           <a:prstGeom prst="rect">
@@ -4235,7 +7055,7 @@
         </p:nvSpPr>
         <p:spPr>
           <a:xfrm>
-            <a:off x="3132788" y="4931701"/>
+            <a:off x="3132788" y="4720803"/>
             <a:ext cx="761747" cy="276999"/>
           </a:xfrm>
           <a:prstGeom prst="rect">
@@ -4273,7 +7093,7 @@
         </p:nvSpPr>
         <p:spPr>
           <a:xfrm>
-            <a:off x="2189107" y="4658625"/>
+            <a:off x="2189107" y="4447727"/>
             <a:ext cx="941859" cy="276999"/>
           </a:xfrm>
           <a:prstGeom prst="rect">
@@ -4312,7 +7132,7 @@
         </p:nvSpPr>
         <p:spPr>
           <a:xfrm>
-            <a:off x="3975510" y="5658556"/>
+            <a:off x="3975510" y="5447658"/>
             <a:ext cx="1236461" cy="307777"/>
           </a:xfrm>
           <a:prstGeom prst="rect">
@@ -4355,7 +7175,7 @@
         </p:nvSpPr>
         <p:spPr>
           <a:xfrm>
-            <a:off x="7723219" y="4397494"/>
+            <a:off x="7723219" y="4186596"/>
             <a:ext cx="684803" cy="523220"/>
           </a:xfrm>
           <a:prstGeom prst="rect">
@@ -4411,7 +7231,7 @@
         </p:nvSpPr>
         <p:spPr>
           <a:xfrm>
-            <a:off x="3926994" y="2740224"/>
+            <a:off x="3926994" y="2529326"/>
             <a:ext cx="1333506" cy="307777"/>
           </a:xfrm>
           <a:prstGeom prst="rect">
@@ -4454,7 +7274,7 @@
         </p:nvSpPr>
         <p:spPr>
           <a:xfrm>
-            <a:off x="742926" y="4397494"/>
+            <a:off x="742926" y="4186596"/>
             <a:ext cx="1011252" cy="523220"/>
           </a:xfrm>
           <a:prstGeom prst="rect">
@@ -4490,6 +7310,110 @@
               </a:rPr>
               <a:t>Driven</a:t>
             </a:r>
+          </a:p>
+        </p:txBody>
+      </p:sp>
+      <p:sp>
+        <p:nvSpPr>
+          <p:cNvPr id="23" name="TextBox 22"/>
+          <p:cNvSpPr txBox="1"/>
+          <p:nvPr/>
+        </p:nvSpPr>
+        <p:spPr>
+          <a:xfrm>
+            <a:off x="5532885" y="5887713"/>
+            <a:ext cx="2903359" cy="276999"/>
+          </a:xfrm>
+          <a:prstGeom prst="rect">
+            <a:avLst/>
+          </a:prstGeom>
+          <a:noFill/>
+        </p:spPr>
+        <p:txBody>
+          <a:bodyPr wrap="none" rtlCol="0">
+            <a:spAutoFit/>
+          </a:bodyPr>
+          <a:lstStyle/>
+          <a:p>
+            <a:r>
+              <a:rPr lang="en-US" sz="1200" dirty="0" smtClean="0">
+                <a:solidFill>
+                  <a:schemeClr val="tx1">
+                    <a:lumMod val="50000"/>
+                    <a:lumOff val="50000"/>
+                  </a:schemeClr>
+                </a:solidFill>
+              </a:rPr>
+              <a:t>*Each point represents a college/university</a:t>
+            </a:r>
+            <a:endParaRPr lang="en-US" sz="1200" dirty="0">
+              <a:solidFill>
+                <a:schemeClr val="tx1">
+                  <a:lumMod val="50000"/>
+                  <a:lumOff val="50000"/>
+                </a:schemeClr>
+              </a:solidFill>
+            </a:endParaRPr>
+          </a:p>
+        </p:txBody>
+      </p:sp>
+      <p:sp>
+        <p:nvSpPr>
+          <p:cNvPr id="24" name="TextBox 23"/>
+          <p:cNvSpPr txBox="1"/>
+          <p:nvPr/>
+        </p:nvSpPr>
+        <p:spPr>
+          <a:xfrm>
+            <a:off x="685800" y="1938330"/>
+            <a:ext cx="4146989" cy="461665"/>
+          </a:xfrm>
+          <a:prstGeom prst="rect">
+            <a:avLst/>
+          </a:prstGeom>
+          <a:noFill/>
+        </p:spPr>
+        <p:txBody>
+          <a:bodyPr wrap="none" rtlCol="0">
+            <a:spAutoFit/>
+          </a:bodyPr>
+          <a:lstStyle/>
+          <a:p>
+            <a:r>
+              <a:rPr lang="en-US" sz="2400" dirty="0" smtClean="0"/>
+              <a:t>Cluster #3: Liberal Arts Schools</a:t>
+            </a:r>
+            <a:endParaRPr lang="en-US" sz="2400" dirty="0"/>
+          </a:p>
+        </p:txBody>
+      </p:sp>
+      <p:sp>
+        <p:nvSpPr>
+          <p:cNvPr id="30" name="Title 1"/>
+          <p:cNvSpPr>
+            <a:spLocks noGrp="1"/>
+          </p:cNvSpPr>
+          <p:nvPr>
+            <p:ph type="title"/>
+          </p:nvPr>
+        </p:nvSpPr>
+        <p:spPr>
+          <a:xfrm>
+            <a:off x="457200" y="274638"/>
+            <a:ext cx="8229600" cy="1143000"/>
+          </a:xfrm>
+        </p:spPr>
+        <p:txBody>
+          <a:bodyPr>
+            <a:normAutofit/>
+          </a:bodyPr>
+          <a:lstStyle/>
+          <a:p>
+            <a:r>
+              <a:rPr lang="en-US" sz="3200" dirty="0" smtClean="0"/>
+              <a:t>A 2-D Representation of College Essays</a:t>
+            </a:r>
+            <a:endParaRPr lang="en-US" sz="3200" dirty="0"/>
           </a:p>
         </p:txBody>
       </p:sp>
@@ -4513,7 +7437,7 @@
 </p:sld>
 </file>
 
-<file path=ppt/slides/slide11.xml><?xml version="1.0" encoding="utf-8"?>
+<file path=ppt/slides/slide14.xml><?xml version="1.0" encoding="utf-8"?>
 <p:sld xmlns:a="http://schemas.openxmlformats.org/drawingml/2006/main" xmlns:r="http://schemas.openxmlformats.org/officeDocument/2006/relationships" xmlns:p="http://schemas.openxmlformats.org/presentationml/2006/main">
   <p:cSld>
     <p:spTree>
@@ -4546,7 +7470,7 @@
         </p:blipFill>
         <p:spPr>
           <a:xfrm>
-            <a:off x="685800" y="2619720"/>
+            <a:off x="685800" y="2414388"/>
             <a:ext cx="7769257" cy="3505200"/>
           </a:xfrm>
           <a:prstGeom prst="rect">
@@ -4554,31 +7478,6 @@
           </a:prstGeom>
         </p:spPr>
       </p:pic>
-      <p:sp>
-        <p:nvSpPr>
-          <p:cNvPr id="2" name="Title 1"/>
-          <p:cNvSpPr>
-            <a:spLocks noGrp="1"/>
-          </p:cNvSpPr>
-          <p:nvPr>
-            <p:ph type="title"/>
-          </p:nvPr>
-        </p:nvSpPr>
-        <p:spPr/>
-        <p:txBody>
-          <a:bodyPr>
-            <a:normAutofit/>
-          </a:bodyPr>
-          <a:lstStyle/>
-          <a:p>
-            <a:r>
-              <a:rPr lang="en-US" sz="3200" dirty="0" smtClean="0"/>
-              <a:t>The Landscape of Colleges vs. Essay Topics</a:t>
-            </a:r>
-            <a:endParaRPr lang="en-US" sz="3200" dirty="0"/>
-          </a:p>
-        </p:txBody>
-      </p:sp>
       <p:sp>
         <p:nvSpPr>
           <p:cNvPr id="14" name="Freeform 13"/>
@@ -4587,7 +7486,7 @@
         </p:nvSpPr>
         <p:spPr>
           <a:xfrm>
-            <a:off x="4178300" y="2741265"/>
+            <a:off x="4178300" y="2535933"/>
             <a:ext cx="2167135" cy="1424335"/>
           </a:xfrm>
           <a:custGeom>
@@ -4703,7 +7602,7 @@
         </p:nvSpPr>
         <p:spPr>
           <a:xfrm>
-            <a:off x="5888307" y="3567973"/>
+            <a:off x="5888307" y="3362641"/>
             <a:ext cx="2546852" cy="2475209"/>
           </a:xfrm>
           <a:custGeom>
@@ -4841,7 +7740,7 @@
         </p:nvSpPr>
         <p:spPr>
           <a:xfrm>
-            <a:off x="3830216" y="4487575"/>
+            <a:off x="3830216" y="4282243"/>
             <a:ext cx="1741632" cy="893591"/>
           </a:xfrm>
           <a:custGeom>
@@ -4969,7 +7868,7 @@
         </p:nvCxnSpPr>
         <p:spPr>
           <a:xfrm>
-            <a:off x="940741" y="4380325"/>
+            <a:off x="940741" y="4174993"/>
             <a:ext cx="7377759" cy="0"/>
           </a:xfrm>
           <a:prstGeom prst="straightConnector1">
@@ -5007,7 +7906,7 @@
         </p:nvCxnSpPr>
         <p:spPr>
           <a:xfrm>
-            <a:off x="4576233" y="3066815"/>
+            <a:off x="4576233" y="2861483"/>
             <a:ext cx="0" cy="2627018"/>
           </a:xfrm>
           <a:prstGeom prst="straightConnector1">
@@ -5045,7 +7944,7 @@
         </p:nvSpPr>
         <p:spPr>
           <a:xfrm>
-            <a:off x="808897" y="4004020"/>
+            <a:off x="808897" y="3798688"/>
             <a:ext cx="2823303" cy="1125892"/>
           </a:xfrm>
           <a:custGeom>
@@ -5183,7 +8082,7 @@
         </p:nvSpPr>
         <p:spPr>
           <a:xfrm>
-            <a:off x="3975510" y="5658556"/>
+            <a:off x="3975510" y="5453224"/>
             <a:ext cx="1236461" cy="307777"/>
           </a:xfrm>
           <a:prstGeom prst="rect">
@@ -5226,7 +8125,7 @@
         </p:nvSpPr>
         <p:spPr>
           <a:xfrm>
-            <a:off x="7723219" y="4397494"/>
+            <a:off x="7723219" y="4192162"/>
             <a:ext cx="684803" cy="523220"/>
           </a:xfrm>
           <a:prstGeom prst="rect">
@@ -5282,7 +8181,7 @@
         </p:nvSpPr>
         <p:spPr>
           <a:xfrm>
-            <a:off x="3926994" y="2740224"/>
+            <a:off x="3926994" y="2534892"/>
             <a:ext cx="1333506" cy="307777"/>
           </a:xfrm>
           <a:prstGeom prst="rect">
@@ -5325,7 +8224,7 @@
         </p:nvSpPr>
         <p:spPr>
           <a:xfrm>
-            <a:off x="742926" y="4397494"/>
+            <a:off x="742926" y="4192162"/>
             <a:ext cx="1011252" cy="523220"/>
           </a:xfrm>
           <a:prstGeom prst="rect">
@@ -5361,6 +8260,110 @@
               </a:rPr>
               <a:t>Driven</a:t>
             </a:r>
+          </a:p>
+        </p:txBody>
+      </p:sp>
+      <p:sp>
+        <p:nvSpPr>
+          <p:cNvPr id="15" name="TextBox 14"/>
+          <p:cNvSpPr txBox="1"/>
+          <p:nvPr/>
+        </p:nvSpPr>
+        <p:spPr>
+          <a:xfrm>
+            <a:off x="5532885" y="5893279"/>
+            <a:ext cx="2903359" cy="276999"/>
+          </a:xfrm>
+          <a:prstGeom prst="rect">
+            <a:avLst/>
+          </a:prstGeom>
+          <a:noFill/>
+        </p:spPr>
+        <p:txBody>
+          <a:bodyPr wrap="none" rtlCol="0">
+            <a:spAutoFit/>
+          </a:bodyPr>
+          <a:lstStyle/>
+          <a:p>
+            <a:r>
+              <a:rPr lang="en-US" sz="1200" dirty="0" smtClean="0">
+                <a:solidFill>
+                  <a:schemeClr val="tx1">
+                    <a:lumMod val="50000"/>
+                    <a:lumOff val="50000"/>
+                  </a:schemeClr>
+                </a:solidFill>
+              </a:rPr>
+              <a:t>*Each point represents a college/university</a:t>
+            </a:r>
+            <a:endParaRPr lang="en-US" sz="1200" dirty="0">
+              <a:solidFill>
+                <a:schemeClr val="tx1">
+                  <a:lumMod val="50000"/>
+                  <a:lumOff val="50000"/>
+                </a:schemeClr>
+              </a:solidFill>
+            </a:endParaRPr>
+          </a:p>
+        </p:txBody>
+      </p:sp>
+      <p:sp>
+        <p:nvSpPr>
+          <p:cNvPr id="24" name="TextBox 23"/>
+          <p:cNvSpPr txBox="1"/>
+          <p:nvPr/>
+        </p:nvSpPr>
+        <p:spPr>
+          <a:xfrm>
+            <a:off x="685800" y="1943896"/>
+            <a:ext cx="3233578" cy="461665"/>
+          </a:xfrm>
+          <a:prstGeom prst="rect">
+            <a:avLst/>
+          </a:prstGeom>
+          <a:noFill/>
+        </p:spPr>
+        <p:txBody>
+          <a:bodyPr wrap="none" rtlCol="0">
+            <a:spAutoFit/>
+          </a:bodyPr>
+          <a:lstStyle/>
+          <a:p>
+            <a:r>
+              <a:rPr lang="en-US" sz="2400" dirty="0" smtClean="0"/>
+              <a:t>Cluster #4: A Mixed Bag</a:t>
+            </a:r>
+            <a:endParaRPr lang="en-US" sz="2400" dirty="0"/>
+          </a:p>
+        </p:txBody>
+      </p:sp>
+      <p:sp>
+        <p:nvSpPr>
+          <p:cNvPr id="25" name="Title 1"/>
+          <p:cNvSpPr>
+            <a:spLocks noGrp="1"/>
+          </p:cNvSpPr>
+          <p:nvPr>
+            <p:ph type="title"/>
+          </p:nvPr>
+        </p:nvSpPr>
+        <p:spPr>
+          <a:xfrm>
+            <a:off x="457200" y="274638"/>
+            <a:ext cx="8229600" cy="1143000"/>
+          </a:xfrm>
+        </p:spPr>
+        <p:txBody>
+          <a:bodyPr>
+            <a:normAutofit/>
+          </a:bodyPr>
+          <a:lstStyle/>
+          <a:p>
+            <a:r>
+              <a:rPr lang="en-US" sz="3200" dirty="0" smtClean="0"/>
+              <a:t>A 2-D Representation of College Essays</a:t>
+            </a:r>
+            <a:endParaRPr lang="en-US" sz="3200" dirty="0"/>
           </a:p>
         </p:txBody>
       </p:sp>
@@ -5384,7 +8387,7 @@
 </p:sld>
 </file>
 
-<file path=ppt/slides/slide12.xml><?xml version="1.0" encoding="utf-8"?>
+<file path=ppt/slides/slide15.xml><?xml version="1.0" encoding="utf-8"?>
 <p:sld xmlns:a="http://schemas.openxmlformats.org/drawingml/2006/main" xmlns:r="http://schemas.openxmlformats.org/officeDocument/2006/relationships" xmlns:p="http://schemas.openxmlformats.org/presentationml/2006/main">
   <p:cSld>
     <p:spTree>
@@ -5417,7 +8420,7 @@
         </p:blipFill>
         <p:spPr>
           <a:xfrm>
-            <a:off x="685800" y="2619720"/>
+            <a:off x="685800" y="2413000"/>
             <a:ext cx="7769257" cy="3505200"/>
           </a:xfrm>
           <a:prstGeom prst="rect">
@@ -5433,7 +8436,7 @@
         </p:nvCxnSpPr>
         <p:spPr>
           <a:xfrm>
-            <a:off x="940741" y="4380325"/>
+            <a:off x="940741" y="4173605"/>
             <a:ext cx="7377759" cy="0"/>
           </a:xfrm>
           <a:prstGeom prst="straightConnector1">
@@ -5471,7 +8474,7 @@
         </p:nvCxnSpPr>
         <p:spPr>
           <a:xfrm>
-            <a:off x="4576233" y="3066815"/>
+            <a:off x="4576233" y="2860095"/>
             <a:ext cx="0" cy="2627018"/>
           </a:xfrm>
           <a:prstGeom prst="straightConnector1">
@@ -5503,38 +8506,13 @@
       </p:cxnSp>
       <p:sp>
         <p:nvSpPr>
-          <p:cNvPr id="2" name="Title 1"/>
-          <p:cNvSpPr>
-            <a:spLocks noGrp="1"/>
-          </p:cNvSpPr>
-          <p:nvPr>
-            <p:ph type="title"/>
-          </p:nvPr>
-        </p:nvSpPr>
-        <p:spPr/>
-        <p:txBody>
-          <a:bodyPr>
-            <a:normAutofit/>
-          </a:bodyPr>
-          <a:lstStyle/>
-          <a:p>
-            <a:r>
-              <a:rPr lang="en-US" sz="3200" dirty="0" smtClean="0"/>
-              <a:t>The Landscape of Colleges vs. Essay Topics</a:t>
-            </a:r>
-            <a:endParaRPr lang="en-US" sz="3200" dirty="0"/>
-          </a:p>
-        </p:txBody>
-      </p:sp>
-      <p:sp>
-        <p:nvSpPr>
           <p:cNvPr id="14" name="Freeform 13"/>
           <p:cNvSpPr/>
           <p:nvPr/>
         </p:nvSpPr>
         <p:spPr>
           <a:xfrm>
-            <a:off x="4178300" y="2741265"/>
+            <a:off x="4178300" y="2534545"/>
             <a:ext cx="2167135" cy="1424335"/>
           </a:xfrm>
           <a:custGeom>
@@ -5650,7 +8628,7 @@
         </p:nvSpPr>
         <p:spPr>
           <a:xfrm>
-            <a:off x="808897" y="4004020"/>
+            <a:off x="808897" y="3797300"/>
             <a:ext cx="2823303" cy="1125892"/>
           </a:xfrm>
           <a:custGeom>
@@ -5788,7 +8766,7 @@
         </p:nvSpPr>
         <p:spPr>
           <a:xfrm>
-            <a:off x="5888307" y="3567973"/>
+            <a:off x="5888307" y="3361253"/>
             <a:ext cx="2546852" cy="2475209"/>
           </a:xfrm>
           <a:custGeom>
@@ -5926,7 +8904,7 @@
         </p:nvSpPr>
         <p:spPr>
           <a:xfrm>
-            <a:off x="3830216" y="4487575"/>
+            <a:off x="3830216" y="4280855"/>
             <a:ext cx="1741632" cy="893591"/>
           </a:xfrm>
           <a:custGeom>
@@ -6054,7 +9032,7 @@
         </p:nvSpPr>
         <p:spPr>
           <a:xfrm>
-            <a:off x="3342260" y="3819769"/>
+            <a:off x="3342260" y="3613049"/>
             <a:ext cx="2107743" cy="748686"/>
           </a:xfrm>
           <a:custGeom>
@@ -6190,7 +9168,7 @@
         </p:nvSpPr>
         <p:spPr>
           <a:xfrm>
-            <a:off x="3975510" y="5658556"/>
+            <a:off x="3975510" y="5451836"/>
             <a:ext cx="1236461" cy="307777"/>
           </a:xfrm>
           <a:prstGeom prst="rect">
@@ -6233,7 +9211,7 @@
         </p:nvSpPr>
         <p:spPr>
           <a:xfrm>
-            <a:off x="7723219" y="4397494"/>
+            <a:off x="7723219" y="4190774"/>
             <a:ext cx="684803" cy="523220"/>
           </a:xfrm>
           <a:prstGeom prst="rect">
@@ -6289,7 +9267,7 @@
         </p:nvSpPr>
         <p:spPr>
           <a:xfrm>
-            <a:off x="3926994" y="2740224"/>
+            <a:off x="3926994" y="2533504"/>
             <a:ext cx="1333506" cy="307777"/>
           </a:xfrm>
           <a:prstGeom prst="rect">
@@ -6332,7 +9310,7 @@
         </p:nvSpPr>
         <p:spPr>
           <a:xfrm>
-            <a:off x="742926" y="4397494"/>
+            <a:off x="742926" y="4190774"/>
             <a:ext cx="1011252" cy="523220"/>
           </a:xfrm>
           <a:prstGeom prst="rect">
@@ -6368,6 +9346,110 @@
               </a:rPr>
               <a:t>Driven</a:t>
             </a:r>
+          </a:p>
+        </p:txBody>
+      </p:sp>
+      <p:sp>
+        <p:nvSpPr>
+          <p:cNvPr id="15" name="TextBox 14"/>
+          <p:cNvSpPr txBox="1"/>
+          <p:nvPr/>
+        </p:nvSpPr>
+        <p:spPr>
+          <a:xfrm>
+            <a:off x="5532885" y="5891891"/>
+            <a:ext cx="2903359" cy="276999"/>
+          </a:xfrm>
+          <a:prstGeom prst="rect">
+            <a:avLst/>
+          </a:prstGeom>
+          <a:noFill/>
+        </p:spPr>
+        <p:txBody>
+          <a:bodyPr wrap="none" rtlCol="0">
+            <a:spAutoFit/>
+          </a:bodyPr>
+          <a:lstStyle/>
+          <a:p>
+            <a:r>
+              <a:rPr lang="en-US" sz="1200" dirty="0" smtClean="0">
+                <a:solidFill>
+                  <a:schemeClr val="tx1">
+                    <a:lumMod val="50000"/>
+                    <a:lumOff val="50000"/>
+                  </a:schemeClr>
+                </a:solidFill>
+              </a:rPr>
+              <a:t>*Each point represents a college/university</a:t>
+            </a:r>
+            <a:endParaRPr lang="en-US" sz="1200" dirty="0">
+              <a:solidFill>
+                <a:schemeClr val="tx1">
+                  <a:lumMod val="50000"/>
+                  <a:lumOff val="50000"/>
+                </a:schemeClr>
+              </a:solidFill>
+            </a:endParaRPr>
+          </a:p>
+        </p:txBody>
+      </p:sp>
+      <p:sp>
+        <p:nvSpPr>
+          <p:cNvPr id="25" name="TextBox 24"/>
+          <p:cNvSpPr txBox="1"/>
+          <p:nvPr/>
+        </p:nvSpPr>
+        <p:spPr>
+          <a:xfrm>
+            <a:off x="685800" y="1942508"/>
+            <a:ext cx="3004849" cy="461665"/>
+          </a:xfrm>
+          <a:prstGeom prst="rect">
+            <a:avLst/>
+          </a:prstGeom>
+          <a:noFill/>
+        </p:spPr>
+        <p:txBody>
+          <a:bodyPr wrap="none" rtlCol="0">
+            <a:spAutoFit/>
+          </a:bodyPr>
+          <a:lstStyle/>
+          <a:p>
+            <a:r>
+              <a:rPr lang="en-US" sz="2400" dirty="0" smtClean="0"/>
+              <a:t>Cluster #5: Ivy League</a:t>
+            </a:r>
+            <a:endParaRPr lang="en-US" sz="2400" dirty="0"/>
+          </a:p>
+        </p:txBody>
+      </p:sp>
+      <p:sp>
+        <p:nvSpPr>
+          <p:cNvPr id="27" name="Title 1"/>
+          <p:cNvSpPr>
+            <a:spLocks noGrp="1"/>
+          </p:cNvSpPr>
+          <p:nvPr>
+            <p:ph type="title"/>
+          </p:nvPr>
+        </p:nvSpPr>
+        <p:spPr>
+          <a:xfrm>
+            <a:off x="457200" y="274638"/>
+            <a:ext cx="8229600" cy="1143000"/>
+          </a:xfrm>
+        </p:spPr>
+        <p:txBody>
+          <a:bodyPr>
+            <a:normAutofit/>
+          </a:bodyPr>
+          <a:lstStyle/>
+          <a:p>
+            <a:r>
+              <a:rPr lang="en-US" sz="3200" dirty="0" smtClean="0"/>
+              <a:t>A 2-D Representation of College Essays</a:t>
+            </a:r>
+            <a:endParaRPr lang="en-US" sz="3200" dirty="0"/>
           </a:p>
         </p:txBody>
       </p:sp>
@@ -6391,7 +9473,7 @@
 </p:sld>
 </file>
 
-<file path=ppt/slides/slide13.xml><?xml version="1.0" encoding="utf-8"?>
+<file path=ppt/slides/slide16.xml><?xml version="1.0" encoding="utf-8"?>
 <p:sld xmlns:a="http://schemas.openxmlformats.org/drawingml/2006/main" xmlns:r="http://schemas.openxmlformats.org/officeDocument/2006/relationships" xmlns:p="http://schemas.openxmlformats.org/presentationml/2006/main">
   <p:cSld>
     <p:spTree>
@@ -6427,7 +9509,7 @@
           <a:p>
             <a:r>
               <a:rPr lang="en-US" sz="3200" dirty="0" smtClean="0"/>
-              <a:t>Tool: </a:t>
+              <a:t>Final Thoughts &amp; Caveats</a:t>
             </a:r>
             <a:endParaRPr lang="en-US" sz="3200" dirty="0"/>
           </a:p>
@@ -6443,67 +9525,12 @@
             <p:ph idx="1"/>
           </p:nvPr>
         </p:nvSpPr>
-        <p:spPr/>
-        <p:txBody>
-          <a:bodyPr/>
-          <a:lstStyle/>
-          <a:p>
-            <a:r>
-              <a:rPr lang="en-US" dirty="0" smtClean="0"/>
-              <a:t>Word </a:t>
-            </a:r>
-            <a:endParaRPr lang="en-US" dirty="0"/>
-          </a:p>
-        </p:txBody>
-      </p:sp>
-    </p:spTree>
-    <p:extLst>
-      <p:ext uri="{BB962C8B-B14F-4D97-AF65-F5344CB8AC3E}">
-        <p14:creationId xmlns:p14="http://schemas.microsoft.com/office/powerpoint/2010/main" val="1459674125"/>
-      </p:ext>
-    </p:extLst>
-  </p:cSld>
-  <p:clrMapOvr>
-    <a:masterClrMapping/>
-  </p:clrMapOvr>
-  <p:timing>
-    <p:tnLst>
-      <p:par>
-        <p:cTn xmlns:p14="http://schemas.microsoft.com/office/powerpoint/2010/main" id="1" dur="indefinite" restart="never" nodeType="tmRoot"/>
-      </p:par>
-    </p:tnLst>
-  </p:timing>
-</p:sld>
-</file>
-
-<file path=ppt/slides/slide14.xml><?xml version="1.0" encoding="utf-8"?>
-<p:sld xmlns:a="http://schemas.openxmlformats.org/drawingml/2006/main" xmlns:r="http://schemas.openxmlformats.org/officeDocument/2006/relationships" xmlns:p="http://schemas.openxmlformats.org/presentationml/2006/main">
-  <p:cSld>
-    <p:spTree>
-      <p:nvGrpSpPr>
-        <p:cNvPr id="1" name=""/>
-        <p:cNvGrpSpPr/>
-        <p:nvPr/>
-      </p:nvGrpSpPr>
-      <p:grpSpPr>
-        <a:xfrm>
-          <a:off x="0" y="0"/>
-          <a:ext cx="0" cy="0"/>
-          <a:chOff x="0" y="0"/>
-          <a:chExt cx="0" cy="0"/>
-        </a:xfrm>
-      </p:grpSpPr>
-      <p:sp>
-        <p:nvSpPr>
-          <p:cNvPr id="2" name="Title 1"/>
-          <p:cNvSpPr>
-            <a:spLocks noGrp="1"/>
-          </p:cNvSpPr>
-          <p:nvPr>
-            <p:ph type="title"/>
-          </p:nvPr>
-        </p:nvSpPr>
-        <p:spPr/>
+        <p:spPr>
+          <a:xfrm>
+            <a:off x="724625" y="1717689"/>
+            <a:ext cx="7683985" cy="4277776"/>
+          </a:xfrm>
+        </p:spPr>
         <p:txBody>
           <a:bodyPr>
             <a:normAutofit/>
@@ -6511,67 +9538,110 @@
           <a:lstStyle/>
           <a:p>
             <a:r>
-              <a:rPr lang="en-US" sz="3200" dirty="0" smtClean="0"/>
-              <a:t>Caveats</a:t>
-            </a:r>
-            <a:endParaRPr lang="en-US" sz="3200" dirty="0"/>
-          </a:p>
-        </p:txBody>
-      </p:sp>
-      <p:sp>
-        <p:nvSpPr>
-          <p:cNvPr id="3" name="Content Placeholder 2"/>
-          <p:cNvSpPr>
-            <a:spLocks noGrp="1"/>
-          </p:cNvSpPr>
-          <p:nvPr>
-            <p:ph idx="1"/>
-          </p:nvPr>
-        </p:nvSpPr>
-        <p:spPr/>
-        <p:txBody>
-          <a:bodyPr>
-            <a:normAutofit/>
-          </a:bodyPr>
-          <a:lstStyle/>
-          <a:p>
-            <a:r>
               <a:rPr lang="en-US" sz="2000" dirty="0" smtClean="0"/>
-              <a:t>Does </a:t>
-            </a:r>
-            <a:r>
-              <a:rPr lang="en-US" sz="2000" u="sng" dirty="0" smtClean="0"/>
-              <a:t>not</a:t>
-            </a:r>
+              <a:t>Similar Essay Recommender</a:t>
+            </a:r>
+          </a:p>
+          <a:p>
+            <a:pPr lvl="1"/>
+            <a:r>
+              <a:rPr lang="en-US" sz="1600" dirty="0" smtClean="0"/>
+              <a:t>INPUT: your essay</a:t>
+            </a:r>
+          </a:p>
+          <a:p>
+            <a:pPr lvl="1"/>
+            <a:r>
+              <a:rPr lang="en-US" sz="1600" dirty="0" smtClean="0"/>
+              <a:t>OUTPUT: 3 most ‘similar’ essays and their profiles</a:t>
+            </a:r>
+          </a:p>
+          <a:p>
+            <a:pPr lvl="1"/>
+            <a:r>
+              <a:rPr lang="en-US" sz="1600" dirty="0" smtClean="0"/>
+              <a:t>Currently being deployed by </a:t>
+            </a:r>
+            <a:r>
+              <a:rPr lang="en-US" sz="1600" dirty="0" err="1" smtClean="0"/>
+              <a:t>AdmitSee</a:t>
+            </a:r>
+            <a:r>
+              <a:rPr lang="en-US" sz="1600" dirty="0" smtClean="0"/>
+              <a:t> into its product</a:t>
+            </a:r>
+            <a:endParaRPr lang="en-US" sz="1600" dirty="0" smtClean="0"/>
+          </a:p>
+          <a:p>
+            <a:pPr>
+              <a:spcBef>
+                <a:spcPts val="1680"/>
+              </a:spcBef>
+            </a:pPr>
             <a:r>
               <a:rPr lang="en-US" sz="2000" dirty="0" smtClean="0"/>
-              <a:t> tell you what to write about</a:t>
-            </a:r>
-          </a:p>
-          <a:p>
+              <a:t>Limitation of data</a:t>
+            </a:r>
+          </a:p>
+          <a:p>
+            <a:pPr lvl="1"/>
+            <a:r>
+              <a:rPr lang="en-US" sz="1600" dirty="0" smtClean="0"/>
+              <a:t>Only enough </a:t>
+            </a:r>
+            <a:r>
+              <a:rPr lang="en-US" sz="1600" dirty="0" smtClean="0"/>
+              <a:t>to model ‘top </a:t>
+            </a:r>
+            <a:r>
+              <a:rPr lang="en-US" sz="1600" dirty="0" smtClean="0"/>
+              <a:t>school’ admittance</a:t>
+            </a:r>
+            <a:endParaRPr lang="en-US" sz="1600" dirty="0" smtClean="0"/>
+          </a:p>
+          <a:p>
+            <a:pPr lvl="1"/>
+            <a:r>
+              <a:rPr lang="en-US" sz="1600" dirty="0" smtClean="0"/>
+              <a:t>Can predict on a school-level with more data</a:t>
+            </a:r>
+            <a:endParaRPr lang="en-US" sz="1600" dirty="0" smtClean="0"/>
+          </a:p>
+          <a:p>
+            <a:pPr>
+              <a:spcBef>
+                <a:spcPts val="1224"/>
+              </a:spcBef>
+            </a:pPr>
             <a:r>
               <a:rPr lang="en-US" sz="2000" dirty="0" smtClean="0"/>
-              <a:t>Limited data -&gt; only enough to model ‘top schools’</a:t>
+              <a:t>Further NLP exploration</a:t>
             </a:r>
           </a:p>
           <a:p>
             <a:pPr lvl="1"/>
             <a:r>
               <a:rPr lang="en-US" sz="1600" dirty="0" smtClean="0"/>
-              <a:t>With more data, can predict on a school level</a:t>
+              <a:t>N</a:t>
+            </a:r>
+            <a:r>
+              <a:rPr lang="en-US" sz="1600" dirty="0" smtClean="0"/>
+              <a:t>-gram (bigrams, trigrams, etc.</a:t>
+            </a:r>
+            <a:r>
+              <a:rPr lang="en-US" sz="1600" dirty="0" smtClean="0"/>
+              <a:t>)</a:t>
             </a:r>
           </a:p>
           <a:p>
             <a:pPr lvl="1"/>
             <a:r>
+              <a:rPr lang="en-US" sz="1600" dirty="0" err="1" smtClean="0"/>
+              <a:t>PoS</a:t>
+            </a:r>
+            <a:r>
               <a:rPr lang="en-US" sz="1600" dirty="0" smtClean="0"/>
-              <a:t>Doc2Vec</a:t>
-            </a:r>
-          </a:p>
-          <a:p>
-            <a:r>
-              <a:rPr lang="en-US" sz="2000" dirty="0" smtClean="0"/>
-              <a:t>N-gram (bigrams, trigrams, etc.)</a:t>
+              <a:t> tagging</a:t>
             </a:r>
           </a:p>
         </p:txBody>
@@ -6646,7 +9716,12 @@
             <p:ph idx="1"/>
           </p:nvPr>
         </p:nvSpPr>
-        <p:spPr/>
+        <p:spPr>
+          <a:xfrm>
+            <a:off x="1428569" y="1764840"/>
+            <a:ext cx="6941055" cy="2892302"/>
+          </a:xfrm>
+        </p:spPr>
         <p:txBody>
           <a:bodyPr>
             <a:normAutofit/>
@@ -6657,35 +9732,164 @@
               <a:buNone/>
             </a:pPr>
             <a:r>
-              <a:rPr lang="en-US" sz="2800" dirty="0" smtClean="0"/>
-              <a:t>2 Questions:</a:t>
+              <a:rPr lang="en-US" b="1" dirty="0" smtClean="0"/>
+              <a:t>Part I: The Model</a:t>
             </a:r>
           </a:p>
           <a:p>
             <a:pPr lvl="1"/>
             <a:r>
-              <a:rPr lang="en-US" sz="2400" dirty="0" smtClean="0"/>
-              <a:t>Can we predict a student’s chances of being admitted based on both conventional model factors </a:t>
-            </a:r>
-            <a:r>
-              <a:rPr lang="en-US" sz="2400" i="1" dirty="0" smtClean="0"/>
-              <a:t>and </a:t>
-            </a:r>
-            <a:r>
-              <a:rPr lang="en-US" sz="2400" dirty="0" smtClean="0"/>
-              <a:t>their admission essay?</a:t>
-            </a:r>
+              <a:rPr lang="en-US" sz="2000" dirty="0" smtClean="0"/>
+              <a:t>Can we build a model that predicts a student’s chances* of being admitted into college?</a:t>
+            </a:r>
+          </a:p>
+          <a:p>
+            <a:pPr marL="0" lvl="1" indent="0">
+              <a:spcBef>
+                <a:spcPts val="2568"/>
+              </a:spcBef>
+              <a:buNone/>
+            </a:pPr>
+            <a:r>
+              <a:rPr lang="en-US" sz="2800" b="1" dirty="0" smtClean="0"/>
+              <a:t>Part II: The Essay</a:t>
+            </a:r>
+            <a:endParaRPr lang="en-US" sz="2800" b="1" dirty="0" smtClean="0"/>
           </a:p>
           <a:p>
             <a:pPr lvl="1"/>
             <a:r>
-              <a:rPr lang="en-US" sz="2400" dirty="0" smtClean="0"/>
+              <a:rPr lang="en-US" sz="2000" dirty="0" smtClean="0"/>
               <a:t>What insights can we glean from a student’s admission essay?</a:t>
             </a:r>
-            <a:endParaRPr lang="en-US" sz="2400" dirty="0"/>
-          </a:p>
-        </p:txBody>
-      </p:sp>
+            <a:endParaRPr lang="en-US" sz="2000" dirty="0"/>
+          </a:p>
+        </p:txBody>
+      </p:sp>
+      <p:sp>
+        <p:nvSpPr>
+          <p:cNvPr id="4" name="TextBox 3"/>
+          <p:cNvSpPr txBox="1"/>
+          <p:nvPr/>
+        </p:nvSpPr>
+        <p:spPr>
+          <a:xfrm>
+            <a:off x="666011" y="5766417"/>
+            <a:ext cx="7796874" cy="692497"/>
+          </a:xfrm>
+          <a:prstGeom prst="rect">
+            <a:avLst/>
+          </a:prstGeom>
+          <a:noFill/>
+        </p:spPr>
+        <p:txBody>
+          <a:bodyPr wrap="square" rtlCol="0">
+            <a:spAutoFit/>
+          </a:bodyPr>
+          <a:lstStyle/>
+          <a:p>
+            <a:pPr algn="just"/>
+            <a:r>
+              <a:rPr lang="en-US" sz="1300" dirty="0" smtClean="0"/>
+              <a:t>*There are some resources that ‘calculate’ your chances based on your GPA, SAT, and demographics, but none (at least publicly available) that take into account detailed factors such as specific </a:t>
+            </a:r>
+            <a:r>
+              <a:rPr lang="en-US" sz="1300" dirty="0" err="1" smtClean="0"/>
+              <a:t>extracurriculars</a:t>
+            </a:r>
+            <a:r>
+              <a:rPr lang="en-US" sz="1300" dirty="0" smtClean="0"/>
+              <a:t>, academic trajectory, the Common App essay etc.</a:t>
+            </a:r>
+            <a:endParaRPr lang="en-US" sz="1300" dirty="0"/>
+          </a:p>
+        </p:txBody>
+      </p:sp>
+      <p:cxnSp>
+        <p:nvCxnSpPr>
+          <p:cNvPr id="6" name="Straight Connector 5"/>
+          <p:cNvCxnSpPr/>
+          <p:nvPr/>
+        </p:nvCxnSpPr>
+        <p:spPr>
+          <a:xfrm>
+            <a:off x="724625" y="5738195"/>
+            <a:ext cx="7796874" cy="0"/>
+          </a:xfrm>
+          <a:prstGeom prst="line">
+            <a:avLst/>
+          </a:prstGeom>
+          <a:ln w="3175" cmpd="sng">
+            <a:solidFill>
+              <a:schemeClr val="bg1">
+                <a:lumMod val="50000"/>
+              </a:schemeClr>
+            </a:solidFill>
+          </a:ln>
+          <a:effectLst/>
+        </p:spPr>
+        <p:style>
+          <a:lnRef idx="2">
+            <a:schemeClr val="accent1"/>
+          </a:lnRef>
+          <a:fillRef idx="0">
+            <a:schemeClr val="accent1"/>
+          </a:fillRef>
+          <a:effectRef idx="1">
+            <a:schemeClr val="accent1"/>
+          </a:effectRef>
+          <a:fontRef idx="minor">
+            <a:schemeClr val="tx1"/>
+          </a:fontRef>
+        </p:style>
+      </p:cxnSp>
+      <p:pic>
+        <p:nvPicPr>
+          <p:cNvPr id="9" name="Picture 8"/>
+          <p:cNvPicPr>
+            <a:picLocks noChangeAspect="1"/>
+          </p:cNvPicPr>
+          <p:nvPr/>
+        </p:nvPicPr>
+        <p:blipFill rotWithShape="1">
+          <a:blip r:embed="rId2"/>
+          <a:srcRect l="32098" t="29631" r="32099" b="29423"/>
+          <a:stretch/>
+        </p:blipFill>
+        <p:spPr>
+          <a:xfrm>
+            <a:off x="815129" y="1848556"/>
+            <a:ext cx="521843" cy="596818"/>
+          </a:xfrm>
+          <a:prstGeom prst="rect">
+            <a:avLst/>
+          </a:prstGeom>
+        </p:spPr>
+      </p:pic>
+      <p:pic>
+        <p:nvPicPr>
+          <p:cNvPr id="10" name="Picture 9"/>
+          <p:cNvPicPr>
+            <a:picLocks noChangeAspect="1"/>
+          </p:cNvPicPr>
+          <p:nvPr/>
+        </p:nvPicPr>
+        <p:blipFill>
+          <a:blip r:embed="rId3"/>
+          <a:stretch>
+            <a:fillRect/>
+          </a:stretch>
+        </p:blipFill>
+        <p:spPr>
+          <a:xfrm>
+            <a:off x="857461" y="3301998"/>
+            <a:ext cx="492988" cy="492988"/>
+          </a:xfrm>
+          <a:prstGeom prst="rect">
+            <a:avLst/>
+          </a:prstGeom>
+        </p:spPr>
+      </p:pic>
     </p:spTree>
     <p:extLst>
       <p:ext uri="{BB962C8B-B14F-4D97-AF65-F5344CB8AC3E}">
@@ -6766,8 +9970,8 @@
         </p:nvSpPr>
         <p:spPr>
           <a:xfrm>
-            <a:off x="550334" y="3793068"/>
-            <a:ext cx="5185833" cy="759884"/>
+            <a:off x="550335" y="3793068"/>
+            <a:ext cx="4930204" cy="759884"/>
           </a:xfrm>
         </p:spPr>
         <p:txBody>
@@ -6779,7 +9983,27 @@
             <a:pPr marL="0" lvl="1" algn="l"/>
             <a:r>
               <a:rPr lang="en-US" sz="1800" i="1" dirty="0" smtClean="0"/>
-              <a:t>Can we predict a student’s chances of being admitted better than the existing prediction tools?</a:t>
+              <a:t>Can </a:t>
+            </a:r>
+            <a:r>
+              <a:rPr lang="en-US" sz="1800" i="1" dirty="0"/>
+              <a:t>we build a model that predicts a student’s </a:t>
+            </a:r>
+            <a:r>
+              <a:rPr lang="en-US" sz="1800" i="1" dirty="0" smtClean="0"/>
+              <a:t>chances </a:t>
+            </a:r>
+            <a:r>
+              <a:rPr lang="en-US" sz="1800" i="1" dirty="0"/>
+              <a:t>of being admitted into </a:t>
+            </a:r>
+            <a:r>
+              <a:rPr lang="en-US" sz="1800" i="1" dirty="0" smtClean="0"/>
+              <a:t>college</a:t>
+            </a:r>
+            <a:r>
+              <a:rPr lang="en-US" sz="1800" i="1" dirty="0"/>
+              <a:t>?</a:t>
             </a:r>
           </a:p>
         </p:txBody>
@@ -6838,39 +10062,9 @@
           <a:p>
             <a:r>
               <a:rPr lang="en-US" dirty="0" smtClean="0"/>
-              <a:t>Building the Model</a:t>
+              <a:t>Building an Ensemble Model</a:t>
             </a:r>
             <a:endParaRPr lang="en-US" dirty="0"/>
-          </a:p>
-        </p:txBody>
-      </p:sp>
-      <p:sp>
-        <p:nvSpPr>
-          <p:cNvPr id="3" name="Content Placeholder 2"/>
-          <p:cNvSpPr>
-            <a:spLocks noGrp="1"/>
-          </p:cNvSpPr>
-          <p:nvPr>
-            <p:ph idx="1"/>
-          </p:nvPr>
-        </p:nvSpPr>
-        <p:spPr>
-          <a:xfrm>
-            <a:off x="724625" y="1707919"/>
-            <a:ext cx="7683985" cy="3599399"/>
-          </a:xfrm>
-        </p:spPr>
-        <p:txBody>
-          <a:bodyPr>
-            <a:normAutofit/>
-          </a:bodyPr>
-          <a:lstStyle/>
-          <a:p>
-            <a:r>
-              <a:rPr lang="en-US" dirty="0" smtClean="0"/>
-              <a:t>The Pipeline</a:t>
-            </a:r>
-            <a:endParaRPr lang="en-US" sz="2400" dirty="0"/>
           </a:p>
         </p:txBody>
       </p:sp>
@@ -6964,8 +10158,8 @@
         </p:nvSpPr>
         <p:spPr>
           <a:xfrm>
-            <a:off x="1082446" y="3326020"/>
-            <a:ext cx="2164550" cy="1107996"/>
+            <a:off x="1099594" y="3326468"/>
+            <a:ext cx="2164550" cy="1261884"/>
           </a:xfrm>
           <a:prstGeom prst="rect">
             <a:avLst/>
@@ -6999,7 +10193,7 @@
           <a:p>
             <a:pPr algn="ctr"/>
             <a:r>
-              <a:rPr lang="en-US" sz="1600" dirty="0" smtClean="0">
+              <a:rPr lang="en-US" sz="1400" dirty="0" smtClean="0">
                 <a:solidFill>
                   <a:schemeClr val="bg1"/>
                 </a:solidFill>
@@ -7010,12 +10204,39 @@
           <a:p>
             <a:pPr algn="ctr"/>
             <a:r>
-              <a:rPr lang="en-US" sz="1600" dirty="0" smtClean="0">
+              <a:rPr lang="en-US" sz="1400" dirty="0" smtClean="0">
                 <a:solidFill>
                   <a:schemeClr val="bg1"/>
                 </a:solidFill>
               </a:rPr>
-              <a:t>Demographics,)</a:t>
+              <a:t>Demographics,</a:t>
+            </a:r>
+          </a:p>
+          <a:p>
+            <a:pPr algn="ctr"/>
+            <a:r>
+              <a:rPr lang="en-US" sz="1400" dirty="0" smtClean="0">
+                <a:solidFill>
+                  <a:schemeClr val="bg1"/>
+                </a:solidFill>
+              </a:rPr>
+              <a:t>Extra-</a:t>
+            </a:r>
+            <a:r>
+              <a:rPr lang="en-US" sz="1400" dirty="0" err="1" smtClean="0">
+                <a:solidFill>
+                  <a:schemeClr val="bg1"/>
+                </a:solidFill>
+              </a:rPr>
+              <a:t>curriculars</a:t>
+            </a:r>
+            <a:r>
+              <a:rPr lang="en-US" sz="1400" dirty="0" smtClean="0">
+                <a:solidFill>
+                  <a:schemeClr val="bg1"/>
+                </a:solidFill>
+              </a:rPr>
+              <a:t>, etc.)</a:t>
             </a:r>
           </a:p>
         </p:txBody>
@@ -7191,8 +10412,8 @@
         </p:nvSpPr>
         <p:spPr>
           <a:xfrm>
-            <a:off x="1612900" y="2269123"/>
-            <a:ext cx="1236236" cy="307777"/>
+            <a:off x="1845730" y="2269123"/>
+            <a:ext cx="674534" cy="307777"/>
           </a:xfrm>
           <a:prstGeom prst="rect">
             <a:avLst/>
@@ -7207,7 +10428,7 @@
           <a:p>
             <a:r>
               <a:rPr lang="en-US" sz="1400" b="1" dirty="0" smtClean="0"/>
-              <a:t>Raw Features</a:t>
+              <a:t>Inputs</a:t>
             </a:r>
             <a:endParaRPr lang="en-US" sz="1400" b="1" dirty="0"/>
           </a:p>
@@ -7805,7 +11026,7 @@
         </p:nvSpPr>
         <p:spPr>
           <a:xfrm>
-            <a:off x="3369974" y="2849021"/>
+            <a:off x="3421790" y="2849021"/>
             <a:ext cx="1080331" cy="523220"/>
           </a:xfrm>
           <a:prstGeom prst="rect">
@@ -8017,6 +11238,148 @@
           </a:p>
         </p:txBody>
       </p:sp>
+      <p:sp>
+        <p:nvSpPr>
+          <p:cNvPr id="10" name="TextBox 9"/>
+          <p:cNvSpPr txBox="1"/>
+          <p:nvPr/>
+        </p:nvSpPr>
+        <p:spPr>
+          <a:xfrm>
+            <a:off x="3660383" y="1629833"/>
+            <a:ext cx="1823235" cy="400110"/>
+          </a:xfrm>
+          <a:prstGeom prst="rect">
+            <a:avLst/>
+          </a:prstGeom>
+          <a:noFill/>
+        </p:spPr>
+        <p:txBody>
+          <a:bodyPr wrap="none" rtlCol="0">
+            <a:spAutoFit/>
+          </a:bodyPr>
+          <a:lstStyle/>
+          <a:p>
+            <a:r>
+              <a:rPr lang="en-US" sz="2000" b="1" dirty="0" smtClean="0"/>
+              <a:t>Model Pipeline</a:t>
+            </a:r>
+            <a:endParaRPr lang="en-US" sz="2000" b="1" dirty="0"/>
+          </a:p>
+        </p:txBody>
+      </p:sp>
+      <p:pic>
+        <p:nvPicPr>
+          <p:cNvPr id="12" name="Picture 11"/>
+          <p:cNvPicPr>
+            <a:picLocks noChangeAspect="1"/>
+          </p:cNvPicPr>
+          <p:nvPr/>
+        </p:nvPicPr>
+        <p:blipFill>
+          <a:blip r:embed="rId2">
+            <a:duotone>
+              <a:schemeClr val="accent2">
+                <a:shade val="45000"/>
+                <a:satMod val="135000"/>
+              </a:schemeClr>
+              <a:prstClr val="white"/>
+            </a:duotone>
+          </a:blip>
+          <a:stretch>
+            <a:fillRect/>
+          </a:stretch>
+        </p:blipFill>
+        <p:spPr>
+          <a:xfrm>
+            <a:off x="4738067" y="5668937"/>
+            <a:ext cx="595932" cy="595932"/>
+          </a:xfrm>
+          <a:prstGeom prst="rect">
+            <a:avLst/>
+          </a:prstGeom>
+        </p:spPr>
+      </p:pic>
+      <p:sp>
+        <p:nvSpPr>
+          <p:cNvPr id="13" name="TextBox 12"/>
+          <p:cNvSpPr txBox="1"/>
+          <p:nvPr/>
+        </p:nvSpPr>
+        <p:spPr>
+          <a:xfrm>
+            <a:off x="4544453" y="6174302"/>
+            <a:ext cx="1044827" cy="307777"/>
+          </a:xfrm>
+          <a:prstGeom prst="rect">
+            <a:avLst/>
+          </a:prstGeom>
+          <a:noFill/>
+        </p:spPr>
+        <p:txBody>
+          <a:bodyPr wrap="none" rtlCol="0">
+            <a:spAutoFit/>
+          </a:bodyPr>
+          <a:lstStyle/>
+          <a:p>
+            <a:r>
+              <a:rPr lang="en-US" sz="1400" dirty="0" smtClean="0">
+                <a:solidFill>
+                  <a:schemeClr val="accent2">
+                    <a:lumMod val="75000"/>
+                  </a:schemeClr>
+                </a:solidFill>
+              </a:rPr>
+              <a:t>Grid Search</a:t>
+            </a:r>
+            <a:endParaRPr lang="en-US" sz="1400" dirty="0">
+              <a:solidFill>
+                <a:schemeClr val="accent2">
+                  <a:lumMod val="75000"/>
+                </a:schemeClr>
+              </a:solidFill>
+            </a:endParaRPr>
+          </a:p>
+        </p:txBody>
+      </p:sp>
+      <p:cxnSp>
+        <p:nvCxnSpPr>
+          <p:cNvPr id="15" name="Straight Connector 14"/>
+          <p:cNvCxnSpPr/>
+          <p:nvPr/>
+        </p:nvCxnSpPr>
+        <p:spPr>
+          <a:xfrm>
+            <a:off x="1099594" y="2608649"/>
+            <a:ext cx="7137941" cy="0"/>
+          </a:xfrm>
+          <a:prstGeom prst="line">
+            <a:avLst/>
+          </a:prstGeom>
+          <a:ln w="3175" cmpd="sng">
+            <a:solidFill>
+              <a:schemeClr val="bg1">
+                <a:lumMod val="75000"/>
+              </a:schemeClr>
+            </a:solidFill>
+          </a:ln>
+          <a:effectLst/>
+        </p:spPr>
+        <p:style>
+          <a:lnRef idx="2">
+            <a:schemeClr val="accent1"/>
+          </a:lnRef>
+          <a:fillRef idx="0">
+            <a:schemeClr val="accent1"/>
+          </a:fillRef>
+          <a:effectRef idx="1">
+            <a:schemeClr val="accent1"/>
+          </a:effectRef>
+          <a:fontRef idx="minor">
+            <a:schemeClr val="tx1"/>
+          </a:fontRef>
+        </p:style>
+      </p:cxnSp>
     </p:spTree>
     <p:extLst>
       <p:ext uri="{BB962C8B-B14F-4D97-AF65-F5344CB8AC3E}">
@@ -8077,22 +11440,711 @@
           </a:p>
         </p:txBody>
       </p:sp>
-      <p:sp>
-        <p:nvSpPr>
-          <p:cNvPr id="3" name="Content Placeholder 2"/>
-          <p:cNvSpPr>
-            <a:spLocks noGrp="1"/>
-          </p:cNvSpPr>
+      <p:pic>
+        <p:nvPicPr>
+          <p:cNvPr id="4" name="Picture 3"/>
+          <p:cNvPicPr>
+            <a:picLocks noChangeAspect="1"/>
+          </p:cNvPicPr>
+          <p:nvPr/>
+        </p:nvPicPr>
+        <p:blipFill>
+          <a:blip r:embed="rId2">
+            <a:clrChange>
+              <a:clrFrom>
+                <a:srgbClr val="B2B2B2"/>
+              </a:clrFrom>
+              <a:clrTo>
+                <a:srgbClr val="B2B2B2">
+                  <a:alpha val="0"/>
+                </a:srgbClr>
+              </a:clrTo>
+            </a:clrChange>
+          </a:blip>
+          <a:stretch>
+            <a:fillRect/>
+          </a:stretch>
+        </p:blipFill>
+        <p:spPr>
+          <a:xfrm>
+            <a:off x="922868" y="2024416"/>
+            <a:ext cx="4919132" cy="3958695"/>
+          </a:xfrm>
+          <a:prstGeom prst="rect">
+            <a:avLst/>
+          </a:prstGeom>
+        </p:spPr>
+      </p:pic>
+      <p:sp>
+        <p:nvSpPr>
+          <p:cNvPr id="5" name="TextBox 4"/>
+          <p:cNvSpPr txBox="1"/>
+          <p:nvPr/>
+        </p:nvSpPr>
+        <p:spPr>
+          <a:xfrm>
+            <a:off x="6604001" y="2024416"/>
+            <a:ext cx="1165754" cy="400110"/>
+          </a:xfrm>
+          <a:prstGeom prst="rect">
+            <a:avLst/>
+          </a:prstGeom>
+          <a:noFill/>
+        </p:spPr>
+        <p:txBody>
+          <a:bodyPr wrap="none" rtlCol="0">
+            <a:spAutoFit/>
+          </a:bodyPr>
+          <a:lstStyle/>
+          <a:p>
+            <a:r>
+              <a:rPr lang="en-US" sz="2000" b="1" u="sng" dirty="0" smtClean="0"/>
+              <a:t>Train Set</a:t>
+            </a:r>
+            <a:endParaRPr lang="en-US" sz="2000" b="1" u="sng" dirty="0"/>
+          </a:p>
+        </p:txBody>
+      </p:sp>
+      <p:sp>
+        <p:nvSpPr>
+          <p:cNvPr id="7" name="Rectangle 6"/>
+          <p:cNvSpPr/>
+          <p:nvPr/>
+        </p:nvSpPr>
+        <p:spPr>
+          <a:xfrm>
+            <a:off x="2998492" y="3244334"/>
+            <a:ext cx="2164130" cy="292388"/>
+          </a:xfrm>
+          <a:prstGeom prst="rect">
+            <a:avLst/>
+          </a:prstGeom>
+        </p:spPr>
+        <p:txBody>
+          <a:bodyPr wrap="none">
+            <a:spAutoFit/>
+          </a:bodyPr>
+          <a:lstStyle/>
+          <a:p>
+            <a:pPr>
+              <a:spcAft>
+                <a:spcPts val="1200"/>
+              </a:spcAft>
+            </a:pPr>
+            <a:r>
+              <a:rPr lang="en-US" sz="1300" dirty="0">
+                <a:solidFill>
+                  <a:srgbClr val="0000FF"/>
+                </a:solidFill>
+              </a:rPr>
+              <a:t>Logistic Regression </a:t>
+            </a:r>
+            <a:r>
+              <a:rPr lang="en-US" sz="1300" dirty="0" err="1">
+                <a:solidFill>
+                  <a:srgbClr val="0000FF"/>
+                </a:solidFill>
+              </a:rPr>
+              <a:t>underfits</a:t>
+            </a:r>
+            <a:endParaRPr lang="en-US" sz="1300" dirty="0">
+              <a:solidFill>
+                <a:srgbClr val="0000FF"/>
+              </a:solidFill>
+            </a:endParaRPr>
+          </a:p>
+        </p:txBody>
+      </p:sp>
+      <p:sp>
+        <p:nvSpPr>
+          <p:cNvPr id="8" name="Rectangle 7"/>
+          <p:cNvSpPr/>
+          <p:nvPr/>
+        </p:nvSpPr>
+        <p:spPr>
+          <a:xfrm>
+            <a:off x="1403681" y="2198944"/>
+            <a:ext cx="1792365" cy="292388"/>
+          </a:xfrm>
+          <a:prstGeom prst="rect">
+            <a:avLst/>
+          </a:prstGeom>
+        </p:spPr>
+        <p:txBody>
+          <a:bodyPr wrap="none">
+            <a:spAutoFit/>
+          </a:bodyPr>
+          <a:lstStyle/>
+          <a:p>
+            <a:pPr>
+              <a:spcAft>
+                <a:spcPts val="1200"/>
+              </a:spcAft>
+            </a:pPr>
+            <a:r>
+              <a:rPr lang="en-US" sz="1300" dirty="0" smtClean="0">
+                <a:solidFill>
+                  <a:srgbClr val="008000"/>
+                </a:solidFill>
+              </a:rPr>
+              <a:t>Random Forest </a:t>
+            </a:r>
+            <a:r>
+              <a:rPr lang="en-US" sz="1300" dirty="0" err="1" smtClean="0">
+                <a:solidFill>
+                  <a:srgbClr val="008000"/>
+                </a:solidFill>
+              </a:rPr>
+              <a:t>overfits</a:t>
+            </a:r>
+            <a:endParaRPr lang="en-US" sz="1300" dirty="0">
+              <a:solidFill>
+                <a:srgbClr val="008000"/>
+              </a:solidFill>
+            </a:endParaRPr>
+          </a:p>
+        </p:txBody>
+      </p:sp>
+      <p:graphicFrame>
+        <p:nvGraphicFramePr>
+          <p:cNvPr id="9" name="Table 8"/>
+          <p:cNvGraphicFramePr>
+            <a:graphicFrameLocks noGrp="1"/>
+          </p:cNvGraphicFramePr>
           <p:nvPr>
-            <p:ph idx="1"/>
+            <p:extLst>
+              <p:ext uri="{D42A27DB-BD31-4B8C-83A1-F6EECF244321}">
+                <p14:modId xmlns:p14="http://schemas.microsoft.com/office/powerpoint/2010/main" val="738061891"/>
+              </p:ext>
+            </p:extLst>
           </p:nvPr>
-        </p:nvSpPr>
-        <p:spPr/>
-        <p:txBody>
-          <a:bodyPr/>
-          <a:lstStyle/>
-          <a:p>
-            <a:endParaRPr lang="en-US"/>
+        </p:nvGraphicFramePr>
+        <p:xfrm>
+          <a:off x="5997786" y="4349261"/>
+          <a:ext cx="2454770" cy="1567302"/>
+        </p:xfrm>
+        <a:graphic>
+          <a:graphicData uri="http://schemas.openxmlformats.org/drawingml/2006/table">
+            <a:tbl>
+              <a:tblPr>
+                <a:tableStyleId>{9DCAF9ED-07DC-4A11-8D7F-57B35C25682E}</a:tableStyleId>
+              </a:tblPr>
+              <a:tblGrid>
+                <a:gridCol w="879752"/>
+                <a:gridCol w="525006"/>
+                <a:gridCol w="525006"/>
+                <a:gridCol w="525006"/>
+              </a:tblGrid>
+              <a:tr h="522434">
+                <a:tc>
+                  <a:txBody>
+                    <a:bodyPr/>
+                    <a:lstStyle/>
+                    <a:p>
+                      <a:pPr algn="l"/>
+                      <a:r>
+                        <a:rPr lang="en-US" sz="1300" dirty="0" smtClean="0"/>
+                        <a:t>Accuracy</a:t>
+                      </a:r>
+                      <a:endParaRPr lang="en-US" sz="1300" dirty="0"/>
+                    </a:p>
+                  </a:txBody>
+                  <a:tcPr anchor="ctr">
+                    <a:lnR w="9525" cap="flat" cmpd="sng" algn="ctr">
+                      <a:solidFill>
+                        <a:prstClr val="white">
+                          <a:lumMod val="65000"/>
+                        </a:prstClr>
+                      </a:solidFill>
+                      <a:prstDash val="solid"/>
+                      <a:round/>
+                      <a:headEnd type="none" w="med" len="med"/>
+                      <a:tailEnd type="none" w="med" len="med"/>
+                    </a:lnR>
+                  </a:tcPr>
+                </a:tc>
+                <a:tc>
+                  <a:txBody>
+                    <a:bodyPr/>
+                    <a:lstStyle/>
+                    <a:p>
+                      <a:pPr algn="ctr"/>
+                      <a:r>
+                        <a:rPr lang="en-US" sz="1200" b="0" dirty="0" smtClean="0">
+                          <a:solidFill>
+                            <a:schemeClr val="bg1">
+                              <a:lumMod val="50000"/>
+                            </a:schemeClr>
+                          </a:solidFill>
+                        </a:rPr>
+                        <a:t>92.4</a:t>
+                      </a:r>
+                      <a:endParaRPr lang="en-US" sz="1200" b="0" dirty="0">
+                        <a:solidFill>
+                          <a:schemeClr val="bg1">
+                            <a:lumMod val="50000"/>
+                          </a:schemeClr>
+                        </a:solidFill>
+                      </a:endParaRPr>
+                    </a:p>
+                  </a:txBody>
+                  <a:tcPr anchor="ctr">
+                    <a:lnL w="9525" cap="flat" cmpd="sng" algn="ctr">
+                      <a:solidFill>
+                        <a:prstClr val="white">
+                          <a:lumMod val="65000"/>
+                        </a:prstClr>
+                      </a:solidFill>
+                      <a:prstDash val="solid"/>
+                      <a:round/>
+                      <a:headEnd type="none" w="med" len="med"/>
+                      <a:tailEnd type="none" w="med" len="med"/>
+                    </a:lnL>
+                  </a:tcPr>
+                </a:tc>
+                <a:tc>
+                  <a:txBody>
+                    <a:bodyPr/>
+                    <a:lstStyle/>
+                    <a:p>
+                      <a:pPr algn="ctr"/>
+                      <a:r>
+                        <a:rPr lang="en-US" sz="1200" dirty="0" smtClean="0">
+                          <a:solidFill>
+                            <a:schemeClr val="bg1">
+                              <a:lumMod val="50000"/>
+                            </a:schemeClr>
+                          </a:solidFill>
+                        </a:rPr>
+                        <a:t>91.2</a:t>
+                      </a:r>
+                      <a:endParaRPr lang="en-US" sz="1200" dirty="0">
+                        <a:solidFill>
+                          <a:schemeClr val="bg1">
+                            <a:lumMod val="50000"/>
+                          </a:schemeClr>
+                        </a:solidFill>
+                      </a:endParaRPr>
+                    </a:p>
+                  </a:txBody>
+                  <a:tcPr anchor="ctr"/>
+                </a:tc>
+                <a:tc>
+                  <a:txBody>
+                    <a:bodyPr/>
+                    <a:lstStyle/>
+                    <a:p>
+                      <a:pPr algn="ctr"/>
+                      <a:r>
+                        <a:rPr lang="en-US" sz="1200" b="1" dirty="0" smtClean="0">
+                          <a:solidFill>
+                            <a:srgbClr val="008000"/>
+                          </a:solidFill>
+                        </a:rPr>
+                        <a:t>94.2</a:t>
+                      </a:r>
+                      <a:endParaRPr lang="en-US" sz="1200" b="1" dirty="0">
+                        <a:solidFill>
+                          <a:srgbClr val="008000"/>
+                        </a:solidFill>
+                      </a:endParaRPr>
+                    </a:p>
+                  </a:txBody>
+                  <a:tcPr anchor="ctr"/>
+                </a:tc>
+              </a:tr>
+              <a:tr h="522434">
+                <a:tc>
+                  <a:txBody>
+                    <a:bodyPr/>
+                    <a:lstStyle/>
+                    <a:p>
+                      <a:pPr algn="l"/>
+                      <a:r>
+                        <a:rPr lang="en-US" sz="1300" dirty="0" smtClean="0"/>
+                        <a:t>Precision</a:t>
+                      </a:r>
+                      <a:endParaRPr lang="en-US" sz="1300" dirty="0"/>
+                    </a:p>
+                  </a:txBody>
+                  <a:tcPr anchor="ctr">
+                    <a:lnR w="9525" cap="flat" cmpd="sng" algn="ctr">
+                      <a:solidFill>
+                        <a:prstClr val="white">
+                          <a:lumMod val="65000"/>
+                        </a:prstClr>
+                      </a:solidFill>
+                      <a:prstDash val="solid"/>
+                      <a:round/>
+                      <a:headEnd type="none" w="med" len="med"/>
+                      <a:tailEnd type="none" w="med" len="med"/>
+                    </a:lnR>
+                  </a:tcPr>
+                </a:tc>
+                <a:tc>
+                  <a:txBody>
+                    <a:bodyPr/>
+                    <a:lstStyle/>
+                    <a:p>
+                      <a:pPr algn="ctr"/>
+                      <a:r>
+                        <a:rPr lang="en-US" sz="1200" b="1" dirty="0" smtClean="0">
+                          <a:solidFill>
+                            <a:schemeClr val="accent5"/>
+                          </a:solidFill>
+                        </a:rPr>
+                        <a:t>93.1</a:t>
+                      </a:r>
+                      <a:endParaRPr lang="en-US" sz="1200" b="1" dirty="0">
+                        <a:solidFill>
+                          <a:schemeClr val="accent5"/>
+                        </a:solidFill>
+                      </a:endParaRPr>
+                    </a:p>
+                  </a:txBody>
+                  <a:tcPr anchor="ctr">
+                    <a:lnL w="9525" cap="flat" cmpd="sng" algn="ctr">
+                      <a:solidFill>
+                        <a:prstClr val="white">
+                          <a:lumMod val="65000"/>
+                        </a:prstClr>
+                      </a:solidFill>
+                      <a:prstDash val="solid"/>
+                      <a:round/>
+                      <a:headEnd type="none" w="med" len="med"/>
+                      <a:tailEnd type="none" w="med" len="med"/>
+                    </a:lnL>
+                  </a:tcPr>
+                </a:tc>
+                <a:tc>
+                  <a:txBody>
+                    <a:bodyPr/>
+                    <a:lstStyle/>
+                    <a:p>
+                      <a:pPr algn="ctr"/>
+                      <a:r>
+                        <a:rPr lang="en-US" sz="1200" dirty="0" smtClean="0">
+                          <a:solidFill>
+                            <a:schemeClr val="bg1">
+                              <a:lumMod val="50000"/>
+                            </a:schemeClr>
+                          </a:solidFill>
+                        </a:rPr>
+                        <a:t>91.2</a:t>
+                      </a:r>
+                      <a:endParaRPr lang="en-US" sz="1200" dirty="0">
+                        <a:solidFill>
+                          <a:schemeClr val="bg1">
+                            <a:lumMod val="50000"/>
+                          </a:schemeClr>
+                        </a:solidFill>
+                      </a:endParaRPr>
+                    </a:p>
+                  </a:txBody>
+                  <a:tcPr anchor="ctr"/>
+                </a:tc>
+                <a:tc>
+                  <a:txBody>
+                    <a:bodyPr/>
+                    <a:lstStyle/>
+                    <a:p>
+                      <a:pPr algn="ctr"/>
+                      <a:r>
+                        <a:rPr lang="en-US" sz="1200" dirty="0" smtClean="0">
+                          <a:solidFill>
+                            <a:schemeClr val="bg1">
+                              <a:lumMod val="50000"/>
+                            </a:schemeClr>
+                          </a:solidFill>
+                        </a:rPr>
+                        <a:t>90.1</a:t>
+                      </a:r>
+                      <a:endParaRPr lang="en-US" sz="1200" dirty="0">
+                        <a:solidFill>
+                          <a:schemeClr val="bg1">
+                            <a:lumMod val="50000"/>
+                          </a:schemeClr>
+                        </a:solidFill>
+                      </a:endParaRPr>
+                    </a:p>
+                  </a:txBody>
+                  <a:tcPr anchor="ctr"/>
+                </a:tc>
+              </a:tr>
+              <a:tr h="522434">
+                <a:tc>
+                  <a:txBody>
+                    <a:bodyPr/>
+                    <a:lstStyle/>
+                    <a:p>
+                      <a:pPr algn="l"/>
+                      <a:r>
+                        <a:rPr lang="en-US" sz="1300" dirty="0" smtClean="0"/>
+                        <a:t>Recall</a:t>
+                      </a:r>
+                      <a:endParaRPr lang="en-US" sz="1300" dirty="0"/>
+                    </a:p>
+                  </a:txBody>
+                  <a:tcPr anchor="ctr">
+                    <a:lnR w="9525" cap="flat" cmpd="sng" algn="ctr">
+                      <a:solidFill>
+                        <a:prstClr val="white">
+                          <a:lumMod val="65000"/>
+                        </a:prstClr>
+                      </a:solidFill>
+                      <a:prstDash val="solid"/>
+                      <a:round/>
+                      <a:headEnd type="none" w="med" len="med"/>
+                      <a:tailEnd type="none" w="med" len="med"/>
+                    </a:lnR>
+                  </a:tcPr>
+                </a:tc>
+                <a:tc>
+                  <a:txBody>
+                    <a:bodyPr/>
+                    <a:lstStyle/>
+                    <a:p>
+                      <a:pPr algn="ctr"/>
+                      <a:r>
+                        <a:rPr lang="en-US" sz="1200" dirty="0" smtClean="0">
+                          <a:solidFill>
+                            <a:schemeClr val="bg1">
+                              <a:lumMod val="50000"/>
+                            </a:schemeClr>
+                          </a:solidFill>
+                        </a:rPr>
+                        <a:t>45.7</a:t>
+                      </a:r>
+                      <a:endParaRPr lang="en-US" sz="1200" dirty="0">
+                        <a:solidFill>
+                          <a:schemeClr val="bg1">
+                            <a:lumMod val="50000"/>
+                          </a:schemeClr>
+                        </a:solidFill>
+                      </a:endParaRPr>
+                    </a:p>
+                  </a:txBody>
+                  <a:tcPr anchor="ctr">
+                    <a:lnL w="9525" cap="flat" cmpd="sng" algn="ctr">
+                      <a:solidFill>
+                        <a:prstClr val="white">
+                          <a:lumMod val="65000"/>
+                        </a:prstClr>
+                      </a:solidFill>
+                      <a:prstDash val="solid"/>
+                      <a:round/>
+                      <a:headEnd type="none" w="med" len="med"/>
+                      <a:tailEnd type="none" w="med" len="med"/>
+                    </a:lnL>
+                  </a:tcPr>
+                </a:tc>
+                <a:tc>
+                  <a:txBody>
+                    <a:bodyPr/>
+                    <a:lstStyle/>
+                    <a:p>
+                      <a:pPr algn="ctr"/>
+                      <a:r>
+                        <a:rPr lang="en-US" sz="1200" dirty="0" smtClean="0">
+                          <a:solidFill>
+                            <a:schemeClr val="bg1">
+                              <a:lumMod val="50000"/>
+                            </a:schemeClr>
+                          </a:solidFill>
+                        </a:rPr>
+                        <a:t>37.2</a:t>
+                      </a:r>
+                      <a:endParaRPr lang="en-US" sz="1200" dirty="0">
+                        <a:solidFill>
+                          <a:schemeClr val="bg1">
+                            <a:lumMod val="50000"/>
+                          </a:schemeClr>
+                        </a:solidFill>
+                      </a:endParaRPr>
+                    </a:p>
+                  </a:txBody>
+                  <a:tcPr anchor="ctr"/>
+                </a:tc>
+                <a:tc>
+                  <a:txBody>
+                    <a:bodyPr/>
+                    <a:lstStyle/>
+                    <a:p>
+                      <a:pPr algn="ctr"/>
+                      <a:r>
+                        <a:rPr lang="en-US" sz="1200" b="1" dirty="0" smtClean="0">
+                          <a:solidFill>
+                            <a:srgbClr val="008000"/>
+                          </a:solidFill>
+                        </a:rPr>
+                        <a:t>63.3</a:t>
+                      </a:r>
+                      <a:endParaRPr lang="en-US" sz="1200" b="1" dirty="0">
+                        <a:solidFill>
+                          <a:srgbClr val="008000"/>
+                        </a:solidFill>
+                      </a:endParaRPr>
+                    </a:p>
+                  </a:txBody>
+                  <a:tcPr anchor="ctr"/>
+                </a:tc>
+              </a:tr>
+            </a:tbl>
+          </a:graphicData>
+        </a:graphic>
+      </p:graphicFrame>
+      <p:sp>
+        <p:nvSpPr>
+          <p:cNvPr id="10" name="TextBox 9"/>
+          <p:cNvSpPr txBox="1"/>
+          <p:nvPr/>
+        </p:nvSpPr>
+        <p:spPr>
+          <a:xfrm rot="18900000">
+            <a:off x="6711378" y="3718085"/>
+            <a:ext cx="1275484" cy="276999"/>
+          </a:xfrm>
+          <a:prstGeom prst="rect">
+            <a:avLst/>
+          </a:prstGeom>
+          <a:noFill/>
+        </p:spPr>
+        <p:txBody>
+          <a:bodyPr wrap="none" rtlCol="0">
+            <a:spAutoFit/>
+          </a:bodyPr>
+          <a:lstStyle/>
+          <a:p>
+            <a:r>
+              <a:rPr lang="en-US" sz="1200" b="1" dirty="0" smtClean="0">
+                <a:solidFill>
+                  <a:srgbClr val="4BACC6"/>
+                </a:solidFill>
+              </a:rPr>
+              <a:t>Grand Ensembl</a:t>
+            </a:r>
+            <a:r>
+              <a:rPr lang="en-US" sz="1200" b="1" dirty="0">
+                <a:solidFill>
+                  <a:srgbClr val="4BACC6"/>
+                </a:solidFill>
+              </a:rPr>
+              <a:t>e</a:t>
+            </a:r>
+          </a:p>
+        </p:txBody>
+      </p:sp>
+      <p:sp>
+        <p:nvSpPr>
+          <p:cNvPr id="11" name="TextBox 10"/>
+          <p:cNvSpPr txBox="1"/>
+          <p:nvPr/>
+        </p:nvSpPr>
+        <p:spPr>
+          <a:xfrm rot="18900000">
+            <a:off x="7401349" y="3825373"/>
+            <a:ext cx="838691" cy="276999"/>
+          </a:xfrm>
+          <a:prstGeom prst="rect">
+            <a:avLst/>
+          </a:prstGeom>
+          <a:noFill/>
+        </p:spPr>
+        <p:txBody>
+          <a:bodyPr wrap="none" rtlCol="0">
+            <a:spAutoFit/>
+          </a:bodyPr>
+          <a:lstStyle/>
+          <a:p>
+            <a:r>
+              <a:rPr lang="en-US" sz="1200" b="1" dirty="0" smtClean="0">
+                <a:solidFill>
+                  <a:schemeClr val="accent2"/>
+                </a:solidFill>
+              </a:rPr>
+              <a:t>Ensemble</a:t>
+            </a:r>
+            <a:endParaRPr lang="en-US" sz="1200" b="1" dirty="0">
+              <a:solidFill>
+                <a:schemeClr val="accent2"/>
+              </a:solidFill>
+            </a:endParaRPr>
+          </a:p>
+        </p:txBody>
+      </p:sp>
+      <p:sp>
+        <p:nvSpPr>
+          <p:cNvPr id="12" name="TextBox 11"/>
+          <p:cNvSpPr txBox="1"/>
+          <p:nvPr/>
+        </p:nvSpPr>
+        <p:spPr>
+          <a:xfrm rot="18900000">
+            <a:off x="7801361" y="3702955"/>
+            <a:ext cx="1210588" cy="276999"/>
+          </a:xfrm>
+          <a:prstGeom prst="rect">
+            <a:avLst/>
+          </a:prstGeom>
+          <a:noFill/>
+        </p:spPr>
+        <p:txBody>
+          <a:bodyPr wrap="none" rtlCol="0">
+            <a:spAutoFit/>
+          </a:bodyPr>
+          <a:lstStyle/>
+          <a:p>
+            <a:r>
+              <a:rPr lang="en-US" sz="1200" b="1" dirty="0" smtClean="0">
+                <a:solidFill>
+                  <a:srgbClr val="008000"/>
+                </a:solidFill>
+              </a:rPr>
+              <a:t>Random Forest</a:t>
+            </a:r>
+            <a:endParaRPr lang="en-US" sz="1200" b="1" dirty="0">
+              <a:solidFill>
+                <a:srgbClr val="008000"/>
+              </a:solidFill>
+            </a:endParaRPr>
+          </a:p>
+        </p:txBody>
+      </p:sp>
+      <p:sp>
+        <p:nvSpPr>
+          <p:cNvPr id="13" name="TextBox 12"/>
+          <p:cNvSpPr txBox="1"/>
+          <p:nvPr/>
+        </p:nvSpPr>
+        <p:spPr>
+          <a:xfrm>
+            <a:off x="5997788" y="2495224"/>
+            <a:ext cx="2244806" cy="338554"/>
+          </a:xfrm>
+          <a:prstGeom prst="rect">
+            <a:avLst/>
+          </a:prstGeom>
+          <a:noFill/>
+        </p:spPr>
+        <p:txBody>
+          <a:bodyPr wrap="none" rtlCol="0">
+            <a:spAutoFit/>
+          </a:bodyPr>
+          <a:lstStyle/>
+          <a:p>
+            <a:r>
+              <a:rPr lang="en-US" sz="1600" dirty="0" smtClean="0"/>
+              <a:t>Target Metric:</a:t>
+            </a:r>
+            <a:r>
+              <a:rPr lang="en-US" sz="1600" i="1" dirty="0" smtClean="0"/>
+              <a:t> </a:t>
+            </a:r>
+            <a:r>
+              <a:rPr lang="en-US" sz="1600" b="1" i="1" dirty="0" smtClean="0"/>
+              <a:t>Precision</a:t>
+            </a:r>
+            <a:endParaRPr lang="en-US" sz="1600" b="1" i="1" dirty="0"/>
           </a:p>
         </p:txBody>
       </p:sp>
@@ -8150,35 +12202,777 @@
           <a:p>
             <a:r>
               <a:rPr lang="en-US" dirty="0" smtClean="0"/>
-              <a:t>Interpreting the Model</a:t>
+              <a:t>Evaluating the Model</a:t>
             </a:r>
             <a:endParaRPr lang="en-US" dirty="0"/>
           </a:p>
         </p:txBody>
       </p:sp>
-      <p:sp>
-        <p:nvSpPr>
-          <p:cNvPr id="3" name="Content Placeholder 2"/>
-          <p:cNvSpPr>
-            <a:spLocks noGrp="1"/>
-          </p:cNvSpPr>
+      <p:pic>
+        <p:nvPicPr>
+          <p:cNvPr id="4" name="Picture 3"/>
+          <p:cNvPicPr>
+            <a:picLocks noChangeAspect="1"/>
+          </p:cNvPicPr>
+          <p:nvPr/>
+        </p:nvPicPr>
+        <p:blipFill>
+          <a:blip r:embed="rId2">
+            <a:clrChange>
+              <a:clrFrom>
+                <a:srgbClr val="B2B2B2"/>
+              </a:clrFrom>
+              <a:clrTo>
+                <a:srgbClr val="B2B2B2">
+                  <a:alpha val="0"/>
+                </a:srgbClr>
+              </a:clrTo>
+            </a:clrChange>
+          </a:blip>
+          <a:stretch>
+            <a:fillRect/>
+          </a:stretch>
+        </p:blipFill>
+        <p:spPr>
+          <a:xfrm>
+            <a:off x="922868" y="2024416"/>
+            <a:ext cx="4919132" cy="3958695"/>
+          </a:xfrm>
+          <a:prstGeom prst="rect">
+            <a:avLst/>
+          </a:prstGeom>
+        </p:spPr>
+      </p:pic>
+      <p:sp>
+        <p:nvSpPr>
+          <p:cNvPr id="5" name="TextBox 4"/>
+          <p:cNvSpPr txBox="1"/>
+          <p:nvPr/>
+        </p:nvSpPr>
+        <p:spPr>
+          <a:xfrm>
+            <a:off x="6604001" y="2024416"/>
+            <a:ext cx="1165754" cy="400110"/>
+          </a:xfrm>
+          <a:prstGeom prst="rect">
+            <a:avLst/>
+          </a:prstGeom>
+          <a:noFill/>
+        </p:spPr>
+        <p:txBody>
+          <a:bodyPr wrap="none" rtlCol="0">
+            <a:spAutoFit/>
+          </a:bodyPr>
+          <a:lstStyle/>
+          <a:p>
+            <a:r>
+              <a:rPr lang="en-US" sz="2000" b="1" u="sng" dirty="0" smtClean="0"/>
+              <a:t>Train Set</a:t>
+            </a:r>
+            <a:endParaRPr lang="en-US" sz="2000" b="1" u="sng" dirty="0"/>
+          </a:p>
+        </p:txBody>
+      </p:sp>
+      <p:sp>
+        <p:nvSpPr>
+          <p:cNvPr id="7" name="Rectangle 6"/>
+          <p:cNvSpPr/>
+          <p:nvPr/>
+        </p:nvSpPr>
+        <p:spPr>
+          <a:xfrm>
+            <a:off x="2998492" y="3244334"/>
+            <a:ext cx="2164130" cy="292388"/>
+          </a:xfrm>
+          <a:prstGeom prst="rect">
+            <a:avLst/>
+          </a:prstGeom>
+        </p:spPr>
+        <p:txBody>
+          <a:bodyPr wrap="none">
+            <a:spAutoFit/>
+          </a:bodyPr>
+          <a:lstStyle/>
+          <a:p>
+            <a:pPr>
+              <a:spcAft>
+                <a:spcPts val="1200"/>
+              </a:spcAft>
+            </a:pPr>
+            <a:r>
+              <a:rPr lang="en-US" sz="1300" dirty="0">
+                <a:solidFill>
+                  <a:srgbClr val="0000FF"/>
+                </a:solidFill>
+              </a:rPr>
+              <a:t>Logistic Regression </a:t>
+            </a:r>
+            <a:r>
+              <a:rPr lang="en-US" sz="1300" dirty="0" err="1">
+                <a:solidFill>
+                  <a:srgbClr val="0000FF"/>
+                </a:solidFill>
+              </a:rPr>
+              <a:t>underfits</a:t>
+            </a:r>
+            <a:endParaRPr lang="en-US" sz="1300" dirty="0">
+              <a:solidFill>
+                <a:srgbClr val="0000FF"/>
+              </a:solidFill>
+            </a:endParaRPr>
+          </a:p>
+        </p:txBody>
+      </p:sp>
+      <p:sp>
+        <p:nvSpPr>
+          <p:cNvPr id="8" name="Rectangle 7"/>
+          <p:cNvSpPr/>
+          <p:nvPr/>
+        </p:nvSpPr>
+        <p:spPr>
+          <a:xfrm>
+            <a:off x="1403681" y="2198944"/>
+            <a:ext cx="1792365" cy="292388"/>
+          </a:xfrm>
+          <a:prstGeom prst="rect">
+            <a:avLst/>
+          </a:prstGeom>
+        </p:spPr>
+        <p:txBody>
+          <a:bodyPr wrap="none">
+            <a:spAutoFit/>
+          </a:bodyPr>
+          <a:lstStyle/>
+          <a:p>
+            <a:pPr>
+              <a:spcAft>
+                <a:spcPts val="1200"/>
+              </a:spcAft>
+            </a:pPr>
+            <a:r>
+              <a:rPr lang="en-US" sz="1300" dirty="0" smtClean="0">
+                <a:solidFill>
+                  <a:srgbClr val="008000"/>
+                </a:solidFill>
+              </a:rPr>
+              <a:t>Random Forest </a:t>
+            </a:r>
+            <a:r>
+              <a:rPr lang="en-US" sz="1300" dirty="0" err="1" smtClean="0">
+                <a:solidFill>
+                  <a:srgbClr val="008000"/>
+                </a:solidFill>
+              </a:rPr>
+              <a:t>overfits</a:t>
+            </a:r>
+            <a:endParaRPr lang="en-US" sz="1300" dirty="0">
+              <a:solidFill>
+                <a:srgbClr val="008000"/>
+              </a:solidFill>
+            </a:endParaRPr>
+          </a:p>
+        </p:txBody>
+      </p:sp>
+      <p:graphicFrame>
+        <p:nvGraphicFramePr>
+          <p:cNvPr id="9" name="Table 8"/>
+          <p:cNvGraphicFramePr>
+            <a:graphicFrameLocks noGrp="1"/>
+          </p:cNvGraphicFramePr>
           <p:nvPr>
-            <p:ph idx="1"/>
+            <p:extLst>
+              <p:ext uri="{D42A27DB-BD31-4B8C-83A1-F6EECF244321}">
+                <p14:modId xmlns:p14="http://schemas.microsoft.com/office/powerpoint/2010/main" val="2991231864"/>
+              </p:ext>
+            </p:extLst>
           </p:nvPr>
-        </p:nvSpPr>
-        <p:spPr/>
-        <p:txBody>
-          <a:bodyPr/>
-          <a:lstStyle/>
-          <a:p>
-            <a:endParaRPr lang="en-US"/>
-          </a:p>
-        </p:txBody>
-      </p:sp>
+        </p:nvGraphicFramePr>
+        <p:xfrm>
+          <a:off x="5997786" y="4349261"/>
+          <a:ext cx="2454772" cy="1567302"/>
+        </p:xfrm>
+        <a:graphic>
+          <a:graphicData uri="http://schemas.openxmlformats.org/drawingml/2006/table">
+            <a:tbl>
+              <a:tblPr>
+                <a:tableStyleId>{9DCAF9ED-07DC-4A11-8D7F-57B35C25682E}</a:tableStyleId>
+              </a:tblPr>
+              <a:tblGrid>
+                <a:gridCol w="889522"/>
+                <a:gridCol w="521750"/>
+                <a:gridCol w="521750"/>
+                <a:gridCol w="521750"/>
+              </a:tblGrid>
+              <a:tr h="522434">
+                <a:tc>
+                  <a:txBody>
+                    <a:bodyPr/>
+                    <a:lstStyle/>
+                    <a:p>
+                      <a:pPr algn="l"/>
+                      <a:r>
+                        <a:rPr lang="en-US" sz="1300" dirty="0" smtClean="0"/>
+                        <a:t>Accuracy</a:t>
+                      </a:r>
+                      <a:endParaRPr lang="en-US" sz="1300" dirty="0"/>
+                    </a:p>
+                  </a:txBody>
+                  <a:tcPr anchor="ctr">
+                    <a:lnR w="9525" cap="flat" cmpd="sng" algn="ctr">
+                      <a:solidFill>
+                        <a:prstClr val="white">
+                          <a:lumMod val="65000"/>
+                        </a:prstClr>
+                      </a:solidFill>
+                      <a:prstDash val="solid"/>
+                      <a:round/>
+                      <a:headEnd type="none" w="med" len="med"/>
+                      <a:tailEnd type="none" w="med" len="med"/>
+                    </a:lnR>
+                  </a:tcPr>
+                </a:tc>
+                <a:tc>
+                  <a:txBody>
+                    <a:bodyPr/>
+                    <a:lstStyle/>
+                    <a:p>
+                      <a:pPr algn="ctr"/>
+                      <a:r>
+                        <a:rPr lang="en-US" sz="1200" b="0" dirty="0" smtClean="0">
+                          <a:solidFill>
+                            <a:schemeClr val="bg1">
+                              <a:lumMod val="50000"/>
+                            </a:schemeClr>
+                          </a:solidFill>
+                        </a:rPr>
+                        <a:t>92.4</a:t>
+                      </a:r>
+                      <a:endParaRPr lang="en-US" sz="1200" b="0" dirty="0">
+                        <a:solidFill>
+                          <a:schemeClr val="bg1">
+                            <a:lumMod val="50000"/>
+                          </a:schemeClr>
+                        </a:solidFill>
+                      </a:endParaRPr>
+                    </a:p>
+                  </a:txBody>
+                  <a:tcPr anchor="ctr">
+                    <a:lnL w="9525" cap="flat" cmpd="sng" algn="ctr">
+                      <a:solidFill>
+                        <a:prstClr val="white">
+                          <a:lumMod val="65000"/>
+                        </a:prstClr>
+                      </a:solidFill>
+                      <a:prstDash val="solid"/>
+                      <a:round/>
+                      <a:headEnd type="none" w="med" len="med"/>
+                      <a:tailEnd type="none" w="med" len="med"/>
+                    </a:lnL>
+                  </a:tcPr>
+                </a:tc>
+                <a:tc>
+                  <a:txBody>
+                    <a:bodyPr/>
+                    <a:lstStyle/>
+                    <a:p>
+                      <a:pPr algn="ctr"/>
+                      <a:r>
+                        <a:rPr lang="en-US" sz="1200" dirty="0" smtClean="0">
+                          <a:solidFill>
+                            <a:schemeClr val="bg1">
+                              <a:lumMod val="50000"/>
+                            </a:schemeClr>
+                          </a:solidFill>
+                        </a:rPr>
+                        <a:t>91.2</a:t>
+                      </a:r>
+                      <a:endParaRPr lang="en-US" sz="1200" dirty="0">
+                        <a:solidFill>
+                          <a:schemeClr val="bg1">
+                            <a:lumMod val="50000"/>
+                          </a:schemeClr>
+                        </a:solidFill>
+                      </a:endParaRPr>
+                    </a:p>
+                  </a:txBody>
+                  <a:tcPr anchor="ctr"/>
+                </a:tc>
+                <a:tc>
+                  <a:txBody>
+                    <a:bodyPr/>
+                    <a:lstStyle/>
+                    <a:p>
+                      <a:pPr algn="ctr"/>
+                      <a:r>
+                        <a:rPr lang="en-US" sz="1200" b="1" dirty="0" smtClean="0">
+                          <a:solidFill>
+                            <a:srgbClr val="008000"/>
+                          </a:solidFill>
+                        </a:rPr>
+                        <a:t>94.2</a:t>
+                      </a:r>
+                      <a:endParaRPr lang="en-US" sz="1200" b="1" dirty="0">
+                        <a:solidFill>
+                          <a:srgbClr val="008000"/>
+                        </a:solidFill>
+                      </a:endParaRPr>
+                    </a:p>
+                  </a:txBody>
+                  <a:tcPr anchor="ctr"/>
+                </a:tc>
+              </a:tr>
+              <a:tr h="522434">
+                <a:tc>
+                  <a:txBody>
+                    <a:bodyPr/>
+                    <a:lstStyle/>
+                    <a:p>
+                      <a:pPr algn="l"/>
+                      <a:r>
+                        <a:rPr lang="en-US" sz="1300" dirty="0" smtClean="0"/>
+                        <a:t>Precision</a:t>
+                      </a:r>
+                      <a:endParaRPr lang="en-US" sz="1300" dirty="0"/>
+                    </a:p>
+                  </a:txBody>
+                  <a:tcPr anchor="ctr">
+                    <a:lnR w="9525" cap="flat" cmpd="sng" algn="ctr">
+                      <a:solidFill>
+                        <a:prstClr val="white">
+                          <a:lumMod val="65000"/>
+                        </a:prstClr>
+                      </a:solidFill>
+                      <a:prstDash val="solid"/>
+                      <a:round/>
+                      <a:headEnd type="none" w="med" len="med"/>
+                      <a:tailEnd type="none" w="med" len="med"/>
+                    </a:lnR>
+                  </a:tcPr>
+                </a:tc>
+                <a:tc>
+                  <a:txBody>
+                    <a:bodyPr/>
+                    <a:lstStyle/>
+                    <a:p>
+                      <a:pPr algn="ctr"/>
+                      <a:r>
+                        <a:rPr lang="en-US" sz="1200" b="1" dirty="0" smtClean="0">
+                          <a:solidFill>
+                            <a:schemeClr val="accent5"/>
+                          </a:solidFill>
+                        </a:rPr>
+                        <a:t>93.1</a:t>
+                      </a:r>
+                      <a:endParaRPr lang="en-US" sz="1200" b="1" dirty="0">
+                        <a:solidFill>
+                          <a:schemeClr val="accent5"/>
+                        </a:solidFill>
+                      </a:endParaRPr>
+                    </a:p>
+                  </a:txBody>
+                  <a:tcPr anchor="ctr">
+                    <a:lnL w="9525" cap="flat" cmpd="sng" algn="ctr">
+                      <a:solidFill>
+                        <a:prstClr val="white">
+                          <a:lumMod val="65000"/>
+                        </a:prstClr>
+                      </a:solidFill>
+                      <a:prstDash val="solid"/>
+                      <a:round/>
+                      <a:headEnd type="none" w="med" len="med"/>
+                      <a:tailEnd type="none" w="med" len="med"/>
+                    </a:lnL>
+                  </a:tcPr>
+                </a:tc>
+                <a:tc>
+                  <a:txBody>
+                    <a:bodyPr/>
+                    <a:lstStyle/>
+                    <a:p>
+                      <a:pPr algn="ctr"/>
+                      <a:r>
+                        <a:rPr lang="en-US" sz="1200" dirty="0" smtClean="0">
+                          <a:solidFill>
+                            <a:schemeClr val="bg1">
+                              <a:lumMod val="50000"/>
+                            </a:schemeClr>
+                          </a:solidFill>
+                        </a:rPr>
+                        <a:t>91.2</a:t>
+                      </a:r>
+                      <a:endParaRPr lang="en-US" sz="1200" dirty="0">
+                        <a:solidFill>
+                          <a:schemeClr val="bg1">
+                            <a:lumMod val="50000"/>
+                          </a:schemeClr>
+                        </a:solidFill>
+                      </a:endParaRPr>
+                    </a:p>
+                  </a:txBody>
+                  <a:tcPr anchor="ctr"/>
+                </a:tc>
+                <a:tc>
+                  <a:txBody>
+                    <a:bodyPr/>
+                    <a:lstStyle/>
+                    <a:p>
+                      <a:pPr algn="ctr"/>
+                      <a:r>
+                        <a:rPr lang="en-US" sz="1200" dirty="0" smtClean="0">
+                          <a:solidFill>
+                            <a:schemeClr val="bg1">
+                              <a:lumMod val="50000"/>
+                            </a:schemeClr>
+                          </a:solidFill>
+                        </a:rPr>
+                        <a:t>90.1</a:t>
+                      </a:r>
+                      <a:endParaRPr lang="en-US" sz="1200" dirty="0">
+                        <a:solidFill>
+                          <a:schemeClr val="bg1">
+                            <a:lumMod val="50000"/>
+                          </a:schemeClr>
+                        </a:solidFill>
+                      </a:endParaRPr>
+                    </a:p>
+                  </a:txBody>
+                  <a:tcPr anchor="ctr"/>
+                </a:tc>
+              </a:tr>
+              <a:tr h="522434">
+                <a:tc>
+                  <a:txBody>
+                    <a:bodyPr/>
+                    <a:lstStyle/>
+                    <a:p>
+                      <a:pPr algn="l"/>
+                      <a:r>
+                        <a:rPr lang="en-US" sz="1300" dirty="0" smtClean="0"/>
+                        <a:t>Recall</a:t>
+                      </a:r>
+                      <a:endParaRPr lang="en-US" sz="1300" dirty="0"/>
+                    </a:p>
+                  </a:txBody>
+                  <a:tcPr anchor="ctr">
+                    <a:lnR w="9525" cap="flat" cmpd="sng" algn="ctr">
+                      <a:solidFill>
+                        <a:prstClr val="white">
+                          <a:lumMod val="65000"/>
+                        </a:prstClr>
+                      </a:solidFill>
+                      <a:prstDash val="solid"/>
+                      <a:round/>
+                      <a:headEnd type="none" w="med" len="med"/>
+                      <a:tailEnd type="none" w="med" len="med"/>
+                    </a:lnR>
+                  </a:tcPr>
+                </a:tc>
+                <a:tc>
+                  <a:txBody>
+                    <a:bodyPr/>
+                    <a:lstStyle/>
+                    <a:p>
+                      <a:pPr algn="ctr"/>
+                      <a:r>
+                        <a:rPr lang="en-US" sz="1200" dirty="0" smtClean="0">
+                          <a:solidFill>
+                            <a:schemeClr val="bg1">
+                              <a:lumMod val="50000"/>
+                            </a:schemeClr>
+                          </a:solidFill>
+                        </a:rPr>
+                        <a:t>45.7</a:t>
+                      </a:r>
+                      <a:endParaRPr lang="en-US" sz="1200" dirty="0">
+                        <a:solidFill>
+                          <a:schemeClr val="bg1">
+                            <a:lumMod val="50000"/>
+                          </a:schemeClr>
+                        </a:solidFill>
+                      </a:endParaRPr>
+                    </a:p>
+                  </a:txBody>
+                  <a:tcPr anchor="ctr">
+                    <a:lnL w="9525" cap="flat" cmpd="sng" algn="ctr">
+                      <a:solidFill>
+                        <a:prstClr val="white">
+                          <a:lumMod val="65000"/>
+                        </a:prstClr>
+                      </a:solidFill>
+                      <a:prstDash val="solid"/>
+                      <a:round/>
+                      <a:headEnd type="none" w="med" len="med"/>
+                      <a:tailEnd type="none" w="med" len="med"/>
+                    </a:lnL>
+                  </a:tcPr>
+                </a:tc>
+                <a:tc>
+                  <a:txBody>
+                    <a:bodyPr/>
+                    <a:lstStyle/>
+                    <a:p>
+                      <a:pPr algn="ctr"/>
+                      <a:r>
+                        <a:rPr lang="en-US" sz="1200" dirty="0" smtClean="0">
+                          <a:solidFill>
+                            <a:schemeClr val="bg1">
+                              <a:lumMod val="50000"/>
+                            </a:schemeClr>
+                          </a:solidFill>
+                        </a:rPr>
+                        <a:t>37.2</a:t>
+                      </a:r>
+                      <a:endParaRPr lang="en-US" sz="1200" dirty="0">
+                        <a:solidFill>
+                          <a:schemeClr val="bg1">
+                            <a:lumMod val="50000"/>
+                          </a:schemeClr>
+                        </a:solidFill>
+                      </a:endParaRPr>
+                    </a:p>
+                  </a:txBody>
+                  <a:tcPr anchor="ctr"/>
+                </a:tc>
+                <a:tc>
+                  <a:txBody>
+                    <a:bodyPr/>
+                    <a:lstStyle/>
+                    <a:p>
+                      <a:pPr algn="ctr"/>
+                      <a:r>
+                        <a:rPr lang="en-US" sz="1200" b="1" dirty="0" smtClean="0">
+                          <a:solidFill>
+                            <a:srgbClr val="008000"/>
+                          </a:solidFill>
+                        </a:rPr>
+                        <a:t>63.3</a:t>
+                      </a:r>
+                      <a:endParaRPr lang="en-US" sz="1200" b="1" dirty="0">
+                        <a:solidFill>
+                          <a:srgbClr val="008000"/>
+                        </a:solidFill>
+                      </a:endParaRPr>
+                    </a:p>
+                  </a:txBody>
+                  <a:tcPr anchor="ctr"/>
+                </a:tc>
+              </a:tr>
+            </a:tbl>
+          </a:graphicData>
+        </a:graphic>
+      </p:graphicFrame>
+      <p:sp>
+        <p:nvSpPr>
+          <p:cNvPr id="10" name="TextBox 9"/>
+          <p:cNvSpPr txBox="1"/>
+          <p:nvPr/>
+        </p:nvSpPr>
+        <p:spPr>
+          <a:xfrm rot="18900000">
+            <a:off x="6711378" y="3718085"/>
+            <a:ext cx="1275484" cy="276999"/>
+          </a:xfrm>
+          <a:prstGeom prst="rect">
+            <a:avLst/>
+          </a:prstGeom>
+          <a:noFill/>
+        </p:spPr>
+        <p:txBody>
+          <a:bodyPr wrap="none" rtlCol="0">
+            <a:spAutoFit/>
+          </a:bodyPr>
+          <a:lstStyle/>
+          <a:p>
+            <a:r>
+              <a:rPr lang="en-US" sz="1200" b="1" dirty="0" smtClean="0">
+                <a:solidFill>
+                  <a:schemeClr val="accent5"/>
+                </a:solidFill>
+              </a:rPr>
+              <a:t>Grand Ensembl</a:t>
+            </a:r>
+            <a:r>
+              <a:rPr lang="en-US" sz="1200" b="1" dirty="0">
+                <a:solidFill>
+                  <a:schemeClr val="accent5"/>
+                </a:solidFill>
+              </a:rPr>
+              <a:t>e</a:t>
+            </a:r>
+          </a:p>
+        </p:txBody>
+      </p:sp>
+      <p:sp>
+        <p:nvSpPr>
+          <p:cNvPr id="11" name="TextBox 10"/>
+          <p:cNvSpPr txBox="1"/>
+          <p:nvPr/>
+        </p:nvSpPr>
+        <p:spPr>
+          <a:xfrm rot="18900000">
+            <a:off x="7401349" y="3825373"/>
+            <a:ext cx="838691" cy="276999"/>
+          </a:xfrm>
+          <a:prstGeom prst="rect">
+            <a:avLst/>
+          </a:prstGeom>
+          <a:noFill/>
+        </p:spPr>
+        <p:txBody>
+          <a:bodyPr wrap="none" rtlCol="0">
+            <a:spAutoFit/>
+          </a:bodyPr>
+          <a:lstStyle/>
+          <a:p>
+            <a:r>
+              <a:rPr lang="en-US" sz="1200" b="1" dirty="0" smtClean="0">
+                <a:solidFill>
+                  <a:schemeClr val="accent2"/>
+                </a:solidFill>
+              </a:rPr>
+              <a:t>Ensemble</a:t>
+            </a:r>
+            <a:endParaRPr lang="en-US" sz="1200" b="1" dirty="0">
+              <a:solidFill>
+                <a:schemeClr val="accent2"/>
+              </a:solidFill>
+            </a:endParaRPr>
+          </a:p>
+        </p:txBody>
+      </p:sp>
+      <p:sp>
+        <p:nvSpPr>
+          <p:cNvPr id="12" name="TextBox 11"/>
+          <p:cNvSpPr txBox="1"/>
+          <p:nvPr/>
+        </p:nvSpPr>
+        <p:spPr>
+          <a:xfrm rot="18900000">
+            <a:off x="7801361" y="3702955"/>
+            <a:ext cx="1210588" cy="276999"/>
+          </a:xfrm>
+          <a:prstGeom prst="rect">
+            <a:avLst/>
+          </a:prstGeom>
+          <a:noFill/>
+        </p:spPr>
+        <p:txBody>
+          <a:bodyPr wrap="none" rtlCol="0">
+            <a:spAutoFit/>
+          </a:bodyPr>
+          <a:lstStyle/>
+          <a:p>
+            <a:r>
+              <a:rPr lang="en-US" sz="1200" b="1" dirty="0" smtClean="0">
+                <a:solidFill>
+                  <a:srgbClr val="008000"/>
+                </a:solidFill>
+              </a:rPr>
+              <a:t>Random Forest</a:t>
+            </a:r>
+            <a:endParaRPr lang="en-US" sz="1200" b="1" dirty="0">
+              <a:solidFill>
+                <a:srgbClr val="008000"/>
+              </a:solidFill>
+            </a:endParaRPr>
+          </a:p>
+        </p:txBody>
+      </p:sp>
+      <p:sp>
+        <p:nvSpPr>
+          <p:cNvPr id="13" name="TextBox 12"/>
+          <p:cNvSpPr txBox="1"/>
+          <p:nvPr/>
+        </p:nvSpPr>
+        <p:spPr>
+          <a:xfrm>
+            <a:off x="5997788" y="2495224"/>
+            <a:ext cx="2244806" cy="338554"/>
+          </a:xfrm>
+          <a:prstGeom prst="rect">
+            <a:avLst/>
+          </a:prstGeom>
+          <a:noFill/>
+        </p:spPr>
+        <p:txBody>
+          <a:bodyPr wrap="none" rtlCol="0">
+            <a:spAutoFit/>
+          </a:bodyPr>
+          <a:lstStyle/>
+          <a:p>
+            <a:r>
+              <a:rPr lang="en-US" sz="1600" dirty="0" smtClean="0"/>
+              <a:t>Target Metric:</a:t>
+            </a:r>
+            <a:r>
+              <a:rPr lang="en-US" sz="1600" i="1" dirty="0" smtClean="0"/>
+              <a:t> </a:t>
+            </a:r>
+            <a:r>
+              <a:rPr lang="en-US" sz="1600" b="1" i="1" dirty="0" smtClean="0"/>
+              <a:t>Precision</a:t>
+            </a:r>
+            <a:endParaRPr lang="en-US" sz="1600" b="1" i="1" dirty="0"/>
+          </a:p>
+        </p:txBody>
+      </p:sp>
+      <p:pic>
+        <p:nvPicPr>
+          <p:cNvPr id="16" name="Picture 15"/>
+          <p:cNvPicPr>
+            <a:picLocks noChangeAspect="1"/>
+          </p:cNvPicPr>
+          <p:nvPr/>
+        </p:nvPicPr>
+        <p:blipFill>
+          <a:blip r:embed="rId3">
+            <a:clrChange>
+              <a:clrFrom>
+                <a:srgbClr val="FFFFFF"/>
+              </a:clrFrom>
+              <a:clrTo>
+                <a:srgbClr val="FFFFFF">
+                  <a:alpha val="0"/>
+                </a:srgbClr>
+              </a:clrTo>
+            </a:clrChange>
+            <a:duotone>
+              <a:schemeClr val="accent5">
+                <a:shade val="45000"/>
+                <a:satMod val="135000"/>
+              </a:schemeClr>
+              <a:prstClr val="white"/>
+            </a:duotone>
+            <a:extLst>
+              <a:ext uri="{BEBA8EAE-BF5A-486C-A8C5-ECC9F3942E4B}">
+                <a14:imgProps xmlns:a14="http://schemas.microsoft.com/office/drawing/2010/main">
+                  <a14:imgLayer r:embed="rId4">
+                    <a14:imgEffect>
+                      <a14:backgroundRemoval t="0" b="100000" l="0" r="100000"/>
+                    </a14:imgEffect>
+                  </a14:imgLayer>
+                </a14:imgProps>
+              </a:ext>
+            </a:extLst>
+          </a:blip>
+          <a:stretch>
+            <a:fillRect/>
+          </a:stretch>
+        </p:blipFill>
+        <p:spPr>
+          <a:xfrm>
+            <a:off x="6735339" y="4855309"/>
+            <a:ext cx="769053" cy="533141"/>
+          </a:xfrm>
+          <a:prstGeom prst="rect">
+            <a:avLst/>
+          </a:prstGeom>
+        </p:spPr>
+      </p:pic>
     </p:spTree>
     <p:extLst>
       <p:ext uri="{BB962C8B-B14F-4D97-AF65-F5344CB8AC3E}">
-        <p14:creationId xmlns:p14="http://schemas.microsoft.com/office/powerpoint/2010/main" val="4058918749"/>
+        <p14:creationId xmlns:p14="http://schemas.microsoft.com/office/powerpoint/2010/main" val="2083408378"/>
       </p:ext>
     </p:extLst>
   </p:cSld>
@@ -8214,68 +13008,681 @@
       </p:grpSpPr>
       <p:sp>
         <p:nvSpPr>
-          <p:cNvPr id="4" name="Title 3"/>
+          <p:cNvPr id="2" name="Title 1"/>
           <p:cNvSpPr>
             <a:spLocks noGrp="1"/>
           </p:cNvSpPr>
           <p:nvPr>
-            <p:ph type="ctrTitle"/>
+            <p:ph type="title"/>
           </p:nvPr>
         </p:nvSpPr>
-        <p:spPr>
-          <a:xfrm>
-            <a:off x="550334" y="2825743"/>
-            <a:ext cx="4296833" cy="996950"/>
-          </a:xfrm>
-        </p:spPr>
+        <p:spPr/>
         <p:txBody>
           <a:bodyPr/>
           <a:lstStyle/>
           <a:p>
-            <a:pPr algn="l"/>
             <a:r>
               <a:rPr lang="en-US" dirty="0" smtClean="0"/>
-              <a:t>Part 2: The Essay</a:t>
+              <a:t>Evaluating the Model</a:t>
             </a:r>
             <a:endParaRPr lang="en-US" dirty="0"/>
           </a:p>
         </p:txBody>
       </p:sp>
-      <p:sp>
-        <p:nvSpPr>
-          <p:cNvPr id="5" name="Subtitle 4"/>
-          <p:cNvSpPr>
-            <a:spLocks noGrp="1"/>
-          </p:cNvSpPr>
+      <p:pic>
+        <p:nvPicPr>
+          <p:cNvPr id="3" name="Picture 2"/>
+          <p:cNvPicPr>
+            <a:picLocks/>
+          </p:cNvPicPr>
+          <p:nvPr/>
+        </p:nvPicPr>
+        <p:blipFill>
+          <a:blip r:embed="rId2"/>
+          <a:stretch>
+            <a:fillRect/>
+          </a:stretch>
+        </p:blipFill>
+        <p:spPr>
+          <a:xfrm>
+            <a:off x="922867" y="2024416"/>
+            <a:ext cx="4890911" cy="3959352"/>
+          </a:xfrm>
+          <a:prstGeom prst="rect">
+            <a:avLst/>
+          </a:prstGeom>
+        </p:spPr>
+      </p:pic>
+      <p:sp>
+        <p:nvSpPr>
+          <p:cNvPr id="6" name="TextBox 5"/>
+          <p:cNvSpPr txBox="1"/>
+          <p:nvPr/>
+        </p:nvSpPr>
+        <p:spPr>
+          <a:xfrm>
+            <a:off x="6657188" y="2024416"/>
+            <a:ext cx="1075585" cy="400110"/>
+          </a:xfrm>
+          <a:prstGeom prst="rect">
+            <a:avLst/>
+          </a:prstGeom>
+          <a:noFill/>
+        </p:spPr>
+        <p:txBody>
+          <a:bodyPr wrap="none" rtlCol="0">
+            <a:spAutoFit/>
+          </a:bodyPr>
+          <a:lstStyle/>
+          <a:p>
+            <a:r>
+              <a:rPr lang="en-US" sz="2000" b="1" u="sng" dirty="0" smtClean="0"/>
+              <a:t>Test Set</a:t>
+            </a:r>
+            <a:endParaRPr lang="en-US" sz="2000" b="1" u="sng" dirty="0"/>
+          </a:p>
+        </p:txBody>
+      </p:sp>
+      <p:graphicFrame>
+        <p:nvGraphicFramePr>
+          <p:cNvPr id="9" name="Table 8"/>
+          <p:cNvGraphicFramePr>
+            <a:graphicFrameLocks noGrp="1"/>
+          </p:cNvGraphicFramePr>
           <p:nvPr>
-            <p:ph type="subTitle" idx="1"/>
+            <p:extLst>
+              <p:ext uri="{D42A27DB-BD31-4B8C-83A1-F6EECF244321}">
+                <p14:modId xmlns:p14="http://schemas.microsoft.com/office/powerpoint/2010/main" val="3087649055"/>
+              </p:ext>
+            </p:extLst>
           </p:nvPr>
-        </p:nvSpPr>
-        <p:spPr>
-          <a:xfrm>
-            <a:off x="550335" y="3738033"/>
-            <a:ext cx="4878916" cy="1109133"/>
-          </a:xfrm>
-        </p:spPr>
-        <p:txBody>
-          <a:bodyPr>
-            <a:normAutofit/>
+        </p:nvGraphicFramePr>
+        <p:xfrm>
+          <a:off x="5997788" y="4352912"/>
+          <a:ext cx="2454770" cy="1567302"/>
+        </p:xfrm>
+        <a:graphic>
+          <a:graphicData uri="http://schemas.openxmlformats.org/drawingml/2006/table">
+            <a:tbl>
+              <a:tblPr>
+                <a:tableStyleId>{9DCAF9ED-07DC-4A11-8D7F-57B35C25682E}</a:tableStyleId>
+              </a:tblPr>
+              <a:tblGrid>
+                <a:gridCol w="869981"/>
+                <a:gridCol w="528263"/>
+                <a:gridCol w="528263"/>
+                <a:gridCol w="528263"/>
+              </a:tblGrid>
+              <a:tr h="522434">
+                <a:tc>
+                  <a:txBody>
+                    <a:bodyPr/>
+                    <a:lstStyle/>
+                    <a:p>
+                      <a:pPr algn="l"/>
+                      <a:r>
+                        <a:rPr lang="en-US" sz="1300" dirty="0" smtClean="0"/>
+                        <a:t>Accuracy</a:t>
+                      </a:r>
+                      <a:endParaRPr lang="en-US" sz="1300" dirty="0"/>
+                    </a:p>
+                  </a:txBody>
+                  <a:tcPr anchor="ctr">
+                    <a:lnR w="9525" cap="flat" cmpd="sng" algn="ctr">
+                      <a:solidFill>
+                        <a:prstClr val="white">
+                          <a:lumMod val="65000"/>
+                        </a:prstClr>
+                      </a:solidFill>
+                      <a:prstDash val="solid"/>
+                      <a:round/>
+                      <a:headEnd type="none" w="med" len="med"/>
+                      <a:tailEnd type="none" w="med" len="med"/>
+                    </a:lnR>
+                  </a:tcPr>
+                </a:tc>
+                <a:tc>
+                  <a:txBody>
+                    <a:bodyPr/>
+                    <a:lstStyle/>
+                    <a:p>
+                      <a:pPr algn="ctr"/>
+                      <a:r>
+                        <a:rPr lang="en-US" sz="1200" b="1" dirty="0" smtClean="0">
+                          <a:solidFill>
+                            <a:srgbClr val="4BACC6"/>
+                          </a:solidFill>
+                        </a:rPr>
+                        <a:t>88.1</a:t>
+                      </a:r>
+                      <a:endParaRPr lang="en-US" sz="1200" b="1" dirty="0">
+                        <a:solidFill>
+                          <a:srgbClr val="4BACC6"/>
+                        </a:solidFill>
+                      </a:endParaRPr>
+                    </a:p>
+                  </a:txBody>
+                  <a:tcPr anchor="ctr">
+                    <a:lnL w="9525" cap="flat" cmpd="sng" algn="ctr">
+                      <a:solidFill>
+                        <a:prstClr val="white">
+                          <a:lumMod val="65000"/>
+                        </a:prstClr>
+                      </a:solidFill>
+                      <a:prstDash val="solid"/>
+                      <a:round/>
+                      <a:headEnd type="none" w="med" len="med"/>
+                      <a:tailEnd type="none" w="med" len="med"/>
+                    </a:lnL>
+                  </a:tcPr>
+                </a:tc>
+                <a:tc>
+                  <a:txBody>
+                    <a:bodyPr/>
+                    <a:lstStyle/>
+                    <a:p>
+                      <a:pPr algn="ctr"/>
+                      <a:r>
+                        <a:rPr lang="en-US" sz="1200" dirty="0" smtClean="0">
+                          <a:solidFill>
+                            <a:schemeClr val="bg1">
+                              <a:lumMod val="50000"/>
+                            </a:schemeClr>
+                          </a:solidFill>
+                        </a:rPr>
+                        <a:t>87.8</a:t>
+                      </a:r>
+                      <a:endParaRPr lang="en-US" sz="1200" dirty="0">
+                        <a:solidFill>
+                          <a:schemeClr val="bg1">
+                            <a:lumMod val="50000"/>
+                          </a:schemeClr>
+                        </a:solidFill>
+                      </a:endParaRPr>
+                    </a:p>
+                  </a:txBody>
+                  <a:tcPr anchor="ctr"/>
+                </a:tc>
+                <a:tc>
+                  <a:txBody>
+                    <a:bodyPr/>
+                    <a:lstStyle/>
+                    <a:p>
+                      <a:pPr algn="ctr"/>
+                      <a:r>
+                        <a:rPr lang="en-US" sz="1200" dirty="0" smtClean="0">
+                          <a:solidFill>
+                            <a:schemeClr val="bg1">
+                              <a:lumMod val="50000"/>
+                            </a:schemeClr>
+                          </a:solidFill>
+                        </a:rPr>
+                        <a:t>88.0</a:t>
+                      </a:r>
+                      <a:endParaRPr lang="en-US" sz="1200" dirty="0">
+                        <a:solidFill>
+                          <a:schemeClr val="bg1">
+                            <a:lumMod val="50000"/>
+                          </a:schemeClr>
+                        </a:solidFill>
+                      </a:endParaRPr>
+                    </a:p>
+                  </a:txBody>
+                  <a:tcPr anchor="ctr"/>
+                </a:tc>
+              </a:tr>
+              <a:tr h="522434">
+                <a:tc>
+                  <a:txBody>
+                    <a:bodyPr/>
+                    <a:lstStyle/>
+                    <a:p>
+                      <a:pPr algn="l"/>
+                      <a:r>
+                        <a:rPr lang="en-US" sz="1300" dirty="0" smtClean="0"/>
+                        <a:t>Precision</a:t>
+                      </a:r>
+                      <a:endParaRPr lang="en-US" sz="1300" dirty="0"/>
+                    </a:p>
+                  </a:txBody>
+                  <a:tcPr anchor="ctr">
+                    <a:lnR w="9525" cap="flat" cmpd="sng" algn="ctr">
+                      <a:solidFill>
+                        <a:prstClr val="white">
+                          <a:lumMod val="65000"/>
+                        </a:prstClr>
+                      </a:solidFill>
+                      <a:prstDash val="solid"/>
+                      <a:round/>
+                      <a:headEnd type="none" w="med" len="med"/>
+                      <a:tailEnd type="none" w="med" len="med"/>
+                    </a:lnR>
+                  </a:tcPr>
+                </a:tc>
+                <a:tc>
+                  <a:txBody>
+                    <a:bodyPr/>
+                    <a:lstStyle/>
+                    <a:p>
+                      <a:pPr algn="ctr"/>
+                      <a:r>
+                        <a:rPr lang="en-US" sz="1200" b="1" dirty="0" smtClean="0">
+                          <a:solidFill>
+                            <a:srgbClr val="4BACC6"/>
+                          </a:solidFill>
+                        </a:rPr>
+                        <a:t>62.8</a:t>
+                      </a:r>
+                      <a:endParaRPr lang="en-US" sz="1200" b="1" dirty="0">
+                        <a:solidFill>
+                          <a:srgbClr val="4BACC6"/>
+                        </a:solidFill>
+                      </a:endParaRPr>
+                    </a:p>
+                  </a:txBody>
+                  <a:tcPr anchor="ctr">
+                    <a:lnL w="9525" cap="flat" cmpd="sng" algn="ctr">
+                      <a:solidFill>
+                        <a:prstClr val="white">
+                          <a:lumMod val="65000"/>
+                        </a:prstClr>
+                      </a:solidFill>
+                      <a:prstDash val="solid"/>
+                      <a:round/>
+                      <a:headEnd type="none" w="med" len="med"/>
+                      <a:tailEnd type="none" w="med" len="med"/>
+                    </a:lnL>
+                  </a:tcPr>
+                </a:tc>
+                <a:tc>
+                  <a:txBody>
+                    <a:bodyPr/>
+                    <a:lstStyle/>
+                    <a:p>
+                      <a:pPr algn="ctr"/>
+                      <a:r>
+                        <a:rPr lang="en-US" sz="1200" dirty="0" smtClean="0">
+                          <a:solidFill>
+                            <a:schemeClr val="bg1">
+                              <a:lumMod val="50000"/>
+                            </a:schemeClr>
+                          </a:solidFill>
+                        </a:rPr>
+                        <a:t>61.9</a:t>
+                      </a:r>
+                      <a:endParaRPr lang="en-US" sz="1200" dirty="0">
+                        <a:solidFill>
+                          <a:schemeClr val="bg1">
+                            <a:lumMod val="50000"/>
+                          </a:schemeClr>
+                        </a:solidFill>
+                      </a:endParaRPr>
+                    </a:p>
+                  </a:txBody>
+                  <a:tcPr anchor="ctr"/>
+                </a:tc>
+                <a:tc>
+                  <a:txBody>
+                    <a:bodyPr/>
+                    <a:lstStyle/>
+                    <a:p>
+                      <a:pPr algn="ctr"/>
+                      <a:r>
+                        <a:rPr lang="en-US" sz="1200" dirty="0" smtClean="0">
+                          <a:solidFill>
+                            <a:schemeClr val="bg1">
+                              <a:lumMod val="50000"/>
+                            </a:schemeClr>
+                          </a:solidFill>
+                        </a:rPr>
+                        <a:t>57.7</a:t>
+                      </a:r>
+                      <a:endParaRPr lang="en-US" sz="1200" dirty="0">
+                        <a:solidFill>
+                          <a:schemeClr val="bg1">
+                            <a:lumMod val="50000"/>
+                          </a:schemeClr>
+                        </a:solidFill>
+                      </a:endParaRPr>
+                    </a:p>
+                  </a:txBody>
+                  <a:tcPr anchor="ctr"/>
+                </a:tc>
+              </a:tr>
+              <a:tr h="522434">
+                <a:tc>
+                  <a:txBody>
+                    <a:bodyPr/>
+                    <a:lstStyle/>
+                    <a:p>
+                      <a:pPr algn="l"/>
+                      <a:r>
+                        <a:rPr lang="en-US" sz="1300" dirty="0" smtClean="0"/>
+                        <a:t>Recall</a:t>
+                      </a:r>
+                      <a:endParaRPr lang="en-US" sz="1300" dirty="0"/>
+                    </a:p>
+                  </a:txBody>
+                  <a:tcPr anchor="ctr">
+                    <a:lnR w="9525" cap="flat" cmpd="sng" algn="ctr">
+                      <a:solidFill>
+                        <a:prstClr val="white">
+                          <a:lumMod val="65000"/>
+                        </a:prstClr>
+                      </a:solidFill>
+                      <a:prstDash val="solid"/>
+                      <a:round/>
+                      <a:headEnd type="none" w="med" len="med"/>
+                      <a:tailEnd type="none" w="med" len="med"/>
+                    </a:lnR>
+                  </a:tcPr>
+                </a:tc>
+                <a:tc>
+                  <a:txBody>
+                    <a:bodyPr/>
+                    <a:lstStyle/>
+                    <a:p>
+                      <a:pPr algn="ctr"/>
+                      <a:r>
+                        <a:rPr lang="en-US" sz="1200" dirty="0" smtClean="0">
+                          <a:solidFill>
+                            <a:schemeClr val="bg1">
+                              <a:lumMod val="50000"/>
+                            </a:schemeClr>
+                          </a:solidFill>
+                        </a:rPr>
+                        <a:t>25.4</a:t>
+                      </a:r>
+                      <a:endParaRPr lang="en-US" sz="1200" dirty="0">
+                        <a:solidFill>
+                          <a:schemeClr val="bg1">
+                            <a:lumMod val="50000"/>
+                          </a:schemeClr>
+                        </a:solidFill>
+                      </a:endParaRPr>
+                    </a:p>
+                  </a:txBody>
+                  <a:tcPr anchor="ctr">
+                    <a:lnL w="9525" cap="flat" cmpd="sng" algn="ctr">
+                      <a:solidFill>
+                        <a:prstClr val="white">
+                          <a:lumMod val="65000"/>
+                        </a:prstClr>
+                      </a:solidFill>
+                      <a:prstDash val="solid"/>
+                      <a:round/>
+                      <a:headEnd type="none" w="med" len="med"/>
+                      <a:tailEnd type="none" w="med" len="med"/>
+                    </a:lnL>
+                  </a:tcPr>
+                </a:tc>
+                <a:tc>
+                  <a:txBody>
+                    <a:bodyPr/>
+                    <a:lstStyle/>
+                    <a:p>
+                      <a:pPr algn="ctr"/>
+                      <a:r>
+                        <a:rPr lang="en-US" sz="1200" dirty="0" smtClean="0">
+                          <a:solidFill>
+                            <a:schemeClr val="bg1">
+                              <a:lumMod val="50000"/>
+                            </a:schemeClr>
+                          </a:solidFill>
+                        </a:rPr>
+                        <a:t>21.6</a:t>
+                      </a:r>
+                      <a:endParaRPr lang="en-US" sz="1200" dirty="0">
+                        <a:solidFill>
+                          <a:schemeClr val="bg1">
+                            <a:lumMod val="50000"/>
+                          </a:schemeClr>
+                        </a:solidFill>
+                      </a:endParaRPr>
+                    </a:p>
+                  </a:txBody>
+                  <a:tcPr anchor="ctr"/>
+                </a:tc>
+                <a:tc>
+                  <a:txBody>
+                    <a:bodyPr/>
+                    <a:lstStyle/>
+                    <a:p>
+                      <a:pPr algn="ctr"/>
+                      <a:r>
+                        <a:rPr lang="en-US" sz="1200" b="1" dirty="0" smtClean="0">
+                          <a:solidFill>
+                            <a:srgbClr val="008000"/>
+                          </a:solidFill>
+                        </a:rPr>
+                        <a:t>37.1</a:t>
+                      </a:r>
+                      <a:endParaRPr lang="en-US" sz="1200" b="1" dirty="0">
+                        <a:solidFill>
+                          <a:srgbClr val="008000"/>
+                        </a:solidFill>
+                      </a:endParaRPr>
+                    </a:p>
+                  </a:txBody>
+                  <a:tcPr anchor="ctr"/>
+                </a:tc>
+              </a:tr>
+            </a:tbl>
+          </a:graphicData>
+        </a:graphic>
+      </p:graphicFrame>
+      <p:sp>
+        <p:nvSpPr>
+          <p:cNvPr id="4" name="TextBox 3"/>
+          <p:cNvSpPr txBox="1"/>
+          <p:nvPr/>
+        </p:nvSpPr>
+        <p:spPr>
+          <a:xfrm rot="18900000">
+            <a:off x="6711380" y="3721736"/>
+            <a:ext cx="1275484" cy="276999"/>
+          </a:xfrm>
+          <a:prstGeom prst="rect">
+            <a:avLst/>
+          </a:prstGeom>
+          <a:noFill/>
+        </p:spPr>
+        <p:txBody>
+          <a:bodyPr wrap="none" rtlCol="0">
+            <a:spAutoFit/>
           </a:bodyPr>
           <a:lstStyle/>
           <a:p>
-            <a:pPr marL="0" lvl="1" algn="l"/>
-            <a:r>
-              <a:rPr lang="en-US" sz="1800" i="1" dirty="0" smtClean="0"/>
-              <a:t>What insights can we glean from a student’s admission essay?</a:t>
-            </a:r>
-            <a:endParaRPr lang="en-US" sz="1800" i="1" dirty="0"/>
-          </a:p>
-        </p:txBody>
-      </p:sp>
+            <a:r>
+              <a:rPr lang="en-US" sz="1200" b="1" dirty="0" smtClean="0">
+                <a:solidFill>
+                  <a:srgbClr val="4BACC6"/>
+                </a:solidFill>
+              </a:rPr>
+              <a:t>Grand Ensembl</a:t>
+            </a:r>
+            <a:r>
+              <a:rPr lang="en-US" sz="1200" b="1" dirty="0">
+                <a:solidFill>
+                  <a:srgbClr val="4BACC6"/>
+                </a:solidFill>
+              </a:rPr>
+              <a:t>e</a:t>
+            </a:r>
+          </a:p>
+        </p:txBody>
+      </p:sp>
+      <p:sp>
+        <p:nvSpPr>
+          <p:cNvPr id="8" name="TextBox 7"/>
+          <p:cNvSpPr txBox="1"/>
+          <p:nvPr/>
+        </p:nvSpPr>
+        <p:spPr>
+          <a:xfrm rot="18900000">
+            <a:off x="7401351" y="3829024"/>
+            <a:ext cx="838691" cy="276999"/>
+          </a:xfrm>
+          <a:prstGeom prst="rect">
+            <a:avLst/>
+          </a:prstGeom>
+          <a:noFill/>
+        </p:spPr>
+        <p:txBody>
+          <a:bodyPr wrap="none" rtlCol="0">
+            <a:spAutoFit/>
+          </a:bodyPr>
+          <a:lstStyle/>
+          <a:p>
+            <a:r>
+              <a:rPr lang="en-US" sz="1200" b="1" dirty="0" smtClean="0">
+                <a:solidFill>
+                  <a:schemeClr val="accent2"/>
+                </a:solidFill>
+              </a:rPr>
+              <a:t>Ensemble</a:t>
+            </a:r>
+            <a:endParaRPr lang="en-US" sz="1200" b="1" dirty="0">
+              <a:solidFill>
+                <a:schemeClr val="accent2"/>
+              </a:solidFill>
+            </a:endParaRPr>
+          </a:p>
+        </p:txBody>
+      </p:sp>
+      <p:sp>
+        <p:nvSpPr>
+          <p:cNvPr id="13" name="TextBox 12"/>
+          <p:cNvSpPr txBox="1"/>
+          <p:nvPr/>
+        </p:nvSpPr>
+        <p:spPr>
+          <a:xfrm rot="18900000">
+            <a:off x="7801363" y="3706606"/>
+            <a:ext cx="1210588" cy="276999"/>
+          </a:xfrm>
+          <a:prstGeom prst="rect">
+            <a:avLst/>
+          </a:prstGeom>
+          <a:noFill/>
+        </p:spPr>
+        <p:txBody>
+          <a:bodyPr wrap="none" rtlCol="0">
+            <a:spAutoFit/>
+          </a:bodyPr>
+          <a:lstStyle/>
+          <a:p>
+            <a:r>
+              <a:rPr lang="en-US" sz="1200" b="1" dirty="0" smtClean="0">
+                <a:solidFill>
+                  <a:srgbClr val="008000"/>
+                </a:solidFill>
+              </a:rPr>
+              <a:t>Random Forest</a:t>
+            </a:r>
+            <a:endParaRPr lang="en-US" sz="1200" b="1" dirty="0">
+              <a:solidFill>
+                <a:srgbClr val="008000"/>
+              </a:solidFill>
+            </a:endParaRPr>
+          </a:p>
+        </p:txBody>
+      </p:sp>
+      <p:sp>
+        <p:nvSpPr>
+          <p:cNvPr id="7" name="TextBox 6"/>
+          <p:cNvSpPr txBox="1"/>
+          <p:nvPr/>
+        </p:nvSpPr>
+        <p:spPr>
+          <a:xfrm>
+            <a:off x="5997788" y="2495224"/>
+            <a:ext cx="2244806" cy="338554"/>
+          </a:xfrm>
+          <a:prstGeom prst="rect">
+            <a:avLst/>
+          </a:prstGeom>
+          <a:noFill/>
+        </p:spPr>
+        <p:txBody>
+          <a:bodyPr wrap="none" rtlCol="0">
+            <a:spAutoFit/>
+          </a:bodyPr>
+          <a:lstStyle/>
+          <a:p>
+            <a:r>
+              <a:rPr lang="en-US" sz="1600" dirty="0" smtClean="0"/>
+              <a:t>Target Metric:</a:t>
+            </a:r>
+            <a:r>
+              <a:rPr lang="en-US" sz="1600" i="1" dirty="0" smtClean="0"/>
+              <a:t> </a:t>
+            </a:r>
+            <a:r>
+              <a:rPr lang="en-US" sz="1600" b="1" i="1" dirty="0" smtClean="0"/>
+              <a:t>Precision</a:t>
+            </a:r>
+            <a:endParaRPr lang="en-US" sz="1600" b="1" i="1" dirty="0"/>
+          </a:p>
+        </p:txBody>
+      </p:sp>
+      <p:pic>
+        <p:nvPicPr>
+          <p:cNvPr id="10" name="Picture 9"/>
+          <p:cNvPicPr>
+            <a:picLocks noChangeAspect="1"/>
+          </p:cNvPicPr>
+          <p:nvPr/>
+        </p:nvPicPr>
+        <p:blipFill>
+          <a:blip r:embed="rId3">
+            <a:clrChange>
+              <a:clrFrom>
+                <a:srgbClr val="FFFFFF"/>
+              </a:clrFrom>
+              <a:clrTo>
+                <a:srgbClr val="FFFFFF">
+                  <a:alpha val="0"/>
+                </a:srgbClr>
+              </a:clrTo>
+            </a:clrChange>
+            <a:duotone>
+              <a:schemeClr val="accent5">
+                <a:shade val="45000"/>
+                <a:satMod val="135000"/>
+              </a:schemeClr>
+              <a:prstClr val="white"/>
+            </a:duotone>
+            <a:extLst>
+              <a:ext uri="{BEBA8EAE-BF5A-486C-A8C5-ECC9F3942E4B}">
+                <a14:imgProps xmlns:a14="http://schemas.microsoft.com/office/drawing/2010/main">
+                  <a14:imgLayer r:embed="rId4">
+                    <a14:imgEffect>
+                      <a14:backgroundRemoval t="0" b="100000" l="0" r="100000"/>
+                    </a14:imgEffect>
+                  </a14:imgLayer>
+                </a14:imgProps>
+              </a:ext>
+            </a:extLst>
+          </a:blip>
+          <a:stretch>
+            <a:fillRect/>
+          </a:stretch>
+        </p:blipFill>
+        <p:spPr>
+          <a:xfrm>
+            <a:off x="6725570" y="4855309"/>
+            <a:ext cx="769053" cy="533141"/>
+          </a:xfrm>
+          <a:prstGeom prst="rect">
+            <a:avLst/>
+          </a:prstGeom>
+        </p:spPr>
+      </p:pic>
     </p:spTree>
     <p:extLst>
       <p:ext uri="{BB962C8B-B14F-4D97-AF65-F5344CB8AC3E}">
-        <p14:creationId xmlns:p14="http://schemas.microsoft.com/office/powerpoint/2010/main" val="3154468851"/>
+        <p14:creationId xmlns:p14="http://schemas.microsoft.com/office/powerpoint/2010/main" val="4179633313"/>
       </p:ext>
     </p:extLst>
   </p:cSld>
@@ -8309,30 +13716,6 @@
           <a:chExt cx="0" cy="0"/>
         </a:xfrm>
       </p:grpSpPr>
-      <p:pic>
-        <p:nvPicPr>
-          <p:cNvPr id="21" name="Picture 20"/>
-          <p:cNvPicPr>
-            <a:picLocks noChangeAspect="1"/>
-          </p:cNvPicPr>
-          <p:nvPr/>
-        </p:nvPicPr>
-        <p:blipFill>
-          <a:blip r:embed="rId2"/>
-          <a:stretch>
-            <a:fillRect/>
-          </a:stretch>
-        </p:blipFill>
-        <p:spPr>
-          <a:xfrm>
-            <a:off x="685800" y="2619720"/>
-            <a:ext cx="7769257" cy="3505200"/>
-          </a:xfrm>
-          <a:prstGeom prst="rect">
-            <a:avLst/>
-          </a:prstGeom>
-        </p:spPr>
-      </p:pic>
       <p:sp>
         <p:nvSpPr>
           <p:cNvPr id="2" name="Title 1"/>
@@ -8345,132 +13728,14 @@
         </p:nvSpPr>
         <p:spPr/>
         <p:txBody>
-          <a:bodyPr>
-            <a:normAutofit/>
-          </a:bodyPr>
-          <a:lstStyle/>
-          <a:p>
-            <a:r>
-              <a:rPr lang="en-US" sz="3200" dirty="0" smtClean="0"/>
-              <a:t>The Landscape of Colleges vs. Essay Topics</a:t>
-            </a:r>
-            <a:endParaRPr lang="en-US" sz="3200" dirty="0"/>
-          </a:p>
-        </p:txBody>
-      </p:sp>
-      <p:sp>
-        <p:nvSpPr>
-          <p:cNvPr id="14" name="Freeform 13"/>
-          <p:cNvSpPr/>
-          <p:nvPr/>
-        </p:nvSpPr>
-        <p:spPr>
-          <a:xfrm>
-            <a:off x="4178300" y="2741265"/>
-            <a:ext cx="2167135" cy="1424335"/>
-          </a:xfrm>
-          <a:custGeom>
-            <a:avLst/>
-            <a:gdLst>
-              <a:gd name="connsiteX0" fmla="*/ 1113035 w 2226070"/>
-              <a:gd name="connsiteY0" fmla="*/ 141635 h 1100691"/>
-              <a:gd name="connsiteX1" fmla="*/ 33535 w 2226070"/>
-              <a:gd name="connsiteY1" fmla="*/ 611535 h 1100691"/>
-              <a:gd name="connsiteX2" fmla="*/ 414535 w 2226070"/>
-              <a:gd name="connsiteY2" fmla="*/ 1005235 h 1100691"/>
-              <a:gd name="connsiteX3" fmla="*/ 1811535 w 2226070"/>
-              <a:gd name="connsiteY3" fmla="*/ 1017935 h 1100691"/>
-              <a:gd name="connsiteX4" fmla="*/ 2192535 w 2226070"/>
-              <a:gd name="connsiteY4" fmla="*/ 65435 h 1100691"/>
-              <a:gd name="connsiteX5" fmla="*/ 1113035 w 2226070"/>
-              <a:gd name="connsiteY5" fmla="*/ 141635 h 1100691"/>
-            </a:gdLst>
-            <a:ahLst/>
-            <a:cxnLst>
-              <a:cxn ang="0">
-                <a:pos x="connsiteX0" y="connsiteY0"/>
-              </a:cxn>
-              <a:cxn ang="0">
-                <a:pos x="connsiteX1" y="connsiteY1"/>
-              </a:cxn>
-              <a:cxn ang="0">
-                <a:pos x="connsiteX2" y="connsiteY2"/>
-              </a:cxn>
-              <a:cxn ang="0">
-                <a:pos x="connsiteX3" y="connsiteY3"/>
-              </a:cxn>
-              <a:cxn ang="0">
-                <a:pos x="connsiteX4" y="connsiteY4"/>
-              </a:cxn>
-              <a:cxn ang="0">
-                <a:pos x="connsiteX5" y="connsiteY5"/>
-              </a:cxn>
-            </a:cxnLst>
-            <a:rect l="l" t="t" r="r" b="b"/>
-            <a:pathLst>
-              <a:path w="2226070" h="1100691">
-                <a:moveTo>
-                  <a:pt x="1113035" y="141635"/>
-                </a:moveTo>
-                <a:cubicBezTo>
-                  <a:pt x="753202" y="232652"/>
-                  <a:pt x="149952" y="467602"/>
-                  <a:pt x="33535" y="611535"/>
-                </a:cubicBezTo>
-                <a:cubicBezTo>
-                  <a:pt x="-82882" y="755468"/>
-                  <a:pt x="118202" y="937502"/>
-                  <a:pt x="414535" y="1005235"/>
-                </a:cubicBezTo>
-                <a:cubicBezTo>
-                  <a:pt x="710868" y="1072968"/>
-                  <a:pt x="1515202" y="1174568"/>
-                  <a:pt x="1811535" y="1017935"/>
-                </a:cubicBezTo>
-                <a:cubicBezTo>
-                  <a:pt x="2107868" y="861302"/>
-                  <a:pt x="2308952" y="211485"/>
-                  <a:pt x="2192535" y="65435"/>
-                </a:cubicBezTo>
-                <a:cubicBezTo>
-                  <a:pt x="2076118" y="-80615"/>
-                  <a:pt x="1472868" y="50618"/>
-                  <a:pt x="1113035" y="141635"/>
-                </a:cubicBezTo>
-                <a:close/>
-              </a:path>
-            </a:pathLst>
-          </a:custGeom>
-          <a:solidFill>
-            <a:srgbClr val="CECE00">
-              <a:alpha val="16000"/>
-            </a:srgbClr>
-          </a:solidFill>
-          <a:ln>
-            <a:noFill/>
-          </a:ln>
-          <a:effectLst/>
-        </p:spPr>
-        <p:style>
-          <a:lnRef idx="1">
-            <a:schemeClr val="accent1"/>
-          </a:lnRef>
-          <a:fillRef idx="3">
-            <a:schemeClr val="accent1"/>
-          </a:fillRef>
-          <a:effectRef idx="2">
-            <a:schemeClr val="accent1"/>
-          </a:effectRef>
-          <a:fontRef idx="minor">
-            <a:schemeClr val="lt1"/>
-          </a:fontRef>
-        </p:style>
-        <p:txBody>
-          <a:bodyPr rtlCol="0" anchor="ctr"/>
-          <a:lstStyle/>
-          <a:p>
-            <a:pPr algn="ctr"/>
-            <a:endParaRPr lang="en-US"/>
+          <a:bodyPr/>
+          <a:lstStyle/>
+          <a:p>
+            <a:r>
+              <a:rPr lang="en-US" dirty="0" smtClean="0"/>
+              <a:t>Interpreting the Model</a:t>
+            </a:r>
+            <a:endParaRPr lang="en-US" dirty="0"/>
           </a:p>
         </p:txBody>
       </p:sp>
@@ -8482,8 +13747,566 @@
         </p:nvSpPr>
         <p:spPr>
           <a:xfrm>
-            <a:off x="5773934" y="2878666"/>
-            <a:ext cx="710451" cy="276999"/>
+            <a:off x="2305538" y="1769876"/>
+            <a:ext cx="4541607" cy="400110"/>
+          </a:xfrm>
+          <a:prstGeom prst="rect">
+            <a:avLst/>
+          </a:prstGeom>
+          <a:noFill/>
+        </p:spPr>
+        <p:txBody>
+          <a:bodyPr wrap="square" rtlCol="0">
+            <a:spAutoFit/>
+          </a:bodyPr>
+          <a:lstStyle/>
+          <a:p>
+            <a:pPr algn="ctr"/>
+            <a:r>
+              <a:rPr lang="en-US" sz="2000" dirty="0" smtClean="0"/>
+              <a:t>Logistic Regression Coefficients</a:t>
+            </a:r>
+          </a:p>
+        </p:txBody>
+      </p:sp>
+      <p:graphicFrame>
+        <p:nvGraphicFramePr>
+          <p:cNvPr id="4" name="Table 3"/>
+          <p:cNvGraphicFramePr>
+            <a:graphicFrameLocks noGrp="1"/>
+          </p:cNvGraphicFramePr>
+          <p:nvPr>
+            <p:extLst>
+              <p:ext uri="{D42A27DB-BD31-4B8C-83A1-F6EECF244321}">
+                <p14:modId xmlns:p14="http://schemas.microsoft.com/office/powerpoint/2010/main" val="1112755522"/>
+              </p:ext>
+            </p:extLst>
+          </p:nvPr>
+        </p:nvGraphicFramePr>
+        <p:xfrm>
+          <a:off x="1328616" y="2452074"/>
+          <a:ext cx="3116384" cy="3337560"/>
+        </p:xfrm>
+        <a:graphic>
+          <a:graphicData uri="http://schemas.openxmlformats.org/drawingml/2006/table">
+            <a:tbl>
+              <a:tblPr firstRow="1" bandRow="1">
+                <a:tableStyleId>{B301B821-A1FF-4177-AEE7-76D212191A09}</a:tableStyleId>
+              </a:tblPr>
+              <a:tblGrid>
+                <a:gridCol w="1856154"/>
+                <a:gridCol w="1260230"/>
+              </a:tblGrid>
+              <a:tr h="370840">
+                <a:tc>
+                  <a:txBody>
+                    <a:bodyPr/>
+                    <a:lstStyle/>
+                    <a:p>
+                      <a:pPr algn="ctr"/>
+                      <a:r>
+                        <a:rPr lang="en-US" sz="1600" dirty="0" smtClean="0"/>
+                        <a:t>Variable</a:t>
+                      </a:r>
+                      <a:endParaRPr lang="en-US" sz="1600" dirty="0"/>
+                    </a:p>
+                  </a:txBody>
+                  <a:tcPr anchor="ctr"/>
+                </a:tc>
+                <a:tc>
+                  <a:txBody>
+                    <a:bodyPr/>
+                    <a:lstStyle/>
+                    <a:p>
+                      <a:pPr algn="ctr"/>
+                      <a:r>
+                        <a:rPr lang="en-US" sz="1600" dirty="0" smtClean="0"/>
+                        <a:t>e</a:t>
+                      </a:r>
+                      <a:r>
+                        <a:rPr lang="en-US" sz="1600" baseline="30000" dirty="0" smtClean="0"/>
+                        <a:t>Coefficient</a:t>
+                      </a:r>
+                      <a:endParaRPr lang="en-US" sz="1600" dirty="0"/>
+                    </a:p>
+                  </a:txBody>
+                  <a:tcPr anchor="ctr"/>
+                </a:tc>
+              </a:tr>
+              <a:tr h="370840">
+                <a:tc>
+                  <a:txBody>
+                    <a:bodyPr/>
+                    <a:lstStyle/>
+                    <a:p>
+                      <a:pPr algn="r"/>
+                      <a:r>
+                        <a:rPr lang="en-US" sz="1400" dirty="0" smtClean="0"/>
+                        <a:t>Leader</a:t>
+                      </a:r>
+                      <a:endParaRPr lang="en-US" sz="1400" dirty="0"/>
+                    </a:p>
+                  </a:txBody>
+                  <a:tcPr anchor="ctr">
+                    <a:lnR w="9525" cap="flat" cmpd="sng" algn="ctr">
+                      <a:solidFill>
+                        <a:prstClr val="white">
+                          <a:lumMod val="65000"/>
+                        </a:prstClr>
+                      </a:solidFill>
+                      <a:prstDash val="solid"/>
+                      <a:round/>
+                      <a:headEnd type="none" w="med" len="med"/>
+                      <a:tailEnd type="none" w="med" len="med"/>
+                    </a:lnR>
+                  </a:tcPr>
+                </a:tc>
+                <a:tc>
+                  <a:txBody>
+                    <a:bodyPr/>
+                    <a:lstStyle/>
+                    <a:p>
+                      <a:pPr algn="ctr"/>
+                      <a:r>
+                        <a:rPr lang="en-US" sz="1600" dirty="0" smtClean="0"/>
+                        <a:t>2.26</a:t>
+                      </a:r>
+                      <a:endParaRPr lang="en-US" sz="1600" dirty="0"/>
+                    </a:p>
+                  </a:txBody>
+                  <a:tcPr anchor="ctr">
+                    <a:lnL w="9525" cap="flat" cmpd="sng" algn="ctr">
+                      <a:solidFill>
+                        <a:prstClr val="white">
+                          <a:lumMod val="65000"/>
+                        </a:prstClr>
+                      </a:solidFill>
+                      <a:prstDash val="solid"/>
+                      <a:round/>
+                      <a:headEnd type="none" w="med" len="med"/>
+                      <a:tailEnd type="none" w="med" len="med"/>
+                    </a:lnL>
+                  </a:tcPr>
+                </a:tc>
+              </a:tr>
+              <a:tr h="370840">
+                <a:tc>
+                  <a:txBody>
+                    <a:bodyPr/>
+                    <a:lstStyle/>
+                    <a:p>
+                      <a:pPr algn="r"/>
+                      <a:r>
+                        <a:rPr lang="en-US" sz="1400" dirty="0" smtClean="0"/>
+                        <a:t>Student</a:t>
+                      </a:r>
+                      <a:r>
+                        <a:rPr lang="en-US" sz="1400" baseline="0" dirty="0" smtClean="0"/>
+                        <a:t> </a:t>
+                      </a:r>
+                      <a:r>
+                        <a:rPr lang="en-US" sz="1400" baseline="0" dirty="0" err="1" smtClean="0"/>
+                        <a:t>Gov</a:t>
+                      </a:r>
+                      <a:endParaRPr lang="en-US" sz="1400" dirty="0"/>
+                    </a:p>
+                  </a:txBody>
+                  <a:tcPr anchor="ctr">
+                    <a:lnR w="9525" cap="flat" cmpd="sng" algn="ctr">
+                      <a:solidFill>
+                        <a:prstClr val="white">
+                          <a:lumMod val="65000"/>
+                        </a:prstClr>
+                      </a:solidFill>
+                      <a:prstDash val="solid"/>
+                      <a:round/>
+                      <a:headEnd type="none" w="med" len="med"/>
+                      <a:tailEnd type="none" w="med" len="med"/>
+                    </a:lnR>
+                  </a:tcPr>
+                </a:tc>
+                <a:tc>
+                  <a:txBody>
+                    <a:bodyPr/>
+                    <a:lstStyle/>
+                    <a:p>
+                      <a:pPr algn="ctr"/>
+                      <a:r>
+                        <a:rPr lang="en-US" sz="1600" dirty="0" smtClean="0"/>
+                        <a:t>1.69</a:t>
+                      </a:r>
+                      <a:endParaRPr lang="en-US" sz="1600" dirty="0"/>
+                    </a:p>
+                  </a:txBody>
+                  <a:tcPr anchor="ctr">
+                    <a:lnL w="9525" cap="flat" cmpd="sng" algn="ctr">
+                      <a:solidFill>
+                        <a:prstClr val="white">
+                          <a:lumMod val="65000"/>
+                        </a:prstClr>
+                      </a:solidFill>
+                      <a:prstDash val="solid"/>
+                      <a:round/>
+                      <a:headEnd type="none" w="med" len="med"/>
+                      <a:tailEnd type="none" w="med" len="med"/>
+                    </a:lnL>
+                  </a:tcPr>
+                </a:tc>
+              </a:tr>
+              <a:tr h="370840">
+                <a:tc>
+                  <a:txBody>
+                    <a:bodyPr/>
+                    <a:lstStyle/>
+                    <a:p>
+                      <a:pPr algn="r"/>
+                      <a:r>
+                        <a:rPr lang="en-US" sz="1400" dirty="0" smtClean="0"/>
+                        <a:t>Varsity Sport</a:t>
+                      </a:r>
+                      <a:endParaRPr lang="en-US" sz="1400" dirty="0"/>
+                    </a:p>
+                  </a:txBody>
+                  <a:tcPr anchor="ctr">
+                    <a:lnR w="9525" cap="flat" cmpd="sng" algn="ctr">
+                      <a:solidFill>
+                        <a:prstClr val="white">
+                          <a:lumMod val="65000"/>
+                        </a:prstClr>
+                      </a:solidFill>
+                      <a:prstDash val="solid"/>
+                      <a:round/>
+                      <a:headEnd type="none" w="med" len="med"/>
+                      <a:tailEnd type="none" w="med" len="med"/>
+                    </a:lnR>
+                  </a:tcPr>
+                </a:tc>
+                <a:tc>
+                  <a:txBody>
+                    <a:bodyPr/>
+                    <a:lstStyle/>
+                    <a:p>
+                      <a:pPr algn="ctr"/>
+                      <a:r>
+                        <a:rPr lang="en-US" sz="1600" dirty="0" smtClean="0"/>
+                        <a:t>1.58</a:t>
+                      </a:r>
+                      <a:endParaRPr lang="en-US" sz="1600" dirty="0"/>
+                    </a:p>
+                  </a:txBody>
+                  <a:tcPr anchor="ctr">
+                    <a:lnL w="9525" cap="flat" cmpd="sng" algn="ctr">
+                      <a:solidFill>
+                        <a:prstClr val="white">
+                          <a:lumMod val="65000"/>
+                        </a:prstClr>
+                      </a:solidFill>
+                      <a:prstDash val="solid"/>
+                      <a:round/>
+                      <a:headEnd type="none" w="med" len="med"/>
+                      <a:tailEnd type="none" w="med" len="med"/>
+                    </a:lnL>
+                  </a:tcPr>
+                </a:tc>
+              </a:tr>
+              <a:tr h="370840">
+                <a:tc>
+                  <a:txBody>
+                    <a:bodyPr/>
+                    <a:lstStyle/>
+                    <a:p>
+                      <a:pPr algn="r"/>
+                      <a:r>
+                        <a:rPr lang="en-US" sz="1400" dirty="0" smtClean="0"/>
+                        <a:t>Sports Captain</a:t>
+                      </a:r>
+                      <a:endParaRPr lang="en-US" sz="1400" dirty="0"/>
+                    </a:p>
+                  </a:txBody>
+                  <a:tcPr anchor="ctr">
+                    <a:lnR w="9525" cap="flat" cmpd="sng" algn="ctr">
+                      <a:solidFill>
+                        <a:prstClr val="white">
+                          <a:lumMod val="65000"/>
+                        </a:prstClr>
+                      </a:solidFill>
+                      <a:prstDash val="solid"/>
+                      <a:round/>
+                      <a:headEnd type="none" w="med" len="med"/>
+                      <a:tailEnd type="none" w="med" len="med"/>
+                    </a:lnR>
+                  </a:tcPr>
+                </a:tc>
+                <a:tc>
+                  <a:txBody>
+                    <a:bodyPr/>
+                    <a:lstStyle/>
+                    <a:p>
+                      <a:pPr algn="ctr"/>
+                      <a:r>
+                        <a:rPr lang="en-US" sz="1600" dirty="0" smtClean="0"/>
+                        <a:t>1.29</a:t>
+                      </a:r>
+                      <a:endParaRPr lang="en-US" sz="1600" dirty="0"/>
+                    </a:p>
+                  </a:txBody>
+                  <a:tcPr anchor="ctr">
+                    <a:lnL w="9525" cap="flat" cmpd="sng" algn="ctr">
+                      <a:solidFill>
+                        <a:prstClr val="white">
+                          <a:lumMod val="65000"/>
+                        </a:prstClr>
+                      </a:solidFill>
+                      <a:prstDash val="solid"/>
+                      <a:round/>
+                      <a:headEnd type="none" w="med" len="med"/>
+                      <a:tailEnd type="none" w="med" len="med"/>
+                    </a:lnL>
+                  </a:tcPr>
+                </a:tc>
+              </a:tr>
+              <a:tr h="370840">
+                <a:tc>
+                  <a:txBody>
+                    <a:bodyPr/>
+                    <a:lstStyle/>
+                    <a:p>
+                      <a:pPr algn="r"/>
+                      <a:r>
+                        <a:rPr lang="en-US" sz="1400" dirty="0" smtClean="0"/>
+                        <a:t>Award</a:t>
+                      </a:r>
+                      <a:endParaRPr lang="en-US" sz="1400" dirty="0"/>
+                    </a:p>
+                  </a:txBody>
+                  <a:tcPr anchor="ctr">
+                    <a:lnR w="9525" cap="flat" cmpd="sng" algn="ctr">
+                      <a:solidFill>
+                        <a:prstClr val="white">
+                          <a:lumMod val="65000"/>
+                        </a:prstClr>
+                      </a:solidFill>
+                      <a:prstDash val="solid"/>
+                      <a:round/>
+                      <a:headEnd type="none" w="med" len="med"/>
+                      <a:tailEnd type="none" w="med" len="med"/>
+                    </a:lnR>
+                  </a:tcPr>
+                </a:tc>
+                <a:tc>
+                  <a:txBody>
+                    <a:bodyPr/>
+                    <a:lstStyle/>
+                    <a:p>
+                      <a:pPr algn="ctr"/>
+                      <a:r>
+                        <a:rPr lang="en-US" sz="1600" dirty="0" smtClean="0"/>
+                        <a:t>1.22</a:t>
+                      </a:r>
+                      <a:endParaRPr lang="en-US" sz="1600" dirty="0"/>
+                    </a:p>
+                  </a:txBody>
+                  <a:tcPr anchor="ctr">
+                    <a:lnL w="9525" cap="flat" cmpd="sng" algn="ctr">
+                      <a:solidFill>
+                        <a:prstClr val="white">
+                          <a:lumMod val="65000"/>
+                        </a:prstClr>
+                      </a:solidFill>
+                      <a:prstDash val="solid"/>
+                      <a:round/>
+                      <a:headEnd type="none" w="med" len="med"/>
+                      <a:tailEnd type="none" w="med" len="med"/>
+                    </a:lnL>
+                  </a:tcPr>
+                </a:tc>
+              </a:tr>
+              <a:tr h="370840">
+                <a:tc>
+                  <a:txBody>
+                    <a:bodyPr/>
+                    <a:lstStyle/>
+                    <a:p>
+                      <a:pPr algn="r"/>
+                      <a:r>
+                        <a:rPr lang="en-US" sz="1400" dirty="0" smtClean="0"/>
+                        <a:t>Community Service</a:t>
+                      </a:r>
+                      <a:endParaRPr lang="en-US" sz="1400" dirty="0"/>
+                    </a:p>
+                  </a:txBody>
+                  <a:tcPr anchor="ctr">
+                    <a:lnR w="9525" cap="flat" cmpd="sng" algn="ctr">
+                      <a:solidFill>
+                        <a:prstClr val="white">
+                          <a:lumMod val="65000"/>
+                        </a:prstClr>
+                      </a:solidFill>
+                      <a:prstDash val="solid"/>
+                      <a:round/>
+                      <a:headEnd type="none" w="med" len="med"/>
+                      <a:tailEnd type="none" w="med" len="med"/>
+                    </a:lnR>
+                  </a:tcPr>
+                </a:tc>
+                <a:tc>
+                  <a:txBody>
+                    <a:bodyPr/>
+                    <a:lstStyle/>
+                    <a:p>
+                      <a:pPr algn="ctr"/>
+                      <a:r>
+                        <a:rPr lang="en-US" sz="1600" dirty="0" smtClean="0"/>
+                        <a:t>1.21</a:t>
+                      </a:r>
+                      <a:endParaRPr lang="en-US" sz="1600" dirty="0"/>
+                    </a:p>
+                  </a:txBody>
+                  <a:tcPr anchor="ctr">
+                    <a:lnL w="9525" cap="flat" cmpd="sng" algn="ctr">
+                      <a:solidFill>
+                        <a:prstClr val="white">
+                          <a:lumMod val="65000"/>
+                        </a:prstClr>
+                      </a:solidFill>
+                      <a:prstDash val="solid"/>
+                      <a:round/>
+                      <a:headEnd type="none" w="med" len="med"/>
+                      <a:tailEnd type="none" w="med" len="med"/>
+                    </a:lnL>
+                  </a:tcPr>
+                </a:tc>
+              </a:tr>
+              <a:tr h="370840">
+                <a:tc>
+                  <a:txBody>
+                    <a:bodyPr/>
+                    <a:lstStyle/>
+                    <a:p>
+                      <a:pPr algn="r"/>
+                      <a:r>
+                        <a:rPr lang="en-US" sz="1400" dirty="0" smtClean="0"/>
+                        <a:t>SAT Score</a:t>
+                      </a:r>
+                      <a:endParaRPr lang="en-US" sz="1400" dirty="0"/>
+                    </a:p>
+                  </a:txBody>
+                  <a:tcPr anchor="ctr">
+                    <a:lnR w="9525" cap="flat" cmpd="sng" algn="ctr">
+                      <a:solidFill>
+                        <a:prstClr val="white">
+                          <a:lumMod val="65000"/>
+                        </a:prstClr>
+                      </a:solidFill>
+                      <a:prstDash val="solid"/>
+                      <a:round/>
+                      <a:headEnd type="none" w="med" len="med"/>
+                      <a:tailEnd type="none" w="med" len="med"/>
+                    </a:lnR>
+                  </a:tcPr>
+                </a:tc>
+                <a:tc>
+                  <a:txBody>
+                    <a:bodyPr/>
+                    <a:lstStyle/>
+                    <a:p>
+                      <a:pPr algn="ctr"/>
+                      <a:r>
+                        <a:rPr lang="en-US" sz="1600" dirty="0" smtClean="0"/>
+                        <a:t>1.0003</a:t>
+                      </a:r>
+                      <a:endParaRPr lang="en-US" sz="1600" dirty="0"/>
+                    </a:p>
+                  </a:txBody>
+                  <a:tcPr anchor="ctr">
+                    <a:lnL w="9525" cap="flat" cmpd="sng" algn="ctr">
+                      <a:solidFill>
+                        <a:prstClr val="white">
+                          <a:lumMod val="65000"/>
+                        </a:prstClr>
+                      </a:solidFill>
+                      <a:prstDash val="solid"/>
+                      <a:round/>
+                      <a:headEnd type="none" w="med" len="med"/>
+                      <a:tailEnd type="none" w="med" len="med"/>
+                    </a:lnL>
+                  </a:tcPr>
+                </a:tc>
+              </a:tr>
+              <a:tr h="370840">
+                <a:tc>
+                  <a:txBody>
+                    <a:bodyPr/>
+                    <a:lstStyle/>
+                    <a:p>
+                      <a:pPr algn="r"/>
+                      <a:r>
+                        <a:rPr lang="en-US" sz="1400" dirty="0" smtClean="0"/>
+                        <a:t>SAT</a:t>
+                      </a:r>
+                      <a:r>
+                        <a:rPr lang="en-US" sz="1400" baseline="0" dirty="0" smtClean="0"/>
+                        <a:t> Times Taken</a:t>
+                      </a:r>
+                      <a:endParaRPr lang="en-US" sz="1400" dirty="0"/>
+                    </a:p>
+                  </a:txBody>
+                  <a:tcPr anchor="ctr">
+                    <a:lnR w="9525" cap="flat" cmpd="sng" algn="ctr">
+                      <a:solidFill>
+                        <a:prstClr val="white">
+                          <a:lumMod val="65000"/>
+                        </a:prstClr>
+                      </a:solidFill>
+                      <a:prstDash val="solid"/>
+                      <a:round/>
+                      <a:headEnd type="none" w="med" len="med"/>
+                      <a:tailEnd type="none" w="med" len="med"/>
+                    </a:lnR>
+                  </a:tcPr>
+                </a:tc>
+                <a:tc>
+                  <a:txBody>
+                    <a:bodyPr/>
+                    <a:lstStyle/>
+                    <a:p>
+                      <a:pPr algn="ctr"/>
+                      <a:r>
+                        <a:rPr lang="en-US" sz="1600" dirty="0" smtClean="0"/>
+                        <a:t>0.39</a:t>
+                      </a:r>
+                      <a:endParaRPr lang="en-US" sz="1600" dirty="0"/>
+                    </a:p>
+                  </a:txBody>
+                  <a:tcPr anchor="ctr">
+                    <a:lnL w="9525" cap="flat" cmpd="sng" algn="ctr">
+                      <a:solidFill>
+                        <a:prstClr val="white">
+                          <a:lumMod val="65000"/>
+                        </a:prstClr>
+                      </a:solidFill>
+                      <a:prstDash val="solid"/>
+                      <a:round/>
+                      <a:headEnd type="none" w="med" len="med"/>
+                      <a:tailEnd type="none" w="med" len="med"/>
+                    </a:lnL>
+                  </a:tcPr>
+                </a:tc>
+              </a:tr>
+            </a:tbl>
+          </a:graphicData>
+        </a:graphic>
+      </p:graphicFrame>
+      <p:sp>
+        <p:nvSpPr>
+          <p:cNvPr id="5" name="TextBox 4"/>
+          <p:cNvSpPr txBox="1"/>
+          <p:nvPr/>
+        </p:nvSpPr>
+        <p:spPr>
+          <a:xfrm>
+            <a:off x="5567376" y="2461846"/>
+            <a:ext cx="1672253" cy="338554"/>
           </a:xfrm>
           <a:prstGeom prst="rect">
             <a:avLst/>
@@ -8497,23 +14320,23 @@
           <a:lstStyle/>
           <a:p>
             <a:r>
-              <a:rPr lang="en-US" sz="1200" b="1" dirty="0" smtClean="0"/>
-              <a:t>CalTech</a:t>
-            </a:r>
-            <a:endParaRPr lang="en-US" sz="1200" b="1" dirty="0"/>
-          </a:p>
-        </p:txBody>
-      </p:sp>
-      <p:sp>
-        <p:nvSpPr>
-          <p:cNvPr id="10" name="TextBox 9"/>
+              <a:rPr lang="en-US" sz="1600" b="1" u="sng" dirty="0" smtClean="0"/>
+              <a:t>How to Interpret</a:t>
+            </a:r>
+            <a:endParaRPr lang="en-US" sz="1600" b="1" u="sng" dirty="0"/>
+          </a:p>
+        </p:txBody>
+      </p:sp>
+      <p:sp>
+        <p:nvSpPr>
+          <p:cNvPr id="6" name="TextBox 5"/>
           <p:cNvSpPr txBox="1"/>
           <p:nvPr/>
         </p:nvSpPr>
         <p:spPr>
           <a:xfrm>
-            <a:off x="5703636" y="3301999"/>
-            <a:ext cx="453970" cy="276999"/>
+            <a:off x="4806462" y="3018692"/>
+            <a:ext cx="3516923" cy="2431435"/>
           </a:xfrm>
           <a:prstGeom prst="rect">
             <a:avLst/>
@@ -8521,179 +14344,18 @@
           <a:noFill/>
         </p:spPr>
         <p:txBody>
-          <a:bodyPr wrap="none" rtlCol="0">
+          <a:bodyPr wrap="square" rtlCol="0">
             <a:spAutoFit/>
           </a:bodyPr>
           <a:lstStyle/>
           <a:p>
-            <a:r>
-              <a:rPr lang="en-US" sz="1200" b="1" dirty="0" smtClean="0"/>
-              <a:t>MIT</a:t>
-            </a:r>
-            <a:endParaRPr lang="en-US" sz="1200" b="1" dirty="0"/>
-          </a:p>
-        </p:txBody>
-      </p:sp>
-      <p:sp>
-        <p:nvSpPr>
-          <p:cNvPr id="11" name="TextBox 10"/>
-          <p:cNvSpPr txBox="1"/>
-          <p:nvPr/>
-        </p:nvSpPr>
-        <p:spPr>
-          <a:xfrm>
-            <a:off x="4651199" y="3301998"/>
-            <a:ext cx="505066" cy="276999"/>
-          </a:xfrm>
-          <a:prstGeom prst="rect">
-            <a:avLst/>
-          </a:prstGeom>
-          <a:noFill/>
-        </p:spPr>
-        <p:txBody>
-          <a:bodyPr wrap="none" rtlCol="0">
-            <a:spAutoFit/>
-          </a:bodyPr>
-          <a:lstStyle/>
-          <a:p>
-            <a:pPr algn="ctr"/>
-            <a:r>
-              <a:rPr lang="en-US" sz="1200" b="1" dirty="0" smtClean="0"/>
-              <a:t>CMU</a:t>
-            </a:r>
-            <a:endParaRPr lang="en-US" sz="1200" b="1" dirty="0"/>
-          </a:p>
-        </p:txBody>
-      </p:sp>
-      <p:sp>
-        <p:nvSpPr>
-          <p:cNvPr id="12" name="TextBox 11"/>
-          <p:cNvSpPr txBox="1"/>
-          <p:nvPr/>
-        </p:nvSpPr>
-        <p:spPr>
-          <a:xfrm>
-            <a:off x="5265933" y="2730396"/>
-            <a:ext cx="663313" cy="276999"/>
-          </a:xfrm>
-          <a:prstGeom prst="rect">
-            <a:avLst/>
-          </a:prstGeom>
-          <a:noFill/>
-        </p:spPr>
-        <p:txBody>
-          <a:bodyPr wrap="none" rtlCol="0">
-            <a:spAutoFit/>
-          </a:bodyPr>
-          <a:lstStyle/>
-          <a:p>
-            <a:r>
-              <a:rPr lang="en-US" sz="1200" b="1" dirty="0" smtClean="0"/>
-              <a:t>Purdue</a:t>
-            </a:r>
-            <a:endParaRPr lang="en-US" sz="1200" b="1" dirty="0"/>
-          </a:p>
-        </p:txBody>
-      </p:sp>
-      <p:cxnSp>
-        <p:nvCxnSpPr>
-          <p:cNvPr id="13" name="Straight Arrow Connector 12"/>
-          <p:cNvCxnSpPr/>
-          <p:nvPr/>
-        </p:nvCxnSpPr>
-        <p:spPr>
-          <a:xfrm>
-            <a:off x="940741" y="4380325"/>
-            <a:ext cx="7377759" cy="0"/>
-          </a:xfrm>
-          <a:prstGeom prst="straightConnector1">
-            <a:avLst/>
-          </a:prstGeom>
-          <a:ln w="12700" cmpd="sng">
-            <a:solidFill>
-              <a:srgbClr val="C8C8C8"/>
-            </a:solidFill>
-            <a:headEnd type="none"/>
-            <a:tailEnd type="none"/>
-          </a:ln>
-          <a:effectLst/>
-        </p:spPr>
-        <p:style>
-          <a:lnRef idx="2">
-            <a:schemeClr val="accent1"/>
-          </a:lnRef>
-          <a:fillRef idx="0">
-            <a:schemeClr val="accent1"/>
-          </a:fillRef>
-          <a:effectRef idx="1">
-            <a:schemeClr val="accent1"/>
-          </a:effectRef>
-          <a:fontRef idx="minor">
-            <a:schemeClr val="tx1"/>
-          </a:fontRef>
-        </p:style>
-      </p:cxnSp>
-      <p:cxnSp>
-        <p:nvCxnSpPr>
-          <p:cNvPr id="15" name="Straight Arrow Connector 14"/>
-          <p:cNvCxnSpPr/>
-          <p:nvPr/>
-        </p:nvCxnSpPr>
-        <p:spPr>
-          <a:xfrm>
-            <a:off x="4576233" y="3066815"/>
-            <a:ext cx="0" cy="2627018"/>
-          </a:xfrm>
-          <a:prstGeom prst="straightConnector1">
-            <a:avLst/>
-          </a:prstGeom>
-          <a:ln w="12700" cmpd="sng">
-            <a:solidFill>
-              <a:srgbClr val="C8C8C8"/>
-            </a:solidFill>
-            <a:headEnd type="none"/>
-            <a:tailEnd type="none"/>
-          </a:ln>
-          <a:effectLst/>
-        </p:spPr>
-        <p:style>
-          <a:lnRef idx="2">
-            <a:schemeClr val="accent1"/>
-          </a:lnRef>
-          <a:fillRef idx="0">
-            <a:schemeClr val="accent1"/>
-          </a:fillRef>
-          <a:effectRef idx="1">
-            <a:schemeClr val="accent1"/>
-          </a:effectRef>
-          <a:fontRef idx="minor">
-            <a:schemeClr val="tx1"/>
-          </a:fontRef>
-        </p:style>
-      </p:cxnSp>
-      <p:sp>
-        <p:nvSpPr>
-          <p:cNvPr id="17" name="TextBox 16"/>
-          <p:cNvSpPr txBox="1"/>
-          <p:nvPr/>
-        </p:nvSpPr>
-        <p:spPr>
-          <a:xfrm>
-            <a:off x="3975510" y="5658556"/>
-            <a:ext cx="1236461" cy="307777"/>
-          </a:xfrm>
-          <a:prstGeom prst="rect">
-            <a:avLst/>
-          </a:prstGeom>
-          <a:noFill/>
-        </p:spPr>
-        <p:txBody>
-          <a:bodyPr wrap="none" rtlCol="0">
-            <a:spAutoFit/>
-          </a:bodyPr>
-          <a:lstStyle/>
-          <a:p>
-            <a:pPr algn="ctr"/>
+            <a:pPr marL="285750" indent="-285750">
+              <a:spcAft>
+                <a:spcPts val="1200"/>
+              </a:spcAft>
+              <a:buFont typeface="Arial"/>
+              <a:buChar char="•"/>
+            </a:pPr>
             <a:r>
               <a:rPr lang="en-US" sz="1400" dirty="0" smtClean="0">
                 <a:solidFill>
@@ -8702,41 +14364,16 @@
                   </a:schemeClr>
                 </a:solidFill>
               </a:rPr>
-              <a:t>Cultural Focus</a:t>
-            </a:r>
-            <a:endParaRPr lang="en-US" sz="1400" baseline="30000" dirty="0">
-              <a:solidFill>
-                <a:schemeClr val="bg1">
-                  <a:lumMod val="50000"/>
-                </a:schemeClr>
-              </a:solidFill>
-            </a:endParaRPr>
-          </a:p>
-        </p:txBody>
-      </p:sp>
-      <p:sp>
-        <p:nvSpPr>
-          <p:cNvPr id="18" name="TextBox 17"/>
-          <p:cNvSpPr txBox="1"/>
-          <p:nvPr/>
-        </p:nvSpPr>
-        <p:spPr>
-          <a:xfrm>
-            <a:off x="7723219" y="4397494"/>
-            <a:ext cx="684803" cy="523220"/>
-          </a:xfrm>
-          <a:prstGeom prst="rect">
-            <a:avLst/>
-          </a:prstGeom>
-          <a:noFill/>
-        </p:spPr>
-        <p:txBody>
-          <a:bodyPr wrap="none" rtlCol="0">
-            <a:spAutoFit/>
-          </a:bodyPr>
-          <a:lstStyle/>
-          <a:p>
-            <a:pPr algn="r"/>
+              <a:t>If you aren’t already in a </a:t>
+            </a:r>
+            <a:r>
+              <a:rPr lang="en-US" sz="1400" b="1" dirty="0" smtClean="0">
+                <a:solidFill>
+                  <a:srgbClr val="000000"/>
+                </a:solidFill>
+              </a:rPr>
+              <a:t>leadership</a:t>
+            </a:r>
             <a:r>
               <a:rPr lang="en-US" sz="1400" dirty="0" smtClean="0">
                 <a:solidFill>
@@ -8745,11 +14382,16 @@
                   </a:schemeClr>
                 </a:solidFill>
               </a:rPr>
-              <a:t>Career</a:t>
-            </a:r>
-          </a:p>
-          <a:p>
-            <a:pPr algn="r"/>
+              <a:t> position, taking one will </a:t>
+            </a:r>
+            <a:r>
+              <a:rPr lang="en-US" sz="1400" b="1" dirty="0" smtClean="0">
+                <a:solidFill>
+                  <a:srgbClr val="008000"/>
+                </a:solidFill>
+              </a:rPr>
+              <a:t>more than double </a:t>
+            </a:r>
             <a:r>
               <a:rPr lang="en-US" sz="1400" dirty="0" smtClean="0">
                 <a:solidFill>
@@ -8758,41 +14400,18 @@
                   </a:schemeClr>
                 </a:solidFill>
               </a:rPr>
-              <a:t>Driven</a:t>
-            </a:r>
-            <a:endParaRPr lang="en-US" sz="1400" dirty="0">
-              <a:solidFill>
-                <a:schemeClr val="bg1">
-                  <a:lumMod val="50000"/>
-                </a:schemeClr>
-              </a:solidFill>
-            </a:endParaRPr>
-          </a:p>
-        </p:txBody>
-      </p:sp>
-      <p:sp>
-        <p:nvSpPr>
-          <p:cNvPr id="19" name="TextBox 18"/>
-          <p:cNvSpPr txBox="1"/>
-          <p:nvPr/>
-        </p:nvSpPr>
-        <p:spPr>
-          <a:xfrm>
-            <a:off x="3926994" y="2740224"/>
-            <a:ext cx="1333506" cy="307777"/>
-          </a:xfrm>
-          <a:prstGeom prst="rect">
-            <a:avLst/>
-          </a:prstGeom>
-          <a:noFill/>
-        </p:spPr>
-        <p:txBody>
-          <a:bodyPr wrap="none" rtlCol="0">
-            <a:spAutoFit/>
-          </a:bodyPr>
-          <a:lstStyle/>
-          <a:p>
-            <a:pPr algn="ctr"/>
+              <a:t>your </a:t>
+            </a:r>
+            <a:r>
+              <a:rPr lang="en-US" sz="1400" u="sng" dirty="0" smtClean="0">
+                <a:solidFill>
+                  <a:schemeClr val="bg1">
+                    <a:lumMod val="50000"/>
+                  </a:schemeClr>
+                </a:solidFill>
+              </a:rPr>
+              <a:t>odds</a:t>
+            </a:r>
             <a:r>
               <a:rPr lang="en-US" sz="1400" dirty="0" smtClean="0">
                 <a:solidFill>
@@ -8801,40 +14420,17 @@
                   </a:schemeClr>
                 </a:solidFill>
               </a:rPr>
-              <a:t>Scientific Focus</a:t>
-            </a:r>
-            <a:endParaRPr lang="en-US" sz="1400" baseline="30000" dirty="0">
-              <a:solidFill>
-                <a:schemeClr val="bg1">
-                  <a:lumMod val="50000"/>
-                </a:schemeClr>
-              </a:solidFill>
-            </a:endParaRPr>
-          </a:p>
-        </p:txBody>
-      </p:sp>
-      <p:sp>
-        <p:nvSpPr>
-          <p:cNvPr id="20" name="TextBox 19"/>
-          <p:cNvSpPr txBox="1"/>
-          <p:nvPr/>
-        </p:nvSpPr>
-        <p:spPr>
-          <a:xfrm>
-            <a:off x="742926" y="4397494"/>
-            <a:ext cx="1011252" cy="523220"/>
-          </a:xfrm>
-          <a:prstGeom prst="rect">
-            <a:avLst/>
-          </a:prstGeom>
-          <a:noFill/>
-        </p:spPr>
-        <p:txBody>
-          <a:bodyPr wrap="none" rtlCol="0">
-            <a:spAutoFit/>
-          </a:bodyPr>
-          <a:lstStyle/>
-          <a:p>
+              <a:t> of being admitted</a:t>
+            </a:r>
+          </a:p>
+          <a:p>
+            <a:pPr marL="285750" indent="-285750">
+              <a:spcAft>
+                <a:spcPts val="1200"/>
+              </a:spcAft>
+              <a:buFont typeface="Arial"/>
+              <a:buChar char="•"/>
+            </a:pPr>
             <a:r>
               <a:rPr lang="en-US" sz="1400" dirty="0" smtClean="0">
                 <a:solidFill>
@@ -8843,10 +14439,16 @@
                   </a:schemeClr>
                 </a:solidFill>
               </a:rPr>
-              <a:t>Personality</a:t>
-            </a:r>
-          </a:p>
-          <a:p>
+              <a:t>If you gain an </a:t>
+            </a:r>
+            <a:r>
+              <a:rPr lang="en-US" sz="1400" b="1" dirty="0" smtClean="0">
+                <a:solidFill>
+                  <a:srgbClr val="000000"/>
+                </a:solidFill>
+              </a:rPr>
+              <a:t>additional 100 points </a:t>
+            </a:r>
             <a:r>
               <a:rPr lang="en-US" sz="1400" dirty="0" smtClean="0">
                 <a:solidFill>
@@ -8855,15 +14457,209 @@
                   </a:schemeClr>
                 </a:solidFill>
               </a:rPr>
-              <a:t>Driven</a:t>
-            </a:r>
+              <a:t>on your </a:t>
+            </a:r>
+            <a:r>
+              <a:rPr lang="en-US" sz="1400" b="1" dirty="0" smtClean="0">
+                <a:solidFill>
+                  <a:srgbClr val="000000"/>
+                </a:solidFill>
+              </a:rPr>
+              <a:t>SAT</a:t>
+            </a:r>
+            <a:r>
+              <a:rPr lang="en-US" sz="1400" dirty="0" smtClean="0">
+                <a:solidFill>
+                  <a:schemeClr val="bg1">
+                    <a:lumMod val="50000"/>
+                  </a:schemeClr>
+                </a:solidFill>
+              </a:rPr>
+              <a:t>, you </a:t>
+            </a:r>
+            <a:r>
+              <a:rPr lang="en-US" sz="1400" b="1" dirty="0" smtClean="0">
+                <a:solidFill>
+                  <a:srgbClr val="008000"/>
+                </a:solidFill>
+              </a:rPr>
+              <a:t>increase</a:t>
+            </a:r>
+            <a:r>
+              <a:rPr lang="en-US" sz="1400" dirty="0" smtClean="0">
+                <a:solidFill>
+                  <a:srgbClr val="000000"/>
+                </a:solidFill>
+              </a:rPr>
+              <a:t> </a:t>
+            </a:r>
+            <a:r>
+              <a:rPr lang="en-US" sz="1400" dirty="0" smtClean="0">
+                <a:solidFill>
+                  <a:schemeClr val="bg1">
+                    <a:lumMod val="50000"/>
+                  </a:schemeClr>
+                </a:solidFill>
+              </a:rPr>
+              <a:t>your </a:t>
+            </a:r>
+            <a:r>
+              <a:rPr lang="en-US" sz="1400" u="sng" dirty="0" smtClean="0">
+                <a:solidFill>
+                  <a:schemeClr val="bg1">
+                    <a:lumMod val="50000"/>
+                  </a:schemeClr>
+                </a:solidFill>
+              </a:rPr>
+              <a:t>odds</a:t>
+            </a:r>
+            <a:r>
+              <a:rPr lang="en-US" sz="1400" dirty="0" smtClean="0">
+                <a:solidFill>
+                  <a:schemeClr val="bg1">
+                    <a:lumMod val="50000"/>
+                  </a:schemeClr>
+                </a:solidFill>
+              </a:rPr>
+              <a:t> of being admitted by </a:t>
+            </a:r>
+            <a:r>
+              <a:rPr lang="en-US" sz="1400" b="1" dirty="0" smtClean="0">
+                <a:solidFill>
+                  <a:srgbClr val="008000"/>
+                </a:solidFill>
+              </a:rPr>
+              <a:t>3%</a:t>
+            </a:r>
+          </a:p>
+          <a:p>
+            <a:pPr marL="285750" indent="-285750">
+              <a:spcAft>
+                <a:spcPts val="1200"/>
+              </a:spcAft>
+              <a:buFont typeface="Arial"/>
+              <a:buChar char="•"/>
+            </a:pPr>
+            <a:r>
+              <a:rPr lang="en-US" sz="1400" dirty="0" smtClean="0">
+                <a:solidFill>
+                  <a:schemeClr val="bg1">
+                    <a:lumMod val="50000"/>
+                  </a:schemeClr>
+                </a:solidFill>
+              </a:rPr>
+              <a:t>If you </a:t>
+            </a:r>
+            <a:r>
+              <a:rPr lang="en-US" sz="1400" b="1" dirty="0" smtClean="0">
+                <a:solidFill>
+                  <a:srgbClr val="000000"/>
+                </a:solidFill>
+              </a:rPr>
+              <a:t>take the SATs one more time</a:t>
+            </a:r>
+            <a:r>
+              <a:rPr lang="en-US" sz="1400" dirty="0" smtClean="0">
+                <a:solidFill>
+                  <a:schemeClr val="bg1">
+                    <a:lumMod val="50000"/>
+                  </a:schemeClr>
+                </a:solidFill>
+              </a:rPr>
+              <a:t>, you </a:t>
+            </a:r>
+            <a:r>
+              <a:rPr lang="en-US" sz="1400" b="1" dirty="0" smtClean="0">
+                <a:solidFill>
+                  <a:srgbClr val="FF0000"/>
+                </a:solidFill>
+              </a:rPr>
+              <a:t>reduce</a:t>
+            </a:r>
+            <a:r>
+              <a:rPr lang="en-US" sz="1400" dirty="0" smtClean="0">
+                <a:solidFill>
+                  <a:srgbClr val="FF0000"/>
+                </a:solidFill>
+              </a:rPr>
+              <a:t> </a:t>
+            </a:r>
+            <a:r>
+              <a:rPr lang="en-US" sz="1400" dirty="0" smtClean="0">
+                <a:solidFill>
+                  <a:schemeClr val="bg1">
+                    <a:lumMod val="50000"/>
+                  </a:schemeClr>
+                </a:solidFill>
+              </a:rPr>
+              <a:t>your </a:t>
+            </a:r>
+            <a:r>
+              <a:rPr lang="en-US" sz="1400" u="sng" dirty="0" smtClean="0">
+                <a:solidFill>
+                  <a:schemeClr val="bg1">
+                    <a:lumMod val="50000"/>
+                  </a:schemeClr>
+                </a:solidFill>
+              </a:rPr>
+              <a:t>odds</a:t>
+            </a:r>
+            <a:r>
+              <a:rPr lang="en-US" sz="1400" dirty="0" smtClean="0">
+                <a:solidFill>
+                  <a:schemeClr val="bg1">
+                    <a:lumMod val="50000"/>
+                  </a:schemeClr>
+                </a:solidFill>
+              </a:rPr>
+              <a:t> of being admitted by </a:t>
+            </a:r>
+            <a:r>
+              <a:rPr lang="en-US" sz="1400" b="1" dirty="0" smtClean="0">
+                <a:solidFill>
+                  <a:srgbClr val="FF0000"/>
+                </a:solidFill>
+              </a:rPr>
+              <a:t>61%</a:t>
+            </a:r>
+          </a:p>
+        </p:txBody>
+      </p:sp>
+      <p:sp>
+        <p:nvSpPr>
+          <p:cNvPr id="8" name="TextBox 7"/>
+          <p:cNvSpPr txBox="1"/>
+          <p:nvPr/>
+        </p:nvSpPr>
+        <p:spPr>
+          <a:xfrm>
+            <a:off x="1709616" y="5812694"/>
+            <a:ext cx="2735384" cy="430887"/>
+          </a:xfrm>
+          <a:prstGeom prst="rect">
+            <a:avLst/>
+          </a:prstGeom>
+          <a:noFill/>
+        </p:spPr>
+        <p:txBody>
+          <a:bodyPr wrap="square" rtlCol="0">
+            <a:spAutoFit/>
+          </a:bodyPr>
+          <a:lstStyle/>
+          <a:p>
+            <a:pPr algn="r"/>
+            <a:r>
+              <a:rPr lang="en-US" sz="1100" i="1" dirty="0" smtClean="0"/>
+              <a:t>*Note: this is only a subset of all variables used in the model</a:t>
+            </a:r>
+            <a:endParaRPr lang="en-US" sz="1100" i="1" dirty="0"/>
           </a:p>
         </p:txBody>
       </p:sp>
     </p:spTree>
     <p:extLst>
       <p:ext uri="{BB962C8B-B14F-4D97-AF65-F5344CB8AC3E}">
-        <p14:creationId xmlns:p14="http://schemas.microsoft.com/office/powerpoint/2010/main" val="497916325"/>
+        <p14:creationId xmlns:p14="http://schemas.microsoft.com/office/powerpoint/2010/main" val="4058918749"/>
       </p:ext>
     </p:extLst>
   </p:cSld>
@@ -8897,766 +14693,70 @@
           <a:chExt cx="0" cy="0"/>
         </a:xfrm>
       </p:grpSpPr>
-      <p:pic>
-        <p:nvPicPr>
-          <p:cNvPr id="21" name="Picture 20"/>
-          <p:cNvPicPr>
-            <a:picLocks noChangeAspect="1"/>
-          </p:cNvPicPr>
-          <p:nvPr/>
-        </p:nvPicPr>
-        <p:blipFill>
-          <a:blip r:embed="rId2"/>
-          <a:stretch>
-            <a:fillRect/>
-          </a:stretch>
-        </p:blipFill>
-        <p:spPr>
-          <a:xfrm>
-            <a:off x="685800" y="2619720"/>
-            <a:ext cx="7769257" cy="3505200"/>
-          </a:xfrm>
-          <a:prstGeom prst="rect">
-            <a:avLst/>
-          </a:prstGeom>
-        </p:spPr>
-      </p:pic>
-      <p:sp>
-        <p:nvSpPr>
-          <p:cNvPr id="2" name="Title 1"/>
+      <p:sp>
+        <p:nvSpPr>
+          <p:cNvPr id="4" name="Title 3"/>
           <p:cNvSpPr>
             <a:spLocks noGrp="1"/>
           </p:cNvSpPr>
           <p:nvPr>
-            <p:ph type="title"/>
+            <p:ph type="ctrTitle"/>
           </p:nvPr>
         </p:nvSpPr>
-        <p:spPr/>
+        <p:spPr>
+          <a:xfrm>
+            <a:off x="550334" y="2825743"/>
+            <a:ext cx="4296833" cy="996950"/>
+          </a:xfrm>
+        </p:spPr>
+        <p:txBody>
+          <a:bodyPr/>
+          <a:lstStyle/>
+          <a:p>
+            <a:pPr algn="l"/>
+            <a:r>
+              <a:rPr lang="en-US" dirty="0" smtClean="0"/>
+              <a:t>Part 2: The Essay</a:t>
+            </a:r>
+            <a:endParaRPr lang="en-US" dirty="0"/>
+          </a:p>
+        </p:txBody>
+      </p:sp>
+      <p:sp>
+        <p:nvSpPr>
+          <p:cNvPr id="5" name="Subtitle 4"/>
+          <p:cNvSpPr>
+            <a:spLocks noGrp="1"/>
+          </p:cNvSpPr>
+          <p:nvPr>
+            <p:ph type="subTitle" idx="1"/>
+          </p:nvPr>
+        </p:nvSpPr>
+        <p:spPr>
+          <a:xfrm>
+            <a:off x="550335" y="3738033"/>
+            <a:ext cx="4878916" cy="1109133"/>
+          </a:xfrm>
+        </p:spPr>
         <p:txBody>
           <a:bodyPr>
             <a:normAutofit/>
           </a:bodyPr>
           <a:lstStyle/>
           <a:p>
-            <a:r>
-              <a:rPr lang="en-US" sz="3200" dirty="0" smtClean="0"/>
-              <a:t>The Landscape of Colleges vs. Essay Topics</a:t>
-            </a:r>
-            <a:endParaRPr lang="en-US" sz="3200" dirty="0"/>
-          </a:p>
-        </p:txBody>
-      </p:sp>
-      <p:sp>
-        <p:nvSpPr>
-          <p:cNvPr id="14" name="Freeform 13"/>
-          <p:cNvSpPr/>
-          <p:nvPr/>
-        </p:nvSpPr>
-        <p:spPr>
-          <a:xfrm>
-            <a:off x="4178300" y="2741265"/>
-            <a:ext cx="2167135" cy="1424335"/>
-          </a:xfrm>
-          <a:custGeom>
-            <a:avLst/>
-            <a:gdLst>
-              <a:gd name="connsiteX0" fmla="*/ 1113035 w 2226070"/>
-              <a:gd name="connsiteY0" fmla="*/ 141635 h 1100691"/>
-              <a:gd name="connsiteX1" fmla="*/ 33535 w 2226070"/>
-              <a:gd name="connsiteY1" fmla="*/ 611535 h 1100691"/>
-              <a:gd name="connsiteX2" fmla="*/ 414535 w 2226070"/>
-              <a:gd name="connsiteY2" fmla="*/ 1005235 h 1100691"/>
-              <a:gd name="connsiteX3" fmla="*/ 1811535 w 2226070"/>
-              <a:gd name="connsiteY3" fmla="*/ 1017935 h 1100691"/>
-              <a:gd name="connsiteX4" fmla="*/ 2192535 w 2226070"/>
-              <a:gd name="connsiteY4" fmla="*/ 65435 h 1100691"/>
-              <a:gd name="connsiteX5" fmla="*/ 1113035 w 2226070"/>
-              <a:gd name="connsiteY5" fmla="*/ 141635 h 1100691"/>
-            </a:gdLst>
-            <a:ahLst/>
-            <a:cxnLst>
-              <a:cxn ang="0">
-                <a:pos x="connsiteX0" y="connsiteY0"/>
-              </a:cxn>
-              <a:cxn ang="0">
-                <a:pos x="connsiteX1" y="connsiteY1"/>
-              </a:cxn>
-              <a:cxn ang="0">
-                <a:pos x="connsiteX2" y="connsiteY2"/>
-              </a:cxn>
-              <a:cxn ang="0">
-                <a:pos x="connsiteX3" y="connsiteY3"/>
-              </a:cxn>
-              <a:cxn ang="0">
-                <a:pos x="connsiteX4" y="connsiteY4"/>
-              </a:cxn>
-              <a:cxn ang="0">
-                <a:pos x="connsiteX5" y="connsiteY5"/>
-              </a:cxn>
-            </a:cxnLst>
-            <a:rect l="l" t="t" r="r" b="b"/>
-            <a:pathLst>
-              <a:path w="2226070" h="1100691">
-                <a:moveTo>
-                  <a:pt x="1113035" y="141635"/>
-                </a:moveTo>
-                <a:cubicBezTo>
-                  <a:pt x="753202" y="232652"/>
-                  <a:pt x="149952" y="467602"/>
-                  <a:pt x="33535" y="611535"/>
-                </a:cubicBezTo>
-                <a:cubicBezTo>
-                  <a:pt x="-82882" y="755468"/>
-                  <a:pt x="118202" y="937502"/>
-                  <a:pt x="414535" y="1005235"/>
-                </a:cubicBezTo>
-                <a:cubicBezTo>
-                  <a:pt x="710868" y="1072968"/>
-                  <a:pt x="1515202" y="1174568"/>
-                  <a:pt x="1811535" y="1017935"/>
-                </a:cubicBezTo>
-                <a:cubicBezTo>
-                  <a:pt x="2107868" y="861302"/>
-                  <a:pt x="2308952" y="211485"/>
-                  <a:pt x="2192535" y="65435"/>
-                </a:cubicBezTo>
-                <a:cubicBezTo>
-                  <a:pt x="2076118" y="-80615"/>
-                  <a:pt x="1472868" y="50618"/>
-                  <a:pt x="1113035" y="141635"/>
-                </a:cubicBezTo>
-                <a:close/>
-              </a:path>
-            </a:pathLst>
-          </a:custGeom>
-          <a:solidFill>
-            <a:srgbClr val="CECE00">
-              <a:alpha val="16000"/>
-            </a:srgbClr>
-          </a:solidFill>
-          <a:ln>
-            <a:noFill/>
-          </a:ln>
-          <a:effectLst/>
-        </p:spPr>
-        <p:style>
-          <a:lnRef idx="1">
-            <a:schemeClr val="accent1"/>
-          </a:lnRef>
-          <a:fillRef idx="3">
-            <a:schemeClr val="accent1"/>
-          </a:fillRef>
-          <a:effectRef idx="2">
-            <a:schemeClr val="accent1"/>
-          </a:effectRef>
-          <a:fontRef idx="minor">
-            <a:schemeClr val="lt1"/>
-          </a:fontRef>
-        </p:style>
-        <p:txBody>
-          <a:bodyPr rtlCol="0" anchor="ctr"/>
-          <a:lstStyle/>
-          <a:p>
-            <a:pPr algn="ctr"/>
-            <a:endParaRPr lang="en-US"/>
-          </a:p>
-        </p:txBody>
-      </p:sp>
-      <p:sp>
-        <p:nvSpPr>
-          <p:cNvPr id="22" name="Freeform 21"/>
-          <p:cNvSpPr/>
-          <p:nvPr/>
-        </p:nvSpPr>
-        <p:spPr>
-          <a:xfrm>
-            <a:off x="5888307" y="3567973"/>
-            <a:ext cx="2546852" cy="2475209"/>
-          </a:xfrm>
-          <a:custGeom>
-            <a:avLst/>
-            <a:gdLst>
-              <a:gd name="connsiteX0" fmla="*/ 276078 w 2546852"/>
-              <a:gd name="connsiteY0" fmla="*/ 222489 h 2475209"/>
-              <a:gd name="connsiteX1" fmla="*/ 2539 w 2546852"/>
-              <a:gd name="connsiteY1" fmla="*/ 837950 h 2475209"/>
-              <a:gd name="connsiteX2" fmla="*/ 422616 w 2546852"/>
-              <a:gd name="connsiteY2" fmla="*/ 1795335 h 2475209"/>
-              <a:gd name="connsiteX3" fmla="*/ 1721924 w 2546852"/>
-              <a:gd name="connsiteY3" fmla="*/ 2459642 h 2475209"/>
-              <a:gd name="connsiteX4" fmla="*/ 2464385 w 2546852"/>
-              <a:gd name="connsiteY4" fmla="*/ 2137258 h 2475209"/>
-              <a:gd name="connsiteX5" fmla="*/ 2347155 w 2546852"/>
-              <a:gd name="connsiteY5" fmla="*/ 769565 h 2475209"/>
-              <a:gd name="connsiteX6" fmla="*/ 852462 w 2546852"/>
-              <a:gd name="connsiteY6" fmla="*/ 27104 h 2475209"/>
-              <a:gd name="connsiteX7" fmla="*/ 276078 w 2546852"/>
-              <a:gd name="connsiteY7" fmla="*/ 222489 h 2475209"/>
-            </a:gdLst>
-            <a:ahLst/>
-            <a:cxnLst>
-              <a:cxn ang="0">
-                <a:pos x="connsiteX0" y="connsiteY0"/>
-              </a:cxn>
-              <a:cxn ang="0">
-                <a:pos x="connsiteX1" y="connsiteY1"/>
-              </a:cxn>
-              <a:cxn ang="0">
-                <a:pos x="connsiteX2" y="connsiteY2"/>
-              </a:cxn>
-              <a:cxn ang="0">
-                <a:pos x="connsiteX3" y="connsiteY3"/>
-              </a:cxn>
-              <a:cxn ang="0">
-                <a:pos x="connsiteX4" y="connsiteY4"/>
-              </a:cxn>
-              <a:cxn ang="0">
-                <a:pos x="connsiteX5" y="connsiteY5"/>
-              </a:cxn>
-              <a:cxn ang="0">
-                <a:pos x="connsiteX6" y="connsiteY6"/>
-              </a:cxn>
-              <a:cxn ang="0">
-                <a:pos x="connsiteX7" y="connsiteY7"/>
-              </a:cxn>
-            </a:cxnLst>
-            <a:rect l="l" t="t" r="r" b="b"/>
-            <a:pathLst>
-              <a:path w="2546852" h="2475209">
-                <a:moveTo>
-                  <a:pt x="276078" y="222489"/>
-                </a:moveTo>
-                <a:cubicBezTo>
-                  <a:pt x="134424" y="357630"/>
-                  <a:pt x="-21884" y="575809"/>
-                  <a:pt x="2539" y="837950"/>
-                </a:cubicBezTo>
-                <a:cubicBezTo>
-                  <a:pt x="26962" y="1100091"/>
-                  <a:pt x="136052" y="1525053"/>
-                  <a:pt x="422616" y="1795335"/>
-                </a:cubicBezTo>
-                <a:cubicBezTo>
-                  <a:pt x="709180" y="2065617"/>
-                  <a:pt x="1381629" y="2402655"/>
-                  <a:pt x="1721924" y="2459642"/>
-                </a:cubicBezTo>
-                <a:cubicBezTo>
-                  <a:pt x="2062219" y="2516629"/>
-                  <a:pt x="2360180" y="2418938"/>
-                  <a:pt x="2464385" y="2137258"/>
-                </a:cubicBezTo>
-                <a:cubicBezTo>
-                  <a:pt x="2568590" y="1855578"/>
-                  <a:pt x="2615809" y="1121257"/>
-                  <a:pt x="2347155" y="769565"/>
-                </a:cubicBezTo>
-                <a:cubicBezTo>
-                  <a:pt x="2078501" y="417873"/>
-                  <a:pt x="1197641" y="116655"/>
-                  <a:pt x="852462" y="27104"/>
-                </a:cubicBezTo>
-                <a:cubicBezTo>
-                  <a:pt x="507283" y="-62447"/>
-                  <a:pt x="417732" y="87348"/>
-                  <a:pt x="276078" y="222489"/>
-                </a:cubicBezTo>
-                <a:close/>
-              </a:path>
-            </a:pathLst>
-          </a:custGeom>
-          <a:solidFill>
-            <a:schemeClr val="accent4">
-              <a:lumMod val="60000"/>
-              <a:lumOff val="40000"/>
-              <a:alpha val="26000"/>
-            </a:schemeClr>
-          </a:solidFill>
-          <a:ln>
-            <a:noFill/>
-          </a:ln>
-          <a:effectLst/>
-        </p:spPr>
-        <p:style>
-          <a:lnRef idx="1">
-            <a:schemeClr val="accent1"/>
-          </a:lnRef>
-          <a:fillRef idx="3">
-            <a:schemeClr val="accent1"/>
-          </a:fillRef>
-          <a:effectRef idx="2">
-            <a:schemeClr val="accent1"/>
-          </a:effectRef>
-          <a:fontRef idx="minor">
-            <a:schemeClr val="lt1"/>
-          </a:fontRef>
-        </p:style>
-        <p:txBody>
-          <a:bodyPr rtlCol="0" anchor="ctr"/>
-          <a:lstStyle/>
-          <a:p>
-            <a:pPr algn="ctr"/>
-            <a:endParaRPr lang="en-US"/>
-          </a:p>
-        </p:txBody>
-      </p:sp>
-      <p:sp>
-        <p:nvSpPr>
-          <p:cNvPr id="9" name="TextBox 8"/>
-          <p:cNvSpPr txBox="1"/>
-          <p:nvPr/>
-        </p:nvSpPr>
-        <p:spPr>
-          <a:xfrm>
-            <a:off x="6585417" y="3703935"/>
-            <a:ext cx="699606" cy="461665"/>
-          </a:xfrm>
-          <a:prstGeom prst="rect">
-            <a:avLst/>
-          </a:prstGeom>
-          <a:noFill/>
-        </p:spPr>
-        <p:txBody>
-          <a:bodyPr wrap="none" rtlCol="0">
-            <a:spAutoFit/>
-          </a:bodyPr>
-          <a:lstStyle/>
-          <a:p>
-            <a:pPr algn="ctr"/>
-            <a:r>
-              <a:rPr lang="en-US" sz="1200" b="1" dirty="0" smtClean="0">
-                <a:solidFill>
-                  <a:srgbClr val="000000"/>
-                </a:solidFill>
-              </a:rPr>
-              <a:t>Arizona</a:t>
-            </a:r>
-          </a:p>
-          <a:p>
-            <a:pPr algn="ctr"/>
-            <a:r>
-              <a:rPr lang="en-US" sz="1200" b="1" dirty="0" smtClean="0">
-                <a:solidFill>
-                  <a:srgbClr val="000000"/>
-                </a:solidFill>
-              </a:rPr>
-              <a:t>State</a:t>
-            </a:r>
-            <a:endParaRPr lang="en-US" sz="1200" b="1" dirty="0">
-              <a:solidFill>
-                <a:srgbClr val="000000"/>
-              </a:solidFill>
-            </a:endParaRPr>
-          </a:p>
-        </p:txBody>
-      </p:sp>
-      <p:sp>
-        <p:nvSpPr>
-          <p:cNvPr id="10" name="TextBox 9"/>
-          <p:cNvSpPr txBox="1"/>
-          <p:nvPr/>
-        </p:nvSpPr>
-        <p:spPr>
-          <a:xfrm>
-            <a:off x="7010125" y="4148034"/>
-            <a:ext cx="800219" cy="461665"/>
-          </a:xfrm>
-          <a:prstGeom prst="rect">
-            <a:avLst/>
-          </a:prstGeom>
-          <a:noFill/>
-        </p:spPr>
-        <p:txBody>
-          <a:bodyPr wrap="none" rtlCol="0">
-            <a:spAutoFit/>
-          </a:bodyPr>
-          <a:lstStyle/>
-          <a:p>
-            <a:pPr algn="ctr"/>
-            <a:r>
-              <a:rPr lang="en-US" sz="1200" b="1" dirty="0" smtClean="0">
-                <a:solidFill>
-                  <a:srgbClr val="000000"/>
-                </a:solidFill>
-              </a:rPr>
-              <a:t>Michigan</a:t>
-            </a:r>
-          </a:p>
-          <a:p>
-            <a:pPr algn="ctr"/>
-            <a:r>
-              <a:rPr lang="en-US" sz="1200" b="1" dirty="0" smtClean="0">
-                <a:solidFill>
-                  <a:srgbClr val="000000"/>
-                </a:solidFill>
-              </a:rPr>
-              <a:t>State</a:t>
-            </a:r>
-            <a:endParaRPr lang="en-US" sz="1200" b="1" dirty="0">
-              <a:solidFill>
-                <a:srgbClr val="000000"/>
-              </a:solidFill>
-            </a:endParaRPr>
-          </a:p>
-        </p:txBody>
-      </p:sp>
-      <p:sp>
-        <p:nvSpPr>
-          <p:cNvPr id="11" name="TextBox 10"/>
-          <p:cNvSpPr txBox="1"/>
-          <p:nvPr/>
-        </p:nvSpPr>
-        <p:spPr>
-          <a:xfrm>
-            <a:off x="6737430" y="4882867"/>
-            <a:ext cx="787395" cy="461665"/>
-          </a:xfrm>
-          <a:prstGeom prst="rect">
-            <a:avLst/>
-          </a:prstGeom>
-          <a:noFill/>
-        </p:spPr>
-        <p:txBody>
-          <a:bodyPr wrap="none" rtlCol="0">
-            <a:spAutoFit/>
-          </a:bodyPr>
-          <a:lstStyle/>
-          <a:p>
-            <a:pPr algn="ctr"/>
-            <a:r>
-              <a:rPr lang="en-US" sz="1200" b="1" dirty="0" smtClean="0">
-                <a:solidFill>
-                  <a:srgbClr val="000000"/>
-                </a:solidFill>
-              </a:rPr>
-              <a:t>Cal State</a:t>
-            </a:r>
-          </a:p>
-          <a:p>
-            <a:pPr algn="ctr"/>
-            <a:r>
-              <a:rPr lang="en-US" sz="1200" b="1" dirty="0" smtClean="0">
-                <a:solidFill>
-                  <a:srgbClr val="000000"/>
-                </a:solidFill>
-              </a:rPr>
-              <a:t>LB	</a:t>
-            </a:r>
-            <a:endParaRPr lang="en-US" sz="1200" b="1" dirty="0">
-              <a:solidFill>
-                <a:srgbClr val="000000"/>
-              </a:solidFill>
-            </a:endParaRPr>
-          </a:p>
-        </p:txBody>
-      </p:sp>
-      <p:sp>
-        <p:nvSpPr>
-          <p:cNvPr id="12" name="TextBox 11"/>
-          <p:cNvSpPr txBox="1"/>
-          <p:nvPr/>
-        </p:nvSpPr>
-        <p:spPr>
-          <a:xfrm>
-            <a:off x="7410234" y="5547394"/>
-            <a:ext cx="774571" cy="276999"/>
-          </a:xfrm>
-          <a:prstGeom prst="rect">
-            <a:avLst/>
-          </a:prstGeom>
-          <a:noFill/>
-        </p:spPr>
-        <p:txBody>
-          <a:bodyPr wrap="none" rtlCol="0">
-            <a:spAutoFit/>
-          </a:bodyPr>
-          <a:lstStyle/>
-          <a:p>
-            <a:r>
-              <a:rPr lang="en-US" sz="1200" b="1" dirty="0" smtClean="0">
-                <a:solidFill>
-                  <a:srgbClr val="000000"/>
-                </a:solidFill>
-              </a:rPr>
-              <a:t>SD State</a:t>
-            </a:r>
-            <a:endParaRPr lang="en-US" sz="1200" b="1" dirty="0">
-              <a:solidFill>
-                <a:srgbClr val="000000"/>
-              </a:solidFill>
-            </a:endParaRPr>
-          </a:p>
-        </p:txBody>
-      </p:sp>
-      <p:cxnSp>
-        <p:nvCxnSpPr>
-          <p:cNvPr id="15" name="Straight Arrow Connector 14"/>
-          <p:cNvCxnSpPr/>
-          <p:nvPr/>
-        </p:nvCxnSpPr>
-        <p:spPr>
-          <a:xfrm>
-            <a:off x="940741" y="4380325"/>
-            <a:ext cx="7377759" cy="0"/>
-          </a:xfrm>
-          <a:prstGeom prst="straightConnector1">
-            <a:avLst/>
-          </a:prstGeom>
-          <a:ln w="12700" cmpd="sng">
-            <a:solidFill>
-              <a:srgbClr val="C8C8C8"/>
-            </a:solidFill>
-            <a:headEnd type="none"/>
-            <a:tailEnd type="none"/>
-          </a:ln>
-          <a:effectLst/>
-        </p:spPr>
-        <p:style>
-          <a:lnRef idx="2">
-            <a:schemeClr val="accent1"/>
-          </a:lnRef>
-          <a:fillRef idx="0">
-            <a:schemeClr val="accent1"/>
-          </a:fillRef>
-          <a:effectRef idx="1">
-            <a:schemeClr val="accent1"/>
-          </a:effectRef>
-          <a:fontRef idx="minor">
-            <a:schemeClr val="tx1"/>
-          </a:fontRef>
-        </p:style>
-      </p:cxnSp>
-      <p:cxnSp>
-        <p:nvCxnSpPr>
-          <p:cNvPr id="17" name="Straight Arrow Connector 16"/>
-          <p:cNvCxnSpPr/>
-          <p:nvPr/>
-        </p:nvCxnSpPr>
-        <p:spPr>
-          <a:xfrm>
-            <a:off x="4576233" y="3066815"/>
-            <a:ext cx="0" cy="2627018"/>
-          </a:xfrm>
-          <a:prstGeom prst="straightConnector1">
-            <a:avLst/>
-          </a:prstGeom>
-          <a:ln w="12700" cmpd="sng">
-            <a:solidFill>
-              <a:srgbClr val="C8C8C8"/>
-            </a:solidFill>
-            <a:headEnd type="none"/>
-            <a:tailEnd type="none"/>
-          </a:ln>
-          <a:effectLst/>
-        </p:spPr>
-        <p:style>
-          <a:lnRef idx="2">
-            <a:schemeClr val="accent1"/>
-          </a:lnRef>
-          <a:fillRef idx="0">
-            <a:schemeClr val="accent1"/>
-          </a:fillRef>
-          <a:effectRef idx="1">
-            <a:schemeClr val="accent1"/>
-          </a:effectRef>
-          <a:fontRef idx="minor">
-            <a:schemeClr val="tx1"/>
-          </a:fontRef>
-        </p:style>
-      </p:cxnSp>
-      <p:sp>
-        <p:nvSpPr>
-          <p:cNvPr id="26" name="TextBox 25"/>
-          <p:cNvSpPr txBox="1"/>
-          <p:nvPr/>
-        </p:nvSpPr>
-        <p:spPr>
-          <a:xfrm>
-            <a:off x="3975510" y="5658556"/>
-            <a:ext cx="1236461" cy="307777"/>
-          </a:xfrm>
-          <a:prstGeom prst="rect">
-            <a:avLst/>
-          </a:prstGeom>
-          <a:noFill/>
-        </p:spPr>
-        <p:txBody>
-          <a:bodyPr wrap="none" rtlCol="0">
-            <a:spAutoFit/>
-          </a:bodyPr>
-          <a:lstStyle/>
-          <a:p>
-            <a:pPr algn="ctr"/>
-            <a:r>
-              <a:rPr lang="en-US" sz="1400" dirty="0" smtClean="0">
-                <a:solidFill>
-                  <a:schemeClr val="bg1">
-                    <a:lumMod val="50000"/>
-                  </a:schemeClr>
-                </a:solidFill>
-              </a:rPr>
-              <a:t>Cultural Focus</a:t>
-            </a:r>
-            <a:endParaRPr lang="en-US" sz="1400" baseline="30000" dirty="0">
-              <a:solidFill>
-                <a:schemeClr val="bg1">
-                  <a:lumMod val="50000"/>
-                </a:schemeClr>
-              </a:solidFill>
-            </a:endParaRPr>
-          </a:p>
-        </p:txBody>
-      </p:sp>
-      <p:sp>
-        <p:nvSpPr>
-          <p:cNvPr id="27" name="TextBox 26"/>
-          <p:cNvSpPr txBox="1"/>
-          <p:nvPr/>
-        </p:nvSpPr>
-        <p:spPr>
-          <a:xfrm>
-            <a:off x="7723219" y="4397494"/>
-            <a:ext cx="684803" cy="523220"/>
-          </a:xfrm>
-          <a:prstGeom prst="rect">
-            <a:avLst/>
-          </a:prstGeom>
-          <a:noFill/>
-        </p:spPr>
-        <p:txBody>
-          <a:bodyPr wrap="none" rtlCol="0">
-            <a:spAutoFit/>
-          </a:bodyPr>
-          <a:lstStyle/>
-          <a:p>
-            <a:pPr algn="r"/>
-            <a:r>
-              <a:rPr lang="en-US" sz="1400" dirty="0" smtClean="0">
-                <a:solidFill>
-                  <a:schemeClr val="bg1">
-                    <a:lumMod val="50000"/>
-                  </a:schemeClr>
-                </a:solidFill>
-              </a:rPr>
-              <a:t>Career</a:t>
-            </a:r>
-          </a:p>
-          <a:p>
-            <a:pPr algn="r"/>
-            <a:r>
-              <a:rPr lang="en-US" sz="1400" dirty="0" smtClean="0">
-                <a:solidFill>
-                  <a:schemeClr val="bg1">
-                    <a:lumMod val="50000"/>
-                  </a:schemeClr>
-                </a:solidFill>
-              </a:rPr>
-              <a:t>Driven</a:t>
-            </a:r>
-            <a:endParaRPr lang="en-US" sz="1400" dirty="0">
-              <a:solidFill>
-                <a:schemeClr val="bg1">
-                  <a:lumMod val="50000"/>
-                </a:schemeClr>
-              </a:solidFill>
-            </a:endParaRPr>
-          </a:p>
-        </p:txBody>
-      </p:sp>
-      <p:sp>
-        <p:nvSpPr>
-          <p:cNvPr id="28" name="TextBox 27"/>
-          <p:cNvSpPr txBox="1"/>
-          <p:nvPr/>
-        </p:nvSpPr>
-        <p:spPr>
-          <a:xfrm>
-            <a:off x="3926994" y="2740224"/>
-            <a:ext cx="1333506" cy="307777"/>
-          </a:xfrm>
-          <a:prstGeom prst="rect">
-            <a:avLst/>
-          </a:prstGeom>
-          <a:noFill/>
-        </p:spPr>
-        <p:txBody>
-          <a:bodyPr wrap="none" rtlCol="0">
-            <a:spAutoFit/>
-          </a:bodyPr>
-          <a:lstStyle/>
-          <a:p>
-            <a:pPr algn="ctr"/>
-            <a:r>
-              <a:rPr lang="en-US" sz="1400" dirty="0" smtClean="0">
-                <a:solidFill>
-                  <a:schemeClr val="bg1">
-                    <a:lumMod val="50000"/>
-                  </a:schemeClr>
-                </a:solidFill>
-              </a:rPr>
-              <a:t>Scientific Focus</a:t>
-            </a:r>
-            <a:endParaRPr lang="en-US" sz="1400" baseline="30000" dirty="0">
-              <a:solidFill>
-                <a:schemeClr val="bg1">
-                  <a:lumMod val="50000"/>
-                </a:schemeClr>
-              </a:solidFill>
-            </a:endParaRPr>
-          </a:p>
-        </p:txBody>
-      </p:sp>
-      <p:sp>
-        <p:nvSpPr>
-          <p:cNvPr id="29" name="TextBox 28"/>
-          <p:cNvSpPr txBox="1"/>
-          <p:nvPr/>
-        </p:nvSpPr>
-        <p:spPr>
-          <a:xfrm>
-            <a:off x="742926" y="4397494"/>
-            <a:ext cx="1011252" cy="523220"/>
-          </a:xfrm>
-          <a:prstGeom prst="rect">
-            <a:avLst/>
-          </a:prstGeom>
-          <a:noFill/>
-        </p:spPr>
-        <p:txBody>
-          <a:bodyPr wrap="none" rtlCol="0">
-            <a:spAutoFit/>
-          </a:bodyPr>
-          <a:lstStyle/>
-          <a:p>
-            <a:r>
-              <a:rPr lang="en-US" sz="1400" dirty="0" smtClean="0">
-                <a:solidFill>
-                  <a:schemeClr val="bg1">
-                    <a:lumMod val="50000"/>
-                  </a:schemeClr>
-                </a:solidFill>
-              </a:rPr>
-              <a:t>Personality</a:t>
-            </a:r>
-          </a:p>
-          <a:p>
-            <a:r>
-              <a:rPr lang="en-US" sz="1400" dirty="0" smtClean="0">
-                <a:solidFill>
-                  <a:schemeClr val="bg1">
-                    <a:lumMod val="50000"/>
-                  </a:schemeClr>
-                </a:solidFill>
-              </a:rPr>
-              <a:t>Driven</a:t>
-            </a:r>
+            <a:pPr marL="0" lvl="1" algn="l"/>
+            <a:r>
+              <a:rPr lang="en-US" sz="1800" i="1" dirty="0" smtClean="0"/>
+              <a:t>What insights can we glean from a student’s admission essay?</a:t>
+            </a:r>
+            <a:endParaRPr lang="en-US" sz="1800" i="1" dirty="0"/>
           </a:p>
         </p:txBody>
       </p:sp>
     </p:spTree>
     <p:extLst>
       <p:ext uri="{BB962C8B-B14F-4D97-AF65-F5344CB8AC3E}">
-        <p14:creationId xmlns:p14="http://schemas.microsoft.com/office/powerpoint/2010/main" val="2327585848"/>
+        <p14:creationId xmlns:p14="http://schemas.microsoft.com/office/powerpoint/2010/main" val="3154468851"/>
       </p:ext>
     </p:extLst>
   </p:cSld>

--- a/presentation/MikeYung_Presentation_v1.pptx
+++ b/presentation/MikeYung_Presentation_v1.pptx
@@ -690,7 +690,11 @@
             </a:pPr>
             <a:r>
               <a:rPr lang="en-US" baseline="0" dirty="0" smtClean="0"/>
-              <a:t>Model: build a model that predicts a student’s chances of being admitted </a:t>
+              <a:t>First, to build </a:t>
+            </a:r>
+            <a:r>
+              <a:rPr lang="en-US" baseline="0" dirty="0" smtClean="0"/>
+              <a:t>a model that predicts a student’s chances of being admitted </a:t>
             </a:r>
             <a:r>
               <a:rPr lang="en-US" baseline="0" dirty="0" smtClean="0"/>
@@ -719,7 +723,11 @@
             </a:pPr>
             <a:r>
               <a:rPr lang="en-US" baseline="0" dirty="0" smtClean="0"/>
-              <a:t>Essay: what insights can we glean from the Common App essay, both on an individual and an aggregate level?</a:t>
+              <a:t>Second, to see what </a:t>
+            </a:r>
+            <a:r>
+              <a:rPr lang="en-US" baseline="0" dirty="0" smtClean="0"/>
+              <a:t>insights can we glean from the Common App essay, both on an individual and an aggregate level?</a:t>
             </a:r>
           </a:p>
         </p:txBody>
@@ -806,7 +814,11 @@
           <a:p>
             <a:r>
               <a:rPr lang="en-US" baseline="0" dirty="0" smtClean="0"/>
-              <a:t>Note: this is a simplified visual representation of the model pipeline</a:t>
+              <a:t>This is a </a:t>
+            </a:r>
+            <a:r>
+              <a:rPr lang="en-US" baseline="0" dirty="0" smtClean="0"/>
+              <a:t>simplified visual representation of the model pipeline</a:t>
             </a:r>
           </a:p>
           <a:p>
@@ -835,8 +847,13 @@
           <a:p>
             <a:r>
               <a:rPr lang="en-US" baseline="0" dirty="0" smtClean="0"/>
-              <a:t>	We then feature-engineer these raw inputs to create a set of processed features</a:t>
-            </a:r>
+              <a:t>	We then feature-engineer these raw inputs </a:t>
+            </a:r>
+            <a:r>
+              <a:rPr lang="en-US" baseline="0" dirty="0" smtClean="0"/>
+              <a:t>to get the features we want in the model.</a:t>
+            </a:r>
+            <a:endParaRPr lang="en-US" baseline="0" dirty="0" smtClean="0"/>
           </a:p>
           <a:p>
             <a:r>
@@ -991,29 +1008,29 @@
           <a:p>
             <a:r>
               <a:rPr lang="en-US" baseline="0" dirty="0" smtClean="0"/>
-              <a:t>Looking at the ROC curve on the train set, we can that the pure RF model </a:t>
+              <a:t>Looking at the ROC curve on the train set, we can see that there is some </a:t>
             </a:r>
             <a:r>
               <a:rPr lang="en-US" baseline="0" dirty="0" err="1" smtClean="0"/>
-              <a:t>overfits</a:t>
+              <a:t>overfitting</a:t>
             </a:r>
             <a:r>
               <a:rPr lang="en-US" baseline="0" dirty="0" smtClean="0"/>
-              <a:t>, and the LR model </a:t>
+              <a:t> w the RF model, and some </a:t>
             </a:r>
             <a:r>
               <a:rPr lang="en-US" baseline="0" dirty="0" err="1" smtClean="0"/>
-              <a:t>underfits</a:t>
+              <a:t>underfitting</a:t>
             </a:r>
             <a:r>
               <a:rPr lang="en-US" baseline="0" dirty="0" smtClean="0"/>
-              <a:t>.</a:t>
+              <a:t> w the LR model.</a:t>
             </a:r>
           </a:p>
           <a:p>
             <a:r>
               <a:rPr lang="en-US" baseline="0" dirty="0" smtClean="0"/>
-              <a:t>While the visual difference between ensemble models is minimal, the Grand Ensemble, which takes into account essay features, is 2% higher than the basic Ensemble on precision.</a:t>
+              <a:t>While the visual difference between the ensemble models is minimal, the Grand Ensemble, which takes into account essay features, is 2% higher than the basic Ensemble on precision.</a:t>
             </a:r>
           </a:p>
         </p:txBody>
@@ -1123,6 +1140,26 @@
               <a:rPr lang="en-US" baseline="0" dirty="0" smtClean="0"/>
               <a:t>As we expect, the grand ensemble is the winner on precision.</a:t>
             </a:r>
+          </a:p>
+          <a:p>
+            <a:endParaRPr lang="en-US" baseline="0" dirty="0" smtClean="0"/>
+          </a:p>
+          <a:p>
+            <a:endParaRPr lang="en-US" baseline="0" dirty="0" smtClean="0"/>
+          </a:p>
+          <a:p>
+            <a:r>
+              <a:rPr lang="en-US" baseline="0" dirty="0" smtClean="0"/>
+              <a:t>###</a:t>
+            </a:r>
+          </a:p>
+          <a:p>
+            <a:r>
+              <a:rPr lang="en-US" baseline="0" dirty="0" smtClean="0"/>
+              <a:t>AUC is the probability that we will rank a randomly chosen positive data point higher than a randomly chosen negative one.</a:t>
+            </a:r>
+          </a:p>
+          <a:p>
             <a:endParaRPr lang="en-US" dirty="0"/>
           </a:p>
         </p:txBody>
@@ -1217,7 +1254,24 @@
             </a:r>
             <a:r>
               <a:rPr lang="en-US" baseline="0" dirty="0" smtClean="0"/>
-              <a:t> optimizing for </a:t>
+              <a:t> optimizing for accuracy/precision is great, you lose interpretability with ensemble models.</a:t>
+            </a:r>
+          </a:p>
+          <a:p>
+            <a:pPr marL="457200" lvl="1" indent="0">
+              <a:buFontTx/>
+              <a:buNone/>
+            </a:pPr>
+            <a:endParaRPr lang="en-US" baseline="0" dirty="0" smtClean="0"/>
+          </a:p>
+          <a:p>
+            <a:pPr marL="457200" lvl="1" indent="0">
+              <a:buFontTx/>
+              <a:buNone/>
+            </a:pPr>
+            <a:r>
+              <a:rPr lang="en-US" baseline="0" dirty="0" smtClean="0"/>
+              <a:t>By taking the exponents of the coefficients in our LR model, we can see how each variable affects the admissions outcome.</a:t>
             </a:r>
             <a:endParaRPr lang="en-US" dirty="0" smtClean="0"/>
           </a:p>
@@ -1227,6 +1281,16 @@
               <a:buNone/>
             </a:pPr>
             <a:endParaRPr lang="en-US" dirty="0" smtClean="0"/>
+          </a:p>
+          <a:p>
+            <a:pPr marL="457200" lvl="1" indent="0">
+              <a:buFontTx/>
+              <a:buNone/>
+            </a:pPr>
+            <a:r>
+              <a:rPr lang="en-US" dirty="0" smtClean="0"/>
+              <a:t>e.g. </a:t>
+            </a:r>
           </a:p>
           <a:p>
             <a:pPr marL="742950" lvl="1" indent="-285750">
@@ -1837,7 +1901,7 @@
             </a:pPr>
             <a:r>
               <a:rPr lang="en-US" baseline="0" dirty="0" smtClean="0"/>
-              <a:t>(more than happy to give live demos afterwards).</a:t>
+              <a:t>(more than happy to give a live demo with a real essay afterwards).</a:t>
             </a:r>
           </a:p>
         </p:txBody>
@@ -18023,7 +18087,7 @@
         </p:nvSpPr>
         <p:spPr>
           <a:xfrm>
-            <a:off x="7381993" y="4290733"/>
+            <a:off x="7381993" y="3945479"/>
             <a:ext cx="941283" cy="461665"/>
           </a:xfrm>
           <a:prstGeom prst="rect">
@@ -18106,7 +18170,7 @@
         </p:nvSpPr>
         <p:spPr>
           <a:xfrm>
-            <a:off x="7001329" y="4253920"/>
+            <a:off x="7001329" y="4107870"/>
             <a:ext cx="391247" cy="292100"/>
           </a:xfrm>
           <a:prstGeom prst="rightArrow">

--- a/presentation/MikeYung_Presentation_v1.pptx
+++ b/presentation/MikeYung_Presentation_v1.pptx
@@ -5,28 +5,26 @@
     <p:sldMasterId id="2147483648" r:id="rId1"/>
   </p:sldMasterIdLst>
   <p:notesMasterIdLst>
-    <p:notesMasterId r:id="rId21"/>
+    <p:notesMasterId r:id="rId19"/>
   </p:notesMasterIdLst>
   <p:sldIdLst>
     <p:sldId id="256" r:id="rId2"/>
     <p:sldId id="257" r:id="rId3"/>
-    <p:sldId id="261" r:id="rId4"/>
-    <p:sldId id="258" r:id="rId5"/>
-    <p:sldId id="277" r:id="rId6"/>
-    <p:sldId id="276" r:id="rId7"/>
-    <p:sldId id="260" r:id="rId8"/>
-    <p:sldId id="262" r:id="rId9"/>
-    <p:sldId id="279" r:id="rId10"/>
-    <p:sldId id="283" r:id="rId11"/>
-    <p:sldId id="284" r:id="rId12"/>
-    <p:sldId id="280" r:id="rId13"/>
-    <p:sldId id="273" r:id="rId14"/>
-    <p:sldId id="266" r:id="rId15"/>
-    <p:sldId id="267" r:id="rId16"/>
-    <p:sldId id="270" r:id="rId17"/>
-    <p:sldId id="271" r:id="rId18"/>
-    <p:sldId id="272" r:id="rId19"/>
-    <p:sldId id="265" r:id="rId20"/>
+    <p:sldId id="258" r:id="rId4"/>
+    <p:sldId id="277" r:id="rId5"/>
+    <p:sldId id="276" r:id="rId6"/>
+    <p:sldId id="260" r:id="rId7"/>
+    <p:sldId id="262" r:id="rId8"/>
+    <p:sldId id="283" r:id="rId9"/>
+    <p:sldId id="284" r:id="rId10"/>
+    <p:sldId id="280" r:id="rId11"/>
+    <p:sldId id="273" r:id="rId12"/>
+    <p:sldId id="266" r:id="rId13"/>
+    <p:sldId id="267" r:id="rId14"/>
+    <p:sldId id="270" r:id="rId15"/>
+    <p:sldId id="271" r:id="rId16"/>
+    <p:sldId id="272" r:id="rId17"/>
+    <p:sldId id="265" r:id="rId18"/>
   </p:sldIdLst>
   <p:sldSz cx="9144000" cy="6858000" type="screen4x3"/>
   <p:notesSz cx="6858000" cy="9144000"/>
@@ -910,7 +908,7 @@
           <a:p>
             <a:fld id="{F7F7955B-160C-0041-B70F-08136C325BDD}" type="slidenum">
               <a:rPr lang="en-US" smtClean="0"/>
-              <a:t>4</a:t>
+              <a:t>3</a:t>
             </a:fld>
             <a:endParaRPr lang="en-US"/>
           </a:p>
@@ -1052,7 +1050,7 @@
           <a:p>
             <a:fld id="{F7F7955B-160C-0041-B70F-08136C325BDD}" type="slidenum">
               <a:rPr lang="en-US" smtClean="0"/>
-              <a:t>5</a:t>
+              <a:t>4</a:t>
             </a:fld>
             <a:endParaRPr lang="en-US"/>
           </a:p>
@@ -1181,7 +1179,7 @@
           <a:p>
             <a:fld id="{F7F7955B-160C-0041-B70F-08136C325BDD}" type="slidenum">
               <a:rPr lang="en-US" smtClean="0"/>
-              <a:t>6</a:t>
+              <a:t>5</a:t>
             </a:fld>
             <a:endParaRPr lang="en-US"/>
           </a:p>
@@ -1364,7 +1362,7 @@
           <a:p>
             <a:fld id="{F7F7955B-160C-0041-B70F-08136C325BDD}" type="slidenum">
               <a:rPr lang="en-US" smtClean="0"/>
-              <a:t>7</a:t>
+              <a:t>6</a:t>
             </a:fld>
             <a:endParaRPr lang="en-US"/>
           </a:p>
@@ -1613,7 +1611,7 @@
           <a:p>
             <a:fld id="{F7F7955B-160C-0041-B70F-08136C325BDD}" type="slidenum">
               <a:rPr lang="en-US" smtClean="0"/>
-              <a:t>10</a:t>
+              <a:t>8</a:t>
             </a:fld>
             <a:endParaRPr lang="en-US"/>
           </a:p>
@@ -1733,7 +1731,7 @@
           <a:p>
             <a:fld id="{F7F7955B-160C-0041-B70F-08136C325BDD}" type="slidenum">
               <a:rPr lang="en-US" smtClean="0"/>
-              <a:t>11</a:t>
+              <a:t>9</a:t>
             </a:fld>
             <a:endParaRPr lang="en-US"/>
           </a:p>
@@ -1923,7 +1921,7 @@
           <a:p>
             <a:fld id="{F7F7955B-160C-0041-B70F-08136C325BDD}" type="slidenum">
               <a:rPr lang="en-US" smtClean="0"/>
-              <a:t>12</a:t>
+              <a:t>10</a:t>
             </a:fld>
             <a:endParaRPr lang="en-US"/>
           </a:p>
@@ -5074,4354 +5072,6 @@
         </p:nvSpPr>
         <p:spPr/>
         <p:txBody>
-          <a:bodyPr/>
-          <a:lstStyle/>
-          <a:p>
-            <a:r>
-              <a:rPr lang="en-US" dirty="0" smtClean="0"/>
-              <a:t>What’s in an Essay?</a:t>
-            </a:r>
-            <a:endParaRPr lang="en-US" dirty="0"/>
-          </a:p>
-        </p:txBody>
-      </p:sp>
-      <p:graphicFrame>
-        <p:nvGraphicFramePr>
-          <p:cNvPr id="27" name="Table 26"/>
-          <p:cNvGraphicFramePr>
-            <a:graphicFrameLocks noGrp="1"/>
-          </p:cNvGraphicFramePr>
-          <p:nvPr>
-            <p:extLst>
-              <p:ext uri="{D42A27DB-BD31-4B8C-83A1-F6EECF244321}">
-                <p14:modId xmlns:p14="http://schemas.microsoft.com/office/powerpoint/2010/main" val="4221477259"/>
-              </p:ext>
-            </p:extLst>
-          </p:nvPr>
-        </p:nvGraphicFramePr>
-        <p:xfrm>
-          <a:off x="738901" y="1771765"/>
-          <a:ext cx="5956926" cy="741680"/>
-        </p:xfrm>
-        <a:graphic>
-          <a:graphicData uri="http://schemas.openxmlformats.org/drawingml/2006/table">
-            <a:tbl>
-              <a:tblPr>
-                <a:tableStyleId>{5C22544A-7EE6-4342-B048-85BDC9FD1C3A}</a:tableStyleId>
-              </a:tblPr>
-              <a:tblGrid>
-                <a:gridCol w="832410"/>
-                <a:gridCol w="1708172"/>
-                <a:gridCol w="1708172"/>
-                <a:gridCol w="1708172"/>
-              </a:tblGrid>
-              <a:tr h="370840">
-                <a:tc>
-                  <a:txBody>
-                    <a:bodyPr/>
-                    <a:lstStyle/>
-                    <a:p>
-                      <a:pPr algn="ctr"/>
-                      <a:r>
-                        <a:rPr lang="en-US" sz="1400" b="0" dirty="0" smtClean="0"/>
-                        <a:t>Step</a:t>
-                      </a:r>
-                      <a:endParaRPr lang="en-US" sz="1400" b="0" dirty="0"/>
-                    </a:p>
-                  </a:txBody>
-                  <a:tcPr>
-                    <a:lnR w="12700" cap="flat" cmpd="sng" algn="ctr">
-                      <a:solidFill>
-                        <a:prstClr val="black">
-                          <a:lumMod val="65000"/>
-                          <a:lumOff val="35000"/>
-                        </a:prstClr>
-                      </a:solidFill>
-                      <a:prstDash val="solid"/>
-                      <a:round/>
-                      <a:headEnd type="none" w="med" len="med"/>
-                      <a:tailEnd type="none" w="med" len="med"/>
-                    </a:lnR>
-                    <a:lnB w="12700" cap="flat" cmpd="sng" algn="ctr">
-                      <a:solidFill>
-                        <a:prstClr val="black">
-                          <a:lumMod val="65000"/>
-                          <a:lumOff val="35000"/>
-                        </a:prstClr>
-                      </a:solidFill>
-                      <a:prstDash val="solid"/>
-                      <a:round/>
-                      <a:headEnd type="none" w="med" len="med"/>
-                      <a:tailEnd type="none" w="med" len="med"/>
-                    </a:lnB>
-                    <a:noFill/>
-                  </a:tcPr>
-                </a:tc>
-                <a:tc>
-                  <a:txBody>
-                    <a:bodyPr/>
-                    <a:lstStyle/>
-                    <a:p>
-                      <a:pPr algn="ctr"/>
-                      <a:r>
-                        <a:rPr lang="en-US" sz="1400" b="1" baseline="0" dirty="0" err="1" smtClean="0">
-                          <a:solidFill>
-                            <a:srgbClr val="000000"/>
-                          </a:solidFill>
-                        </a:rPr>
-                        <a:t>Vectorize</a:t>
-                      </a:r>
-                      <a:r>
-                        <a:rPr lang="en-US" sz="1400" b="1" baseline="0" dirty="0" smtClean="0">
-                          <a:solidFill>
-                            <a:srgbClr val="000000"/>
-                          </a:solidFill>
-                        </a:rPr>
-                        <a:t> Text</a:t>
-                      </a:r>
-                      <a:endParaRPr lang="en-US" sz="1400" b="1" dirty="0">
-                        <a:solidFill>
-                          <a:srgbClr val="000000"/>
-                        </a:solidFill>
-                      </a:endParaRPr>
-                    </a:p>
-                  </a:txBody>
-                  <a:tcPr>
-                    <a:lnL w="12700" cap="flat" cmpd="sng" algn="ctr">
-                      <a:solidFill>
-                        <a:prstClr val="black">
-                          <a:lumMod val="65000"/>
-                          <a:lumOff val="35000"/>
-                        </a:prstClr>
-                      </a:solidFill>
-                      <a:prstDash val="solid"/>
-                      <a:round/>
-                      <a:headEnd type="none" w="med" len="med"/>
-                      <a:tailEnd type="none" w="med" len="med"/>
-                    </a:lnL>
-                    <a:lnR w="12700" cap="flat" cmpd="sng" algn="ctr">
-                      <a:noFill/>
-                      <a:prstDash val="solid"/>
-                      <a:round/>
-                      <a:headEnd type="none" w="med" len="med"/>
-                      <a:tailEnd type="none" w="med" len="med"/>
-                    </a:lnR>
-                    <a:lnB w="12700" cap="flat" cmpd="sng" algn="ctr">
-                      <a:solidFill>
-                        <a:prstClr val="black">
-                          <a:lumMod val="65000"/>
-                          <a:lumOff val="35000"/>
-                        </a:prstClr>
-                      </a:solidFill>
-                      <a:prstDash val="solid"/>
-                      <a:round/>
-                      <a:headEnd type="none" w="med" len="med"/>
-                      <a:tailEnd type="none" w="med" len="med"/>
-                    </a:lnB>
-                    <a:noFill/>
-                  </a:tcPr>
-                </a:tc>
-                <a:tc>
-                  <a:txBody>
-                    <a:bodyPr/>
-                    <a:lstStyle/>
-                    <a:p>
-                      <a:pPr algn="ctr"/>
-                      <a:r>
-                        <a:rPr lang="en-US" sz="1400" b="1" dirty="0" smtClean="0">
-                          <a:solidFill>
-                            <a:schemeClr val="tx1"/>
-                          </a:solidFill>
-                        </a:rPr>
-                        <a:t>Topic Modeling</a:t>
-                      </a:r>
-                      <a:endParaRPr lang="en-US" sz="1400" b="1" dirty="0">
-                        <a:solidFill>
-                          <a:schemeClr val="tx1"/>
-                        </a:solidFill>
-                      </a:endParaRPr>
-                    </a:p>
-                  </a:txBody>
-                  <a:tcPr>
-                    <a:lnL w="12700" cap="flat" cmpd="sng" algn="ctr">
-                      <a:noFill/>
-                      <a:prstDash val="solid"/>
-                      <a:round/>
-                      <a:headEnd type="none" w="med" len="med"/>
-                      <a:tailEnd type="none" w="med" len="med"/>
-                    </a:lnL>
-                    <a:lnR w="12700" cap="flat" cmpd="sng" algn="ctr">
-                      <a:noFill/>
-                      <a:prstDash val="solid"/>
-                      <a:round/>
-                      <a:headEnd type="none" w="med" len="med"/>
-                      <a:tailEnd type="none" w="med" len="med"/>
-                    </a:lnR>
-                    <a:lnB w="12700" cap="flat" cmpd="sng" algn="ctr">
-                      <a:solidFill>
-                        <a:prstClr val="black">
-                          <a:lumMod val="65000"/>
-                          <a:lumOff val="35000"/>
-                        </a:prstClr>
-                      </a:solidFill>
-                      <a:prstDash val="solid"/>
-                      <a:round/>
-                      <a:headEnd type="none" w="med" len="med"/>
-                      <a:tailEnd type="none" w="med" len="med"/>
-                    </a:lnB>
-                    <a:noFill/>
-                  </a:tcPr>
-                </a:tc>
-                <a:tc>
-                  <a:txBody>
-                    <a:bodyPr/>
-                    <a:lstStyle/>
-                    <a:p>
-                      <a:pPr algn="ctr"/>
-                      <a:r>
-                        <a:rPr lang="en-US" sz="1400" dirty="0" smtClean="0">
-                          <a:solidFill>
-                            <a:schemeClr val="bg1">
-                              <a:lumMod val="65000"/>
-                            </a:schemeClr>
-                          </a:solidFill>
-                        </a:rPr>
-                        <a:t>Analyze</a:t>
-                      </a:r>
-                      <a:endParaRPr lang="en-US" sz="1400" dirty="0">
-                        <a:solidFill>
-                          <a:schemeClr val="bg1">
-                            <a:lumMod val="65000"/>
-                          </a:schemeClr>
-                        </a:solidFill>
-                      </a:endParaRPr>
-                    </a:p>
-                  </a:txBody>
-                  <a:tcPr>
-                    <a:lnL w="12700" cap="flat" cmpd="sng" algn="ctr">
-                      <a:noFill/>
-                      <a:prstDash val="solid"/>
-                      <a:round/>
-                      <a:headEnd type="none" w="med" len="med"/>
-                      <a:tailEnd type="none" w="med" len="med"/>
-                    </a:lnL>
-                    <a:lnR w="12700" cap="flat" cmpd="sng" algn="ctr">
-                      <a:noFill/>
-                      <a:prstDash val="solid"/>
-                      <a:round/>
-                      <a:headEnd type="none" w="med" len="med"/>
-                      <a:tailEnd type="none" w="med" len="med"/>
-                    </a:lnR>
-                    <a:lnB w="12700" cap="flat" cmpd="sng" algn="ctr">
-                      <a:solidFill>
-                        <a:prstClr val="black">
-                          <a:lumMod val="65000"/>
-                          <a:lumOff val="35000"/>
-                        </a:prstClr>
-                      </a:solidFill>
-                      <a:prstDash val="solid"/>
-                      <a:round/>
-                      <a:headEnd type="none" w="med" len="med"/>
-                      <a:tailEnd type="none" w="med" len="med"/>
-                    </a:lnB>
-                    <a:noFill/>
-                  </a:tcPr>
-                </a:tc>
-              </a:tr>
-              <a:tr h="370840">
-                <a:tc>
-                  <a:txBody>
-                    <a:bodyPr/>
-                    <a:lstStyle/>
-                    <a:p>
-                      <a:pPr algn="ctr"/>
-                      <a:r>
-                        <a:rPr lang="en-US" sz="1400" b="0" dirty="0" smtClean="0"/>
-                        <a:t>Method</a:t>
-                      </a:r>
-                      <a:endParaRPr lang="en-US" sz="1400" b="0" dirty="0"/>
-                    </a:p>
-                  </a:txBody>
-                  <a:tcPr>
-                    <a:lnR w="12700" cap="flat" cmpd="sng" algn="ctr">
-                      <a:solidFill>
-                        <a:prstClr val="black">
-                          <a:lumMod val="65000"/>
-                          <a:lumOff val="35000"/>
-                        </a:prstClr>
-                      </a:solidFill>
-                      <a:prstDash val="solid"/>
-                      <a:round/>
-                      <a:headEnd type="none" w="med" len="med"/>
-                      <a:tailEnd type="none" w="med" len="med"/>
-                    </a:lnR>
-                    <a:lnT w="12700" cap="flat" cmpd="sng" algn="ctr">
-                      <a:solidFill>
-                        <a:prstClr val="black">
-                          <a:lumMod val="65000"/>
-                          <a:lumOff val="35000"/>
-                        </a:prstClr>
-                      </a:solidFill>
-                      <a:prstDash val="solid"/>
-                      <a:round/>
-                      <a:headEnd type="none" w="med" len="med"/>
-                      <a:tailEnd type="none" w="med" len="med"/>
-                    </a:lnT>
-                    <a:noFill/>
-                  </a:tcPr>
-                </a:tc>
-                <a:tc>
-                  <a:txBody>
-                    <a:bodyPr/>
-                    <a:lstStyle/>
-                    <a:p>
-                      <a:pPr algn="ctr"/>
-                      <a:r>
-                        <a:rPr lang="en-US" sz="1400" b="1" i="1" dirty="0" smtClean="0">
-                          <a:solidFill>
-                            <a:srgbClr val="000000"/>
-                          </a:solidFill>
-                        </a:rPr>
-                        <a:t>TF-IDF</a:t>
-                      </a:r>
-                      <a:endParaRPr lang="en-US" sz="1400" b="1" i="1" dirty="0">
-                        <a:solidFill>
-                          <a:srgbClr val="000000"/>
-                        </a:solidFill>
-                      </a:endParaRPr>
-                    </a:p>
-                  </a:txBody>
-                  <a:tcPr>
-                    <a:lnL w="12700" cap="flat" cmpd="sng" algn="ctr">
-                      <a:solidFill>
-                        <a:prstClr val="black">
-                          <a:lumMod val="65000"/>
-                          <a:lumOff val="35000"/>
-                        </a:prstClr>
-                      </a:solidFill>
-                      <a:prstDash val="solid"/>
-                      <a:round/>
-                      <a:headEnd type="none" w="med" len="med"/>
-                      <a:tailEnd type="none" w="med" len="med"/>
-                    </a:lnL>
-                    <a:lnR w="12700" cap="flat" cmpd="sng" algn="ctr">
-                      <a:noFill/>
-                      <a:prstDash val="solid"/>
-                      <a:round/>
-                      <a:headEnd type="none" w="med" len="med"/>
-                      <a:tailEnd type="none" w="med" len="med"/>
-                    </a:lnR>
-                    <a:lnT w="12700" cap="flat" cmpd="sng" algn="ctr">
-                      <a:solidFill>
-                        <a:prstClr val="black">
-                          <a:lumMod val="65000"/>
-                          <a:lumOff val="35000"/>
-                        </a:prstClr>
-                      </a:solidFill>
-                      <a:prstDash val="solid"/>
-                      <a:round/>
-                      <a:headEnd type="none" w="med" len="med"/>
-                      <a:tailEnd type="none" w="med" len="med"/>
-                    </a:lnT>
-                    <a:noFill/>
-                  </a:tcPr>
-                </a:tc>
-                <a:tc>
-                  <a:txBody>
-                    <a:bodyPr/>
-                    <a:lstStyle/>
-                    <a:p>
-                      <a:pPr algn="ctr"/>
-                      <a:r>
-                        <a:rPr lang="en-US" sz="1400" b="1" i="1" dirty="0" smtClean="0">
-                          <a:solidFill>
-                            <a:schemeClr val="tx1"/>
-                          </a:solidFill>
-                        </a:rPr>
-                        <a:t>NMF (Fit)</a:t>
-                      </a:r>
-                      <a:endParaRPr lang="en-US" sz="1400" b="1" i="1" dirty="0">
-                        <a:solidFill>
-                          <a:schemeClr val="tx1"/>
-                        </a:solidFill>
-                      </a:endParaRPr>
-                    </a:p>
-                  </a:txBody>
-                  <a:tcPr>
-                    <a:lnL w="12700" cap="flat" cmpd="sng" algn="ctr">
-                      <a:noFill/>
-                      <a:prstDash val="solid"/>
-                      <a:round/>
-                      <a:headEnd type="none" w="med" len="med"/>
-                      <a:tailEnd type="none" w="med" len="med"/>
-                    </a:lnL>
-                    <a:lnR w="12700" cap="flat" cmpd="sng" algn="ctr">
-                      <a:noFill/>
-                      <a:prstDash val="solid"/>
-                      <a:round/>
-                      <a:headEnd type="none" w="med" len="med"/>
-                      <a:tailEnd type="none" w="med" len="med"/>
-                    </a:lnR>
-                    <a:lnT w="12700" cap="flat" cmpd="sng" algn="ctr">
-                      <a:solidFill>
-                        <a:prstClr val="black">
-                          <a:lumMod val="65000"/>
-                          <a:lumOff val="35000"/>
-                        </a:prstClr>
-                      </a:solidFill>
-                      <a:prstDash val="solid"/>
-                      <a:round/>
-                      <a:headEnd type="none" w="med" len="med"/>
-                      <a:tailEnd type="none" w="med" len="med"/>
-                    </a:lnT>
-                    <a:noFill/>
-                  </a:tcPr>
-                </a:tc>
-                <a:tc>
-                  <a:txBody>
-                    <a:bodyPr/>
-                    <a:lstStyle/>
-                    <a:p>
-                      <a:pPr algn="ctr"/>
-                      <a:r>
-                        <a:rPr lang="en-US" sz="1400" i="1" dirty="0" smtClean="0">
-                          <a:solidFill>
-                            <a:schemeClr val="bg1">
-                              <a:lumMod val="65000"/>
-                            </a:schemeClr>
-                          </a:solidFill>
-                        </a:rPr>
-                        <a:t>NMF (Transform</a:t>
-                      </a:r>
-                      <a:r>
-                        <a:rPr lang="en-US" sz="1400" i="1" dirty="0" smtClean="0">
-                          <a:solidFill>
-                            <a:schemeClr val="bg1">
-                              <a:lumMod val="65000"/>
-                            </a:schemeClr>
-                          </a:solidFill>
-                        </a:rPr>
-                        <a:t>)</a:t>
-                      </a:r>
-                      <a:endParaRPr lang="en-US" sz="1400" i="1" dirty="0">
-                        <a:solidFill>
-                          <a:schemeClr val="bg1">
-                            <a:lumMod val="65000"/>
-                          </a:schemeClr>
-                        </a:solidFill>
-                      </a:endParaRPr>
-                    </a:p>
-                  </a:txBody>
-                  <a:tcPr>
-                    <a:lnL w="12700" cap="flat" cmpd="sng" algn="ctr">
-                      <a:noFill/>
-                      <a:prstDash val="solid"/>
-                      <a:round/>
-                      <a:headEnd type="none" w="med" len="med"/>
-                      <a:tailEnd type="none" w="med" len="med"/>
-                    </a:lnL>
-                    <a:lnR w="12700" cap="flat" cmpd="sng" algn="ctr">
-                      <a:noFill/>
-                      <a:prstDash val="solid"/>
-                      <a:round/>
-                      <a:headEnd type="none" w="med" len="med"/>
-                      <a:tailEnd type="none" w="med" len="med"/>
-                    </a:lnR>
-                    <a:lnT w="12700" cap="flat" cmpd="sng" algn="ctr">
-                      <a:solidFill>
-                        <a:prstClr val="black">
-                          <a:lumMod val="65000"/>
-                          <a:lumOff val="35000"/>
-                        </a:prstClr>
-                      </a:solidFill>
-                      <a:prstDash val="solid"/>
-                      <a:round/>
-                      <a:headEnd type="none" w="med" len="med"/>
-                      <a:tailEnd type="none" w="med" len="med"/>
-                    </a:lnT>
-                    <a:noFill/>
-                  </a:tcPr>
-                </a:tc>
-              </a:tr>
-            </a:tbl>
-          </a:graphicData>
-        </a:graphic>
-      </p:graphicFrame>
-      <p:sp>
-        <p:nvSpPr>
-          <p:cNvPr id="4" name="Isosceles Triangle 3"/>
-          <p:cNvSpPr/>
-          <p:nvPr/>
-        </p:nvSpPr>
-        <p:spPr>
-          <a:xfrm rot="5400000">
-            <a:off x="3254242" y="2048780"/>
-            <a:ext cx="226069" cy="194887"/>
-          </a:xfrm>
-          <a:prstGeom prst="triangle">
-            <a:avLst/>
-          </a:prstGeom>
-          <a:solidFill>
-            <a:schemeClr val="tx1">
-              <a:lumMod val="65000"/>
-              <a:lumOff val="35000"/>
-            </a:schemeClr>
-          </a:solidFill>
-          <a:ln>
-            <a:noFill/>
-          </a:ln>
-          <a:effectLst/>
-        </p:spPr>
-        <p:style>
-          <a:lnRef idx="1">
-            <a:schemeClr val="accent1"/>
-          </a:lnRef>
-          <a:fillRef idx="3">
-            <a:schemeClr val="accent1"/>
-          </a:fillRef>
-          <a:effectRef idx="2">
-            <a:schemeClr val="accent1"/>
-          </a:effectRef>
-          <a:fontRef idx="minor">
-            <a:schemeClr val="lt1"/>
-          </a:fontRef>
-        </p:style>
-        <p:txBody>
-          <a:bodyPr rtlCol="0" anchor="ctr"/>
-          <a:lstStyle/>
-          <a:p>
-            <a:pPr algn="ctr"/>
-            <a:endParaRPr lang="en-US"/>
-          </a:p>
-        </p:txBody>
-      </p:sp>
-      <p:sp>
-        <p:nvSpPr>
-          <p:cNvPr id="5" name="Isosceles Triangle 4"/>
-          <p:cNvSpPr/>
-          <p:nvPr/>
-        </p:nvSpPr>
-        <p:spPr>
-          <a:xfrm rot="5400000">
-            <a:off x="4923023" y="2048780"/>
-            <a:ext cx="226069" cy="194887"/>
-          </a:xfrm>
-          <a:prstGeom prst="triangle">
-            <a:avLst/>
-          </a:prstGeom>
-          <a:solidFill>
-            <a:schemeClr val="bg1">
-              <a:lumMod val="75000"/>
-            </a:schemeClr>
-          </a:solidFill>
-          <a:ln>
-            <a:noFill/>
-          </a:ln>
-          <a:effectLst/>
-        </p:spPr>
-        <p:style>
-          <a:lnRef idx="1">
-            <a:schemeClr val="accent1"/>
-          </a:lnRef>
-          <a:fillRef idx="3">
-            <a:schemeClr val="accent1"/>
-          </a:fillRef>
-          <a:effectRef idx="2">
-            <a:schemeClr val="accent1"/>
-          </a:effectRef>
-          <a:fontRef idx="minor">
-            <a:schemeClr val="lt1"/>
-          </a:fontRef>
-        </p:style>
-        <p:txBody>
-          <a:bodyPr rtlCol="0" anchor="ctr"/>
-          <a:lstStyle/>
-          <a:p>
-            <a:pPr algn="ctr"/>
-            <a:endParaRPr lang="en-US"/>
-          </a:p>
-        </p:txBody>
-      </p:sp>
-      <p:sp>
-        <p:nvSpPr>
-          <p:cNvPr id="6" name="Rectangle 5"/>
-          <p:cNvSpPr/>
-          <p:nvPr/>
-        </p:nvSpPr>
-        <p:spPr>
-          <a:xfrm>
-            <a:off x="1102788" y="3568193"/>
-            <a:ext cx="2573235" cy="2447481"/>
-          </a:xfrm>
-          <a:prstGeom prst="rect">
-            <a:avLst/>
-          </a:prstGeom>
-          <a:solidFill>
-            <a:schemeClr val="tx1">
-              <a:lumMod val="65000"/>
-              <a:lumOff val="35000"/>
-            </a:schemeClr>
-          </a:solidFill>
-          <a:ln>
-            <a:noFill/>
-          </a:ln>
-        </p:spPr>
-        <p:style>
-          <a:lnRef idx="1">
-            <a:schemeClr val="accent1"/>
-          </a:lnRef>
-          <a:fillRef idx="3">
-            <a:schemeClr val="accent1"/>
-          </a:fillRef>
-          <a:effectRef idx="2">
-            <a:schemeClr val="accent1"/>
-          </a:effectRef>
-          <a:fontRef idx="minor">
-            <a:schemeClr val="lt1"/>
-          </a:fontRef>
-        </p:style>
-        <p:txBody>
-          <a:bodyPr rtlCol="0" anchor="ctr"/>
-          <a:lstStyle/>
-          <a:p>
-            <a:pPr algn="ctr"/>
-            <a:endParaRPr lang="en-US"/>
-          </a:p>
-        </p:txBody>
-      </p:sp>
-      <p:sp>
-        <p:nvSpPr>
-          <p:cNvPr id="8" name="Rectangle 7"/>
-          <p:cNvSpPr/>
-          <p:nvPr/>
-        </p:nvSpPr>
-        <p:spPr>
-          <a:xfrm>
-            <a:off x="4570490" y="3568193"/>
-            <a:ext cx="470408" cy="2447482"/>
-          </a:xfrm>
-          <a:prstGeom prst="rect">
-            <a:avLst/>
-          </a:prstGeom>
-          <a:solidFill>
-            <a:schemeClr val="tx1">
-              <a:lumMod val="65000"/>
-              <a:lumOff val="35000"/>
-            </a:schemeClr>
-          </a:solidFill>
-          <a:ln>
-            <a:noFill/>
-          </a:ln>
-        </p:spPr>
-        <p:style>
-          <a:lnRef idx="1">
-            <a:schemeClr val="accent1"/>
-          </a:lnRef>
-          <a:fillRef idx="3">
-            <a:schemeClr val="accent1"/>
-          </a:fillRef>
-          <a:effectRef idx="2">
-            <a:schemeClr val="accent1"/>
-          </a:effectRef>
-          <a:fontRef idx="minor">
-            <a:schemeClr val="lt1"/>
-          </a:fontRef>
-        </p:style>
-        <p:txBody>
-          <a:bodyPr rtlCol="0" anchor="ctr"/>
-          <a:lstStyle/>
-          <a:p>
-            <a:pPr algn="ctr"/>
-            <a:endParaRPr lang="en-US"/>
-          </a:p>
-        </p:txBody>
-      </p:sp>
-      <p:sp>
-        <p:nvSpPr>
-          <p:cNvPr id="10" name="TextBox 9"/>
-          <p:cNvSpPr txBox="1"/>
-          <p:nvPr/>
-        </p:nvSpPr>
-        <p:spPr>
-          <a:xfrm>
-            <a:off x="2043285" y="3240273"/>
-            <a:ext cx="684803" cy="307777"/>
-          </a:xfrm>
-          <a:prstGeom prst="rect">
-            <a:avLst/>
-          </a:prstGeom>
-          <a:noFill/>
-        </p:spPr>
-        <p:txBody>
-          <a:bodyPr wrap="none" rtlCol="0">
-            <a:spAutoFit/>
-          </a:bodyPr>
-          <a:lstStyle/>
-          <a:p>
-            <a:pPr algn="ctr"/>
-            <a:r>
-              <a:rPr lang="en-US" sz="1400" dirty="0" smtClean="0"/>
-              <a:t>Words</a:t>
-            </a:r>
-            <a:endParaRPr lang="en-US" sz="1400" dirty="0"/>
-          </a:p>
-        </p:txBody>
-      </p:sp>
-      <p:sp>
-        <p:nvSpPr>
-          <p:cNvPr id="13" name="Rectangle 12"/>
-          <p:cNvSpPr/>
-          <p:nvPr/>
-        </p:nvSpPr>
-        <p:spPr>
-          <a:xfrm>
-            <a:off x="5958096" y="4522022"/>
-            <a:ext cx="2181015" cy="350553"/>
-          </a:xfrm>
-          <a:prstGeom prst="rect">
-            <a:avLst/>
-          </a:prstGeom>
-          <a:solidFill>
-            <a:schemeClr val="tx1">
-              <a:lumMod val="65000"/>
-              <a:lumOff val="35000"/>
-            </a:schemeClr>
-          </a:solidFill>
-          <a:ln>
-            <a:noFill/>
-          </a:ln>
-        </p:spPr>
-        <p:style>
-          <a:lnRef idx="1">
-            <a:schemeClr val="accent1"/>
-          </a:lnRef>
-          <a:fillRef idx="3">
-            <a:schemeClr val="accent1"/>
-          </a:fillRef>
-          <a:effectRef idx="2">
-            <a:schemeClr val="accent1"/>
-          </a:effectRef>
-          <a:fontRef idx="minor">
-            <a:schemeClr val="lt1"/>
-          </a:fontRef>
-        </p:style>
-        <p:txBody>
-          <a:bodyPr rtlCol="0" anchor="ctr"/>
-          <a:lstStyle/>
-          <a:p>
-            <a:pPr algn="ctr"/>
-            <a:endParaRPr lang="en-US"/>
-          </a:p>
-        </p:txBody>
-      </p:sp>
-      <p:sp>
-        <p:nvSpPr>
-          <p:cNvPr id="3" name="TextBox 2"/>
-          <p:cNvSpPr txBox="1"/>
-          <p:nvPr/>
-        </p:nvSpPr>
-        <p:spPr>
-          <a:xfrm>
-            <a:off x="3878161" y="4309714"/>
-            <a:ext cx="428122" cy="646331"/>
-          </a:xfrm>
-          <a:prstGeom prst="rect">
-            <a:avLst/>
-          </a:prstGeom>
-          <a:noFill/>
-        </p:spPr>
-        <p:txBody>
-          <a:bodyPr wrap="none" rtlCol="0">
-            <a:spAutoFit/>
-          </a:bodyPr>
-          <a:lstStyle/>
-          <a:p>
-            <a:r>
-              <a:rPr lang="en-US" sz="3600" b="1" dirty="0" smtClean="0"/>
-              <a:t>≈</a:t>
-            </a:r>
-            <a:endParaRPr lang="en-US" sz="3600" b="1" dirty="0"/>
-          </a:p>
-        </p:txBody>
-      </p:sp>
-      <p:sp>
-        <p:nvSpPr>
-          <p:cNvPr id="14" name="TextBox 13"/>
-          <p:cNvSpPr txBox="1"/>
-          <p:nvPr/>
-        </p:nvSpPr>
-        <p:spPr>
-          <a:xfrm>
-            <a:off x="5231441" y="4473024"/>
-            <a:ext cx="325730" cy="400110"/>
-          </a:xfrm>
-          <a:prstGeom prst="rect">
-            <a:avLst/>
-          </a:prstGeom>
-          <a:noFill/>
-        </p:spPr>
-        <p:txBody>
-          <a:bodyPr wrap="none" rtlCol="0">
-            <a:spAutoFit/>
-          </a:bodyPr>
-          <a:lstStyle/>
-          <a:p>
-            <a:r>
-              <a:rPr lang="en-US" sz="2000" b="1" dirty="0" smtClean="0"/>
-              <a:t>x</a:t>
-            </a:r>
-            <a:endParaRPr lang="en-US" sz="2000" b="1" dirty="0"/>
-          </a:p>
-        </p:txBody>
-      </p:sp>
-      <p:sp>
-        <p:nvSpPr>
-          <p:cNvPr id="16" name="TextBox 15"/>
-          <p:cNvSpPr txBox="1"/>
-          <p:nvPr/>
-        </p:nvSpPr>
-        <p:spPr>
-          <a:xfrm>
-            <a:off x="4476755" y="3240273"/>
-            <a:ext cx="656913" cy="307777"/>
-          </a:xfrm>
-          <a:prstGeom prst="rect">
-            <a:avLst/>
-          </a:prstGeom>
-          <a:noFill/>
-        </p:spPr>
-        <p:txBody>
-          <a:bodyPr wrap="none" rtlCol="0">
-            <a:spAutoFit/>
-          </a:bodyPr>
-          <a:lstStyle/>
-          <a:p>
-            <a:pPr algn="ctr"/>
-            <a:r>
-              <a:rPr lang="en-US" sz="1400" dirty="0" smtClean="0"/>
-              <a:t>Topics</a:t>
-            </a:r>
-            <a:endParaRPr lang="en-US" sz="1400" dirty="0"/>
-          </a:p>
-        </p:txBody>
-      </p:sp>
-      <p:sp>
-        <p:nvSpPr>
-          <p:cNvPr id="17" name="TextBox 16"/>
-          <p:cNvSpPr txBox="1"/>
-          <p:nvPr/>
-        </p:nvSpPr>
-        <p:spPr>
-          <a:xfrm rot="16200000">
-            <a:off x="583308" y="4638045"/>
-            <a:ext cx="675410" cy="307777"/>
-          </a:xfrm>
-          <a:prstGeom prst="rect">
-            <a:avLst/>
-          </a:prstGeom>
-          <a:noFill/>
-        </p:spPr>
-        <p:txBody>
-          <a:bodyPr wrap="none" rtlCol="0">
-            <a:spAutoFit/>
-          </a:bodyPr>
-          <a:lstStyle/>
-          <a:p>
-            <a:pPr algn="ctr"/>
-            <a:r>
-              <a:rPr lang="en-US" sz="1400" dirty="0" smtClean="0"/>
-              <a:t>Essays</a:t>
-            </a:r>
-            <a:endParaRPr lang="en-US" sz="1400" dirty="0"/>
-          </a:p>
-        </p:txBody>
-      </p:sp>
-      <p:sp>
-        <p:nvSpPr>
-          <p:cNvPr id="18" name="TextBox 17"/>
-          <p:cNvSpPr txBox="1"/>
-          <p:nvPr/>
-        </p:nvSpPr>
-        <p:spPr>
-          <a:xfrm rot="16200000">
-            <a:off x="4078897" y="4638046"/>
-            <a:ext cx="675410" cy="307777"/>
-          </a:xfrm>
-          <a:prstGeom prst="rect">
-            <a:avLst/>
-          </a:prstGeom>
-          <a:noFill/>
-        </p:spPr>
-        <p:txBody>
-          <a:bodyPr wrap="none" rtlCol="0">
-            <a:spAutoFit/>
-          </a:bodyPr>
-          <a:lstStyle/>
-          <a:p>
-            <a:pPr algn="ctr"/>
-            <a:r>
-              <a:rPr lang="en-US" sz="1400" dirty="0" smtClean="0"/>
-              <a:t>Essays</a:t>
-            </a:r>
-            <a:endParaRPr lang="en-US" sz="1400" dirty="0"/>
-          </a:p>
-        </p:txBody>
-      </p:sp>
-      <p:sp>
-        <p:nvSpPr>
-          <p:cNvPr id="19" name="TextBox 18"/>
-          <p:cNvSpPr txBox="1"/>
-          <p:nvPr/>
-        </p:nvSpPr>
-        <p:spPr>
-          <a:xfrm rot="16200000">
-            <a:off x="5465175" y="4581602"/>
-            <a:ext cx="656913" cy="307777"/>
-          </a:xfrm>
-          <a:prstGeom prst="rect">
-            <a:avLst/>
-          </a:prstGeom>
-          <a:noFill/>
-        </p:spPr>
-        <p:txBody>
-          <a:bodyPr wrap="none" rtlCol="0">
-            <a:spAutoFit/>
-          </a:bodyPr>
-          <a:lstStyle/>
-          <a:p>
-            <a:pPr algn="ctr"/>
-            <a:r>
-              <a:rPr lang="en-US" sz="1400" dirty="0" smtClean="0"/>
-              <a:t>Topics</a:t>
-            </a:r>
-            <a:endParaRPr lang="en-US" sz="1400" dirty="0"/>
-          </a:p>
-        </p:txBody>
-      </p:sp>
-      <p:sp>
-        <p:nvSpPr>
-          <p:cNvPr id="20" name="TextBox 19"/>
-          <p:cNvSpPr txBox="1"/>
-          <p:nvPr/>
-        </p:nvSpPr>
-        <p:spPr>
-          <a:xfrm>
-            <a:off x="6685308" y="4226551"/>
-            <a:ext cx="727136" cy="307777"/>
-          </a:xfrm>
-          <a:prstGeom prst="rect">
-            <a:avLst/>
-          </a:prstGeom>
-          <a:noFill/>
-        </p:spPr>
-        <p:txBody>
-          <a:bodyPr wrap="none" rtlCol="0">
-            <a:spAutoFit/>
-          </a:bodyPr>
-          <a:lstStyle/>
-          <a:p>
-            <a:pPr algn="ctr"/>
-            <a:r>
-              <a:rPr lang="en-US" sz="1400" dirty="0" smtClean="0"/>
-              <a:t>Words</a:t>
-            </a:r>
-            <a:endParaRPr lang="en-US" sz="1400" dirty="0"/>
-          </a:p>
-        </p:txBody>
-      </p:sp>
-      <p:sp>
-        <p:nvSpPr>
-          <p:cNvPr id="15" name="TextBox 14"/>
-          <p:cNvSpPr txBox="1"/>
-          <p:nvPr/>
-        </p:nvSpPr>
-        <p:spPr>
-          <a:xfrm>
-            <a:off x="2751389" y="2737556"/>
-            <a:ext cx="3666426" cy="369332"/>
-          </a:xfrm>
-          <a:prstGeom prst="rect">
-            <a:avLst/>
-          </a:prstGeom>
-          <a:noFill/>
-        </p:spPr>
-        <p:txBody>
-          <a:bodyPr wrap="none" rtlCol="0">
-            <a:spAutoFit/>
-          </a:bodyPr>
-          <a:lstStyle/>
-          <a:p>
-            <a:pPr algn="ctr"/>
-            <a:r>
-              <a:rPr lang="en-US" b="1" dirty="0" smtClean="0"/>
-              <a:t>Non-Negative Matrix Factorization</a:t>
-            </a:r>
-            <a:endParaRPr lang="en-US" b="1" dirty="0"/>
-          </a:p>
-        </p:txBody>
-      </p:sp>
-      <p:cxnSp>
-        <p:nvCxnSpPr>
-          <p:cNvPr id="22" name="Straight Connector 21"/>
-          <p:cNvCxnSpPr/>
-          <p:nvPr/>
-        </p:nvCxnSpPr>
-        <p:spPr>
-          <a:xfrm>
-            <a:off x="1099594" y="3133204"/>
-            <a:ext cx="7137941" cy="0"/>
-          </a:xfrm>
-          <a:prstGeom prst="line">
-            <a:avLst/>
-          </a:prstGeom>
-          <a:ln w="3175" cmpd="sng">
-            <a:solidFill>
-              <a:schemeClr val="bg1">
-                <a:lumMod val="75000"/>
-              </a:schemeClr>
-            </a:solidFill>
-          </a:ln>
-          <a:effectLst/>
-        </p:spPr>
-        <p:style>
-          <a:lnRef idx="2">
-            <a:schemeClr val="accent1"/>
-          </a:lnRef>
-          <a:fillRef idx="0">
-            <a:schemeClr val="accent1"/>
-          </a:fillRef>
-          <a:effectRef idx="1">
-            <a:schemeClr val="accent1"/>
-          </a:effectRef>
-          <a:fontRef idx="minor">
-            <a:schemeClr val="tx1"/>
-          </a:fontRef>
-        </p:style>
-      </p:cxnSp>
-      <p:sp>
-        <p:nvSpPr>
-          <p:cNvPr id="9" name="TextBox 8"/>
-          <p:cNvSpPr txBox="1"/>
-          <p:nvPr/>
-        </p:nvSpPr>
-        <p:spPr>
-          <a:xfrm>
-            <a:off x="4049033" y="6023003"/>
-            <a:ext cx="1556436" cy="615553"/>
-          </a:xfrm>
-          <a:prstGeom prst="rect">
-            <a:avLst/>
-          </a:prstGeom>
-          <a:noFill/>
-        </p:spPr>
-        <p:txBody>
-          <a:bodyPr wrap="none" rtlCol="0">
-            <a:spAutoFit/>
-          </a:bodyPr>
-          <a:lstStyle/>
-          <a:p>
-            <a:pPr algn="ctr"/>
-            <a:r>
-              <a:rPr lang="en-US" b="1" dirty="0" smtClean="0">
-                <a:solidFill>
-                  <a:srgbClr val="0000FF"/>
-                </a:solidFill>
-              </a:rPr>
-              <a:t>New Matrix</a:t>
-            </a:r>
-          </a:p>
-          <a:p>
-            <a:pPr algn="ctr"/>
-            <a:r>
-              <a:rPr lang="en-US" sz="1600" dirty="0" smtClean="0">
-                <a:solidFill>
-                  <a:srgbClr val="0000FF"/>
-                </a:solidFill>
-              </a:rPr>
-              <a:t>(Topic</a:t>
-            </a:r>
-            <a:r>
-              <a:rPr lang="en-US" sz="1600" dirty="0">
-                <a:solidFill>
-                  <a:srgbClr val="0000FF"/>
-                </a:solidFill>
-              </a:rPr>
-              <a:t> </a:t>
-            </a:r>
-            <a:r>
-              <a:rPr lang="en-US" sz="1600" dirty="0" smtClean="0">
-                <a:solidFill>
-                  <a:srgbClr val="0000FF"/>
-                </a:solidFill>
-              </a:rPr>
-              <a:t>vs. Essay)</a:t>
-            </a:r>
-            <a:endParaRPr lang="en-US" sz="1600" dirty="0">
-              <a:solidFill>
-                <a:srgbClr val="0000FF"/>
-              </a:solidFill>
-            </a:endParaRPr>
-          </a:p>
-        </p:txBody>
-      </p:sp>
-      <p:sp>
-        <p:nvSpPr>
-          <p:cNvPr id="21" name="TextBox 20"/>
-          <p:cNvSpPr txBox="1"/>
-          <p:nvPr/>
-        </p:nvSpPr>
-        <p:spPr>
-          <a:xfrm>
-            <a:off x="5972207" y="4915467"/>
-            <a:ext cx="2174130" cy="615553"/>
-          </a:xfrm>
-          <a:prstGeom prst="rect">
-            <a:avLst/>
-          </a:prstGeom>
-          <a:noFill/>
-        </p:spPr>
-        <p:txBody>
-          <a:bodyPr wrap="none" rtlCol="0">
-            <a:spAutoFit/>
-          </a:bodyPr>
-          <a:lstStyle/>
-          <a:p>
-            <a:pPr algn="ctr"/>
-            <a:r>
-              <a:rPr lang="en-US" b="1" dirty="0" smtClean="0">
-                <a:solidFill>
-                  <a:srgbClr val="000000"/>
-                </a:solidFill>
-              </a:rPr>
-              <a:t>Semantic Reference</a:t>
-            </a:r>
-          </a:p>
-          <a:p>
-            <a:pPr algn="ctr"/>
-            <a:r>
-              <a:rPr lang="en-US" sz="1600" dirty="0" smtClean="0">
-                <a:solidFill>
-                  <a:srgbClr val="000000"/>
-                </a:solidFill>
-              </a:rPr>
-              <a:t>(Word vs. Topic)</a:t>
-            </a:r>
-            <a:endParaRPr lang="en-US" sz="1600" dirty="0">
-              <a:solidFill>
-                <a:srgbClr val="000000"/>
-              </a:solidFill>
-            </a:endParaRPr>
-          </a:p>
-        </p:txBody>
-      </p:sp>
-      <p:sp>
-        <p:nvSpPr>
-          <p:cNvPr id="23" name="TextBox 22"/>
-          <p:cNvSpPr txBox="1"/>
-          <p:nvPr/>
-        </p:nvSpPr>
-        <p:spPr>
-          <a:xfrm>
-            <a:off x="1621926" y="6023003"/>
-            <a:ext cx="1561144" cy="615553"/>
-          </a:xfrm>
-          <a:prstGeom prst="rect">
-            <a:avLst/>
-          </a:prstGeom>
-          <a:noFill/>
-        </p:spPr>
-        <p:txBody>
-          <a:bodyPr wrap="none" rtlCol="0">
-            <a:spAutoFit/>
-          </a:bodyPr>
-          <a:lstStyle/>
-          <a:p>
-            <a:pPr algn="ctr"/>
-            <a:r>
-              <a:rPr lang="en-US" b="1" dirty="0" smtClean="0"/>
-              <a:t>Old Matrix</a:t>
-            </a:r>
-          </a:p>
-          <a:p>
-            <a:pPr algn="ctr"/>
-            <a:r>
-              <a:rPr lang="en-US" sz="1600" dirty="0" smtClean="0"/>
-              <a:t>(Word vs. Essay)</a:t>
-            </a:r>
-            <a:endParaRPr lang="en-US" sz="1600" dirty="0"/>
-          </a:p>
-        </p:txBody>
-      </p:sp>
-    </p:spTree>
-    <p:extLst>
-      <p:ext uri="{BB962C8B-B14F-4D97-AF65-F5344CB8AC3E}">
-        <p14:creationId xmlns:p14="http://schemas.microsoft.com/office/powerpoint/2010/main" val="2547051352"/>
-      </p:ext>
-    </p:extLst>
-  </p:cSld>
-  <p:clrMapOvr>
-    <a:masterClrMapping/>
-  </p:clrMapOvr>
-  <mc:AlternateContent xmlns:mc="http://schemas.openxmlformats.org/markup-compatibility/2006">
-    <mc:Choice xmlns:p14="http://schemas.microsoft.com/office/powerpoint/2010/main" Requires="p14">
-      <p:transition spd="slow" p14:dur="2000"/>
-    </mc:Choice>
-    <mc:Fallback>
-      <p:transition xmlns:p14="http://schemas.microsoft.com/office/powerpoint/2010/main" spd="slow"/>
-    </mc:Fallback>
-  </mc:AlternateContent>
-  <p:timing>
-    <p:tnLst>
-      <p:par>
-        <p:cTn xmlns:p14="http://schemas.microsoft.com/office/powerpoint/2010/main" id="1" dur="indefinite" restart="never" nodeType="tmRoot"/>
-      </p:par>
-    </p:tnLst>
-  </p:timing>
-</p:sld>
-</file>
-
-<file path=ppt/slides/slide11.xml><?xml version="1.0" encoding="utf-8"?>
-<p:sld xmlns:a="http://schemas.openxmlformats.org/drawingml/2006/main" xmlns:r="http://schemas.openxmlformats.org/officeDocument/2006/relationships" xmlns:p="http://schemas.openxmlformats.org/presentationml/2006/main">
-  <p:cSld>
-    <p:spTree>
-      <p:nvGrpSpPr>
-        <p:cNvPr id="1" name=""/>
-        <p:cNvGrpSpPr/>
-        <p:nvPr/>
-      </p:nvGrpSpPr>
-      <p:grpSpPr>
-        <a:xfrm>
-          <a:off x="0" y="0"/>
-          <a:ext cx="0" cy="0"/>
-          <a:chOff x="0" y="0"/>
-          <a:chExt cx="0" cy="0"/>
-        </a:xfrm>
-      </p:grpSpPr>
-      <p:sp>
-        <p:nvSpPr>
-          <p:cNvPr id="2" name="Title 1"/>
-          <p:cNvSpPr>
-            <a:spLocks noGrp="1"/>
-          </p:cNvSpPr>
-          <p:nvPr>
-            <p:ph type="title"/>
-          </p:nvPr>
-        </p:nvSpPr>
-        <p:spPr/>
-        <p:txBody>
-          <a:bodyPr/>
-          <a:lstStyle/>
-          <a:p>
-            <a:r>
-              <a:rPr lang="en-US" dirty="0" smtClean="0"/>
-              <a:t>What’s in an Essay?</a:t>
-            </a:r>
-            <a:endParaRPr lang="en-US" dirty="0"/>
-          </a:p>
-        </p:txBody>
-      </p:sp>
-      <p:graphicFrame>
-        <p:nvGraphicFramePr>
-          <p:cNvPr id="27" name="Table 26"/>
-          <p:cNvGraphicFramePr>
-            <a:graphicFrameLocks noGrp="1"/>
-          </p:cNvGraphicFramePr>
-          <p:nvPr>
-            <p:extLst>
-              <p:ext uri="{D42A27DB-BD31-4B8C-83A1-F6EECF244321}">
-                <p14:modId xmlns:p14="http://schemas.microsoft.com/office/powerpoint/2010/main" val="3966612753"/>
-              </p:ext>
-            </p:extLst>
-          </p:nvPr>
-        </p:nvGraphicFramePr>
-        <p:xfrm>
-          <a:off x="738901" y="1771765"/>
-          <a:ext cx="5956926" cy="741680"/>
-        </p:xfrm>
-        <a:graphic>
-          <a:graphicData uri="http://schemas.openxmlformats.org/drawingml/2006/table">
-            <a:tbl>
-              <a:tblPr>
-                <a:tableStyleId>{5C22544A-7EE6-4342-B048-85BDC9FD1C3A}</a:tableStyleId>
-              </a:tblPr>
-              <a:tblGrid>
-                <a:gridCol w="832410"/>
-                <a:gridCol w="1708172"/>
-                <a:gridCol w="1708172"/>
-                <a:gridCol w="1708172"/>
-              </a:tblGrid>
-              <a:tr h="370840">
-                <a:tc>
-                  <a:txBody>
-                    <a:bodyPr/>
-                    <a:lstStyle/>
-                    <a:p>
-                      <a:pPr algn="ctr"/>
-                      <a:r>
-                        <a:rPr lang="en-US" sz="1400" b="0" dirty="0" smtClean="0"/>
-                        <a:t>Step</a:t>
-                      </a:r>
-                      <a:endParaRPr lang="en-US" sz="1400" b="0" dirty="0"/>
-                    </a:p>
-                  </a:txBody>
-                  <a:tcPr>
-                    <a:lnR w="12700" cap="flat" cmpd="sng" algn="ctr">
-                      <a:solidFill>
-                        <a:prstClr val="black">
-                          <a:lumMod val="65000"/>
-                          <a:lumOff val="35000"/>
-                        </a:prstClr>
-                      </a:solidFill>
-                      <a:prstDash val="solid"/>
-                      <a:round/>
-                      <a:headEnd type="none" w="med" len="med"/>
-                      <a:tailEnd type="none" w="med" len="med"/>
-                    </a:lnR>
-                    <a:lnB w="12700" cap="flat" cmpd="sng" algn="ctr">
-                      <a:solidFill>
-                        <a:prstClr val="black">
-                          <a:lumMod val="65000"/>
-                          <a:lumOff val="35000"/>
-                        </a:prstClr>
-                      </a:solidFill>
-                      <a:prstDash val="solid"/>
-                      <a:round/>
-                      <a:headEnd type="none" w="med" len="med"/>
-                      <a:tailEnd type="none" w="med" len="med"/>
-                    </a:lnB>
-                    <a:noFill/>
-                  </a:tcPr>
-                </a:tc>
-                <a:tc>
-                  <a:txBody>
-                    <a:bodyPr/>
-                    <a:lstStyle/>
-                    <a:p>
-                      <a:pPr algn="ctr"/>
-                      <a:r>
-                        <a:rPr lang="en-US" sz="1400" b="1" baseline="0" dirty="0" err="1" smtClean="0">
-                          <a:solidFill>
-                            <a:srgbClr val="000000"/>
-                          </a:solidFill>
-                        </a:rPr>
-                        <a:t>Vectorize</a:t>
-                      </a:r>
-                      <a:r>
-                        <a:rPr lang="en-US" sz="1400" b="1" baseline="0" dirty="0" smtClean="0">
-                          <a:solidFill>
-                            <a:srgbClr val="000000"/>
-                          </a:solidFill>
-                        </a:rPr>
-                        <a:t> Text</a:t>
-                      </a:r>
-                      <a:endParaRPr lang="en-US" sz="1400" b="1" dirty="0">
-                        <a:solidFill>
-                          <a:srgbClr val="000000"/>
-                        </a:solidFill>
-                      </a:endParaRPr>
-                    </a:p>
-                  </a:txBody>
-                  <a:tcPr>
-                    <a:lnL w="12700" cap="flat" cmpd="sng" algn="ctr">
-                      <a:solidFill>
-                        <a:prstClr val="black">
-                          <a:lumMod val="65000"/>
-                          <a:lumOff val="35000"/>
-                        </a:prstClr>
-                      </a:solidFill>
-                      <a:prstDash val="solid"/>
-                      <a:round/>
-                      <a:headEnd type="none" w="med" len="med"/>
-                      <a:tailEnd type="none" w="med" len="med"/>
-                    </a:lnL>
-                    <a:lnR w="12700" cap="flat" cmpd="sng" algn="ctr">
-                      <a:noFill/>
-                      <a:prstDash val="solid"/>
-                      <a:round/>
-                      <a:headEnd type="none" w="med" len="med"/>
-                      <a:tailEnd type="none" w="med" len="med"/>
-                    </a:lnR>
-                    <a:lnB w="12700" cap="flat" cmpd="sng" algn="ctr">
-                      <a:solidFill>
-                        <a:prstClr val="black">
-                          <a:lumMod val="65000"/>
-                          <a:lumOff val="35000"/>
-                        </a:prstClr>
-                      </a:solidFill>
-                      <a:prstDash val="solid"/>
-                      <a:round/>
-                      <a:headEnd type="none" w="med" len="med"/>
-                      <a:tailEnd type="none" w="med" len="med"/>
-                    </a:lnB>
-                    <a:noFill/>
-                  </a:tcPr>
-                </a:tc>
-                <a:tc>
-                  <a:txBody>
-                    <a:bodyPr/>
-                    <a:lstStyle/>
-                    <a:p>
-                      <a:pPr algn="ctr"/>
-                      <a:r>
-                        <a:rPr lang="en-US" sz="1400" b="1" dirty="0" smtClean="0">
-                          <a:solidFill>
-                            <a:schemeClr val="tx1"/>
-                          </a:solidFill>
-                        </a:rPr>
-                        <a:t>Topic Modeling</a:t>
-                      </a:r>
-                      <a:endParaRPr lang="en-US" sz="1400" b="1" dirty="0">
-                        <a:solidFill>
-                          <a:schemeClr val="tx1"/>
-                        </a:solidFill>
-                      </a:endParaRPr>
-                    </a:p>
-                  </a:txBody>
-                  <a:tcPr>
-                    <a:lnL w="12700" cap="flat" cmpd="sng" algn="ctr">
-                      <a:noFill/>
-                      <a:prstDash val="solid"/>
-                      <a:round/>
-                      <a:headEnd type="none" w="med" len="med"/>
-                      <a:tailEnd type="none" w="med" len="med"/>
-                    </a:lnL>
-                    <a:lnR w="12700" cap="flat" cmpd="sng" algn="ctr">
-                      <a:noFill/>
-                      <a:prstDash val="solid"/>
-                      <a:round/>
-                      <a:headEnd type="none" w="med" len="med"/>
-                      <a:tailEnd type="none" w="med" len="med"/>
-                    </a:lnR>
-                    <a:lnB w="12700" cap="flat" cmpd="sng" algn="ctr">
-                      <a:solidFill>
-                        <a:prstClr val="black">
-                          <a:lumMod val="65000"/>
-                          <a:lumOff val="35000"/>
-                        </a:prstClr>
-                      </a:solidFill>
-                      <a:prstDash val="solid"/>
-                      <a:round/>
-                      <a:headEnd type="none" w="med" len="med"/>
-                      <a:tailEnd type="none" w="med" len="med"/>
-                    </a:lnB>
-                    <a:noFill/>
-                  </a:tcPr>
-                </a:tc>
-                <a:tc>
-                  <a:txBody>
-                    <a:bodyPr/>
-                    <a:lstStyle/>
-                    <a:p>
-                      <a:pPr algn="ctr"/>
-                      <a:r>
-                        <a:rPr lang="en-US" sz="1400" dirty="0" smtClean="0">
-                          <a:solidFill>
-                            <a:schemeClr val="bg1">
-                              <a:lumMod val="65000"/>
-                            </a:schemeClr>
-                          </a:solidFill>
-                        </a:rPr>
-                        <a:t>Analyze</a:t>
-                      </a:r>
-                      <a:endParaRPr lang="en-US" sz="1400" dirty="0">
-                        <a:solidFill>
-                          <a:schemeClr val="bg1">
-                            <a:lumMod val="65000"/>
-                          </a:schemeClr>
-                        </a:solidFill>
-                      </a:endParaRPr>
-                    </a:p>
-                  </a:txBody>
-                  <a:tcPr>
-                    <a:lnL w="12700" cap="flat" cmpd="sng" algn="ctr">
-                      <a:noFill/>
-                      <a:prstDash val="solid"/>
-                      <a:round/>
-                      <a:headEnd type="none" w="med" len="med"/>
-                      <a:tailEnd type="none" w="med" len="med"/>
-                    </a:lnL>
-                    <a:lnR w="12700" cap="flat" cmpd="sng" algn="ctr">
-                      <a:noFill/>
-                      <a:prstDash val="solid"/>
-                      <a:round/>
-                      <a:headEnd type="none" w="med" len="med"/>
-                      <a:tailEnd type="none" w="med" len="med"/>
-                    </a:lnR>
-                    <a:lnB w="12700" cap="flat" cmpd="sng" algn="ctr">
-                      <a:solidFill>
-                        <a:prstClr val="black">
-                          <a:lumMod val="65000"/>
-                          <a:lumOff val="35000"/>
-                        </a:prstClr>
-                      </a:solidFill>
-                      <a:prstDash val="solid"/>
-                      <a:round/>
-                      <a:headEnd type="none" w="med" len="med"/>
-                      <a:tailEnd type="none" w="med" len="med"/>
-                    </a:lnB>
-                    <a:noFill/>
-                  </a:tcPr>
-                </a:tc>
-              </a:tr>
-              <a:tr h="370840">
-                <a:tc>
-                  <a:txBody>
-                    <a:bodyPr/>
-                    <a:lstStyle/>
-                    <a:p>
-                      <a:pPr algn="ctr"/>
-                      <a:r>
-                        <a:rPr lang="en-US" sz="1400" b="0" dirty="0" smtClean="0"/>
-                        <a:t>Method</a:t>
-                      </a:r>
-                      <a:endParaRPr lang="en-US" sz="1400" b="0" dirty="0"/>
-                    </a:p>
-                  </a:txBody>
-                  <a:tcPr>
-                    <a:lnR w="12700" cap="flat" cmpd="sng" algn="ctr">
-                      <a:solidFill>
-                        <a:prstClr val="black">
-                          <a:lumMod val="65000"/>
-                          <a:lumOff val="35000"/>
-                        </a:prstClr>
-                      </a:solidFill>
-                      <a:prstDash val="solid"/>
-                      <a:round/>
-                      <a:headEnd type="none" w="med" len="med"/>
-                      <a:tailEnd type="none" w="med" len="med"/>
-                    </a:lnR>
-                    <a:lnT w="12700" cap="flat" cmpd="sng" algn="ctr">
-                      <a:solidFill>
-                        <a:prstClr val="black">
-                          <a:lumMod val="65000"/>
-                          <a:lumOff val="35000"/>
-                        </a:prstClr>
-                      </a:solidFill>
-                      <a:prstDash val="solid"/>
-                      <a:round/>
-                      <a:headEnd type="none" w="med" len="med"/>
-                      <a:tailEnd type="none" w="med" len="med"/>
-                    </a:lnT>
-                    <a:noFill/>
-                  </a:tcPr>
-                </a:tc>
-                <a:tc>
-                  <a:txBody>
-                    <a:bodyPr/>
-                    <a:lstStyle/>
-                    <a:p>
-                      <a:pPr algn="ctr"/>
-                      <a:r>
-                        <a:rPr lang="en-US" sz="1400" b="1" i="1" dirty="0" smtClean="0">
-                          <a:solidFill>
-                            <a:srgbClr val="000000"/>
-                          </a:solidFill>
-                        </a:rPr>
-                        <a:t>TF-IDF</a:t>
-                      </a:r>
-                      <a:endParaRPr lang="en-US" sz="1400" b="1" i="1" dirty="0">
-                        <a:solidFill>
-                          <a:srgbClr val="000000"/>
-                        </a:solidFill>
-                      </a:endParaRPr>
-                    </a:p>
-                  </a:txBody>
-                  <a:tcPr>
-                    <a:lnL w="12700" cap="flat" cmpd="sng" algn="ctr">
-                      <a:solidFill>
-                        <a:prstClr val="black">
-                          <a:lumMod val="65000"/>
-                          <a:lumOff val="35000"/>
-                        </a:prstClr>
-                      </a:solidFill>
-                      <a:prstDash val="solid"/>
-                      <a:round/>
-                      <a:headEnd type="none" w="med" len="med"/>
-                      <a:tailEnd type="none" w="med" len="med"/>
-                    </a:lnL>
-                    <a:lnR w="12700" cap="flat" cmpd="sng" algn="ctr">
-                      <a:noFill/>
-                      <a:prstDash val="solid"/>
-                      <a:round/>
-                      <a:headEnd type="none" w="med" len="med"/>
-                      <a:tailEnd type="none" w="med" len="med"/>
-                    </a:lnR>
-                    <a:lnT w="12700" cap="flat" cmpd="sng" algn="ctr">
-                      <a:solidFill>
-                        <a:prstClr val="black">
-                          <a:lumMod val="65000"/>
-                          <a:lumOff val="35000"/>
-                        </a:prstClr>
-                      </a:solidFill>
-                      <a:prstDash val="solid"/>
-                      <a:round/>
-                      <a:headEnd type="none" w="med" len="med"/>
-                      <a:tailEnd type="none" w="med" len="med"/>
-                    </a:lnT>
-                    <a:noFill/>
-                  </a:tcPr>
-                </a:tc>
-                <a:tc>
-                  <a:txBody>
-                    <a:bodyPr/>
-                    <a:lstStyle/>
-                    <a:p>
-                      <a:pPr algn="ctr"/>
-                      <a:r>
-                        <a:rPr lang="en-US" sz="1400" b="1" i="1" dirty="0" smtClean="0">
-                          <a:solidFill>
-                            <a:schemeClr val="tx1"/>
-                          </a:solidFill>
-                        </a:rPr>
-                        <a:t>NMF (Fit)</a:t>
-                      </a:r>
-                      <a:endParaRPr lang="en-US" sz="1400" b="1" i="1" dirty="0">
-                        <a:solidFill>
-                          <a:schemeClr val="tx1"/>
-                        </a:solidFill>
-                      </a:endParaRPr>
-                    </a:p>
-                  </a:txBody>
-                  <a:tcPr>
-                    <a:lnL w="12700" cap="flat" cmpd="sng" algn="ctr">
-                      <a:noFill/>
-                      <a:prstDash val="solid"/>
-                      <a:round/>
-                      <a:headEnd type="none" w="med" len="med"/>
-                      <a:tailEnd type="none" w="med" len="med"/>
-                    </a:lnL>
-                    <a:lnR w="12700" cap="flat" cmpd="sng" algn="ctr">
-                      <a:noFill/>
-                      <a:prstDash val="solid"/>
-                      <a:round/>
-                      <a:headEnd type="none" w="med" len="med"/>
-                      <a:tailEnd type="none" w="med" len="med"/>
-                    </a:lnR>
-                    <a:lnT w="12700" cap="flat" cmpd="sng" algn="ctr">
-                      <a:solidFill>
-                        <a:prstClr val="black">
-                          <a:lumMod val="65000"/>
-                          <a:lumOff val="35000"/>
-                        </a:prstClr>
-                      </a:solidFill>
-                      <a:prstDash val="solid"/>
-                      <a:round/>
-                      <a:headEnd type="none" w="med" len="med"/>
-                      <a:tailEnd type="none" w="med" len="med"/>
-                    </a:lnT>
-                    <a:noFill/>
-                  </a:tcPr>
-                </a:tc>
-                <a:tc>
-                  <a:txBody>
-                    <a:bodyPr/>
-                    <a:lstStyle/>
-                    <a:p>
-                      <a:pPr algn="ctr"/>
-                      <a:r>
-                        <a:rPr lang="en-US" sz="1400" i="1" dirty="0" smtClean="0">
-                          <a:solidFill>
-                            <a:schemeClr val="bg1">
-                              <a:lumMod val="65000"/>
-                            </a:schemeClr>
-                          </a:solidFill>
-                        </a:rPr>
-                        <a:t>NMF (Transform</a:t>
-                      </a:r>
-                      <a:r>
-                        <a:rPr lang="en-US" sz="1400" i="1" dirty="0" smtClean="0">
-                          <a:solidFill>
-                            <a:schemeClr val="bg1">
-                              <a:lumMod val="65000"/>
-                            </a:schemeClr>
-                          </a:solidFill>
-                        </a:rPr>
-                        <a:t>)</a:t>
-                      </a:r>
-                      <a:endParaRPr lang="en-US" sz="1400" i="1" dirty="0">
-                        <a:solidFill>
-                          <a:schemeClr val="bg1">
-                            <a:lumMod val="65000"/>
-                          </a:schemeClr>
-                        </a:solidFill>
-                      </a:endParaRPr>
-                    </a:p>
-                  </a:txBody>
-                  <a:tcPr>
-                    <a:lnL w="12700" cap="flat" cmpd="sng" algn="ctr">
-                      <a:noFill/>
-                      <a:prstDash val="solid"/>
-                      <a:round/>
-                      <a:headEnd type="none" w="med" len="med"/>
-                      <a:tailEnd type="none" w="med" len="med"/>
-                    </a:lnL>
-                    <a:lnR w="12700" cap="flat" cmpd="sng" algn="ctr">
-                      <a:noFill/>
-                      <a:prstDash val="solid"/>
-                      <a:round/>
-                      <a:headEnd type="none" w="med" len="med"/>
-                      <a:tailEnd type="none" w="med" len="med"/>
-                    </a:lnR>
-                    <a:lnT w="12700" cap="flat" cmpd="sng" algn="ctr">
-                      <a:solidFill>
-                        <a:prstClr val="black">
-                          <a:lumMod val="65000"/>
-                          <a:lumOff val="35000"/>
-                        </a:prstClr>
-                      </a:solidFill>
-                      <a:prstDash val="solid"/>
-                      <a:round/>
-                      <a:headEnd type="none" w="med" len="med"/>
-                      <a:tailEnd type="none" w="med" len="med"/>
-                    </a:lnT>
-                    <a:noFill/>
-                  </a:tcPr>
-                </a:tc>
-              </a:tr>
-            </a:tbl>
-          </a:graphicData>
-        </a:graphic>
-      </p:graphicFrame>
-      <p:sp>
-        <p:nvSpPr>
-          <p:cNvPr id="4" name="Isosceles Triangle 3"/>
-          <p:cNvSpPr/>
-          <p:nvPr/>
-        </p:nvSpPr>
-        <p:spPr>
-          <a:xfrm rot="5400000">
-            <a:off x="3254242" y="2048780"/>
-            <a:ext cx="226069" cy="194887"/>
-          </a:xfrm>
-          <a:prstGeom prst="triangle">
-            <a:avLst/>
-          </a:prstGeom>
-          <a:solidFill>
-            <a:schemeClr val="tx1">
-              <a:lumMod val="65000"/>
-              <a:lumOff val="35000"/>
-            </a:schemeClr>
-          </a:solidFill>
-          <a:ln>
-            <a:noFill/>
-          </a:ln>
-          <a:effectLst/>
-        </p:spPr>
-        <p:style>
-          <a:lnRef idx="1">
-            <a:schemeClr val="accent1"/>
-          </a:lnRef>
-          <a:fillRef idx="3">
-            <a:schemeClr val="accent1"/>
-          </a:fillRef>
-          <a:effectRef idx="2">
-            <a:schemeClr val="accent1"/>
-          </a:effectRef>
-          <a:fontRef idx="minor">
-            <a:schemeClr val="lt1"/>
-          </a:fontRef>
-        </p:style>
-        <p:txBody>
-          <a:bodyPr rtlCol="0" anchor="ctr"/>
-          <a:lstStyle/>
-          <a:p>
-            <a:pPr algn="ctr"/>
-            <a:endParaRPr lang="en-US"/>
-          </a:p>
-        </p:txBody>
-      </p:sp>
-      <p:sp>
-        <p:nvSpPr>
-          <p:cNvPr id="5" name="Isosceles Triangle 4"/>
-          <p:cNvSpPr/>
-          <p:nvPr/>
-        </p:nvSpPr>
-        <p:spPr>
-          <a:xfrm rot="5400000">
-            <a:off x="4923023" y="2048780"/>
-            <a:ext cx="226069" cy="194887"/>
-          </a:xfrm>
-          <a:prstGeom prst="triangle">
-            <a:avLst/>
-          </a:prstGeom>
-          <a:solidFill>
-            <a:schemeClr val="bg1">
-              <a:lumMod val="75000"/>
-            </a:schemeClr>
-          </a:solidFill>
-          <a:ln>
-            <a:noFill/>
-          </a:ln>
-          <a:effectLst/>
-        </p:spPr>
-        <p:style>
-          <a:lnRef idx="1">
-            <a:schemeClr val="accent1"/>
-          </a:lnRef>
-          <a:fillRef idx="3">
-            <a:schemeClr val="accent1"/>
-          </a:fillRef>
-          <a:effectRef idx="2">
-            <a:schemeClr val="accent1"/>
-          </a:effectRef>
-          <a:fontRef idx="minor">
-            <a:schemeClr val="lt1"/>
-          </a:fontRef>
-        </p:style>
-        <p:txBody>
-          <a:bodyPr rtlCol="0" anchor="ctr"/>
-          <a:lstStyle/>
-          <a:p>
-            <a:pPr algn="ctr"/>
-            <a:endParaRPr lang="en-US"/>
-          </a:p>
-        </p:txBody>
-      </p:sp>
-      <p:sp>
-        <p:nvSpPr>
-          <p:cNvPr id="13" name="Rectangle 12"/>
-          <p:cNvSpPr/>
-          <p:nvPr/>
-        </p:nvSpPr>
-        <p:spPr>
-          <a:xfrm>
-            <a:off x="1229873" y="3640668"/>
-            <a:ext cx="6138334" cy="2031999"/>
-          </a:xfrm>
-          <a:prstGeom prst="rect">
-            <a:avLst/>
-          </a:prstGeom>
-          <a:solidFill>
-            <a:schemeClr val="bg1">
-              <a:lumMod val="85000"/>
-            </a:schemeClr>
-          </a:solidFill>
-          <a:ln>
-            <a:noFill/>
-          </a:ln>
-          <a:effectLst/>
-        </p:spPr>
-        <p:style>
-          <a:lnRef idx="1">
-            <a:schemeClr val="accent1"/>
-          </a:lnRef>
-          <a:fillRef idx="3">
-            <a:schemeClr val="accent1"/>
-          </a:fillRef>
-          <a:effectRef idx="2">
-            <a:schemeClr val="accent1"/>
-          </a:effectRef>
-          <a:fontRef idx="minor">
-            <a:schemeClr val="lt1"/>
-          </a:fontRef>
-        </p:style>
-        <p:txBody>
-          <a:bodyPr rtlCol="0" anchor="ctr"/>
-          <a:lstStyle/>
-          <a:p>
-            <a:pPr algn="ctr"/>
-            <a:endParaRPr lang="en-US"/>
-          </a:p>
-        </p:txBody>
-      </p:sp>
-      <p:sp>
-        <p:nvSpPr>
-          <p:cNvPr id="19" name="TextBox 18"/>
-          <p:cNvSpPr txBox="1"/>
-          <p:nvPr/>
-        </p:nvSpPr>
-        <p:spPr>
-          <a:xfrm rot="16200000">
-            <a:off x="565280" y="4439214"/>
-            <a:ext cx="748378" cy="338554"/>
-          </a:xfrm>
-          <a:prstGeom prst="rect">
-            <a:avLst/>
-          </a:prstGeom>
-          <a:noFill/>
-        </p:spPr>
-        <p:txBody>
-          <a:bodyPr wrap="none" rtlCol="0">
-            <a:spAutoFit/>
-          </a:bodyPr>
-          <a:lstStyle/>
-          <a:p>
-            <a:pPr algn="ctr"/>
-            <a:r>
-              <a:rPr lang="en-US" sz="1600" i="1" dirty="0" smtClean="0"/>
-              <a:t>Topics</a:t>
-            </a:r>
-            <a:endParaRPr lang="en-US" sz="1600" i="1" dirty="0"/>
-          </a:p>
-        </p:txBody>
-      </p:sp>
-      <p:sp>
-        <p:nvSpPr>
-          <p:cNvPr id="20" name="TextBox 19"/>
-          <p:cNvSpPr txBox="1"/>
-          <p:nvPr/>
-        </p:nvSpPr>
-        <p:spPr>
-          <a:xfrm>
-            <a:off x="3918740" y="3259781"/>
-            <a:ext cx="760601" cy="338554"/>
-          </a:xfrm>
-          <a:prstGeom prst="rect">
-            <a:avLst/>
-          </a:prstGeom>
-          <a:noFill/>
-        </p:spPr>
-        <p:txBody>
-          <a:bodyPr wrap="none" rtlCol="0">
-            <a:spAutoFit/>
-          </a:bodyPr>
-          <a:lstStyle/>
-          <a:p>
-            <a:pPr algn="ctr"/>
-            <a:r>
-              <a:rPr lang="en-US" sz="1600" i="1" dirty="0" smtClean="0"/>
-              <a:t>Words</a:t>
-            </a:r>
-            <a:endParaRPr lang="en-US" sz="1600" i="1" dirty="0"/>
-          </a:p>
-        </p:txBody>
-      </p:sp>
-      <p:sp>
-        <p:nvSpPr>
-          <p:cNvPr id="15" name="TextBox 14"/>
-          <p:cNvSpPr txBox="1"/>
-          <p:nvPr/>
-        </p:nvSpPr>
-        <p:spPr>
-          <a:xfrm>
-            <a:off x="2738787" y="2737556"/>
-            <a:ext cx="3666426" cy="369332"/>
-          </a:xfrm>
-          <a:prstGeom prst="rect">
-            <a:avLst/>
-          </a:prstGeom>
-          <a:noFill/>
-        </p:spPr>
-        <p:txBody>
-          <a:bodyPr wrap="none" rtlCol="0">
-            <a:spAutoFit/>
-          </a:bodyPr>
-          <a:lstStyle/>
-          <a:p>
-            <a:pPr algn="ctr"/>
-            <a:r>
-              <a:rPr lang="en-US" b="1" dirty="0" smtClean="0"/>
-              <a:t>Non-Negative Matrix Factorization</a:t>
-            </a:r>
-            <a:endParaRPr lang="en-US" b="1" dirty="0"/>
-          </a:p>
-        </p:txBody>
-      </p:sp>
-      <p:cxnSp>
-        <p:nvCxnSpPr>
-          <p:cNvPr id="22" name="Straight Connector 21"/>
-          <p:cNvCxnSpPr/>
-          <p:nvPr/>
-        </p:nvCxnSpPr>
-        <p:spPr>
-          <a:xfrm>
-            <a:off x="1099594" y="3133204"/>
-            <a:ext cx="7137941" cy="0"/>
-          </a:xfrm>
-          <a:prstGeom prst="line">
-            <a:avLst/>
-          </a:prstGeom>
-          <a:ln w="3175" cmpd="sng">
-            <a:solidFill>
-              <a:schemeClr val="bg1">
-                <a:lumMod val="75000"/>
-              </a:schemeClr>
-            </a:solidFill>
-          </a:ln>
-          <a:effectLst/>
-        </p:spPr>
-        <p:style>
-          <a:lnRef idx="2">
-            <a:schemeClr val="accent1"/>
-          </a:lnRef>
-          <a:fillRef idx="0">
-            <a:schemeClr val="accent1"/>
-          </a:fillRef>
-          <a:effectRef idx="1">
-            <a:schemeClr val="accent1"/>
-          </a:effectRef>
-          <a:fontRef idx="minor">
-            <a:schemeClr val="tx1"/>
-          </a:fontRef>
-        </p:style>
-      </p:cxnSp>
-      <p:sp>
-        <p:nvSpPr>
-          <p:cNvPr id="21" name="TextBox 20"/>
-          <p:cNvSpPr txBox="1"/>
-          <p:nvPr/>
-        </p:nvSpPr>
-        <p:spPr>
-          <a:xfrm>
-            <a:off x="3230197" y="5672667"/>
-            <a:ext cx="2174130" cy="615553"/>
-          </a:xfrm>
-          <a:prstGeom prst="rect">
-            <a:avLst/>
-          </a:prstGeom>
-          <a:noFill/>
-        </p:spPr>
-        <p:txBody>
-          <a:bodyPr wrap="none" rtlCol="0">
-            <a:spAutoFit/>
-          </a:bodyPr>
-          <a:lstStyle/>
-          <a:p>
-            <a:pPr algn="ctr"/>
-            <a:r>
-              <a:rPr lang="en-US" b="1" dirty="0" smtClean="0">
-                <a:solidFill>
-                  <a:srgbClr val="000000"/>
-                </a:solidFill>
-              </a:rPr>
-              <a:t>Semantic Reference</a:t>
-            </a:r>
-          </a:p>
-          <a:p>
-            <a:pPr algn="ctr"/>
-            <a:r>
-              <a:rPr lang="en-US" sz="1600" dirty="0" smtClean="0">
-                <a:solidFill>
-                  <a:srgbClr val="000000"/>
-                </a:solidFill>
-              </a:rPr>
-              <a:t>(Word vs. Topic)</a:t>
-            </a:r>
-            <a:endParaRPr lang="en-US" sz="1600" dirty="0">
-              <a:solidFill>
-                <a:srgbClr val="000000"/>
-              </a:solidFill>
-            </a:endParaRPr>
-          </a:p>
-        </p:txBody>
-      </p:sp>
-      <p:graphicFrame>
-        <p:nvGraphicFramePr>
-          <p:cNvPr id="7" name="Table 6"/>
-          <p:cNvGraphicFramePr>
-            <a:graphicFrameLocks noGrp="1"/>
-          </p:cNvGraphicFramePr>
-          <p:nvPr>
-            <p:extLst>
-              <p:ext uri="{D42A27DB-BD31-4B8C-83A1-F6EECF244321}">
-                <p14:modId xmlns:p14="http://schemas.microsoft.com/office/powerpoint/2010/main" val="533015832"/>
-              </p:ext>
-            </p:extLst>
-          </p:nvPr>
-        </p:nvGraphicFramePr>
-        <p:xfrm>
-          <a:off x="1251039" y="3640668"/>
-          <a:ext cx="6117168" cy="1920240"/>
-        </p:xfrm>
-        <a:graphic>
-          <a:graphicData uri="http://schemas.openxmlformats.org/drawingml/2006/table">
-            <a:tbl>
-              <a:tblPr firstRow="1" bandRow="1">
-                <a:tableStyleId>{5C22544A-7EE6-4342-B048-85BDC9FD1C3A}</a:tableStyleId>
-              </a:tblPr>
-              <a:tblGrid>
-                <a:gridCol w="1019528"/>
-                <a:gridCol w="1019528"/>
-                <a:gridCol w="1019528"/>
-                <a:gridCol w="1019528"/>
-                <a:gridCol w="1019528"/>
-                <a:gridCol w="1019528"/>
-              </a:tblGrid>
-              <a:tr h="251984">
-                <a:tc>
-                  <a:txBody>
-                    <a:bodyPr/>
-                    <a:lstStyle/>
-                    <a:p>
-                      <a:pPr algn="ctr"/>
-                      <a:r>
-                        <a:rPr lang="en-US" sz="1200" b="0" dirty="0" smtClean="0">
-                          <a:solidFill>
-                            <a:srgbClr val="000000"/>
-                          </a:solidFill>
-                        </a:rPr>
-                        <a:t>mother</a:t>
-                      </a:r>
-                      <a:endParaRPr lang="en-US" sz="1200" b="0" dirty="0">
-                        <a:solidFill>
-                          <a:srgbClr val="000000"/>
-                        </a:solidFill>
-                      </a:endParaRPr>
-                    </a:p>
-                  </a:txBody>
-                  <a:tcPr anchor="ctr">
-                    <a:lnL w="12700" cmpd="sng">
-                      <a:noFill/>
-                    </a:lnL>
-                    <a:lnR w="12700" cmpd="sng">
-                      <a:noFill/>
-                    </a:lnR>
-                    <a:lnT w="12700" cmpd="sng">
-                      <a:noFill/>
-                    </a:lnT>
-                    <a:lnB w="38100" cmpd="sng">
-                      <a:noFill/>
-                    </a:lnB>
-                    <a:lnTlToBr w="12700" cmpd="sng">
-                      <a:noFill/>
-                      <a:prstDash val="solid"/>
-                    </a:lnTlToBr>
-                    <a:lnBlToTr w="12700" cmpd="sng">
-                      <a:noFill/>
-                      <a:prstDash val="solid"/>
-                    </a:lnBlToTr>
-                    <a:noFill/>
-                  </a:tcPr>
-                </a:tc>
-                <a:tc>
-                  <a:txBody>
-                    <a:bodyPr/>
-                    <a:lstStyle/>
-                    <a:p>
-                      <a:pPr algn="ctr"/>
-                      <a:r>
-                        <a:rPr lang="en-US" sz="1200" b="0" dirty="0" smtClean="0">
-                          <a:solidFill>
-                            <a:srgbClr val="000000"/>
-                          </a:solidFill>
-                        </a:rPr>
-                        <a:t>father</a:t>
-                      </a:r>
-                      <a:endParaRPr lang="en-US" sz="1200" b="0" dirty="0">
-                        <a:solidFill>
-                          <a:srgbClr val="000000"/>
-                        </a:solidFill>
-                      </a:endParaRPr>
-                    </a:p>
-                  </a:txBody>
-                  <a:tcPr anchor="ctr">
-                    <a:lnL w="12700" cmpd="sng">
-                      <a:noFill/>
-                    </a:lnL>
-                    <a:lnR w="12700" cmpd="sng">
-                      <a:noFill/>
-                    </a:lnR>
-                    <a:lnT w="12700" cmpd="sng">
-                      <a:noFill/>
-                    </a:lnT>
-                    <a:lnB w="38100" cmpd="sng">
-                      <a:noFill/>
-                    </a:lnB>
-                    <a:lnTlToBr w="12700" cmpd="sng">
-                      <a:noFill/>
-                      <a:prstDash val="solid"/>
-                    </a:lnTlToBr>
-                    <a:lnBlToTr w="12700" cmpd="sng">
-                      <a:noFill/>
-                      <a:prstDash val="solid"/>
-                    </a:lnBlToTr>
-                    <a:noFill/>
-                  </a:tcPr>
-                </a:tc>
-                <a:tc>
-                  <a:txBody>
-                    <a:bodyPr/>
-                    <a:lstStyle/>
-                    <a:p>
-                      <a:pPr algn="ctr"/>
-                      <a:r>
-                        <a:rPr lang="en-US" sz="1200" b="0" dirty="0" smtClean="0">
-                          <a:solidFill>
-                            <a:srgbClr val="000000"/>
-                          </a:solidFill>
-                        </a:rPr>
-                        <a:t>family</a:t>
-                      </a:r>
-                      <a:endParaRPr lang="en-US" sz="1200" b="0" dirty="0">
-                        <a:solidFill>
-                          <a:srgbClr val="000000"/>
-                        </a:solidFill>
-                      </a:endParaRPr>
-                    </a:p>
-                  </a:txBody>
-                  <a:tcPr anchor="ctr">
-                    <a:lnL w="12700" cmpd="sng">
-                      <a:noFill/>
-                    </a:lnL>
-                    <a:lnR w="12700" cmpd="sng">
-                      <a:noFill/>
-                    </a:lnR>
-                    <a:lnT w="12700" cmpd="sng">
-                      <a:noFill/>
-                    </a:lnT>
-                    <a:lnB w="38100" cmpd="sng">
-                      <a:noFill/>
-                    </a:lnB>
-                    <a:lnTlToBr w="12700" cmpd="sng">
-                      <a:noFill/>
-                      <a:prstDash val="solid"/>
-                    </a:lnTlToBr>
-                    <a:lnBlToTr w="12700" cmpd="sng">
-                      <a:noFill/>
-                      <a:prstDash val="solid"/>
-                    </a:lnBlToTr>
-                    <a:noFill/>
-                  </a:tcPr>
-                </a:tc>
-                <a:tc>
-                  <a:txBody>
-                    <a:bodyPr/>
-                    <a:lstStyle/>
-                    <a:p>
-                      <a:pPr algn="ctr"/>
-                      <a:r>
-                        <a:rPr lang="en-US" sz="1200" b="0" dirty="0" smtClean="0">
-                          <a:solidFill>
-                            <a:srgbClr val="000000"/>
-                          </a:solidFill>
-                        </a:rPr>
-                        <a:t>parent</a:t>
-                      </a:r>
-                      <a:endParaRPr lang="en-US" sz="1200" b="0" dirty="0">
-                        <a:solidFill>
-                          <a:srgbClr val="000000"/>
-                        </a:solidFill>
-                      </a:endParaRPr>
-                    </a:p>
-                  </a:txBody>
-                  <a:tcPr anchor="ctr">
-                    <a:lnL w="12700" cmpd="sng">
-                      <a:noFill/>
-                    </a:lnL>
-                    <a:lnR w="12700" cmpd="sng">
-                      <a:noFill/>
-                    </a:lnR>
-                    <a:lnT w="12700" cmpd="sng">
-                      <a:noFill/>
-                    </a:lnT>
-                    <a:lnB w="38100" cmpd="sng">
-                      <a:noFill/>
-                    </a:lnB>
-                    <a:lnTlToBr w="12700" cmpd="sng">
-                      <a:noFill/>
-                      <a:prstDash val="solid"/>
-                    </a:lnTlToBr>
-                    <a:lnBlToTr w="12700" cmpd="sng">
-                      <a:noFill/>
-                      <a:prstDash val="solid"/>
-                    </a:lnBlToTr>
-                    <a:noFill/>
-                  </a:tcPr>
-                </a:tc>
-                <a:tc>
-                  <a:txBody>
-                    <a:bodyPr/>
-                    <a:lstStyle/>
-                    <a:p>
-                      <a:pPr algn="ctr"/>
-                      <a:r>
-                        <a:rPr lang="en-US" sz="1200" b="0" dirty="0" smtClean="0">
-                          <a:solidFill>
-                            <a:srgbClr val="000000"/>
-                          </a:solidFill>
-                        </a:rPr>
-                        <a:t>sister</a:t>
-                      </a:r>
-                      <a:endParaRPr lang="en-US" sz="1200" b="0" dirty="0">
-                        <a:solidFill>
-                          <a:srgbClr val="000000"/>
-                        </a:solidFill>
-                      </a:endParaRPr>
-                    </a:p>
-                  </a:txBody>
-                  <a:tcPr anchor="ctr">
-                    <a:lnL w="12700" cmpd="sng">
-                      <a:noFill/>
-                    </a:lnL>
-                    <a:lnR w="12700" cmpd="sng">
-                      <a:noFill/>
-                    </a:lnR>
-                    <a:lnT w="12700" cmpd="sng">
-                      <a:noFill/>
-                    </a:lnT>
-                    <a:lnB w="38100" cmpd="sng">
-                      <a:noFill/>
-                    </a:lnB>
-                    <a:lnTlToBr w="12700" cmpd="sng">
-                      <a:noFill/>
-                      <a:prstDash val="solid"/>
-                    </a:lnTlToBr>
-                    <a:lnBlToTr w="12700" cmpd="sng">
-                      <a:noFill/>
-                      <a:prstDash val="solid"/>
-                    </a:lnBlToTr>
-                    <a:noFill/>
-                  </a:tcPr>
-                </a:tc>
-                <a:tc>
-                  <a:txBody>
-                    <a:bodyPr/>
-                    <a:lstStyle/>
-                    <a:p>
-                      <a:pPr algn="ctr"/>
-                      <a:r>
-                        <a:rPr lang="en-US" sz="1200" b="0" dirty="0" smtClean="0">
-                          <a:solidFill>
-                            <a:srgbClr val="000000"/>
-                          </a:solidFill>
-                        </a:rPr>
-                        <a:t>….</a:t>
-                      </a:r>
-                      <a:endParaRPr lang="en-US" sz="1200" b="0" dirty="0">
-                        <a:solidFill>
-                          <a:srgbClr val="000000"/>
-                        </a:solidFill>
-                      </a:endParaRPr>
-                    </a:p>
-                  </a:txBody>
-                  <a:tcPr anchor="ctr">
-                    <a:lnL w="12700" cmpd="sng">
-                      <a:noFill/>
-                    </a:lnL>
-                    <a:lnR w="12700" cmpd="sng">
-                      <a:noFill/>
-                    </a:lnR>
-                    <a:lnT w="12700" cmpd="sng">
-                      <a:noFill/>
-                    </a:lnT>
-                    <a:lnB w="38100" cmpd="sng">
-                      <a:noFill/>
-                    </a:lnB>
-                    <a:lnTlToBr w="12700" cmpd="sng">
-                      <a:noFill/>
-                      <a:prstDash val="solid"/>
-                    </a:lnTlToBr>
-                    <a:lnBlToTr w="12700" cmpd="sng">
-                      <a:noFill/>
-                      <a:prstDash val="solid"/>
-                    </a:lnBlToTr>
-                    <a:noFill/>
-                  </a:tcPr>
-                </a:tc>
-              </a:tr>
-              <a:tr h="251984">
-                <a:tc>
-                  <a:txBody>
-                    <a:bodyPr/>
-                    <a:lstStyle/>
-                    <a:p>
-                      <a:pPr algn="ctr"/>
-                      <a:r>
-                        <a:rPr lang="en-US" sz="1200" b="0" dirty="0" smtClean="0">
-                          <a:solidFill>
-                            <a:srgbClr val="000000"/>
-                          </a:solidFill>
-                        </a:rPr>
-                        <a:t>music</a:t>
-                      </a:r>
-                      <a:endParaRPr lang="en-US" sz="1200" b="0" dirty="0">
-                        <a:solidFill>
-                          <a:srgbClr val="000000"/>
-                        </a:solidFill>
-                      </a:endParaRPr>
-                    </a:p>
-                  </a:txBody>
-                  <a:tcPr anchor="ctr">
-                    <a:lnL w="12700" cmpd="sng">
-                      <a:noFill/>
-                    </a:lnL>
-                    <a:lnR w="12700" cmpd="sng">
-                      <a:noFill/>
-                    </a:lnR>
-                    <a:lnT w="38100" cmpd="sng">
-                      <a:noFill/>
-                    </a:lnT>
-                    <a:lnB w="12700" cmpd="sng">
-                      <a:noFill/>
-                    </a:lnB>
-                    <a:lnTlToBr w="12700" cmpd="sng">
-                      <a:noFill/>
-                      <a:prstDash val="solid"/>
-                    </a:lnTlToBr>
-                    <a:lnBlToTr w="12700" cmpd="sng">
-                      <a:noFill/>
-                      <a:prstDash val="solid"/>
-                    </a:lnBlToTr>
-                    <a:noFill/>
-                  </a:tcPr>
-                </a:tc>
-                <a:tc>
-                  <a:txBody>
-                    <a:bodyPr/>
-                    <a:lstStyle/>
-                    <a:p>
-                      <a:pPr algn="ctr"/>
-                      <a:r>
-                        <a:rPr lang="en-US" sz="1200" b="0" dirty="0" smtClean="0">
-                          <a:solidFill>
-                            <a:srgbClr val="000000"/>
-                          </a:solidFill>
-                        </a:rPr>
-                        <a:t>play</a:t>
-                      </a:r>
-                      <a:endParaRPr lang="en-US" sz="1200" b="0" dirty="0">
-                        <a:solidFill>
-                          <a:srgbClr val="000000"/>
-                        </a:solidFill>
-                      </a:endParaRPr>
-                    </a:p>
-                  </a:txBody>
-                  <a:tcPr anchor="ctr">
-                    <a:lnL w="12700" cmpd="sng">
-                      <a:noFill/>
-                    </a:lnL>
-                    <a:lnR w="12700" cmpd="sng">
-                      <a:noFill/>
-                    </a:lnR>
-                    <a:lnT w="38100" cmpd="sng">
-                      <a:noFill/>
-                    </a:lnT>
-                    <a:lnB w="12700" cmpd="sng">
-                      <a:noFill/>
-                    </a:lnB>
-                    <a:lnTlToBr w="12700" cmpd="sng">
-                      <a:noFill/>
-                      <a:prstDash val="solid"/>
-                    </a:lnTlToBr>
-                    <a:lnBlToTr w="12700" cmpd="sng">
-                      <a:noFill/>
-                      <a:prstDash val="solid"/>
-                    </a:lnBlToTr>
-                    <a:noFill/>
-                  </a:tcPr>
-                </a:tc>
-                <a:tc>
-                  <a:txBody>
-                    <a:bodyPr/>
-                    <a:lstStyle/>
-                    <a:p>
-                      <a:pPr algn="ctr"/>
-                      <a:r>
-                        <a:rPr lang="en-US" sz="1200" b="0" dirty="0" smtClean="0">
-                          <a:solidFill>
-                            <a:srgbClr val="000000"/>
-                          </a:solidFill>
-                        </a:rPr>
-                        <a:t>piano</a:t>
-                      </a:r>
-                      <a:endParaRPr lang="en-US" sz="1200" b="0" dirty="0">
-                        <a:solidFill>
-                          <a:srgbClr val="000000"/>
-                        </a:solidFill>
-                      </a:endParaRPr>
-                    </a:p>
-                  </a:txBody>
-                  <a:tcPr anchor="ctr">
-                    <a:lnL w="12700" cmpd="sng">
-                      <a:noFill/>
-                    </a:lnL>
-                    <a:lnR w="12700" cmpd="sng">
-                      <a:noFill/>
-                    </a:lnR>
-                    <a:lnT w="38100" cmpd="sng">
-                      <a:noFill/>
-                    </a:lnT>
-                    <a:lnB w="12700" cmpd="sng">
-                      <a:noFill/>
-                    </a:lnB>
-                    <a:lnTlToBr w="12700" cmpd="sng">
-                      <a:noFill/>
-                      <a:prstDash val="solid"/>
-                    </a:lnTlToBr>
-                    <a:lnBlToTr w="12700" cmpd="sng">
-                      <a:noFill/>
-                      <a:prstDash val="solid"/>
-                    </a:lnBlToTr>
-                    <a:noFill/>
-                  </a:tcPr>
-                </a:tc>
-                <a:tc>
-                  <a:txBody>
-                    <a:bodyPr/>
-                    <a:lstStyle/>
-                    <a:p>
-                      <a:pPr algn="ctr"/>
-                      <a:r>
-                        <a:rPr lang="en-US" sz="1200" b="0" dirty="0" smtClean="0">
-                          <a:solidFill>
-                            <a:srgbClr val="000000"/>
-                          </a:solidFill>
-                        </a:rPr>
-                        <a:t>perform</a:t>
-                      </a:r>
-                      <a:endParaRPr lang="en-US" sz="1200" b="0" dirty="0">
-                        <a:solidFill>
-                          <a:srgbClr val="000000"/>
-                        </a:solidFill>
-                      </a:endParaRPr>
-                    </a:p>
-                  </a:txBody>
-                  <a:tcPr anchor="ctr">
-                    <a:lnL w="12700" cmpd="sng">
-                      <a:noFill/>
-                    </a:lnL>
-                    <a:lnR w="12700" cmpd="sng">
-                      <a:noFill/>
-                    </a:lnR>
-                    <a:lnT w="38100" cmpd="sng">
-                      <a:noFill/>
-                    </a:lnT>
-                    <a:lnB w="12700" cmpd="sng">
-                      <a:noFill/>
-                    </a:lnB>
-                    <a:lnTlToBr w="12700" cmpd="sng">
-                      <a:noFill/>
-                      <a:prstDash val="solid"/>
-                    </a:lnTlToBr>
-                    <a:lnBlToTr w="12700" cmpd="sng">
-                      <a:noFill/>
-                      <a:prstDash val="solid"/>
-                    </a:lnBlToTr>
-                    <a:noFill/>
-                  </a:tcPr>
-                </a:tc>
-                <a:tc>
-                  <a:txBody>
-                    <a:bodyPr/>
-                    <a:lstStyle/>
-                    <a:p>
-                      <a:pPr algn="ctr"/>
-                      <a:r>
-                        <a:rPr lang="en-US" sz="1200" b="0" dirty="0" smtClean="0">
-                          <a:solidFill>
-                            <a:srgbClr val="000000"/>
-                          </a:solidFill>
-                        </a:rPr>
-                        <a:t>theater</a:t>
-                      </a:r>
-                      <a:endParaRPr lang="en-US" sz="1200" b="0" dirty="0">
-                        <a:solidFill>
-                          <a:srgbClr val="000000"/>
-                        </a:solidFill>
-                      </a:endParaRPr>
-                    </a:p>
-                  </a:txBody>
-                  <a:tcPr anchor="ctr">
-                    <a:lnL w="12700" cmpd="sng">
-                      <a:noFill/>
-                    </a:lnL>
-                    <a:lnR w="12700" cmpd="sng">
-                      <a:noFill/>
-                    </a:lnR>
-                    <a:lnT w="38100" cmpd="sng">
-                      <a:noFill/>
-                    </a:lnT>
-                    <a:lnB w="12700" cmpd="sng">
-                      <a:noFill/>
-                    </a:lnB>
-                    <a:lnTlToBr w="12700" cmpd="sng">
-                      <a:noFill/>
-                      <a:prstDash val="solid"/>
-                    </a:lnTlToBr>
-                    <a:lnBlToTr w="12700" cmpd="sng">
-                      <a:noFill/>
-                      <a:prstDash val="solid"/>
-                    </a:lnBlToTr>
-                    <a:noFill/>
-                  </a:tcPr>
-                </a:tc>
-                <a:tc>
-                  <a:txBody>
-                    <a:bodyPr/>
-                    <a:lstStyle/>
-                    <a:p>
-                      <a:pPr algn="ctr"/>
-                      <a:r>
-                        <a:rPr lang="en-US" sz="1200" b="0" dirty="0" smtClean="0">
-                          <a:solidFill>
-                            <a:srgbClr val="000000"/>
-                          </a:solidFill>
-                        </a:rPr>
-                        <a:t>…</a:t>
-                      </a:r>
-                      <a:endParaRPr lang="en-US" sz="1200" b="0" dirty="0">
-                        <a:solidFill>
-                          <a:srgbClr val="000000"/>
-                        </a:solidFill>
-                      </a:endParaRPr>
-                    </a:p>
-                  </a:txBody>
-                  <a:tcPr anchor="ctr">
-                    <a:lnL w="12700" cmpd="sng">
-                      <a:noFill/>
-                    </a:lnL>
-                    <a:lnR w="12700" cmpd="sng">
-                      <a:noFill/>
-                    </a:lnR>
-                    <a:lnT w="38100" cmpd="sng">
-                      <a:noFill/>
-                    </a:lnT>
-                    <a:lnB w="12700" cmpd="sng">
-                      <a:noFill/>
-                    </a:lnB>
-                    <a:lnTlToBr w="12700" cmpd="sng">
-                      <a:noFill/>
-                      <a:prstDash val="solid"/>
-                    </a:lnTlToBr>
-                    <a:lnBlToTr w="12700" cmpd="sng">
-                      <a:noFill/>
-                      <a:prstDash val="solid"/>
-                    </a:lnBlToTr>
-                    <a:noFill/>
-                  </a:tcPr>
-                </a:tc>
-              </a:tr>
-              <a:tr h="251984">
-                <a:tc>
-                  <a:txBody>
-                    <a:bodyPr/>
-                    <a:lstStyle/>
-                    <a:p>
-                      <a:pPr algn="ctr"/>
-                      <a:r>
-                        <a:rPr lang="en-US" sz="1200" b="0" dirty="0" smtClean="0">
-                          <a:solidFill>
-                            <a:srgbClr val="000000"/>
-                          </a:solidFill>
-                        </a:rPr>
-                        <a:t>culture</a:t>
-                      </a:r>
-                      <a:endParaRPr lang="en-US" sz="1200" b="0" dirty="0">
-                        <a:solidFill>
-                          <a:srgbClr val="000000"/>
-                        </a:solidFill>
-                      </a:endParaRPr>
-                    </a:p>
-                  </a:txBody>
-                  <a:tcPr anchor="ctr">
-                    <a:lnL w="12700" cmpd="sng">
-                      <a:noFill/>
-                    </a:lnL>
-                    <a:lnR w="12700" cmpd="sng">
-                      <a:noFill/>
-                    </a:lnR>
-                    <a:lnT w="12700" cmpd="sng">
-                      <a:noFill/>
-                    </a:lnT>
-                    <a:lnB w="12700" cmpd="sng">
-                      <a:noFill/>
-                    </a:lnB>
-                    <a:lnTlToBr w="12700" cmpd="sng">
-                      <a:noFill/>
-                      <a:prstDash val="solid"/>
-                    </a:lnTlToBr>
-                    <a:lnBlToTr w="12700" cmpd="sng">
-                      <a:noFill/>
-                      <a:prstDash val="solid"/>
-                    </a:lnBlToTr>
-                    <a:noFill/>
-                  </a:tcPr>
-                </a:tc>
-                <a:tc>
-                  <a:txBody>
-                    <a:bodyPr/>
-                    <a:lstStyle/>
-                    <a:p>
-                      <a:pPr algn="ctr"/>
-                      <a:r>
-                        <a:rPr lang="en-US" sz="1200" b="0" dirty="0" smtClean="0">
-                          <a:solidFill>
-                            <a:srgbClr val="000000"/>
-                          </a:solidFill>
-                        </a:rPr>
-                        <a:t>world</a:t>
-                      </a:r>
-                      <a:endParaRPr lang="en-US" sz="1200" b="0" dirty="0">
-                        <a:solidFill>
-                          <a:srgbClr val="000000"/>
-                        </a:solidFill>
-                      </a:endParaRPr>
-                    </a:p>
-                  </a:txBody>
-                  <a:tcPr anchor="ctr">
-                    <a:lnL w="12700" cmpd="sng">
-                      <a:noFill/>
-                    </a:lnL>
-                    <a:lnR w="12700" cmpd="sng">
-                      <a:noFill/>
-                    </a:lnR>
-                    <a:lnT w="12700" cmpd="sng">
-                      <a:noFill/>
-                    </a:lnT>
-                    <a:lnB w="12700" cmpd="sng">
-                      <a:noFill/>
-                    </a:lnB>
-                    <a:lnTlToBr w="12700" cmpd="sng">
-                      <a:noFill/>
-                      <a:prstDash val="solid"/>
-                    </a:lnTlToBr>
-                    <a:lnBlToTr w="12700" cmpd="sng">
-                      <a:noFill/>
-                      <a:prstDash val="solid"/>
-                    </a:lnBlToTr>
-                    <a:noFill/>
-                  </a:tcPr>
-                </a:tc>
-                <a:tc>
-                  <a:txBody>
-                    <a:bodyPr/>
-                    <a:lstStyle/>
-                    <a:p>
-                      <a:pPr algn="ctr"/>
-                      <a:r>
-                        <a:rPr lang="en-US" sz="1200" b="0" dirty="0" smtClean="0">
-                          <a:solidFill>
-                            <a:srgbClr val="000000"/>
-                          </a:solidFill>
-                        </a:rPr>
-                        <a:t>language</a:t>
-                      </a:r>
-                      <a:endParaRPr lang="en-US" sz="1200" b="0" dirty="0">
-                        <a:solidFill>
-                          <a:srgbClr val="000000"/>
-                        </a:solidFill>
-                      </a:endParaRPr>
-                    </a:p>
-                  </a:txBody>
-                  <a:tcPr anchor="ctr">
-                    <a:lnL w="12700" cmpd="sng">
-                      <a:noFill/>
-                    </a:lnL>
-                    <a:lnR w="12700" cmpd="sng">
-                      <a:noFill/>
-                    </a:lnR>
-                    <a:lnT w="12700" cmpd="sng">
-                      <a:noFill/>
-                    </a:lnT>
-                    <a:lnB w="12700" cmpd="sng">
-                      <a:noFill/>
-                    </a:lnB>
-                    <a:lnTlToBr w="12700" cmpd="sng">
-                      <a:noFill/>
-                      <a:prstDash val="solid"/>
-                    </a:lnTlToBr>
-                    <a:lnBlToTr w="12700" cmpd="sng">
-                      <a:noFill/>
-                      <a:prstDash val="solid"/>
-                    </a:lnBlToTr>
-                    <a:noFill/>
-                  </a:tcPr>
-                </a:tc>
-                <a:tc>
-                  <a:txBody>
-                    <a:bodyPr/>
-                    <a:lstStyle/>
-                    <a:p>
-                      <a:pPr algn="ctr"/>
-                      <a:r>
-                        <a:rPr lang="en-US" sz="1200" b="0" dirty="0" smtClean="0">
-                          <a:solidFill>
-                            <a:srgbClr val="000000"/>
-                          </a:solidFill>
-                        </a:rPr>
-                        <a:t>travel</a:t>
-                      </a:r>
-                      <a:endParaRPr lang="en-US" sz="1200" b="0" dirty="0">
-                        <a:solidFill>
-                          <a:srgbClr val="000000"/>
-                        </a:solidFill>
-                      </a:endParaRPr>
-                    </a:p>
-                  </a:txBody>
-                  <a:tcPr anchor="ctr">
-                    <a:lnL w="12700" cmpd="sng">
-                      <a:noFill/>
-                    </a:lnL>
-                    <a:lnR w="12700" cmpd="sng">
-                      <a:noFill/>
-                    </a:lnR>
-                    <a:lnT w="12700" cmpd="sng">
-                      <a:noFill/>
-                    </a:lnT>
-                    <a:lnB w="12700" cmpd="sng">
-                      <a:noFill/>
-                    </a:lnB>
-                    <a:lnTlToBr w="12700" cmpd="sng">
-                      <a:noFill/>
-                      <a:prstDash val="solid"/>
-                    </a:lnTlToBr>
-                    <a:lnBlToTr w="12700" cmpd="sng">
-                      <a:noFill/>
-                      <a:prstDash val="solid"/>
-                    </a:lnBlToTr>
-                    <a:noFill/>
-                  </a:tcPr>
-                </a:tc>
-                <a:tc>
-                  <a:txBody>
-                    <a:bodyPr/>
-                    <a:lstStyle/>
-                    <a:p>
-                      <a:pPr algn="ctr"/>
-                      <a:r>
-                        <a:rPr lang="en-US" sz="1200" b="0" dirty="0" err="1" smtClean="0">
-                          <a:solidFill>
-                            <a:srgbClr val="000000"/>
-                          </a:solidFill>
-                        </a:rPr>
-                        <a:t>american</a:t>
-                      </a:r>
-                      <a:endParaRPr lang="en-US" sz="1200" b="0" dirty="0">
-                        <a:solidFill>
-                          <a:srgbClr val="000000"/>
-                        </a:solidFill>
-                      </a:endParaRPr>
-                    </a:p>
-                  </a:txBody>
-                  <a:tcPr anchor="ctr">
-                    <a:lnL w="12700" cmpd="sng">
-                      <a:noFill/>
-                    </a:lnL>
-                    <a:lnR w="12700" cmpd="sng">
-                      <a:noFill/>
-                    </a:lnR>
-                    <a:lnT w="12700" cmpd="sng">
-                      <a:noFill/>
-                    </a:lnT>
-                    <a:lnB w="12700" cmpd="sng">
-                      <a:noFill/>
-                    </a:lnB>
-                    <a:lnTlToBr w="12700" cmpd="sng">
-                      <a:noFill/>
-                      <a:prstDash val="solid"/>
-                    </a:lnTlToBr>
-                    <a:lnBlToTr w="12700" cmpd="sng">
-                      <a:noFill/>
-                      <a:prstDash val="solid"/>
-                    </a:lnBlToTr>
-                    <a:noFill/>
-                  </a:tcPr>
-                </a:tc>
-                <a:tc>
-                  <a:txBody>
-                    <a:bodyPr/>
-                    <a:lstStyle/>
-                    <a:p>
-                      <a:pPr algn="ctr"/>
-                      <a:r>
-                        <a:rPr lang="en-US" sz="1200" b="0" dirty="0" smtClean="0">
-                          <a:solidFill>
-                            <a:srgbClr val="000000"/>
-                          </a:solidFill>
-                        </a:rPr>
-                        <a:t>…</a:t>
-                      </a:r>
-                      <a:endParaRPr lang="en-US" sz="1200" b="0" dirty="0">
-                        <a:solidFill>
-                          <a:srgbClr val="000000"/>
-                        </a:solidFill>
-                      </a:endParaRPr>
-                    </a:p>
-                  </a:txBody>
-                  <a:tcPr anchor="ctr">
-                    <a:lnL w="12700" cmpd="sng">
-                      <a:noFill/>
-                    </a:lnL>
-                    <a:lnR w="12700" cmpd="sng">
-                      <a:noFill/>
-                    </a:lnR>
-                    <a:lnT w="12700" cmpd="sng">
-                      <a:noFill/>
-                    </a:lnT>
-                    <a:lnB w="12700" cmpd="sng">
-                      <a:noFill/>
-                    </a:lnB>
-                    <a:lnTlToBr w="12700" cmpd="sng">
-                      <a:noFill/>
-                      <a:prstDash val="solid"/>
-                    </a:lnTlToBr>
-                    <a:lnBlToTr w="12700" cmpd="sng">
-                      <a:noFill/>
-                      <a:prstDash val="solid"/>
-                    </a:lnBlToTr>
-                    <a:noFill/>
-                  </a:tcPr>
-                </a:tc>
-              </a:tr>
-              <a:tr h="251984">
-                <a:tc>
-                  <a:txBody>
-                    <a:bodyPr/>
-                    <a:lstStyle/>
-                    <a:p>
-                      <a:pPr algn="ctr"/>
-                      <a:r>
-                        <a:rPr lang="en-US" sz="1200" b="0" dirty="0" smtClean="0">
-                          <a:solidFill>
-                            <a:srgbClr val="000000"/>
-                          </a:solidFill>
-                        </a:rPr>
-                        <a:t>team</a:t>
-                      </a:r>
-                      <a:endParaRPr lang="en-US" sz="1200" b="0" dirty="0">
-                        <a:solidFill>
-                          <a:srgbClr val="000000"/>
-                        </a:solidFill>
-                      </a:endParaRPr>
-                    </a:p>
-                  </a:txBody>
-                  <a:tcPr anchor="ctr">
-                    <a:lnL w="12700" cmpd="sng">
-                      <a:noFill/>
-                    </a:lnL>
-                    <a:lnR w="12700" cmpd="sng">
-                      <a:noFill/>
-                    </a:lnR>
-                    <a:lnT w="12700" cmpd="sng">
-                      <a:noFill/>
-                    </a:lnT>
-                    <a:lnB w="12700" cmpd="sng">
-                      <a:noFill/>
-                    </a:lnB>
-                    <a:lnTlToBr w="12700" cmpd="sng">
-                      <a:noFill/>
-                      <a:prstDash val="solid"/>
-                    </a:lnTlToBr>
-                    <a:lnBlToTr w="12700" cmpd="sng">
-                      <a:noFill/>
-                      <a:prstDash val="solid"/>
-                    </a:lnBlToTr>
-                    <a:noFill/>
-                  </a:tcPr>
-                </a:tc>
-                <a:tc>
-                  <a:txBody>
-                    <a:bodyPr/>
-                    <a:lstStyle/>
-                    <a:p>
-                      <a:pPr algn="ctr"/>
-                      <a:r>
-                        <a:rPr lang="en-US" sz="1200" b="0" dirty="0" smtClean="0">
-                          <a:solidFill>
-                            <a:srgbClr val="000000"/>
-                          </a:solidFill>
-                        </a:rPr>
-                        <a:t>game</a:t>
-                      </a:r>
-                      <a:endParaRPr lang="en-US" sz="1200" b="0" dirty="0">
-                        <a:solidFill>
-                          <a:srgbClr val="000000"/>
-                        </a:solidFill>
-                      </a:endParaRPr>
-                    </a:p>
-                  </a:txBody>
-                  <a:tcPr anchor="ctr">
-                    <a:lnL w="12700" cmpd="sng">
-                      <a:noFill/>
-                    </a:lnL>
-                    <a:lnR w="12700" cmpd="sng">
-                      <a:noFill/>
-                    </a:lnR>
-                    <a:lnT w="12700" cmpd="sng">
-                      <a:noFill/>
-                    </a:lnT>
-                    <a:lnB w="12700" cmpd="sng">
-                      <a:noFill/>
-                    </a:lnB>
-                    <a:lnTlToBr w="12700" cmpd="sng">
-                      <a:noFill/>
-                      <a:prstDash val="solid"/>
-                    </a:lnTlToBr>
-                    <a:lnBlToTr w="12700" cmpd="sng">
-                      <a:noFill/>
-                      <a:prstDash val="solid"/>
-                    </a:lnBlToTr>
-                    <a:noFill/>
-                  </a:tcPr>
-                </a:tc>
-                <a:tc>
-                  <a:txBody>
-                    <a:bodyPr/>
-                    <a:lstStyle/>
-                    <a:p>
-                      <a:pPr algn="ctr"/>
-                      <a:r>
-                        <a:rPr lang="en-US" sz="1200" b="0" dirty="0" smtClean="0">
-                          <a:solidFill>
-                            <a:srgbClr val="000000"/>
-                          </a:solidFill>
-                        </a:rPr>
-                        <a:t>coach</a:t>
-                      </a:r>
-                      <a:endParaRPr lang="en-US" sz="1200" b="0" dirty="0">
-                        <a:solidFill>
-                          <a:srgbClr val="000000"/>
-                        </a:solidFill>
-                      </a:endParaRPr>
-                    </a:p>
-                  </a:txBody>
-                  <a:tcPr anchor="ctr">
-                    <a:lnL w="12700" cmpd="sng">
-                      <a:noFill/>
-                    </a:lnL>
-                    <a:lnR w="12700" cmpd="sng">
-                      <a:noFill/>
-                    </a:lnR>
-                    <a:lnT w="12700" cmpd="sng">
-                      <a:noFill/>
-                    </a:lnT>
-                    <a:lnB w="12700" cmpd="sng">
-                      <a:noFill/>
-                    </a:lnB>
-                    <a:lnTlToBr w="12700" cmpd="sng">
-                      <a:noFill/>
-                      <a:prstDash val="solid"/>
-                    </a:lnTlToBr>
-                    <a:lnBlToTr w="12700" cmpd="sng">
-                      <a:noFill/>
-                      <a:prstDash val="solid"/>
-                    </a:lnBlToTr>
-                    <a:noFill/>
-                  </a:tcPr>
-                </a:tc>
-                <a:tc>
-                  <a:txBody>
-                    <a:bodyPr/>
-                    <a:lstStyle/>
-                    <a:p>
-                      <a:pPr algn="ctr"/>
-                      <a:r>
-                        <a:rPr lang="en-US" sz="1200" b="0" dirty="0" smtClean="0">
-                          <a:solidFill>
-                            <a:srgbClr val="000000"/>
-                          </a:solidFill>
-                        </a:rPr>
-                        <a:t>player</a:t>
-                      </a:r>
-                      <a:endParaRPr lang="en-US" sz="1200" b="0" dirty="0">
-                        <a:solidFill>
-                          <a:srgbClr val="000000"/>
-                        </a:solidFill>
-                      </a:endParaRPr>
-                    </a:p>
-                  </a:txBody>
-                  <a:tcPr anchor="ctr">
-                    <a:lnL w="12700" cmpd="sng">
-                      <a:noFill/>
-                    </a:lnL>
-                    <a:lnR w="12700" cmpd="sng">
-                      <a:noFill/>
-                    </a:lnR>
-                    <a:lnT w="12700" cmpd="sng">
-                      <a:noFill/>
-                    </a:lnT>
-                    <a:lnB w="12700" cmpd="sng">
-                      <a:noFill/>
-                    </a:lnB>
-                    <a:lnTlToBr w="12700" cmpd="sng">
-                      <a:noFill/>
-                      <a:prstDash val="solid"/>
-                    </a:lnTlToBr>
-                    <a:lnBlToTr w="12700" cmpd="sng">
-                      <a:noFill/>
-                      <a:prstDash val="solid"/>
-                    </a:lnBlToTr>
-                    <a:noFill/>
-                  </a:tcPr>
-                </a:tc>
-                <a:tc>
-                  <a:txBody>
-                    <a:bodyPr/>
-                    <a:lstStyle/>
-                    <a:p>
-                      <a:pPr algn="ctr"/>
-                      <a:r>
-                        <a:rPr lang="en-US" sz="1200" b="0" dirty="0" smtClean="0">
-                          <a:solidFill>
-                            <a:srgbClr val="000000"/>
-                          </a:solidFill>
-                        </a:rPr>
-                        <a:t>season</a:t>
-                      </a:r>
-                      <a:endParaRPr lang="en-US" sz="1200" b="0" dirty="0">
-                        <a:solidFill>
-                          <a:srgbClr val="000000"/>
-                        </a:solidFill>
-                      </a:endParaRPr>
-                    </a:p>
-                  </a:txBody>
-                  <a:tcPr anchor="ctr">
-                    <a:lnL w="12700" cmpd="sng">
-                      <a:noFill/>
-                    </a:lnL>
-                    <a:lnR w="12700" cmpd="sng">
-                      <a:noFill/>
-                    </a:lnR>
-                    <a:lnT w="12700" cmpd="sng">
-                      <a:noFill/>
-                    </a:lnT>
-                    <a:lnB w="12700" cmpd="sng">
-                      <a:noFill/>
-                    </a:lnB>
-                    <a:lnTlToBr w="12700" cmpd="sng">
-                      <a:noFill/>
-                      <a:prstDash val="solid"/>
-                    </a:lnTlToBr>
-                    <a:lnBlToTr w="12700" cmpd="sng">
-                      <a:noFill/>
-                      <a:prstDash val="solid"/>
-                    </a:lnBlToTr>
-                    <a:noFill/>
-                  </a:tcPr>
-                </a:tc>
-                <a:tc>
-                  <a:txBody>
-                    <a:bodyPr/>
-                    <a:lstStyle/>
-                    <a:p>
-                      <a:pPr algn="ctr"/>
-                      <a:r>
-                        <a:rPr lang="en-US" sz="1200" b="0" dirty="0" smtClean="0">
-                          <a:solidFill>
-                            <a:srgbClr val="000000"/>
-                          </a:solidFill>
-                        </a:rPr>
-                        <a:t>…</a:t>
-                      </a:r>
-                      <a:endParaRPr lang="en-US" sz="1200" b="0" dirty="0">
-                        <a:solidFill>
-                          <a:srgbClr val="000000"/>
-                        </a:solidFill>
-                      </a:endParaRPr>
-                    </a:p>
-                  </a:txBody>
-                  <a:tcPr anchor="ctr">
-                    <a:lnL w="12700" cmpd="sng">
-                      <a:noFill/>
-                    </a:lnL>
-                    <a:lnR w="12700" cmpd="sng">
-                      <a:noFill/>
-                    </a:lnR>
-                    <a:lnT w="12700" cmpd="sng">
-                      <a:noFill/>
-                    </a:lnT>
-                    <a:lnB w="12700" cmpd="sng">
-                      <a:noFill/>
-                    </a:lnB>
-                    <a:lnTlToBr w="12700" cmpd="sng">
-                      <a:noFill/>
-                      <a:prstDash val="solid"/>
-                    </a:lnTlToBr>
-                    <a:lnBlToTr w="12700" cmpd="sng">
-                      <a:noFill/>
-                      <a:prstDash val="solid"/>
-                    </a:lnBlToTr>
-                    <a:noFill/>
-                  </a:tcPr>
-                </a:tc>
-              </a:tr>
-              <a:tr h="251984">
-                <a:tc>
-                  <a:txBody>
-                    <a:bodyPr/>
-                    <a:lstStyle/>
-                    <a:p>
-                      <a:pPr algn="ctr"/>
-                      <a:endParaRPr lang="en-US" sz="1200" b="0" dirty="0">
-                        <a:solidFill>
-                          <a:srgbClr val="000000"/>
-                        </a:solidFill>
-                      </a:endParaRPr>
-                    </a:p>
-                  </a:txBody>
-                  <a:tcPr anchor="ctr">
-                    <a:lnL w="12700" cmpd="sng">
-                      <a:noFill/>
-                    </a:lnL>
-                    <a:lnR w="12700" cmpd="sng">
-                      <a:noFill/>
-                    </a:lnR>
-                    <a:lnT w="12700" cmpd="sng">
-                      <a:noFill/>
-                    </a:lnT>
-                    <a:lnB w="12700" cmpd="sng">
-                      <a:noFill/>
-                    </a:lnB>
-                    <a:lnTlToBr w="12700" cmpd="sng">
-                      <a:noFill/>
-                      <a:prstDash val="solid"/>
-                    </a:lnTlToBr>
-                    <a:lnBlToTr w="12700" cmpd="sng">
-                      <a:noFill/>
-                      <a:prstDash val="solid"/>
-                    </a:lnBlToTr>
-                    <a:noFill/>
-                  </a:tcPr>
-                </a:tc>
-                <a:tc>
-                  <a:txBody>
-                    <a:bodyPr/>
-                    <a:lstStyle/>
-                    <a:p>
-                      <a:pPr algn="ctr"/>
-                      <a:endParaRPr lang="en-US" sz="1200" b="0">
-                        <a:solidFill>
-                          <a:srgbClr val="000000"/>
-                        </a:solidFill>
-                      </a:endParaRPr>
-                    </a:p>
-                  </a:txBody>
-                  <a:tcPr anchor="ctr">
-                    <a:lnL w="12700" cmpd="sng">
-                      <a:noFill/>
-                    </a:lnL>
-                    <a:lnR w="12700" cmpd="sng">
-                      <a:noFill/>
-                    </a:lnR>
-                    <a:lnT w="12700" cmpd="sng">
-                      <a:noFill/>
-                    </a:lnT>
-                    <a:lnB w="12700" cmpd="sng">
-                      <a:noFill/>
-                    </a:lnB>
-                    <a:lnTlToBr w="12700" cmpd="sng">
-                      <a:noFill/>
-                      <a:prstDash val="solid"/>
-                    </a:lnTlToBr>
-                    <a:lnBlToTr w="12700" cmpd="sng">
-                      <a:noFill/>
-                      <a:prstDash val="solid"/>
-                    </a:lnBlToTr>
-                    <a:noFill/>
-                  </a:tcPr>
-                </a:tc>
-                <a:tc>
-                  <a:txBody>
-                    <a:bodyPr/>
-                    <a:lstStyle/>
-                    <a:p>
-                      <a:pPr algn="ctr"/>
-                      <a:endParaRPr lang="en-US" sz="1200" b="0">
-                        <a:solidFill>
-                          <a:srgbClr val="000000"/>
-                        </a:solidFill>
-                      </a:endParaRPr>
-                    </a:p>
-                  </a:txBody>
-                  <a:tcPr anchor="ctr">
-                    <a:lnL w="12700" cmpd="sng">
-                      <a:noFill/>
-                    </a:lnL>
-                    <a:lnR w="12700" cmpd="sng">
-                      <a:noFill/>
-                    </a:lnR>
-                    <a:lnT w="12700" cmpd="sng">
-                      <a:noFill/>
-                    </a:lnT>
-                    <a:lnB w="12700" cmpd="sng">
-                      <a:noFill/>
-                    </a:lnB>
-                    <a:lnTlToBr w="12700" cmpd="sng">
-                      <a:noFill/>
-                      <a:prstDash val="solid"/>
-                    </a:lnTlToBr>
-                    <a:lnBlToTr w="12700" cmpd="sng">
-                      <a:noFill/>
-                      <a:prstDash val="solid"/>
-                    </a:lnBlToTr>
-                    <a:noFill/>
-                  </a:tcPr>
-                </a:tc>
-                <a:tc>
-                  <a:txBody>
-                    <a:bodyPr/>
-                    <a:lstStyle/>
-                    <a:p>
-                      <a:pPr algn="ctr"/>
-                      <a:endParaRPr lang="en-US" sz="1200" b="0" dirty="0">
-                        <a:solidFill>
-                          <a:srgbClr val="000000"/>
-                        </a:solidFill>
-                      </a:endParaRPr>
-                    </a:p>
-                  </a:txBody>
-                  <a:tcPr anchor="ctr">
-                    <a:lnL w="12700" cmpd="sng">
-                      <a:noFill/>
-                    </a:lnL>
-                    <a:lnR w="12700" cmpd="sng">
-                      <a:noFill/>
-                    </a:lnR>
-                    <a:lnT w="12700" cmpd="sng">
-                      <a:noFill/>
-                    </a:lnT>
-                    <a:lnB w="12700" cmpd="sng">
-                      <a:noFill/>
-                    </a:lnB>
-                    <a:lnTlToBr w="12700" cmpd="sng">
-                      <a:noFill/>
-                      <a:prstDash val="solid"/>
-                    </a:lnTlToBr>
-                    <a:lnBlToTr w="12700" cmpd="sng">
-                      <a:noFill/>
-                      <a:prstDash val="solid"/>
-                    </a:lnBlToTr>
-                    <a:noFill/>
-                  </a:tcPr>
-                </a:tc>
-                <a:tc>
-                  <a:txBody>
-                    <a:bodyPr/>
-                    <a:lstStyle/>
-                    <a:p>
-                      <a:pPr algn="ctr"/>
-                      <a:endParaRPr lang="en-US" sz="1200" b="0">
-                        <a:solidFill>
-                          <a:srgbClr val="000000"/>
-                        </a:solidFill>
-                      </a:endParaRPr>
-                    </a:p>
-                  </a:txBody>
-                  <a:tcPr anchor="ctr">
-                    <a:lnL w="12700" cmpd="sng">
-                      <a:noFill/>
-                    </a:lnL>
-                    <a:lnR w="12700" cmpd="sng">
-                      <a:noFill/>
-                    </a:lnR>
-                    <a:lnT w="12700" cmpd="sng">
-                      <a:noFill/>
-                    </a:lnT>
-                    <a:lnB w="12700" cmpd="sng">
-                      <a:noFill/>
-                    </a:lnB>
-                    <a:lnTlToBr w="12700" cmpd="sng">
-                      <a:noFill/>
-                      <a:prstDash val="solid"/>
-                    </a:lnTlToBr>
-                    <a:lnBlToTr w="12700" cmpd="sng">
-                      <a:noFill/>
-                      <a:prstDash val="solid"/>
-                    </a:lnBlToTr>
-                    <a:noFill/>
-                  </a:tcPr>
-                </a:tc>
-                <a:tc>
-                  <a:txBody>
-                    <a:bodyPr/>
-                    <a:lstStyle/>
-                    <a:p>
-                      <a:pPr algn="ctr"/>
-                      <a:r>
-                        <a:rPr lang="en-US" sz="1200" b="0" dirty="0" smtClean="0">
-                          <a:solidFill>
-                            <a:srgbClr val="000000"/>
-                          </a:solidFill>
-                        </a:rPr>
-                        <a:t>…</a:t>
-                      </a:r>
-                      <a:endParaRPr lang="en-US" sz="1200" b="0" dirty="0">
-                        <a:solidFill>
-                          <a:srgbClr val="000000"/>
-                        </a:solidFill>
-                      </a:endParaRPr>
-                    </a:p>
-                  </a:txBody>
-                  <a:tcPr anchor="ctr">
-                    <a:lnL w="12700" cmpd="sng">
-                      <a:noFill/>
-                    </a:lnL>
-                    <a:lnR w="12700" cmpd="sng">
-                      <a:noFill/>
-                    </a:lnR>
-                    <a:lnT w="12700" cmpd="sng">
-                      <a:noFill/>
-                    </a:lnT>
-                    <a:lnB w="12700" cmpd="sng">
-                      <a:noFill/>
-                    </a:lnB>
-                    <a:lnTlToBr w="12700" cmpd="sng">
-                      <a:noFill/>
-                      <a:prstDash val="solid"/>
-                    </a:lnTlToBr>
-                    <a:lnBlToTr w="12700" cmpd="sng">
-                      <a:noFill/>
-                      <a:prstDash val="solid"/>
-                    </a:lnBlToTr>
-                    <a:noFill/>
-                  </a:tcPr>
-                </a:tc>
-              </a:tr>
-              <a:tr h="251984">
-                <a:tc>
-                  <a:txBody>
-                    <a:bodyPr/>
-                    <a:lstStyle/>
-                    <a:p>
-                      <a:pPr algn="ctr"/>
-                      <a:r>
-                        <a:rPr lang="en-US" sz="1200" b="0" dirty="0" smtClean="0">
-                          <a:solidFill>
-                            <a:srgbClr val="000000"/>
-                          </a:solidFill>
-                        </a:rPr>
-                        <a:t>research</a:t>
-                      </a:r>
-                      <a:endParaRPr lang="en-US" sz="1200" b="0" dirty="0">
-                        <a:solidFill>
-                          <a:srgbClr val="000000"/>
-                        </a:solidFill>
-                      </a:endParaRPr>
-                    </a:p>
-                  </a:txBody>
-                  <a:tcPr anchor="ctr">
-                    <a:lnL w="12700" cmpd="sng">
-                      <a:noFill/>
-                    </a:lnL>
-                    <a:lnR w="12700" cmpd="sng">
-                      <a:noFill/>
-                    </a:lnR>
-                    <a:lnT w="12700" cmpd="sng">
-                      <a:noFill/>
-                    </a:lnT>
-                    <a:lnB w="12700" cmpd="sng">
-                      <a:noFill/>
-                    </a:lnB>
-                    <a:lnTlToBr w="12700" cmpd="sng">
-                      <a:noFill/>
-                      <a:prstDash val="solid"/>
-                    </a:lnTlToBr>
-                    <a:lnBlToTr w="12700" cmpd="sng">
-                      <a:noFill/>
-                      <a:prstDash val="solid"/>
-                    </a:lnBlToTr>
-                    <a:noFill/>
-                  </a:tcPr>
-                </a:tc>
-                <a:tc>
-                  <a:txBody>
-                    <a:bodyPr/>
-                    <a:lstStyle/>
-                    <a:p>
-                      <a:pPr algn="ctr"/>
-                      <a:r>
-                        <a:rPr lang="en-US" sz="1200" b="0" dirty="0" smtClean="0">
-                          <a:solidFill>
-                            <a:srgbClr val="000000"/>
-                          </a:solidFill>
-                        </a:rPr>
-                        <a:t>science</a:t>
-                      </a:r>
-                      <a:endParaRPr lang="en-US" sz="1200" b="0" dirty="0">
-                        <a:solidFill>
-                          <a:srgbClr val="000000"/>
-                        </a:solidFill>
-                      </a:endParaRPr>
-                    </a:p>
-                  </a:txBody>
-                  <a:tcPr anchor="ctr">
-                    <a:lnL w="12700" cmpd="sng">
-                      <a:noFill/>
-                    </a:lnL>
-                    <a:lnR w="12700" cmpd="sng">
-                      <a:noFill/>
-                    </a:lnR>
-                    <a:lnT w="12700" cmpd="sng">
-                      <a:noFill/>
-                    </a:lnT>
-                    <a:lnB w="12700" cmpd="sng">
-                      <a:noFill/>
-                    </a:lnB>
-                    <a:lnTlToBr w="12700" cmpd="sng">
-                      <a:noFill/>
-                      <a:prstDash val="solid"/>
-                    </a:lnTlToBr>
-                    <a:lnBlToTr w="12700" cmpd="sng">
-                      <a:noFill/>
-                      <a:prstDash val="solid"/>
-                    </a:lnBlToTr>
-                    <a:noFill/>
-                  </a:tcPr>
-                </a:tc>
-                <a:tc>
-                  <a:txBody>
-                    <a:bodyPr/>
-                    <a:lstStyle/>
-                    <a:p>
-                      <a:pPr algn="ctr"/>
-                      <a:r>
-                        <a:rPr lang="en-US" sz="1200" b="0" dirty="0" smtClean="0">
-                          <a:solidFill>
-                            <a:srgbClr val="000000"/>
-                          </a:solidFill>
-                        </a:rPr>
-                        <a:t>computer</a:t>
-                      </a:r>
-                      <a:endParaRPr lang="en-US" sz="1200" b="0" dirty="0">
-                        <a:solidFill>
-                          <a:srgbClr val="000000"/>
-                        </a:solidFill>
-                      </a:endParaRPr>
-                    </a:p>
-                  </a:txBody>
-                  <a:tcPr anchor="ctr">
-                    <a:lnL w="12700" cmpd="sng">
-                      <a:noFill/>
-                    </a:lnL>
-                    <a:lnR w="12700" cmpd="sng">
-                      <a:noFill/>
-                    </a:lnR>
-                    <a:lnT w="12700" cmpd="sng">
-                      <a:noFill/>
-                    </a:lnT>
-                    <a:lnB w="12700" cmpd="sng">
-                      <a:noFill/>
-                    </a:lnB>
-                    <a:lnTlToBr w="12700" cmpd="sng">
-                      <a:noFill/>
-                      <a:prstDash val="solid"/>
-                    </a:lnTlToBr>
-                    <a:lnBlToTr w="12700" cmpd="sng">
-                      <a:noFill/>
-                      <a:prstDash val="solid"/>
-                    </a:lnBlToTr>
-                    <a:noFill/>
-                  </a:tcPr>
-                </a:tc>
-                <a:tc>
-                  <a:txBody>
-                    <a:bodyPr/>
-                    <a:lstStyle/>
-                    <a:p>
-                      <a:pPr algn="ctr"/>
-                      <a:r>
-                        <a:rPr lang="en-US" sz="1200" b="0" dirty="0" smtClean="0">
-                          <a:solidFill>
-                            <a:srgbClr val="000000"/>
-                          </a:solidFill>
-                        </a:rPr>
-                        <a:t>technology</a:t>
-                      </a:r>
-                      <a:endParaRPr lang="en-US" sz="1200" b="0" dirty="0">
-                        <a:solidFill>
-                          <a:srgbClr val="000000"/>
-                        </a:solidFill>
-                      </a:endParaRPr>
-                    </a:p>
-                  </a:txBody>
-                  <a:tcPr anchor="ctr">
-                    <a:lnL w="12700" cmpd="sng">
-                      <a:noFill/>
-                    </a:lnL>
-                    <a:lnR w="12700" cmpd="sng">
-                      <a:noFill/>
-                    </a:lnR>
-                    <a:lnT w="12700" cmpd="sng">
-                      <a:noFill/>
-                    </a:lnT>
-                    <a:lnB w="12700" cmpd="sng">
-                      <a:noFill/>
-                    </a:lnB>
-                    <a:lnTlToBr w="12700" cmpd="sng">
-                      <a:noFill/>
-                      <a:prstDash val="solid"/>
-                    </a:lnTlToBr>
-                    <a:lnBlToTr w="12700" cmpd="sng">
-                      <a:noFill/>
-                      <a:prstDash val="solid"/>
-                    </a:lnBlToTr>
-                    <a:noFill/>
-                  </a:tcPr>
-                </a:tc>
-                <a:tc>
-                  <a:txBody>
-                    <a:bodyPr/>
-                    <a:lstStyle/>
-                    <a:p>
-                      <a:pPr algn="ctr"/>
-                      <a:r>
-                        <a:rPr lang="en-US" sz="1200" b="0" dirty="0" smtClean="0">
-                          <a:solidFill>
-                            <a:srgbClr val="000000"/>
-                          </a:solidFill>
-                        </a:rPr>
-                        <a:t>math</a:t>
-                      </a:r>
-                      <a:endParaRPr lang="en-US" sz="1200" b="0" dirty="0">
-                        <a:solidFill>
-                          <a:srgbClr val="000000"/>
-                        </a:solidFill>
-                      </a:endParaRPr>
-                    </a:p>
-                  </a:txBody>
-                  <a:tcPr anchor="ctr">
-                    <a:lnL w="12700" cmpd="sng">
-                      <a:noFill/>
-                    </a:lnL>
-                    <a:lnR w="12700" cmpd="sng">
-                      <a:noFill/>
-                    </a:lnR>
-                    <a:lnT w="12700" cmpd="sng">
-                      <a:noFill/>
-                    </a:lnT>
-                    <a:lnB w="12700" cmpd="sng">
-                      <a:noFill/>
-                    </a:lnB>
-                    <a:lnTlToBr w="12700" cmpd="sng">
-                      <a:noFill/>
-                      <a:prstDash val="solid"/>
-                    </a:lnTlToBr>
-                    <a:lnBlToTr w="12700" cmpd="sng">
-                      <a:noFill/>
-                      <a:prstDash val="solid"/>
-                    </a:lnBlToTr>
-                    <a:noFill/>
-                  </a:tcPr>
-                </a:tc>
-                <a:tc>
-                  <a:txBody>
-                    <a:bodyPr/>
-                    <a:lstStyle/>
-                    <a:p>
-                      <a:pPr algn="ctr"/>
-                      <a:r>
-                        <a:rPr lang="en-US" sz="1200" b="0" dirty="0" smtClean="0">
-                          <a:solidFill>
-                            <a:srgbClr val="000000"/>
-                          </a:solidFill>
-                        </a:rPr>
-                        <a:t>…</a:t>
-                      </a:r>
-                      <a:endParaRPr lang="en-US" sz="1200" b="0" dirty="0">
-                        <a:solidFill>
-                          <a:srgbClr val="000000"/>
-                        </a:solidFill>
-                      </a:endParaRPr>
-                    </a:p>
-                  </a:txBody>
-                  <a:tcPr anchor="ctr">
-                    <a:lnL w="12700" cmpd="sng">
-                      <a:noFill/>
-                    </a:lnL>
-                    <a:lnR w="12700" cmpd="sng">
-                      <a:noFill/>
-                    </a:lnR>
-                    <a:lnT w="12700" cmpd="sng">
-                      <a:noFill/>
-                    </a:lnT>
-                    <a:lnB w="12700" cmpd="sng">
-                      <a:noFill/>
-                    </a:lnB>
-                    <a:lnTlToBr w="12700" cmpd="sng">
-                      <a:noFill/>
-                      <a:prstDash val="solid"/>
-                    </a:lnTlToBr>
-                    <a:lnBlToTr w="12700" cmpd="sng">
-                      <a:noFill/>
-                      <a:prstDash val="solid"/>
-                    </a:lnBlToTr>
-                    <a:noFill/>
-                  </a:tcPr>
-                </a:tc>
-              </a:tr>
-              <a:tr h="251984">
-                <a:tc>
-                  <a:txBody>
-                    <a:bodyPr/>
-                    <a:lstStyle/>
-                    <a:p>
-                      <a:pPr algn="ctr"/>
-                      <a:r>
-                        <a:rPr lang="en-US" sz="1200" b="0" dirty="0" smtClean="0">
-                          <a:solidFill>
-                            <a:srgbClr val="000000"/>
-                          </a:solidFill>
-                        </a:rPr>
-                        <a:t>work</a:t>
-                      </a:r>
-                      <a:endParaRPr lang="en-US" sz="1200" b="0" dirty="0">
-                        <a:solidFill>
-                          <a:srgbClr val="000000"/>
-                        </a:solidFill>
-                      </a:endParaRPr>
-                    </a:p>
-                  </a:txBody>
-                  <a:tcPr anchor="ctr">
-                    <a:lnL w="12700" cmpd="sng">
-                      <a:noFill/>
-                    </a:lnL>
-                    <a:lnR w="12700" cmpd="sng">
-                      <a:noFill/>
-                    </a:lnR>
-                    <a:lnT w="12700" cmpd="sng">
-                      <a:noFill/>
-                    </a:lnT>
-                    <a:lnB w="12700" cmpd="sng">
-                      <a:noFill/>
-                    </a:lnB>
-                    <a:lnTlToBr w="12700" cmpd="sng">
-                      <a:noFill/>
-                      <a:prstDash val="solid"/>
-                    </a:lnTlToBr>
-                    <a:lnBlToTr w="12700" cmpd="sng">
-                      <a:noFill/>
-                      <a:prstDash val="solid"/>
-                    </a:lnBlToTr>
-                    <a:noFill/>
-                  </a:tcPr>
-                </a:tc>
-                <a:tc>
-                  <a:txBody>
-                    <a:bodyPr/>
-                    <a:lstStyle/>
-                    <a:p>
-                      <a:pPr algn="ctr"/>
-                      <a:r>
-                        <a:rPr lang="en-US" sz="1200" b="0" dirty="0" smtClean="0">
-                          <a:solidFill>
-                            <a:srgbClr val="000000"/>
-                          </a:solidFill>
-                        </a:rPr>
-                        <a:t>education</a:t>
-                      </a:r>
-                      <a:endParaRPr lang="en-US" sz="1200" b="0" dirty="0">
-                        <a:solidFill>
-                          <a:srgbClr val="000000"/>
-                        </a:solidFill>
-                      </a:endParaRPr>
-                    </a:p>
-                  </a:txBody>
-                  <a:tcPr anchor="ctr">
-                    <a:lnL w="12700" cmpd="sng">
-                      <a:noFill/>
-                    </a:lnL>
-                    <a:lnR w="12700" cmpd="sng">
-                      <a:noFill/>
-                    </a:lnR>
-                    <a:lnT w="12700" cmpd="sng">
-                      <a:noFill/>
-                    </a:lnT>
-                    <a:lnB w="12700" cmpd="sng">
-                      <a:noFill/>
-                    </a:lnB>
-                    <a:lnTlToBr w="12700" cmpd="sng">
-                      <a:noFill/>
-                      <a:prstDash val="solid"/>
-                    </a:lnTlToBr>
-                    <a:lnBlToTr w="12700" cmpd="sng">
-                      <a:noFill/>
-                      <a:prstDash val="solid"/>
-                    </a:lnBlToTr>
-                    <a:noFill/>
-                  </a:tcPr>
-                </a:tc>
-                <a:tc>
-                  <a:txBody>
-                    <a:bodyPr/>
-                    <a:lstStyle/>
-                    <a:p>
-                      <a:pPr algn="ctr"/>
-                      <a:r>
-                        <a:rPr lang="en-US" sz="1200" b="0" dirty="0" smtClean="0">
-                          <a:solidFill>
-                            <a:srgbClr val="000000"/>
-                          </a:solidFill>
-                        </a:rPr>
-                        <a:t>career</a:t>
-                      </a:r>
-                      <a:endParaRPr lang="en-US" sz="1200" b="0" dirty="0">
-                        <a:solidFill>
-                          <a:srgbClr val="000000"/>
-                        </a:solidFill>
-                      </a:endParaRPr>
-                    </a:p>
-                  </a:txBody>
-                  <a:tcPr anchor="ctr">
-                    <a:lnL w="12700" cmpd="sng">
-                      <a:noFill/>
-                    </a:lnL>
-                    <a:lnR w="12700" cmpd="sng">
-                      <a:noFill/>
-                    </a:lnR>
-                    <a:lnT w="12700" cmpd="sng">
-                      <a:noFill/>
-                    </a:lnT>
-                    <a:lnB w="12700" cmpd="sng">
-                      <a:noFill/>
-                    </a:lnB>
-                    <a:lnTlToBr w="12700" cmpd="sng">
-                      <a:noFill/>
-                      <a:prstDash val="solid"/>
-                    </a:lnTlToBr>
-                    <a:lnBlToTr w="12700" cmpd="sng">
-                      <a:noFill/>
-                      <a:prstDash val="solid"/>
-                    </a:lnBlToTr>
-                    <a:noFill/>
-                  </a:tcPr>
-                </a:tc>
-                <a:tc>
-                  <a:txBody>
-                    <a:bodyPr/>
-                    <a:lstStyle/>
-                    <a:p>
-                      <a:pPr algn="ctr"/>
-                      <a:r>
-                        <a:rPr lang="en-US" sz="1200" b="0" dirty="0" smtClean="0">
-                          <a:solidFill>
-                            <a:srgbClr val="000000"/>
-                          </a:solidFill>
-                        </a:rPr>
-                        <a:t>success</a:t>
-                      </a:r>
-                      <a:endParaRPr lang="en-US" sz="1200" b="0" dirty="0">
-                        <a:solidFill>
-                          <a:srgbClr val="000000"/>
-                        </a:solidFill>
-                      </a:endParaRPr>
-                    </a:p>
-                  </a:txBody>
-                  <a:tcPr anchor="ctr">
-                    <a:lnL w="12700" cmpd="sng">
-                      <a:noFill/>
-                    </a:lnL>
-                    <a:lnR w="12700" cmpd="sng">
-                      <a:noFill/>
-                    </a:lnR>
-                    <a:lnT w="12700" cmpd="sng">
-                      <a:noFill/>
-                    </a:lnT>
-                    <a:lnB w="12700" cmpd="sng">
-                      <a:noFill/>
-                    </a:lnB>
-                    <a:lnTlToBr w="12700" cmpd="sng">
-                      <a:noFill/>
-                      <a:prstDash val="solid"/>
-                    </a:lnTlToBr>
-                    <a:lnBlToTr w="12700" cmpd="sng">
-                      <a:noFill/>
-                      <a:prstDash val="solid"/>
-                    </a:lnBlToTr>
-                    <a:noFill/>
-                  </a:tcPr>
-                </a:tc>
-                <a:tc>
-                  <a:txBody>
-                    <a:bodyPr/>
-                    <a:lstStyle/>
-                    <a:p>
-                      <a:pPr algn="ctr"/>
-                      <a:r>
-                        <a:rPr lang="en-US" sz="1200" b="0" dirty="0" smtClean="0">
-                          <a:solidFill>
-                            <a:srgbClr val="000000"/>
-                          </a:solidFill>
-                        </a:rPr>
-                        <a:t>community</a:t>
-                      </a:r>
-                      <a:endParaRPr lang="en-US" sz="1200" b="0" dirty="0">
-                        <a:solidFill>
-                          <a:srgbClr val="000000"/>
-                        </a:solidFill>
-                      </a:endParaRPr>
-                    </a:p>
-                  </a:txBody>
-                  <a:tcPr anchor="ctr">
-                    <a:lnL w="12700" cmpd="sng">
-                      <a:noFill/>
-                    </a:lnL>
-                    <a:lnR w="12700" cmpd="sng">
-                      <a:noFill/>
-                    </a:lnR>
-                    <a:lnT w="12700" cmpd="sng">
-                      <a:noFill/>
-                    </a:lnT>
-                    <a:lnB w="12700" cmpd="sng">
-                      <a:noFill/>
-                    </a:lnB>
-                    <a:lnTlToBr w="12700" cmpd="sng">
-                      <a:noFill/>
-                      <a:prstDash val="solid"/>
-                    </a:lnTlToBr>
-                    <a:lnBlToTr w="12700" cmpd="sng">
-                      <a:noFill/>
-                      <a:prstDash val="solid"/>
-                    </a:lnBlToTr>
-                    <a:noFill/>
-                  </a:tcPr>
-                </a:tc>
-                <a:tc>
-                  <a:txBody>
-                    <a:bodyPr/>
-                    <a:lstStyle/>
-                    <a:p>
-                      <a:pPr algn="ctr"/>
-                      <a:r>
-                        <a:rPr lang="en-US" sz="1200" b="0" dirty="0" smtClean="0">
-                          <a:solidFill>
-                            <a:srgbClr val="000000"/>
-                          </a:solidFill>
-                        </a:rPr>
-                        <a:t>…</a:t>
-                      </a:r>
-                      <a:endParaRPr lang="en-US" sz="1200" b="0" dirty="0">
-                        <a:solidFill>
-                          <a:srgbClr val="000000"/>
-                        </a:solidFill>
-                      </a:endParaRPr>
-                    </a:p>
-                  </a:txBody>
-                  <a:tcPr anchor="ctr">
-                    <a:lnL w="12700" cmpd="sng">
-                      <a:noFill/>
-                    </a:lnL>
-                    <a:lnR w="12700" cmpd="sng">
-                      <a:noFill/>
-                    </a:lnR>
-                    <a:lnT w="12700" cmpd="sng">
-                      <a:noFill/>
-                    </a:lnT>
-                    <a:lnB w="12700" cmpd="sng">
-                      <a:noFill/>
-                    </a:lnB>
-                    <a:lnTlToBr w="12700" cmpd="sng">
-                      <a:noFill/>
-                      <a:prstDash val="solid"/>
-                    </a:lnTlToBr>
-                    <a:lnBlToTr w="12700" cmpd="sng">
-                      <a:noFill/>
-                      <a:prstDash val="solid"/>
-                    </a:lnBlToTr>
-                    <a:noFill/>
-                  </a:tcPr>
-                </a:tc>
-              </a:tr>
-            </a:tbl>
-          </a:graphicData>
-        </a:graphic>
-      </p:graphicFrame>
-      <p:graphicFrame>
-        <p:nvGraphicFramePr>
-          <p:cNvPr id="24" name="Table 23"/>
-          <p:cNvGraphicFramePr>
-            <a:graphicFrameLocks noGrp="1"/>
-          </p:cNvGraphicFramePr>
-          <p:nvPr>
-            <p:extLst>
-              <p:ext uri="{D42A27DB-BD31-4B8C-83A1-F6EECF244321}">
-                <p14:modId xmlns:p14="http://schemas.microsoft.com/office/powerpoint/2010/main" val="4152057600"/>
-              </p:ext>
-            </p:extLst>
-          </p:nvPr>
-        </p:nvGraphicFramePr>
-        <p:xfrm>
-          <a:off x="7355238" y="3682997"/>
-          <a:ext cx="1303340" cy="1920247"/>
-        </p:xfrm>
-        <a:graphic>
-          <a:graphicData uri="http://schemas.openxmlformats.org/drawingml/2006/table">
-            <a:tbl>
-              <a:tblPr firstRow="1" bandRow="1">
-                <a:tableStyleId>{5C22544A-7EE6-4342-B048-85BDC9FD1C3A}</a:tableStyleId>
-              </a:tblPr>
-              <a:tblGrid>
-                <a:gridCol w="1303340"/>
-              </a:tblGrid>
-              <a:tr h="274321">
-                <a:tc>
-                  <a:txBody>
-                    <a:bodyPr/>
-                    <a:lstStyle/>
-                    <a:p>
-                      <a:pPr algn="l"/>
-                      <a:r>
-                        <a:rPr lang="en-US" sz="1200" b="1" dirty="0" smtClean="0">
-                          <a:solidFill>
-                            <a:srgbClr val="0000FF"/>
-                          </a:solidFill>
-                        </a:rPr>
-                        <a:t>Family</a:t>
-                      </a:r>
-                      <a:endParaRPr lang="en-US" sz="1200" b="1" dirty="0">
-                        <a:solidFill>
-                          <a:srgbClr val="0000FF"/>
-                        </a:solidFill>
-                      </a:endParaRPr>
-                    </a:p>
-                  </a:txBody>
-                  <a:tcPr anchor="b">
-                    <a:lnL w="12700" cmpd="sng">
-                      <a:noFill/>
-                    </a:lnL>
-                    <a:lnR w="12700" cmpd="sng">
-                      <a:noFill/>
-                    </a:lnR>
-                    <a:lnT w="12700" cmpd="sng">
-                      <a:noFill/>
-                    </a:lnT>
-                    <a:lnB w="38100" cmpd="sng">
-                      <a:noFill/>
-                    </a:lnB>
-                    <a:lnTlToBr w="12700" cmpd="sng">
-                      <a:noFill/>
-                      <a:prstDash val="solid"/>
-                    </a:lnTlToBr>
-                    <a:lnBlToTr w="12700" cmpd="sng">
-                      <a:noFill/>
-                      <a:prstDash val="solid"/>
-                    </a:lnBlToTr>
-                    <a:noFill/>
-                  </a:tcPr>
-                </a:tc>
-              </a:tr>
-              <a:tr h="274321">
-                <a:tc>
-                  <a:txBody>
-                    <a:bodyPr/>
-                    <a:lstStyle/>
-                    <a:p>
-                      <a:pPr algn="l"/>
-                      <a:r>
-                        <a:rPr lang="en-US" sz="1200" b="1" dirty="0" smtClean="0">
-                          <a:solidFill>
-                            <a:srgbClr val="0000FF"/>
-                          </a:solidFill>
-                        </a:rPr>
-                        <a:t>Music/Arts</a:t>
-                      </a:r>
-                      <a:endParaRPr lang="en-US" sz="1200" b="1" dirty="0">
-                        <a:solidFill>
-                          <a:srgbClr val="0000FF"/>
-                        </a:solidFill>
-                      </a:endParaRPr>
-                    </a:p>
-                  </a:txBody>
-                  <a:tcPr anchor="b">
-                    <a:lnL w="12700" cmpd="sng">
-                      <a:noFill/>
-                    </a:lnL>
-                    <a:lnR w="12700" cmpd="sng">
-                      <a:noFill/>
-                    </a:lnR>
-                    <a:lnT w="38100" cmpd="sng">
-                      <a:noFill/>
-                    </a:lnT>
-                    <a:lnB w="12700" cmpd="sng">
-                      <a:noFill/>
-                    </a:lnB>
-                    <a:lnTlToBr w="12700" cmpd="sng">
-                      <a:noFill/>
-                      <a:prstDash val="solid"/>
-                    </a:lnTlToBr>
-                    <a:lnBlToTr w="12700" cmpd="sng">
-                      <a:noFill/>
-                      <a:prstDash val="solid"/>
-                    </a:lnBlToTr>
-                    <a:noFill/>
-                  </a:tcPr>
-                </a:tc>
-              </a:tr>
-              <a:tr h="274321">
-                <a:tc>
-                  <a:txBody>
-                    <a:bodyPr/>
-                    <a:lstStyle/>
-                    <a:p>
-                      <a:pPr algn="l"/>
-                      <a:r>
-                        <a:rPr lang="en-US" sz="1200" b="1" dirty="0" smtClean="0">
-                          <a:solidFill>
-                            <a:srgbClr val="0000FF"/>
-                          </a:solidFill>
-                        </a:rPr>
-                        <a:t>Culture</a:t>
-                      </a:r>
-                      <a:endParaRPr lang="en-US" sz="1200" b="1" dirty="0">
-                        <a:solidFill>
-                          <a:srgbClr val="0000FF"/>
-                        </a:solidFill>
-                      </a:endParaRPr>
-                    </a:p>
-                  </a:txBody>
-                  <a:tcPr anchor="b">
-                    <a:lnL w="12700" cmpd="sng">
-                      <a:noFill/>
-                    </a:lnL>
-                    <a:lnR w="12700" cmpd="sng">
-                      <a:noFill/>
-                    </a:lnR>
-                    <a:lnT w="12700" cmpd="sng">
-                      <a:noFill/>
-                    </a:lnT>
-                    <a:lnB w="12700" cmpd="sng">
-                      <a:noFill/>
-                    </a:lnB>
-                    <a:lnTlToBr w="12700" cmpd="sng">
-                      <a:noFill/>
-                      <a:prstDash val="solid"/>
-                    </a:lnTlToBr>
-                    <a:lnBlToTr w="12700" cmpd="sng">
-                      <a:noFill/>
-                      <a:prstDash val="solid"/>
-                    </a:lnBlToTr>
-                    <a:noFill/>
-                  </a:tcPr>
-                </a:tc>
-              </a:tr>
-              <a:tr h="274321">
-                <a:tc>
-                  <a:txBody>
-                    <a:bodyPr/>
-                    <a:lstStyle/>
-                    <a:p>
-                      <a:pPr algn="l"/>
-                      <a:r>
-                        <a:rPr lang="en-US" sz="1200" b="1" dirty="0" smtClean="0">
-                          <a:solidFill>
-                            <a:srgbClr val="0000FF"/>
-                          </a:solidFill>
-                        </a:rPr>
-                        <a:t>Sports</a:t>
-                      </a:r>
-                      <a:endParaRPr lang="en-US" sz="1200" b="1" dirty="0">
-                        <a:solidFill>
-                          <a:srgbClr val="0000FF"/>
-                        </a:solidFill>
-                      </a:endParaRPr>
-                    </a:p>
-                  </a:txBody>
-                  <a:tcPr anchor="b">
-                    <a:lnL w="12700" cmpd="sng">
-                      <a:noFill/>
-                    </a:lnL>
-                    <a:lnR w="12700" cmpd="sng">
-                      <a:noFill/>
-                    </a:lnR>
-                    <a:lnT w="12700" cmpd="sng">
-                      <a:noFill/>
-                    </a:lnT>
-                    <a:lnB w="12700" cmpd="sng">
-                      <a:noFill/>
-                    </a:lnB>
-                    <a:lnTlToBr w="12700" cmpd="sng">
-                      <a:noFill/>
-                      <a:prstDash val="solid"/>
-                    </a:lnTlToBr>
-                    <a:lnBlToTr w="12700" cmpd="sng">
-                      <a:noFill/>
-                      <a:prstDash val="solid"/>
-                    </a:lnBlToTr>
-                    <a:noFill/>
-                  </a:tcPr>
-                </a:tc>
-              </a:tr>
-              <a:tr h="274321">
-                <a:tc>
-                  <a:txBody>
-                    <a:bodyPr/>
-                    <a:lstStyle/>
-                    <a:p>
-                      <a:pPr algn="l"/>
-                      <a:r>
-                        <a:rPr lang="en-US" sz="1200" b="1" dirty="0" smtClean="0">
-                          <a:solidFill>
-                            <a:srgbClr val="0000FF"/>
-                          </a:solidFill>
-                        </a:rPr>
-                        <a:t>Personal/Story</a:t>
-                      </a:r>
-                      <a:endParaRPr lang="en-US" sz="1200" b="1" dirty="0">
-                        <a:solidFill>
-                          <a:srgbClr val="0000FF"/>
-                        </a:solidFill>
-                      </a:endParaRPr>
-                    </a:p>
-                  </a:txBody>
-                  <a:tcPr anchor="b">
-                    <a:lnL w="12700" cmpd="sng">
-                      <a:noFill/>
-                    </a:lnL>
-                    <a:lnR w="12700" cmpd="sng">
-                      <a:noFill/>
-                    </a:lnR>
-                    <a:lnT w="12700" cmpd="sng">
-                      <a:noFill/>
-                    </a:lnT>
-                    <a:lnB w="12700" cmpd="sng">
-                      <a:noFill/>
-                    </a:lnB>
-                    <a:lnTlToBr w="12700" cmpd="sng">
-                      <a:noFill/>
-                      <a:prstDash val="solid"/>
-                    </a:lnTlToBr>
-                    <a:lnBlToTr w="12700" cmpd="sng">
-                      <a:noFill/>
-                      <a:prstDash val="solid"/>
-                    </a:lnBlToTr>
-                    <a:noFill/>
-                  </a:tcPr>
-                </a:tc>
-              </a:tr>
-              <a:tr h="274321">
-                <a:tc>
-                  <a:txBody>
-                    <a:bodyPr/>
-                    <a:lstStyle/>
-                    <a:p>
-                      <a:pPr algn="l"/>
-                      <a:r>
-                        <a:rPr lang="en-US" sz="1200" b="1" dirty="0" smtClean="0">
-                          <a:solidFill>
-                            <a:srgbClr val="0000FF"/>
-                          </a:solidFill>
-                        </a:rPr>
-                        <a:t>Science</a:t>
-                      </a:r>
-                      <a:endParaRPr lang="en-US" sz="1200" b="1" dirty="0">
-                        <a:solidFill>
-                          <a:srgbClr val="0000FF"/>
-                        </a:solidFill>
-                      </a:endParaRPr>
-                    </a:p>
-                  </a:txBody>
-                  <a:tcPr anchor="b">
-                    <a:lnL w="12700" cmpd="sng">
-                      <a:noFill/>
-                    </a:lnL>
-                    <a:lnR w="12700" cmpd="sng">
-                      <a:noFill/>
-                    </a:lnR>
-                    <a:lnT w="12700" cmpd="sng">
-                      <a:noFill/>
-                    </a:lnT>
-                    <a:lnB w="12700" cmpd="sng">
-                      <a:noFill/>
-                    </a:lnB>
-                    <a:lnTlToBr w="12700" cmpd="sng">
-                      <a:noFill/>
-                      <a:prstDash val="solid"/>
-                    </a:lnTlToBr>
-                    <a:lnBlToTr w="12700" cmpd="sng">
-                      <a:noFill/>
-                      <a:prstDash val="solid"/>
-                    </a:lnBlToTr>
-                    <a:noFill/>
-                  </a:tcPr>
-                </a:tc>
-              </a:tr>
-              <a:tr h="274321">
-                <a:tc>
-                  <a:txBody>
-                    <a:bodyPr/>
-                    <a:lstStyle/>
-                    <a:p>
-                      <a:pPr algn="l"/>
-                      <a:r>
-                        <a:rPr lang="en-US" sz="1200" b="1" dirty="0" smtClean="0">
-                          <a:solidFill>
-                            <a:srgbClr val="0000FF"/>
-                          </a:solidFill>
-                        </a:rPr>
-                        <a:t>Career</a:t>
-                      </a:r>
-                      <a:endParaRPr lang="en-US" sz="1200" b="1" dirty="0">
-                        <a:solidFill>
-                          <a:srgbClr val="0000FF"/>
-                        </a:solidFill>
-                      </a:endParaRPr>
-                    </a:p>
-                  </a:txBody>
-                  <a:tcPr anchor="b">
-                    <a:lnL w="12700" cmpd="sng">
-                      <a:noFill/>
-                    </a:lnL>
-                    <a:lnR w="12700" cmpd="sng">
-                      <a:noFill/>
-                    </a:lnR>
-                    <a:lnT w="12700" cmpd="sng">
-                      <a:noFill/>
-                    </a:lnT>
-                    <a:lnB w="12700" cmpd="sng">
-                      <a:noFill/>
-                    </a:lnB>
-                    <a:lnTlToBr w="12700" cmpd="sng">
-                      <a:noFill/>
-                      <a:prstDash val="solid"/>
-                    </a:lnTlToBr>
-                    <a:lnBlToTr w="12700" cmpd="sng">
-                      <a:noFill/>
-                      <a:prstDash val="solid"/>
-                    </a:lnBlToTr>
-                    <a:noFill/>
-                  </a:tcPr>
-                </a:tc>
-              </a:tr>
-            </a:tbl>
-          </a:graphicData>
-        </a:graphic>
-      </p:graphicFrame>
-    </p:spTree>
-    <p:extLst>
-      <p:ext uri="{BB962C8B-B14F-4D97-AF65-F5344CB8AC3E}">
-        <p14:creationId xmlns:p14="http://schemas.microsoft.com/office/powerpoint/2010/main" val="1381476727"/>
-      </p:ext>
-    </p:extLst>
-  </p:cSld>
-  <p:clrMapOvr>
-    <a:masterClrMapping/>
-  </p:clrMapOvr>
-  <mc:AlternateContent xmlns:mc="http://schemas.openxmlformats.org/markup-compatibility/2006">
-    <mc:Choice xmlns:p14="http://schemas.microsoft.com/office/powerpoint/2010/main" Requires="p14">
-      <p:transition spd="slow" p14:dur="2000"/>
-    </mc:Choice>
-    <mc:Fallback>
-      <p:transition xmlns:p14="http://schemas.microsoft.com/office/powerpoint/2010/main" spd="slow"/>
-    </mc:Fallback>
-  </mc:AlternateContent>
-  <p:timing>
-    <p:tnLst>
-      <p:par>
-        <p:cTn xmlns:p14="http://schemas.microsoft.com/office/powerpoint/2010/main" id="1" dur="indefinite" restart="never" nodeType="tmRoot"/>
-      </p:par>
-    </p:tnLst>
-  </p:timing>
-</p:sld>
-</file>
-
-<file path=ppt/slides/slide12.xml><?xml version="1.0" encoding="utf-8"?>
-<p:sld xmlns:a="http://schemas.openxmlformats.org/drawingml/2006/main" xmlns:r="http://schemas.openxmlformats.org/officeDocument/2006/relationships" xmlns:p="http://schemas.openxmlformats.org/presentationml/2006/main">
-  <p:cSld>
-    <p:spTree>
-      <p:nvGrpSpPr>
-        <p:cNvPr id="1" name=""/>
-        <p:cNvGrpSpPr/>
-        <p:nvPr/>
-      </p:nvGrpSpPr>
-      <p:grpSpPr>
-        <a:xfrm>
-          <a:off x="0" y="0"/>
-          <a:ext cx="0" cy="0"/>
-          <a:chOff x="0" y="0"/>
-          <a:chExt cx="0" cy="0"/>
-        </a:xfrm>
-      </p:grpSpPr>
-      <p:sp>
-        <p:nvSpPr>
-          <p:cNvPr id="2" name="Title 1"/>
-          <p:cNvSpPr>
-            <a:spLocks noGrp="1"/>
-          </p:cNvSpPr>
-          <p:nvPr>
-            <p:ph type="title"/>
-          </p:nvPr>
-        </p:nvSpPr>
-        <p:spPr/>
-        <p:txBody>
           <a:bodyPr>
             <a:normAutofit/>
           </a:bodyPr>
@@ -10894,7 +6544,7 @@
 </p:sld>
 </file>
 
-<file path=ppt/slides/slide13.xml><?xml version="1.0" encoding="utf-8"?>
+<file path=ppt/slides/slide11.xml><?xml version="1.0" encoding="utf-8"?>
 <p:sld xmlns:a="http://schemas.openxmlformats.org/drawingml/2006/main" xmlns:r="http://schemas.openxmlformats.org/officeDocument/2006/relationships" xmlns:p="http://schemas.openxmlformats.org/presentationml/2006/main">
   <p:cSld>
     <p:spTree>
@@ -11973,7 +7623,7 @@
 </p:sld>
 </file>
 
-<file path=ppt/slides/slide14.xml><?xml version="1.0" encoding="utf-8"?>
+<file path=ppt/slides/slide12.xml><?xml version="1.0" encoding="utf-8"?>
 <p:sld xmlns:a="http://schemas.openxmlformats.org/drawingml/2006/main" xmlns:r="http://schemas.openxmlformats.org/officeDocument/2006/relationships" xmlns:p="http://schemas.openxmlformats.org/presentationml/2006/main">
   <p:cSld>
     <p:spTree>
@@ -12640,7 +8290,7 @@
 </p:sld>
 </file>
 
-<file path=ppt/slides/slide15.xml><?xml version="1.0" encoding="utf-8"?>
+<file path=ppt/slides/slide13.xml><?xml version="1.0" encoding="utf-8"?>
 <p:sld xmlns:a="http://schemas.openxmlformats.org/drawingml/2006/main" xmlns:r="http://schemas.openxmlformats.org/officeDocument/2006/relationships" xmlns:p="http://schemas.openxmlformats.org/presentationml/2006/main">
   <p:cSld>
     <p:spTree>
@@ -13512,7 +9162,7 @@
 </p:sld>
 </file>
 
-<file path=ppt/slides/slide16.xml><?xml version="1.0" encoding="utf-8"?>
+<file path=ppt/slides/slide14.xml><?xml version="1.0" encoding="utf-8"?>
 <p:sld xmlns:a="http://schemas.openxmlformats.org/drawingml/2006/main" xmlns:r="http://schemas.openxmlformats.org/officeDocument/2006/relationships" xmlns:p="http://schemas.openxmlformats.org/presentationml/2006/main">
   <p:cSld>
     <p:spTree>
@@ -14528,7 +10178,7 @@
 </p:sld>
 </file>
 
-<file path=ppt/slides/slide17.xml><?xml version="1.0" encoding="utf-8"?>
+<file path=ppt/slides/slide15.xml><?xml version="1.0" encoding="utf-8"?>
 <p:sld xmlns:a="http://schemas.openxmlformats.org/drawingml/2006/main" xmlns:r="http://schemas.openxmlformats.org/officeDocument/2006/relationships" xmlns:p="http://schemas.openxmlformats.org/presentationml/2006/main">
   <p:cSld>
     <p:spTree>
@@ -15478,7 +11128,7 @@
 </p:sld>
 </file>
 
-<file path=ppt/slides/slide18.xml><?xml version="1.0" encoding="utf-8"?>
+<file path=ppt/slides/slide16.xml><?xml version="1.0" encoding="utf-8"?>
 <p:sld xmlns:a="http://schemas.openxmlformats.org/drawingml/2006/main" xmlns:r="http://schemas.openxmlformats.org/officeDocument/2006/relationships" xmlns:p="http://schemas.openxmlformats.org/presentationml/2006/main">
   <p:cSld>
     <p:spTree>
@@ -16564,7 +12214,7 @@
 </p:sld>
 </file>
 
-<file path=ppt/slides/slide19.xml><?xml version="1.0" encoding="utf-8"?>
+<file path=ppt/slides/slide17.xml><?xml version="1.0" encoding="utf-8"?>
 <p:sld xmlns:a="http://schemas.openxmlformats.org/drawingml/2006/main" xmlns:r="http://schemas.openxmlformats.org/officeDocument/2006/relationships" xmlns:p="http://schemas.openxmlformats.org/presentationml/2006/main">
   <p:cSld>
     <p:spTree>
@@ -16634,8 +12284,13 @@
           <a:p>
             <a:r>
               <a:rPr lang="en-US" sz="2000" dirty="0" smtClean="0"/>
-              <a:t>Similar Essay Recommender</a:t>
-            </a:r>
+              <a:t>Similar Essay </a:t>
+            </a:r>
+            <a:r>
+              <a:rPr lang="en-US" sz="2000" dirty="0" smtClean="0"/>
+              <a:t>Recommender Tool</a:t>
+            </a:r>
+            <a:endParaRPr lang="en-US" sz="2000" dirty="0" smtClean="0"/>
           </a:p>
           <a:p>
             <a:pPr lvl="1"/>
@@ -16840,7 +12495,11 @@
             </a:pPr>
             <a:r>
               <a:rPr lang="en-US" b="1" dirty="0" smtClean="0"/>
-              <a:t>Part I: The Model</a:t>
+              <a:t>The </a:t>
+            </a:r>
+            <a:r>
+              <a:rPr lang="en-US" b="1" dirty="0" smtClean="0"/>
+              <a:t>Model</a:t>
             </a:r>
           </a:p>
           <a:p>
@@ -16859,7 +12518,11 @@
             </a:pPr>
             <a:r>
               <a:rPr lang="en-US" sz="2800" b="1" dirty="0" smtClean="0"/>
-              <a:t>Part II: The Essay</a:t>
+              <a:t>The </a:t>
+            </a:r>
+            <a:r>
+              <a:rPr lang="en-US" sz="2800" b="1" dirty="0" smtClean="0"/>
+              <a:t>Essay</a:t>
             </a:r>
           </a:p>
           <a:p>
@@ -17017,124 +12680,6 @@
 </file>
 
 <file path=ppt/slides/slide3.xml><?xml version="1.0" encoding="utf-8"?>
-<p:sld xmlns:a="http://schemas.openxmlformats.org/drawingml/2006/main" xmlns:r="http://schemas.openxmlformats.org/officeDocument/2006/relationships" xmlns:p="http://schemas.openxmlformats.org/presentationml/2006/main">
-  <p:cSld>
-    <p:spTree>
-      <p:nvGrpSpPr>
-        <p:cNvPr id="1" name=""/>
-        <p:cNvGrpSpPr/>
-        <p:nvPr/>
-      </p:nvGrpSpPr>
-      <p:grpSpPr>
-        <a:xfrm>
-          <a:off x="0" y="0"/>
-          <a:ext cx="0" cy="0"/>
-          <a:chOff x="0" y="0"/>
-          <a:chExt cx="0" cy="0"/>
-        </a:xfrm>
-      </p:grpSpPr>
-      <p:sp>
-        <p:nvSpPr>
-          <p:cNvPr id="4" name="Title 3"/>
-          <p:cNvSpPr>
-            <a:spLocks noGrp="1"/>
-          </p:cNvSpPr>
-          <p:nvPr>
-            <p:ph type="ctrTitle"/>
-          </p:nvPr>
-        </p:nvSpPr>
-        <p:spPr>
-          <a:xfrm>
-            <a:off x="550334" y="2825743"/>
-            <a:ext cx="4360333" cy="996950"/>
-          </a:xfrm>
-        </p:spPr>
-        <p:txBody>
-          <a:bodyPr>
-            <a:normAutofit/>
-          </a:bodyPr>
-          <a:lstStyle/>
-          <a:p>
-            <a:pPr algn="l"/>
-            <a:r>
-              <a:rPr lang="en-US" dirty="0" smtClean="0"/>
-              <a:t>Part 1: The Model</a:t>
-            </a:r>
-            <a:endParaRPr lang="en-US" dirty="0"/>
-          </a:p>
-        </p:txBody>
-      </p:sp>
-      <p:sp>
-        <p:nvSpPr>
-          <p:cNvPr id="5" name="Subtitle 4"/>
-          <p:cNvSpPr>
-            <a:spLocks noGrp="1"/>
-          </p:cNvSpPr>
-          <p:nvPr>
-            <p:ph type="subTitle" idx="1"/>
-          </p:nvPr>
-        </p:nvSpPr>
-        <p:spPr>
-          <a:xfrm>
-            <a:off x="550335" y="3793068"/>
-            <a:ext cx="4930204" cy="759884"/>
-          </a:xfrm>
-        </p:spPr>
-        <p:txBody>
-          <a:bodyPr>
-            <a:normAutofit/>
-          </a:bodyPr>
-          <a:lstStyle/>
-          <a:p>
-            <a:pPr marL="0" lvl="1" algn="l"/>
-            <a:r>
-              <a:rPr lang="en-US" sz="1800" i="1" dirty="0" smtClean="0"/>
-              <a:t>Can </a:t>
-            </a:r>
-            <a:r>
-              <a:rPr lang="en-US" sz="1800" i="1" dirty="0"/>
-              <a:t>we build a model that predicts a student’s </a:t>
-            </a:r>
-            <a:r>
-              <a:rPr lang="en-US" sz="1800" i="1" dirty="0" smtClean="0"/>
-              <a:t>chances </a:t>
-            </a:r>
-            <a:r>
-              <a:rPr lang="en-US" sz="1800" i="1" dirty="0"/>
-              <a:t>of being admitted into </a:t>
-            </a:r>
-            <a:r>
-              <a:rPr lang="en-US" sz="1800" i="1" dirty="0" smtClean="0"/>
-              <a:t>college</a:t>
-            </a:r>
-            <a:r>
-              <a:rPr lang="en-US" sz="1800" i="1" dirty="0"/>
-              <a:t>?</a:t>
-            </a:r>
-          </a:p>
-        </p:txBody>
-      </p:sp>
-    </p:spTree>
-    <p:extLst>
-      <p:ext uri="{BB962C8B-B14F-4D97-AF65-F5344CB8AC3E}">
-        <p14:creationId xmlns:p14="http://schemas.microsoft.com/office/powerpoint/2010/main" val="1899220347"/>
-      </p:ext>
-    </p:extLst>
-  </p:cSld>
-  <p:clrMapOvr>
-    <a:masterClrMapping/>
-  </p:clrMapOvr>
-  <p:timing>
-    <p:tnLst>
-      <p:par>
-        <p:cTn xmlns:p14="http://schemas.microsoft.com/office/powerpoint/2010/main" id="1" dur="indefinite" restart="never" nodeType="tmRoot"/>
-      </p:par>
-    </p:tnLst>
-  </p:timing>
-</p:sld>
-</file>
-
-<file path=ppt/slides/slide4.xml><?xml version="1.0" encoding="utf-8"?>
 <p:sld xmlns:a="http://schemas.openxmlformats.org/drawingml/2006/main" xmlns:r="http://schemas.openxmlformats.org/officeDocument/2006/relationships" xmlns:p="http://schemas.openxmlformats.org/presentationml/2006/main">
   <p:cSld>
     <p:spTree>
@@ -18506,7 +14051,7 @@
 </p:sld>
 </file>
 
-<file path=ppt/slides/slide5.xml><?xml version="1.0" encoding="utf-8"?>
+<file path=ppt/slides/slide4.xml><?xml version="1.0" encoding="utf-8"?>
 <p:sld xmlns:a="http://schemas.openxmlformats.org/drawingml/2006/main" xmlns:r="http://schemas.openxmlformats.org/officeDocument/2006/relationships" xmlns:p="http://schemas.openxmlformats.org/presentationml/2006/main">
   <p:cSld>
     <p:spTree>
@@ -19448,7 +14993,7 @@
 </p:sld>
 </file>
 
-<file path=ppt/slides/slide6.xml><?xml version="1.0" encoding="utf-8"?>
+<file path=ppt/slides/slide5.xml><?xml version="1.0" encoding="utf-8"?>
 <p:sld xmlns:a="http://schemas.openxmlformats.org/drawingml/2006/main" xmlns:r="http://schemas.openxmlformats.org/officeDocument/2006/relationships" xmlns:p="http://schemas.openxmlformats.org/presentationml/2006/main">
   <p:cSld>
     <p:spTree>
@@ -20279,7 +15824,7 @@
 </p:sld>
 </file>
 
-<file path=ppt/slides/slide7.xml><?xml version="1.0" encoding="utf-8"?>
+<file path=ppt/slides/slide6.xml><?xml version="1.0" encoding="utf-8"?>
 <p:sld xmlns:a="http://schemas.openxmlformats.org/drawingml/2006/main" xmlns:r="http://schemas.openxmlformats.org/officeDocument/2006/relationships" xmlns:p="http://schemas.openxmlformats.org/presentationml/2006/main">
   <p:cSld>
     <p:spTree>
@@ -21299,7 +16844,7 @@
 </p:sld>
 </file>
 
-<file path=ppt/slides/slide8.xml><?xml version="1.0" encoding="utf-8"?>
+<file path=ppt/slides/slide7.xml><?xml version="1.0" encoding="utf-8"?>
 <p:sld xmlns:a="http://schemas.openxmlformats.org/drawingml/2006/main" xmlns:r="http://schemas.openxmlformats.org/officeDocument/2006/relationships" xmlns:p="http://schemas.openxmlformats.org/presentationml/2006/main">
   <p:cSld>
     <p:spTree>
@@ -21396,8 +16941,8 @@
 </p:sld>
 </file>
 
-<file path=ppt/slides/slide9.xml><?xml version="1.0" encoding="utf-8"?>
-<p:sld xmlns:a="http://schemas.openxmlformats.org/drawingml/2006/main" xmlns:r="http://schemas.openxmlformats.org/officeDocument/2006/relationships" xmlns:p="http://schemas.openxmlformats.org/presentationml/2006/main" show="0">
+<file path=ppt/slides/slide8.xml><?xml version="1.0" encoding="utf-8"?>
+<p:sld xmlns:a="http://schemas.openxmlformats.org/drawingml/2006/main" xmlns:r="http://schemas.openxmlformats.org/officeDocument/2006/relationships" xmlns:p="http://schemas.openxmlformats.org/presentationml/2006/main">
   <p:cSld>
     <p:spTree>
       <p:nvGrpSpPr>
@@ -21445,7 +16990,7 @@
           <p:nvPr>
             <p:extLst>
               <p:ext uri="{D42A27DB-BD31-4B8C-83A1-F6EECF244321}">
-                <p14:modId xmlns:p14="http://schemas.microsoft.com/office/powerpoint/2010/main" val="4254419161"/>
+                <p14:modId xmlns:p14="http://schemas.microsoft.com/office/powerpoint/2010/main" val="4221477259"/>
               </p:ext>
             </p:extLst>
           </p:nvPr>
@@ -21517,7 +17062,7 @@
                       <a:r>
                         <a:rPr lang="en-US" sz="1400" b="1" baseline="0" dirty="0" err="1" smtClean="0">
                           <a:solidFill>
-                            <a:schemeClr val="tx1"/>
+                            <a:srgbClr val="000000"/>
                           </a:solidFill>
                         </a:rPr>
                         <a:t>Vectorize</a:t>
@@ -21525,14 +17070,14 @@
                       <a:r>
                         <a:rPr lang="en-US" sz="1400" b="1" baseline="0" dirty="0" smtClean="0">
                           <a:solidFill>
-                            <a:schemeClr val="tx1"/>
+                            <a:srgbClr val="000000"/>
                           </a:solidFill>
                         </a:rPr>
                         <a:t> Text</a:t>
                       </a:r>
                       <a:endParaRPr lang="en-US" sz="1400" b="1" dirty="0">
                         <a:solidFill>
-                          <a:schemeClr val="tx1"/>
+                          <a:srgbClr val="000000"/>
                         </a:solidFill>
                       </a:endParaRPr>
                     </a:p>
@@ -21579,20 +17124,16 @@
                     <a:p>
                       <a:pPr algn="ctr"/>
                       <a:r>
-                        <a:rPr lang="en-US" sz="1400" b="0" dirty="0" smtClean="0">
+                        <a:rPr lang="en-US" sz="1400" b="1" dirty="0" smtClean="0">
                           <a:solidFill>
-                            <a:schemeClr val="bg1">
-                              <a:lumMod val="65000"/>
-                            </a:schemeClr>
+                            <a:schemeClr val="tx1"/>
                           </a:solidFill>
                         </a:rPr>
                         <a:t>Topic Modeling</a:t>
                       </a:r>
-                      <a:endParaRPr lang="en-US" sz="1400" b="0" dirty="0">
+                      <a:endParaRPr lang="en-US" sz="1400" b="1" dirty="0">
                         <a:solidFill>
-                          <a:schemeClr val="bg1">
-                            <a:lumMod val="65000"/>
-                          </a:schemeClr>
+                          <a:schemeClr val="tx1"/>
                         </a:solidFill>
                       </a:endParaRPr>
                     </a:p>
@@ -21734,14 +17275,14 @@
                       <a:r>
                         <a:rPr lang="en-US" sz="1400" b="1" i="1" dirty="0" smtClean="0">
                           <a:solidFill>
-                            <a:schemeClr val="tx1"/>
+                            <a:srgbClr val="000000"/>
                           </a:solidFill>
                         </a:rPr>
                         <a:t>TF-IDF</a:t>
                       </a:r>
                       <a:endParaRPr lang="en-US" sz="1400" b="1" i="1" dirty="0">
                         <a:solidFill>
-                          <a:schemeClr val="tx1"/>
+                          <a:srgbClr val="000000"/>
                         </a:solidFill>
                       </a:endParaRPr>
                     </a:p>
@@ -21788,20 +17329,16 @@
                     <a:p>
                       <a:pPr algn="ctr"/>
                       <a:r>
-                        <a:rPr lang="en-US" sz="1400" b="0" i="1" dirty="0" smtClean="0">
+                        <a:rPr lang="en-US" sz="1400" b="1" i="1" dirty="0" smtClean="0">
                           <a:solidFill>
-                            <a:schemeClr val="bg1">
-                              <a:lumMod val="65000"/>
-                            </a:schemeClr>
+                            <a:schemeClr val="tx1"/>
                           </a:solidFill>
                         </a:rPr>
                         <a:t>NMF (Fit)</a:t>
                       </a:r>
-                      <a:endParaRPr lang="en-US" sz="1400" b="0" i="1" dirty="0">
+                      <a:endParaRPr lang="en-US" sz="1400" b="1" i="1" dirty="0">
                         <a:solidFill>
-                          <a:schemeClr val="bg1">
-                            <a:lumMod val="65000"/>
-                          </a:schemeClr>
+                          <a:schemeClr val="tx1"/>
                         </a:solidFill>
                       </a:endParaRPr>
                     </a:p>
@@ -21908,7 +17445,7 @@
       </p:graphicFrame>
       <p:sp>
         <p:nvSpPr>
-          <p:cNvPr id="28" name="Isosceles Triangle 27"/>
+          <p:cNvPr id="4" name="Isosceles Triangle 3"/>
           <p:cNvSpPr/>
           <p:nvPr/>
         </p:nvSpPr>
@@ -21921,8 +17458,9 @@
             <a:avLst/>
           </a:prstGeom>
           <a:solidFill>
-            <a:schemeClr val="bg1">
-              <a:lumMod val="75000"/>
+            <a:schemeClr val="tx1">
+              <a:lumMod val="65000"/>
+              <a:lumOff val="35000"/>
             </a:schemeClr>
           </a:solidFill>
           <a:ln>
@@ -21955,7 +17493,7 @@
       </p:sp>
       <p:sp>
         <p:nvSpPr>
-          <p:cNvPr id="29" name="Isosceles Triangle 28"/>
+          <p:cNvPr id="5" name="Isosceles Triangle 4"/>
           <p:cNvSpPr/>
           <p:nvPr/>
         </p:nvSpPr>
@@ -22000,10 +17538,3733 @@
           </a:p>
         </p:txBody>
       </p:sp>
+      <p:sp>
+        <p:nvSpPr>
+          <p:cNvPr id="6" name="Rectangle 5"/>
+          <p:cNvSpPr/>
+          <p:nvPr/>
+        </p:nvSpPr>
+        <p:spPr>
+          <a:xfrm>
+            <a:off x="1102788" y="3568193"/>
+            <a:ext cx="2573235" cy="2447481"/>
+          </a:xfrm>
+          <a:prstGeom prst="rect">
+            <a:avLst/>
+          </a:prstGeom>
+          <a:solidFill>
+            <a:schemeClr val="tx1">
+              <a:lumMod val="65000"/>
+              <a:lumOff val="35000"/>
+            </a:schemeClr>
+          </a:solidFill>
+          <a:ln>
+            <a:noFill/>
+          </a:ln>
+        </p:spPr>
+        <p:style>
+          <a:lnRef idx="1">
+            <a:schemeClr val="accent1"/>
+          </a:lnRef>
+          <a:fillRef idx="3">
+            <a:schemeClr val="accent1"/>
+          </a:fillRef>
+          <a:effectRef idx="2">
+            <a:schemeClr val="accent1"/>
+          </a:effectRef>
+          <a:fontRef idx="minor">
+            <a:schemeClr val="lt1"/>
+          </a:fontRef>
+        </p:style>
+        <p:txBody>
+          <a:bodyPr rtlCol="0" anchor="ctr"/>
+          <a:lstStyle/>
+          <a:p>
+            <a:pPr algn="ctr"/>
+            <a:endParaRPr lang="en-US"/>
+          </a:p>
+        </p:txBody>
+      </p:sp>
+      <p:sp>
+        <p:nvSpPr>
+          <p:cNvPr id="8" name="Rectangle 7"/>
+          <p:cNvSpPr/>
+          <p:nvPr/>
+        </p:nvSpPr>
+        <p:spPr>
+          <a:xfrm>
+            <a:off x="4570490" y="3568193"/>
+            <a:ext cx="470408" cy="2447482"/>
+          </a:xfrm>
+          <a:prstGeom prst="rect">
+            <a:avLst/>
+          </a:prstGeom>
+          <a:solidFill>
+            <a:schemeClr val="tx1">
+              <a:lumMod val="65000"/>
+              <a:lumOff val="35000"/>
+            </a:schemeClr>
+          </a:solidFill>
+          <a:ln>
+            <a:noFill/>
+          </a:ln>
+        </p:spPr>
+        <p:style>
+          <a:lnRef idx="1">
+            <a:schemeClr val="accent1"/>
+          </a:lnRef>
+          <a:fillRef idx="3">
+            <a:schemeClr val="accent1"/>
+          </a:fillRef>
+          <a:effectRef idx="2">
+            <a:schemeClr val="accent1"/>
+          </a:effectRef>
+          <a:fontRef idx="minor">
+            <a:schemeClr val="lt1"/>
+          </a:fontRef>
+        </p:style>
+        <p:txBody>
+          <a:bodyPr rtlCol="0" anchor="ctr"/>
+          <a:lstStyle/>
+          <a:p>
+            <a:pPr algn="ctr"/>
+            <a:endParaRPr lang="en-US"/>
+          </a:p>
+        </p:txBody>
+      </p:sp>
+      <p:sp>
+        <p:nvSpPr>
+          <p:cNvPr id="10" name="TextBox 9"/>
+          <p:cNvSpPr txBox="1"/>
+          <p:nvPr/>
+        </p:nvSpPr>
+        <p:spPr>
+          <a:xfrm>
+            <a:off x="2043285" y="3240273"/>
+            <a:ext cx="684803" cy="307777"/>
+          </a:xfrm>
+          <a:prstGeom prst="rect">
+            <a:avLst/>
+          </a:prstGeom>
+          <a:noFill/>
+        </p:spPr>
+        <p:txBody>
+          <a:bodyPr wrap="none" rtlCol="0">
+            <a:spAutoFit/>
+          </a:bodyPr>
+          <a:lstStyle/>
+          <a:p>
+            <a:pPr algn="ctr"/>
+            <a:r>
+              <a:rPr lang="en-US" sz="1400" dirty="0" smtClean="0"/>
+              <a:t>Words</a:t>
+            </a:r>
+            <a:endParaRPr lang="en-US" sz="1400" dirty="0"/>
+          </a:p>
+        </p:txBody>
+      </p:sp>
+      <p:sp>
+        <p:nvSpPr>
+          <p:cNvPr id="13" name="Rectangle 12"/>
+          <p:cNvSpPr/>
+          <p:nvPr/>
+        </p:nvSpPr>
+        <p:spPr>
+          <a:xfrm>
+            <a:off x="5958096" y="4522022"/>
+            <a:ext cx="2181015" cy="350553"/>
+          </a:xfrm>
+          <a:prstGeom prst="rect">
+            <a:avLst/>
+          </a:prstGeom>
+          <a:solidFill>
+            <a:schemeClr val="tx1">
+              <a:lumMod val="65000"/>
+              <a:lumOff val="35000"/>
+            </a:schemeClr>
+          </a:solidFill>
+          <a:ln>
+            <a:noFill/>
+          </a:ln>
+        </p:spPr>
+        <p:style>
+          <a:lnRef idx="1">
+            <a:schemeClr val="accent1"/>
+          </a:lnRef>
+          <a:fillRef idx="3">
+            <a:schemeClr val="accent1"/>
+          </a:fillRef>
+          <a:effectRef idx="2">
+            <a:schemeClr val="accent1"/>
+          </a:effectRef>
+          <a:fontRef idx="minor">
+            <a:schemeClr val="lt1"/>
+          </a:fontRef>
+        </p:style>
+        <p:txBody>
+          <a:bodyPr rtlCol="0" anchor="ctr"/>
+          <a:lstStyle/>
+          <a:p>
+            <a:pPr algn="ctr"/>
+            <a:endParaRPr lang="en-US"/>
+          </a:p>
+        </p:txBody>
+      </p:sp>
+      <p:sp>
+        <p:nvSpPr>
+          <p:cNvPr id="3" name="TextBox 2"/>
+          <p:cNvSpPr txBox="1"/>
+          <p:nvPr/>
+        </p:nvSpPr>
+        <p:spPr>
+          <a:xfrm>
+            <a:off x="3878161" y="4309714"/>
+            <a:ext cx="428122" cy="646331"/>
+          </a:xfrm>
+          <a:prstGeom prst="rect">
+            <a:avLst/>
+          </a:prstGeom>
+          <a:noFill/>
+        </p:spPr>
+        <p:txBody>
+          <a:bodyPr wrap="none" rtlCol="0">
+            <a:spAutoFit/>
+          </a:bodyPr>
+          <a:lstStyle/>
+          <a:p>
+            <a:r>
+              <a:rPr lang="en-US" sz="3600" b="1" dirty="0" smtClean="0"/>
+              <a:t>≈</a:t>
+            </a:r>
+            <a:endParaRPr lang="en-US" sz="3600" b="1" dirty="0"/>
+          </a:p>
+        </p:txBody>
+      </p:sp>
+      <p:sp>
+        <p:nvSpPr>
+          <p:cNvPr id="14" name="TextBox 13"/>
+          <p:cNvSpPr txBox="1"/>
+          <p:nvPr/>
+        </p:nvSpPr>
+        <p:spPr>
+          <a:xfrm>
+            <a:off x="5231441" y="4473024"/>
+            <a:ext cx="325730" cy="400110"/>
+          </a:xfrm>
+          <a:prstGeom prst="rect">
+            <a:avLst/>
+          </a:prstGeom>
+          <a:noFill/>
+        </p:spPr>
+        <p:txBody>
+          <a:bodyPr wrap="none" rtlCol="0">
+            <a:spAutoFit/>
+          </a:bodyPr>
+          <a:lstStyle/>
+          <a:p>
+            <a:r>
+              <a:rPr lang="en-US" sz="2000" b="1" dirty="0" smtClean="0"/>
+              <a:t>x</a:t>
+            </a:r>
+            <a:endParaRPr lang="en-US" sz="2000" b="1" dirty="0"/>
+          </a:p>
+        </p:txBody>
+      </p:sp>
+      <p:sp>
+        <p:nvSpPr>
+          <p:cNvPr id="16" name="TextBox 15"/>
+          <p:cNvSpPr txBox="1"/>
+          <p:nvPr/>
+        </p:nvSpPr>
+        <p:spPr>
+          <a:xfrm>
+            <a:off x="4476755" y="3240273"/>
+            <a:ext cx="656913" cy="307777"/>
+          </a:xfrm>
+          <a:prstGeom prst="rect">
+            <a:avLst/>
+          </a:prstGeom>
+          <a:noFill/>
+        </p:spPr>
+        <p:txBody>
+          <a:bodyPr wrap="none" rtlCol="0">
+            <a:spAutoFit/>
+          </a:bodyPr>
+          <a:lstStyle/>
+          <a:p>
+            <a:pPr algn="ctr"/>
+            <a:r>
+              <a:rPr lang="en-US" sz="1400" dirty="0" smtClean="0"/>
+              <a:t>Topics</a:t>
+            </a:r>
+            <a:endParaRPr lang="en-US" sz="1400" dirty="0"/>
+          </a:p>
+        </p:txBody>
+      </p:sp>
+      <p:sp>
+        <p:nvSpPr>
+          <p:cNvPr id="17" name="TextBox 16"/>
+          <p:cNvSpPr txBox="1"/>
+          <p:nvPr/>
+        </p:nvSpPr>
+        <p:spPr>
+          <a:xfrm rot="16200000">
+            <a:off x="583308" y="4638045"/>
+            <a:ext cx="675410" cy="307777"/>
+          </a:xfrm>
+          <a:prstGeom prst="rect">
+            <a:avLst/>
+          </a:prstGeom>
+          <a:noFill/>
+        </p:spPr>
+        <p:txBody>
+          <a:bodyPr wrap="none" rtlCol="0">
+            <a:spAutoFit/>
+          </a:bodyPr>
+          <a:lstStyle/>
+          <a:p>
+            <a:pPr algn="ctr"/>
+            <a:r>
+              <a:rPr lang="en-US" sz="1400" dirty="0" smtClean="0"/>
+              <a:t>Essays</a:t>
+            </a:r>
+            <a:endParaRPr lang="en-US" sz="1400" dirty="0"/>
+          </a:p>
+        </p:txBody>
+      </p:sp>
+      <p:sp>
+        <p:nvSpPr>
+          <p:cNvPr id="18" name="TextBox 17"/>
+          <p:cNvSpPr txBox="1"/>
+          <p:nvPr/>
+        </p:nvSpPr>
+        <p:spPr>
+          <a:xfrm rot="16200000">
+            <a:off x="4078897" y="4638046"/>
+            <a:ext cx="675410" cy="307777"/>
+          </a:xfrm>
+          <a:prstGeom prst="rect">
+            <a:avLst/>
+          </a:prstGeom>
+          <a:noFill/>
+        </p:spPr>
+        <p:txBody>
+          <a:bodyPr wrap="none" rtlCol="0">
+            <a:spAutoFit/>
+          </a:bodyPr>
+          <a:lstStyle/>
+          <a:p>
+            <a:pPr algn="ctr"/>
+            <a:r>
+              <a:rPr lang="en-US" sz="1400" dirty="0" smtClean="0"/>
+              <a:t>Essays</a:t>
+            </a:r>
+            <a:endParaRPr lang="en-US" sz="1400" dirty="0"/>
+          </a:p>
+        </p:txBody>
+      </p:sp>
+      <p:sp>
+        <p:nvSpPr>
+          <p:cNvPr id="19" name="TextBox 18"/>
+          <p:cNvSpPr txBox="1"/>
+          <p:nvPr/>
+        </p:nvSpPr>
+        <p:spPr>
+          <a:xfrm rot="16200000">
+            <a:off x="5465175" y="4581602"/>
+            <a:ext cx="656913" cy="307777"/>
+          </a:xfrm>
+          <a:prstGeom prst="rect">
+            <a:avLst/>
+          </a:prstGeom>
+          <a:noFill/>
+        </p:spPr>
+        <p:txBody>
+          <a:bodyPr wrap="none" rtlCol="0">
+            <a:spAutoFit/>
+          </a:bodyPr>
+          <a:lstStyle/>
+          <a:p>
+            <a:pPr algn="ctr"/>
+            <a:r>
+              <a:rPr lang="en-US" sz="1400" dirty="0" smtClean="0"/>
+              <a:t>Topics</a:t>
+            </a:r>
+            <a:endParaRPr lang="en-US" sz="1400" dirty="0"/>
+          </a:p>
+        </p:txBody>
+      </p:sp>
+      <p:sp>
+        <p:nvSpPr>
+          <p:cNvPr id="20" name="TextBox 19"/>
+          <p:cNvSpPr txBox="1"/>
+          <p:nvPr/>
+        </p:nvSpPr>
+        <p:spPr>
+          <a:xfrm>
+            <a:off x="6685308" y="4226551"/>
+            <a:ext cx="727136" cy="307777"/>
+          </a:xfrm>
+          <a:prstGeom prst="rect">
+            <a:avLst/>
+          </a:prstGeom>
+          <a:noFill/>
+        </p:spPr>
+        <p:txBody>
+          <a:bodyPr wrap="none" rtlCol="0">
+            <a:spAutoFit/>
+          </a:bodyPr>
+          <a:lstStyle/>
+          <a:p>
+            <a:pPr algn="ctr"/>
+            <a:r>
+              <a:rPr lang="en-US" sz="1400" dirty="0" smtClean="0"/>
+              <a:t>Words</a:t>
+            </a:r>
+            <a:endParaRPr lang="en-US" sz="1400" dirty="0"/>
+          </a:p>
+        </p:txBody>
+      </p:sp>
+      <p:cxnSp>
+        <p:nvCxnSpPr>
+          <p:cNvPr id="22" name="Straight Connector 21"/>
+          <p:cNvCxnSpPr/>
+          <p:nvPr/>
+        </p:nvCxnSpPr>
+        <p:spPr>
+          <a:xfrm>
+            <a:off x="1099594" y="3133204"/>
+            <a:ext cx="7137941" cy="0"/>
+          </a:xfrm>
+          <a:prstGeom prst="line">
+            <a:avLst/>
+          </a:prstGeom>
+          <a:ln w="3175" cmpd="sng">
+            <a:solidFill>
+              <a:schemeClr val="bg1">
+                <a:lumMod val="75000"/>
+              </a:schemeClr>
+            </a:solidFill>
+          </a:ln>
+          <a:effectLst/>
+        </p:spPr>
+        <p:style>
+          <a:lnRef idx="2">
+            <a:schemeClr val="accent1"/>
+          </a:lnRef>
+          <a:fillRef idx="0">
+            <a:schemeClr val="accent1"/>
+          </a:fillRef>
+          <a:effectRef idx="1">
+            <a:schemeClr val="accent1"/>
+          </a:effectRef>
+          <a:fontRef idx="minor">
+            <a:schemeClr val="tx1"/>
+          </a:fontRef>
+        </p:style>
+      </p:cxnSp>
+      <p:sp>
+        <p:nvSpPr>
+          <p:cNvPr id="9" name="TextBox 8"/>
+          <p:cNvSpPr txBox="1"/>
+          <p:nvPr/>
+        </p:nvSpPr>
+        <p:spPr>
+          <a:xfrm>
+            <a:off x="4049033" y="6023003"/>
+            <a:ext cx="1556436" cy="615553"/>
+          </a:xfrm>
+          <a:prstGeom prst="rect">
+            <a:avLst/>
+          </a:prstGeom>
+          <a:noFill/>
+        </p:spPr>
+        <p:txBody>
+          <a:bodyPr wrap="none" rtlCol="0">
+            <a:spAutoFit/>
+          </a:bodyPr>
+          <a:lstStyle/>
+          <a:p>
+            <a:pPr algn="ctr"/>
+            <a:r>
+              <a:rPr lang="en-US" b="1" dirty="0" smtClean="0">
+                <a:solidFill>
+                  <a:srgbClr val="0000FF"/>
+                </a:solidFill>
+              </a:rPr>
+              <a:t>New Matrix</a:t>
+            </a:r>
+          </a:p>
+          <a:p>
+            <a:pPr algn="ctr"/>
+            <a:r>
+              <a:rPr lang="en-US" sz="1600" dirty="0" smtClean="0">
+                <a:solidFill>
+                  <a:srgbClr val="0000FF"/>
+                </a:solidFill>
+              </a:rPr>
+              <a:t>(Topic</a:t>
+            </a:r>
+            <a:r>
+              <a:rPr lang="en-US" sz="1600" dirty="0">
+                <a:solidFill>
+                  <a:srgbClr val="0000FF"/>
+                </a:solidFill>
+              </a:rPr>
+              <a:t> </a:t>
+            </a:r>
+            <a:r>
+              <a:rPr lang="en-US" sz="1600" dirty="0" smtClean="0">
+                <a:solidFill>
+                  <a:srgbClr val="0000FF"/>
+                </a:solidFill>
+              </a:rPr>
+              <a:t>vs. Essay)</a:t>
+            </a:r>
+            <a:endParaRPr lang="en-US" sz="1600" dirty="0">
+              <a:solidFill>
+                <a:srgbClr val="0000FF"/>
+              </a:solidFill>
+            </a:endParaRPr>
+          </a:p>
+        </p:txBody>
+      </p:sp>
+      <p:sp>
+        <p:nvSpPr>
+          <p:cNvPr id="21" name="TextBox 20"/>
+          <p:cNvSpPr txBox="1"/>
+          <p:nvPr/>
+        </p:nvSpPr>
+        <p:spPr>
+          <a:xfrm>
+            <a:off x="5972207" y="4915467"/>
+            <a:ext cx="2174130" cy="615553"/>
+          </a:xfrm>
+          <a:prstGeom prst="rect">
+            <a:avLst/>
+          </a:prstGeom>
+          <a:noFill/>
+        </p:spPr>
+        <p:txBody>
+          <a:bodyPr wrap="none" rtlCol="0">
+            <a:spAutoFit/>
+          </a:bodyPr>
+          <a:lstStyle/>
+          <a:p>
+            <a:pPr algn="ctr"/>
+            <a:r>
+              <a:rPr lang="en-US" b="1" dirty="0" smtClean="0">
+                <a:solidFill>
+                  <a:srgbClr val="000000"/>
+                </a:solidFill>
+              </a:rPr>
+              <a:t>Semantic Reference</a:t>
+            </a:r>
+          </a:p>
+          <a:p>
+            <a:pPr algn="ctr"/>
+            <a:r>
+              <a:rPr lang="en-US" sz="1600" dirty="0" smtClean="0">
+                <a:solidFill>
+                  <a:srgbClr val="000000"/>
+                </a:solidFill>
+              </a:rPr>
+              <a:t>(Word vs. Topic)</a:t>
+            </a:r>
+            <a:endParaRPr lang="en-US" sz="1600" dirty="0">
+              <a:solidFill>
+                <a:srgbClr val="000000"/>
+              </a:solidFill>
+            </a:endParaRPr>
+          </a:p>
+        </p:txBody>
+      </p:sp>
+      <p:sp>
+        <p:nvSpPr>
+          <p:cNvPr id="23" name="TextBox 22"/>
+          <p:cNvSpPr txBox="1"/>
+          <p:nvPr/>
+        </p:nvSpPr>
+        <p:spPr>
+          <a:xfrm>
+            <a:off x="1621926" y="6023003"/>
+            <a:ext cx="1561144" cy="615553"/>
+          </a:xfrm>
+          <a:prstGeom prst="rect">
+            <a:avLst/>
+          </a:prstGeom>
+          <a:noFill/>
+        </p:spPr>
+        <p:txBody>
+          <a:bodyPr wrap="none" rtlCol="0">
+            <a:spAutoFit/>
+          </a:bodyPr>
+          <a:lstStyle/>
+          <a:p>
+            <a:pPr algn="ctr"/>
+            <a:r>
+              <a:rPr lang="en-US" b="1" dirty="0" smtClean="0"/>
+              <a:t>Old Matrix</a:t>
+            </a:r>
+          </a:p>
+          <a:p>
+            <a:pPr algn="ctr"/>
+            <a:r>
+              <a:rPr lang="en-US" sz="1600" dirty="0" smtClean="0"/>
+              <a:t>(Word vs. Essay)</a:t>
+            </a:r>
+            <a:endParaRPr lang="en-US" sz="1600" dirty="0"/>
+          </a:p>
+        </p:txBody>
+      </p:sp>
+      <p:sp>
+        <p:nvSpPr>
+          <p:cNvPr id="24" name="TextBox 23"/>
+          <p:cNvSpPr txBox="1"/>
+          <p:nvPr/>
+        </p:nvSpPr>
+        <p:spPr>
+          <a:xfrm>
+            <a:off x="2976481" y="2751667"/>
+            <a:ext cx="3134592" cy="338554"/>
+          </a:xfrm>
+          <a:prstGeom prst="rect">
+            <a:avLst/>
+          </a:prstGeom>
+          <a:noFill/>
+        </p:spPr>
+        <p:txBody>
+          <a:bodyPr wrap="none" rtlCol="0">
+            <a:spAutoFit/>
+          </a:bodyPr>
+          <a:lstStyle/>
+          <a:p>
+            <a:pPr algn="ctr"/>
+            <a:r>
+              <a:rPr lang="en-US" sz="1600" dirty="0" smtClean="0"/>
+              <a:t>Non-Negative Matrix Factorization</a:t>
+            </a:r>
+            <a:endParaRPr lang="en-US" sz="1600" dirty="0"/>
+          </a:p>
+        </p:txBody>
+      </p:sp>
     </p:spTree>
     <p:extLst>
       <p:ext uri="{BB962C8B-B14F-4D97-AF65-F5344CB8AC3E}">
-        <p14:creationId xmlns:p14="http://schemas.microsoft.com/office/powerpoint/2010/main" val="3393586318"/>
+        <p14:creationId xmlns:p14="http://schemas.microsoft.com/office/powerpoint/2010/main" val="2547051352"/>
+      </p:ext>
+    </p:extLst>
+  </p:cSld>
+  <p:clrMapOvr>
+    <a:masterClrMapping/>
+  </p:clrMapOvr>
+  <mc:AlternateContent xmlns:mc="http://schemas.openxmlformats.org/markup-compatibility/2006">
+    <mc:Choice xmlns:p14="http://schemas.microsoft.com/office/powerpoint/2010/main" Requires="p14">
+      <p:transition spd="slow" p14:dur="2000"/>
+    </mc:Choice>
+    <mc:Fallback>
+      <p:transition xmlns:p14="http://schemas.microsoft.com/office/powerpoint/2010/main" spd="slow"/>
+    </mc:Fallback>
+  </mc:AlternateContent>
+  <p:timing>
+    <p:tnLst>
+      <p:par>
+        <p:cTn xmlns:p14="http://schemas.microsoft.com/office/powerpoint/2010/main" id="1" dur="indefinite" restart="never" nodeType="tmRoot"/>
+      </p:par>
+    </p:tnLst>
+  </p:timing>
+</p:sld>
+</file>
+
+<file path=ppt/slides/slide9.xml><?xml version="1.0" encoding="utf-8"?>
+<p:sld xmlns:a="http://schemas.openxmlformats.org/drawingml/2006/main" xmlns:r="http://schemas.openxmlformats.org/officeDocument/2006/relationships" xmlns:p="http://schemas.openxmlformats.org/presentationml/2006/main">
+  <p:cSld>
+    <p:spTree>
+      <p:nvGrpSpPr>
+        <p:cNvPr id="1" name=""/>
+        <p:cNvGrpSpPr/>
+        <p:nvPr/>
+      </p:nvGrpSpPr>
+      <p:grpSpPr>
+        <a:xfrm>
+          <a:off x="0" y="0"/>
+          <a:ext cx="0" cy="0"/>
+          <a:chOff x="0" y="0"/>
+          <a:chExt cx="0" cy="0"/>
+        </a:xfrm>
+      </p:grpSpPr>
+      <p:sp>
+        <p:nvSpPr>
+          <p:cNvPr id="2" name="Title 1"/>
+          <p:cNvSpPr>
+            <a:spLocks noGrp="1"/>
+          </p:cNvSpPr>
+          <p:nvPr>
+            <p:ph type="title"/>
+          </p:nvPr>
+        </p:nvSpPr>
+        <p:spPr/>
+        <p:txBody>
+          <a:bodyPr/>
+          <a:lstStyle/>
+          <a:p>
+            <a:r>
+              <a:rPr lang="en-US" dirty="0" smtClean="0"/>
+              <a:t>What’s in an Essay?</a:t>
+            </a:r>
+            <a:endParaRPr lang="en-US" dirty="0"/>
+          </a:p>
+        </p:txBody>
+      </p:sp>
+      <p:graphicFrame>
+        <p:nvGraphicFramePr>
+          <p:cNvPr id="27" name="Table 26"/>
+          <p:cNvGraphicFramePr>
+            <a:graphicFrameLocks noGrp="1"/>
+          </p:cNvGraphicFramePr>
+          <p:nvPr>
+            <p:extLst>
+              <p:ext uri="{D42A27DB-BD31-4B8C-83A1-F6EECF244321}">
+                <p14:modId xmlns:p14="http://schemas.microsoft.com/office/powerpoint/2010/main" val="3966612753"/>
+              </p:ext>
+            </p:extLst>
+          </p:nvPr>
+        </p:nvGraphicFramePr>
+        <p:xfrm>
+          <a:off x="738901" y="1771765"/>
+          <a:ext cx="5956926" cy="741680"/>
+        </p:xfrm>
+        <a:graphic>
+          <a:graphicData uri="http://schemas.openxmlformats.org/drawingml/2006/table">
+            <a:tbl>
+              <a:tblPr>
+                <a:tableStyleId>{5C22544A-7EE6-4342-B048-85BDC9FD1C3A}</a:tableStyleId>
+              </a:tblPr>
+              <a:tblGrid>
+                <a:gridCol w="832410"/>
+                <a:gridCol w="1708172"/>
+                <a:gridCol w="1708172"/>
+                <a:gridCol w="1708172"/>
+              </a:tblGrid>
+              <a:tr h="370840">
+                <a:tc>
+                  <a:txBody>
+                    <a:bodyPr/>
+                    <a:lstStyle/>
+                    <a:p>
+                      <a:pPr algn="ctr"/>
+                      <a:r>
+                        <a:rPr lang="en-US" sz="1400" b="0" dirty="0" smtClean="0"/>
+                        <a:t>Step</a:t>
+                      </a:r>
+                      <a:endParaRPr lang="en-US" sz="1400" b="0" dirty="0"/>
+                    </a:p>
+                  </a:txBody>
+                  <a:tcPr>
+                    <a:lnR w="12700" cap="flat" cmpd="sng" algn="ctr">
+                      <a:solidFill>
+                        <a:prstClr val="black">
+                          <a:lumMod val="65000"/>
+                          <a:lumOff val="35000"/>
+                        </a:prstClr>
+                      </a:solidFill>
+                      <a:prstDash val="solid"/>
+                      <a:round/>
+                      <a:headEnd type="none" w="med" len="med"/>
+                      <a:tailEnd type="none" w="med" len="med"/>
+                    </a:lnR>
+                    <a:lnB w="12700" cap="flat" cmpd="sng" algn="ctr">
+                      <a:solidFill>
+                        <a:prstClr val="black">
+                          <a:lumMod val="65000"/>
+                          <a:lumOff val="35000"/>
+                        </a:prstClr>
+                      </a:solidFill>
+                      <a:prstDash val="solid"/>
+                      <a:round/>
+                      <a:headEnd type="none" w="med" len="med"/>
+                      <a:tailEnd type="none" w="med" len="med"/>
+                    </a:lnB>
+                    <a:noFill/>
+                  </a:tcPr>
+                </a:tc>
+                <a:tc>
+                  <a:txBody>
+                    <a:bodyPr/>
+                    <a:lstStyle/>
+                    <a:p>
+                      <a:pPr algn="ctr"/>
+                      <a:r>
+                        <a:rPr lang="en-US" sz="1400" b="1" baseline="0" dirty="0" err="1" smtClean="0">
+                          <a:solidFill>
+                            <a:srgbClr val="000000"/>
+                          </a:solidFill>
+                        </a:rPr>
+                        <a:t>Vectorize</a:t>
+                      </a:r>
+                      <a:r>
+                        <a:rPr lang="en-US" sz="1400" b="1" baseline="0" dirty="0" smtClean="0">
+                          <a:solidFill>
+                            <a:srgbClr val="000000"/>
+                          </a:solidFill>
+                        </a:rPr>
+                        <a:t> Text</a:t>
+                      </a:r>
+                      <a:endParaRPr lang="en-US" sz="1400" b="1" dirty="0">
+                        <a:solidFill>
+                          <a:srgbClr val="000000"/>
+                        </a:solidFill>
+                      </a:endParaRPr>
+                    </a:p>
+                  </a:txBody>
+                  <a:tcPr>
+                    <a:lnL w="12700" cap="flat" cmpd="sng" algn="ctr">
+                      <a:solidFill>
+                        <a:prstClr val="black">
+                          <a:lumMod val="65000"/>
+                          <a:lumOff val="35000"/>
+                        </a:prstClr>
+                      </a:solidFill>
+                      <a:prstDash val="solid"/>
+                      <a:round/>
+                      <a:headEnd type="none" w="med" len="med"/>
+                      <a:tailEnd type="none" w="med" len="med"/>
+                    </a:lnL>
+                    <a:lnR w="12700" cap="flat" cmpd="sng" algn="ctr">
+                      <a:noFill/>
+                      <a:prstDash val="solid"/>
+                      <a:round/>
+                      <a:headEnd type="none" w="med" len="med"/>
+                      <a:tailEnd type="none" w="med" len="med"/>
+                    </a:lnR>
+                    <a:lnB w="12700" cap="flat" cmpd="sng" algn="ctr">
+                      <a:solidFill>
+                        <a:prstClr val="black">
+                          <a:lumMod val="65000"/>
+                          <a:lumOff val="35000"/>
+                        </a:prstClr>
+                      </a:solidFill>
+                      <a:prstDash val="solid"/>
+                      <a:round/>
+                      <a:headEnd type="none" w="med" len="med"/>
+                      <a:tailEnd type="none" w="med" len="med"/>
+                    </a:lnB>
+                    <a:noFill/>
+                  </a:tcPr>
+                </a:tc>
+                <a:tc>
+                  <a:txBody>
+                    <a:bodyPr/>
+                    <a:lstStyle/>
+                    <a:p>
+                      <a:pPr algn="ctr"/>
+                      <a:r>
+                        <a:rPr lang="en-US" sz="1400" b="1" dirty="0" smtClean="0">
+                          <a:solidFill>
+                            <a:schemeClr val="tx1"/>
+                          </a:solidFill>
+                        </a:rPr>
+                        <a:t>Topic Modeling</a:t>
+                      </a:r>
+                      <a:endParaRPr lang="en-US" sz="1400" b="1" dirty="0">
+                        <a:solidFill>
+                          <a:schemeClr val="tx1"/>
+                        </a:solidFill>
+                      </a:endParaRPr>
+                    </a:p>
+                  </a:txBody>
+                  <a:tcPr>
+                    <a:lnL w="12700" cap="flat" cmpd="sng" algn="ctr">
+                      <a:noFill/>
+                      <a:prstDash val="solid"/>
+                      <a:round/>
+                      <a:headEnd type="none" w="med" len="med"/>
+                      <a:tailEnd type="none" w="med" len="med"/>
+                    </a:lnL>
+                    <a:lnR w="12700" cap="flat" cmpd="sng" algn="ctr">
+                      <a:noFill/>
+                      <a:prstDash val="solid"/>
+                      <a:round/>
+                      <a:headEnd type="none" w="med" len="med"/>
+                      <a:tailEnd type="none" w="med" len="med"/>
+                    </a:lnR>
+                    <a:lnB w="12700" cap="flat" cmpd="sng" algn="ctr">
+                      <a:solidFill>
+                        <a:prstClr val="black">
+                          <a:lumMod val="65000"/>
+                          <a:lumOff val="35000"/>
+                        </a:prstClr>
+                      </a:solidFill>
+                      <a:prstDash val="solid"/>
+                      <a:round/>
+                      <a:headEnd type="none" w="med" len="med"/>
+                      <a:tailEnd type="none" w="med" len="med"/>
+                    </a:lnB>
+                    <a:noFill/>
+                  </a:tcPr>
+                </a:tc>
+                <a:tc>
+                  <a:txBody>
+                    <a:bodyPr/>
+                    <a:lstStyle/>
+                    <a:p>
+                      <a:pPr algn="ctr"/>
+                      <a:r>
+                        <a:rPr lang="en-US" sz="1400" dirty="0" smtClean="0">
+                          <a:solidFill>
+                            <a:schemeClr val="bg1">
+                              <a:lumMod val="65000"/>
+                            </a:schemeClr>
+                          </a:solidFill>
+                        </a:rPr>
+                        <a:t>Analyze</a:t>
+                      </a:r>
+                      <a:endParaRPr lang="en-US" sz="1400" dirty="0">
+                        <a:solidFill>
+                          <a:schemeClr val="bg1">
+                            <a:lumMod val="65000"/>
+                          </a:schemeClr>
+                        </a:solidFill>
+                      </a:endParaRPr>
+                    </a:p>
+                  </a:txBody>
+                  <a:tcPr>
+                    <a:lnL w="12700" cap="flat" cmpd="sng" algn="ctr">
+                      <a:noFill/>
+                      <a:prstDash val="solid"/>
+                      <a:round/>
+                      <a:headEnd type="none" w="med" len="med"/>
+                      <a:tailEnd type="none" w="med" len="med"/>
+                    </a:lnL>
+                    <a:lnR w="12700" cap="flat" cmpd="sng" algn="ctr">
+                      <a:noFill/>
+                      <a:prstDash val="solid"/>
+                      <a:round/>
+                      <a:headEnd type="none" w="med" len="med"/>
+                      <a:tailEnd type="none" w="med" len="med"/>
+                    </a:lnR>
+                    <a:lnB w="12700" cap="flat" cmpd="sng" algn="ctr">
+                      <a:solidFill>
+                        <a:prstClr val="black">
+                          <a:lumMod val="65000"/>
+                          <a:lumOff val="35000"/>
+                        </a:prstClr>
+                      </a:solidFill>
+                      <a:prstDash val="solid"/>
+                      <a:round/>
+                      <a:headEnd type="none" w="med" len="med"/>
+                      <a:tailEnd type="none" w="med" len="med"/>
+                    </a:lnB>
+                    <a:noFill/>
+                  </a:tcPr>
+                </a:tc>
+              </a:tr>
+              <a:tr h="370840">
+                <a:tc>
+                  <a:txBody>
+                    <a:bodyPr/>
+                    <a:lstStyle/>
+                    <a:p>
+                      <a:pPr algn="ctr"/>
+                      <a:r>
+                        <a:rPr lang="en-US" sz="1400" b="0" dirty="0" smtClean="0"/>
+                        <a:t>Method</a:t>
+                      </a:r>
+                      <a:endParaRPr lang="en-US" sz="1400" b="0" dirty="0"/>
+                    </a:p>
+                  </a:txBody>
+                  <a:tcPr>
+                    <a:lnR w="12700" cap="flat" cmpd="sng" algn="ctr">
+                      <a:solidFill>
+                        <a:prstClr val="black">
+                          <a:lumMod val="65000"/>
+                          <a:lumOff val="35000"/>
+                        </a:prstClr>
+                      </a:solidFill>
+                      <a:prstDash val="solid"/>
+                      <a:round/>
+                      <a:headEnd type="none" w="med" len="med"/>
+                      <a:tailEnd type="none" w="med" len="med"/>
+                    </a:lnR>
+                    <a:lnT w="12700" cap="flat" cmpd="sng" algn="ctr">
+                      <a:solidFill>
+                        <a:prstClr val="black">
+                          <a:lumMod val="65000"/>
+                          <a:lumOff val="35000"/>
+                        </a:prstClr>
+                      </a:solidFill>
+                      <a:prstDash val="solid"/>
+                      <a:round/>
+                      <a:headEnd type="none" w="med" len="med"/>
+                      <a:tailEnd type="none" w="med" len="med"/>
+                    </a:lnT>
+                    <a:noFill/>
+                  </a:tcPr>
+                </a:tc>
+                <a:tc>
+                  <a:txBody>
+                    <a:bodyPr/>
+                    <a:lstStyle/>
+                    <a:p>
+                      <a:pPr algn="ctr"/>
+                      <a:r>
+                        <a:rPr lang="en-US" sz="1400" b="1" i="1" dirty="0" smtClean="0">
+                          <a:solidFill>
+                            <a:srgbClr val="000000"/>
+                          </a:solidFill>
+                        </a:rPr>
+                        <a:t>TF-IDF</a:t>
+                      </a:r>
+                      <a:endParaRPr lang="en-US" sz="1400" b="1" i="1" dirty="0">
+                        <a:solidFill>
+                          <a:srgbClr val="000000"/>
+                        </a:solidFill>
+                      </a:endParaRPr>
+                    </a:p>
+                  </a:txBody>
+                  <a:tcPr>
+                    <a:lnL w="12700" cap="flat" cmpd="sng" algn="ctr">
+                      <a:solidFill>
+                        <a:prstClr val="black">
+                          <a:lumMod val="65000"/>
+                          <a:lumOff val="35000"/>
+                        </a:prstClr>
+                      </a:solidFill>
+                      <a:prstDash val="solid"/>
+                      <a:round/>
+                      <a:headEnd type="none" w="med" len="med"/>
+                      <a:tailEnd type="none" w="med" len="med"/>
+                    </a:lnL>
+                    <a:lnR w="12700" cap="flat" cmpd="sng" algn="ctr">
+                      <a:noFill/>
+                      <a:prstDash val="solid"/>
+                      <a:round/>
+                      <a:headEnd type="none" w="med" len="med"/>
+                      <a:tailEnd type="none" w="med" len="med"/>
+                    </a:lnR>
+                    <a:lnT w="12700" cap="flat" cmpd="sng" algn="ctr">
+                      <a:solidFill>
+                        <a:prstClr val="black">
+                          <a:lumMod val="65000"/>
+                          <a:lumOff val="35000"/>
+                        </a:prstClr>
+                      </a:solidFill>
+                      <a:prstDash val="solid"/>
+                      <a:round/>
+                      <a:headEnd type="none" w="med" len="med"/>
+                      <a:tailEnd type="none" w="med" len="med"/>
+                    </a:lnT>
+                    <a:noFill/>
+                  </a:tcPr>
+                </a:tc>
+                <a:tc>
+                  <a:txBody>
+                    <a:bodyPr/>
+                    <a:lstStyle/>
+                    <a:p>
+                      <a:pPr algn="ctr"/>
+                      <a:r>
+                        <a:rPr lang="en-US" sz="1400" b="1" i="1" dirty="0" smtClean="0">
+                          <a:solidFill>
+                            <a:schemeClr val="tx1"/>
+                          </a:solidFill>
+                        </a:rPr>
+                        <a:t>NMF (Fit)</a:t>
+                      </a:r>
+                      <a:endParaRPr lang="en-US" sz="1400" b="1" i="1" dirty="0">
+                        <a:solidFill>
+                          <a:schemeClr val="tx1"/>
+                        </a:solidFill>
+                      </a:endParaRPr>
+                    </a:p>
+                  </a:txBody>
+                  <a:tcPr>
+                    <a:lnL w="12700" cap="flat" cmpd="sng" algn="ctr">
+                      <a:noFill/>
+                      <a:prstDash val="solid"/>
+                      <a:round/>
+                      <a:headEnd type="none" w="med" len="med"/>
+                      <a:tailEnd type="none" w="med" len="med"/>
+                    </a:lnL>
+                    <a:lnR w="12700" cap="flat" cmpd="sng" algn="ctr">
+                      <a:noFill/>
+                      <a:prstDash val="solid"/>
+                      <a:round/>
+                      <a:headEnd type="none" w="med" len="med"/>
+                      <a:tailEnd type="none" w="med" len="med"/>
+                    </a:lnR>
+                    <a:lnT w="12700" cap="flat" cmpd="sng" algn="ctr">
+                      <a:solidFill>
+                        <a:prstClr val="black">
+                          <a:lumMod val="65000"/>
+                          <a:lumOff val="35000"/>
+                        </a:prstClr>
+                      </a:solidFill>
+                      <a:prstDash val="solid"/>
+                      <a:round/>
+                      <a:headEnd type="none" w="med" len="med"/>
+                      <a:tailEnd type="none" w="med" len="med"/>
+                    </a:lnT>
+                    <a:noFill/>
+                  </a:tcPr>
+                </a:tc>
+                <a:tc>
+                  <a:txBody>
+                    <a:bodyPr/>
+                    <a:lstStyle/>
+                    <a:p>
+                      <a:pPr algn="ctr"/>
+                      <a:r>
+                        <a:rPr lang="en-US" sz="1400" i="1" dirty="0" smtClean="0">
+                          <a:solidFill>
+                            <a:schemeClr val="bg1">
+                              <a:lumMod val="65000"/>
+                            </a:schemeClr>
+                          </a:solidFill>
+                        </a:rPr>
+                        <a:t>NMF (Transform</a:t>
+                      </a:r>
+                      <a:r>
+                        <a:rPr lang="en-US" sz="1400" i="1" dirty="0" smtClean="0">
+                          <a:solidFill>
+                            <a:schemeClr val="bg1">
+                              <a:lumMod val="65000"/>
+                            </a:schemeClr>
+                          </a:solidFill>
+                        </a:rPr>
+                        <a:t>)</a:t>
+                      </a:r>
+                      <a:endParaRPr lang="en-US" sz="1400" i="1" dirty="0">
+                        <a:solidFill>
+                          <a:schemeClr val="bg1">
+                            <a:lumMod val="65000"/>
+                          </a:schemeClr>
+                        </a:solidFill>
+                      </a:endParaRPr>
+                    </a:p>
+                  </a:txBody>
+                  <a:tcPr>
+                    <a:lnL w="12700" cap="flat" cmpd="sng" algn="ctr">
+                      <a:noFill/>
+                      <a:prstDash val="solid"/>
+                      <a:round/>
+                      <a:headEnd type="none" w="med" len="med"/>
+                      <a:tailEnd type="none" w="med" len="med"/>
+                    </a:lnL>
+                    <a:lnR w="12700" cap="flat" cmpd="sng" algn="ctr">
+                      <a:noFill/>
+                      <a:prstDash val="solid"/>
+                      <a:round/>
+                      <a:headEnd type="none" w="med" len="med"/>
+                      <a:tailEnd type="none" w="med" len="med"/>
+                    </a:lnR>
+                    <a:lnT w="12700" cap="flat" cmpd="sng" algn="ctr">
+                      <a:solidFill>
+                        <a:prstClr val="black">
+                          <a:lumMod val="65000"/>
+                          <a:lumOff val="35000"/>
+                        </a:prstClr>
+                      </a:solidFill>
+                      <a:prstDash val="solid"/>
+                      <a:round/>
+                      <a:headEnd type="none" w="med" len="med"/>
+                      <a:tailEnd type="none" w="med" len="med"/>
+                    </a:lnT>
+                    <a:noFill/>
+                  </a:tcPr>
+                </a:tc>
+              </a:tr>
+            </a:tbl>
+          </a:graphicData>
+        </a:graphic>
+      </p:graphicFrame>
+      <p:sp>
+        <p:nvSpPr>
+          <p:cNvPr id="4" name="Isosceles Triangle 3"/>
+          <p:cNvSpPr/>
+          <p:nvPr/>
+        </p:nvSpPr>
+        <p:spPr>
+          <a:xfrm rot="5400000">
+            <a:off x="3254242" y="2048780"/>
+            <a:ext cx="226069" cy="194887"/>
+          </a:xfrm>
+          <a:prstGeom prst="triangle">
+            <a:avLst/>
+          </a:prstGeom>
+          <a:solidFill>
+            <a:schemeClr val="tx1">
+              <a:lumMod val="65000"/>
+              <a:lumOff val="35000"/>
+            </a:schemeClr>
+          </a:solidFill>
+          <a:ln>
+            <a:noFill/>
+          </a:ln>
+          <a:effectLst/>
+        </p:spPr>
+        <p:style>
+          <a:lnRef idx="1">
+            <a:schemeClr val="accent1"/>
+          </a:lnRef>
+          <a:fillRef idx="3">
+            <a:schemeClr val="accent1"/>
+          </a:fillRef>
+          <a:effectRef idx="2">
+            <a:schemeClr val="accent1"/>
+          </a:effectRef>
+          <a:fontRef idx="minor">
+            <a:schemeClr val="lt1"/>
+          </a:fontRef>
+        </p:style>
+        <p:txBody>
+          <a:bodyPr rtlCol="0" anchor="ctr"/>
+          <a:lstStyle/>
+          <a:p>
+            <a:pPr algn="ctr"/>
+            <a:endParaRPr lang="en-US"/>
+          </a:p>
+        </p:txBody>
+      </p:sp>
+      <p:sp>
+        <p:nvSpPr>
+          <p:cNvPr id="5" name="Isosceles Triangle 4"/>
+          <p:cNvSpPr/>
+          <p:nvPr/>
+        </p:nvSpPr>
+        <p:spPr>
+          <a:xfrm rot="5400000">
+            <a:off x="4923023" y="2048780"/>
+            <a:ext cx="226069" cy="194887"/>
+          </a:xfrm>
+          <a:prstGeom prst="triangle">
+            <a:avLst/>
+          </a:prstGeom>
+          <a:solidFill>
+            <a:schemeClr val="bg1">
+              <a:lumMod val="75000"/>
+            </a:schemeClr>
+          </a:solidFill>
+          <a:ln>
+            <a:noFill/>
+          </a:ln>
+          <a:effectLst/>
+        </p:spPr>
+        <p:style>
+          <a:lnRef idx="1">
+            <a:schemeClr val="accent1"/>
+          </a:lnRef>
+          <a:fillRef idx="3">
+            <a:schemeClr val="accent1"/>
+          </a:fillRef>
+          <a:effectRef idx="2">
+            <a:schemeClr val="accent1"/>
+          </a:effectRef>
+          <a:fontRef idx="minor">
+            <a:schemeClr val="lt1"/>
+          </a:fontRef>
+        </p:style>
+        <p:txBody>
+          <a:bodyPr rtlCol="0" anchor="ctr"/>
+          <a:lstStyle/>
+          <a:p>
+            <a:pPr algn="ctr"/>
+            <a:endParaRPr lang="en-US"/>
+          </a:p>
+        </p:txBody>
+      </p:sp>
+      <p:sp>
+        <p:nvSpPr>
+          <p:cNvPr id="13" name="Rectangle 12"/>
+          <p:cNvSpPr/>
+          <p:nvPr/>
+        </p:nvSpPr>
+        <p:spPr>
+          <a:xfrm>
+            <a:off x="1229873" y="3640668"/>
+            <a:ext cx="6138334" cy="2031999"/>
+          </a:xfrm>
+          <a:prstGeom prst="rect">
+            <a:avLst/>
+          </a:prstGeom>
+          <a:solidFill>
+            <a:schemeClr val="bg1">
+              <a:lumMod val="85000"/>
+            </a:schemeClr>
+          </a:solidFill>
+          <a:ln>
+            <a:noFill/>
+          </a:ln>
+          <a:effectLst/>
+        </p:spPr>
+        <p:style>
+          <a:lnRef idx="1">
+            <a:schemeClr val="accent1"/>
+          </a:lnRef>
+          <a:fillRef idx="3">
+            <a:schemeClr val="accent1"/>
+          </a:fillRef>
+          <a:effectRef idx="2">
+            <a:schemeClr val="accent1"/>
+          </a:effectRef>
+          <a:fontRef idx="minor">
+            <a:schemeClr val="lt1"/>
+          </a:fontRef>
+        </p:style>
+        <p:txBody>
+          <a:bodyPr rtlCol="0" anchor="ctr"/>
+          <a:lstStyle/>
+          <a:p>
+            <a:pPr algn="ctr"/>
+            <a:endParaRPr lang="en-US"/>
+          </a:p>
+        </p:txBody>
+      </p:sp>
+      <p:sp>
+        <p:nvSpPr>
+          <p:cNvPr id="19" name="TextBox 18"/>
+          <p:cNvSpPr txBox="1"/>
+          <p:nvPr/>
+        </p:nvSpPr>
+        <p:spPr>
+          <a:xfrm rot="16200000">
+            <a:off x="565280" y="4439214"/>
+            <a:ext cx="748378" cy="338554"/>
+          </a:xfrm>
+          <a:prstGeom prst="rect">
+            <a:avLst/>
+          </a:prstGeom>
+          <a:noFill/>
+        </p:spPr>
+        <p:txBody>
+          <a:bodyPr wrap="none" rtlCol="0">
+            <a:spAutoFit/>
+          </a:bodyPr>
+          <a:lstStyle/>
+          <a:p>
+            <a:pPr algn="ctr"/>
+            <a:r>
+              <a:rPr lang="en-US" sz="1600" i="1" dirty="0" smtClean="0"/>
+              <a:t>Topics</a:t>
+            </a:r>
+            <a:endParaRPr lang="en-US" sz="1600" i="1" dirty="0"/>
+          </a:p>
+        </p:txBody>
+      </p:sp>
+      <p:sp>
+        <p:nvSpPr>
+          <p:cNvPr id="20" name="TextBox 19"/>
+          <p:cNvSpPr txBox="1"/>
+          <p:nvPr/>
+        </p:nvSpPr>
+        <p:spPr>
+          <a:xfrm>
+            <a:off x="3918740" y="3259781"/>
+            <a:ext cx="760601" cy="338554"/>
+          </a:xfrm>
+          <a:prstGeom prst="rect">
+            <a:avLst/>
+          </a:prstGeom>
+          <a:noFill/>
+        </p:spPr>
+        <p:txBody>
+          <a:bodyPr wrap="none" rtlCol="0">
+            <a:spAutoFit/>
+          </a:bodyPr>
+          <a:lstStyle/>
+          <a:p>
+            <a:pPr algn="ctr"/>
+            <a:r>
+              <a:rPr lang="en-US" sz="1600" i="1" dirty="0" smtClean="0"/>
+              <a:t>Words</a:t>
+            </a:r>
+            <a:endParaRPr lang="en-US" sz="1600" i="1" dirty="0"/>
+          </a:p>
+        </p:txBody>
+      </p:sp>
+      <p:sp>
+        <p:nvSpPr>
+          <p:cNvPr id="15" name="TextBox 14"/>
+          <p:cNvSpPr txBox="1"/>
+          <p:nvPr/>
+        </p:nvSpPr>
+        <p:spPr>
+          <a:xfrm>
+            <a:off x="2976481" y="2751667"/>
+            <a:ext cx="3134592" cy="338554"/>
+          </a:xfrm>
+          <a:prstGeom prst="rect">
+            <a:avLst/>
+          </a:prstGeom>
+          <a:noFill/>
+        </p:spPr>
+        <p:txBody>
+          <a:bodyPr wrap="none" rtlCol="0">
+            <a:spAutoFit/>
+          </a:bodyPr>
+          <a:lstStyle/>
+          <a:p>
+            <a:pPr algn="ctr"/>
+            <a:r>
+              <a:rPr lang="en-US" sz="1600" dirty="0" smtClean="0"/>
+              <a:t>Non-Negative Matrix Factorization</a:t>
+            </a:r>
+            <a:endParaRPr lang="en-US" sz="1600" dirty="0"/>
+          </a:p>
+        </p:txBody>
+      </p:sp>
+      <p:cxnSp>
+        <p:nvCxnSpPr>
+          <p:cNvPr id="22" name="Straight Connector 21"/>
+          <p:cNvCxnSpPr/>
+          <p:nvPr/>
+        </p:nvCxnSpPr>
+        <p:spPr>
+          <a:xfrm>
+            <a:off x="1099594" y="3133204"/>
+            <a:ext cx="7137941" cy="0"/>
+          </a:xfrm>
+          <a:prstGeom prst="line">
+            <a:avLst/>
+          </a:prstGeom>
+          <a:ln w="3175" cmpd="sng">
+            <a:solidFill>
+              <a:schemeClr val="bg1">
+                <a:lumMod val="75000"/>
+              </a:schemeClr>
+            </a:solidFill>
+          </a:ln>
+          <a:effectLst/>
+        </p:spPr>
+        <p:style>
+          <a:lnRef idx="2">
+            <a:schemeClr val="accent1"/>
+          </a:lnRef>
+          <a:fillRef idx="0">
+            <a:schemeClr val="accent1"/>
+          </a:fillRef>
+          <a:effectRef idx="1">
+            <a:schemeClr val="accent1"/>
+          </a:effectRef>
+          <a:fontRef idx="minor">
+            <a:schemeClr val="tx1"/>
+          </a:fontRef>
+        </p:style>
+      </p:cxnSp>
+      <p:sp>
+        <p:nvSpPr>
+          <p:cNvPr id="21" name="TextBox 20"/>
+          <p:cNvSpPr txBox="1"/>
+          <p:nvPr/>
+        </p:nvSpPr>
+        <p:spPr>
+          <a:xfrm>
+            <a:off x="3230197" y="5672667"/>
+            <a:ext cx="2174130" cy="615553"/>
+          </a:xfrm>
+          <a:prstGeom prst="rect">
+            <a:avLst/>
+          </a:prstGeom>
+          <a:noFill/>
+        </p:spPr>
+        <p:txBody>
+          <a:bodyPr wrap="none" rtlCol="0">
+            <a:spAutoFit/>
+          </a:bodyPr>
+          <a:lstStyle/>
+          <a:p>
+            <a:pPr algn="ctr"/>
+            <a:r>
+              <a:rPr lang="en-US" b="1" dirty="0" smtClean="0">
+                <a:solidFill>
+                  <a:srgbClr val="000000"/>
+                </a:solidFill>
+              </a:rPr>
+              <a:t>Semantic Reference</a:t>
+            </a:r>
+          </a:p>
+          <a:p>
+            <a:pPr algn="ctr"/>
+            <a:r>
+              <a:rPr lang="en-US" sz="1600" dirty="0" smtClean="0">
+                <a:solidFill>
+                  <a:srgbClr val="000000"/>
+                </a:solidFill>
+              </a:rPr>
+              <a:t>(Word vs. Topic)</a:t>
+            </a:r>
+            <a:endParaRPr lang="en-US" sz="1600" dirty="0">
+              <a:solidFill>
+                <a:srgbClr val="000000"/>
+              </a:solidFill>
+            </a:endParaRPr>
+          </a:p>
+        </p:txBody>
+      </p:sp>
+      <p:graphicFrame>
+        <p:nvGraphicFramePr>
+          <p:cNvPr id="7" name="Table 6"/>
+          <p:cNvGraphicFramePr>
+            <a:graphicFrameLocks noGrp="1"/>
+          </p:cNvGraphicFramePr>
+          <p:nvPr>
+            <p:extLst>
+              <p:ext uri="{D42A27DB-BD31-4B8C-83A1-F6EECF244321}">
+                <p14:modId xmlns:p14="http://schemas.microsoft.com/office/powerpoint/2010/main" val="533015832"/>
+              </p:ext>
+            </p:extLst>
+          </p:nvPr>
+        </p:nvGraphicFramePr>
+        <p:xfrm>
+          <a:off x="1251039" y="3640668"/>
+          <a:ext cx="6117168" cy="1920240"/>
+        </p:xfrm>
+        <a:graphic>
+          <a:graphicData uri="http://schemas.openxmlformats.org/drawingml/2006/table">
+            <a:tbl>
+              <a:tblPr firstRow="1" bandRow="1">
+                <a:tableStyleId>{5C22544A-7EE6-4342-B048-85BDC9FD1C3A}</a:tableStyleId>
+              </a:tblPr>
+              <a:tblGrid>
+                <a:gridCol w="1019528"/>
+                <a:gridCol w="1019528"/>
+                <a:gridCol w="1019528"/>
+                <a:gridCol w="1019528"/>
+                <a:gridCol w="1019528"/>
+                <a:gridCol w="1019528"/>
+              </a:tblGrid>
+              <a:tr h="251984">
+                <a:tc>
+                  <a:txBody>
+                    <a:bodyPr/>
+                    <a:lstStyle/>
+                    <a:p>
+                      <a:pPr algn="ctr"/>
+                      <a:r>
+                        <a:rPr lang="en-US" sz="1200" b="0" dirty="0" smtClean="0">
+                          <a:solidFill>
+                            <a:srgbClr val="000000"/>
+                          </a:solidFill>
+                        </a:rPr>
+                        <a:t>mother</a:t>
+                      </a:r>
+                      <a:endParaRPr lang="en-US" sz="1200" b="0" dirty="0">
+                        <a:solidFill>
+                          <a:srgbClr val="000000"/>
+                        </a:solidFill>
+                      </a:endParaRPr>
+                    </a:p>
+                  </a:txBody>
+                  <a:tcPr anchor="ctr">
+                    <a:lnL w="12700" cmpd="sng">
+                      <a:noFill/>
+                    </a:lnL>
+                    <a:lnR w="12700" cmpd="sng">
+                      <a:noFill/>
+                    </a:lnR>
+                    <a:lnT w="12700" cmpd="sng">
+                      <a:noFill/>
+                    </a:lnT>
+                    <a:lnB w="38100" cmpd="sng">
+                      <a:noFill/>
+                    </a:lnB>
+                    <a:lnTlToBr w="12700" cmpd="sng">
+                      <a:noFill/>
+                      <a:prstDash val="solid"/>
+                    </a:lnTlToBr>
+                    <a:lnBlToTr w="12700" cmpd="sng">
+                      <a:noFill/>
+                      <a:prstDash val="solid"/>
+                    </a:lnBlToTr>
+                    <a:noFill/>
+                  </a:tcPr>
+                </a:tc>
+                <a:tc>
+                  <a:txBody>
+                    <a:bodyPr/>
+                    <a:lstStyle/>
+                    <a:p>
+                      <a:pPr algn="ctr"/>
+                      <a:r>
+                        <a:rPr lang="en-US" sz="1200" b="0" dirty="0" smtClean="0">
+                          <a:solidFill>
+                            <a:srgbClr val="000000"/>
+                          </a:solidFill>
+                        </a:rPr>
+                        <a:t>father</a:t>
+                      </a:r>
+                      <a:endParaRPr lang="en-US" sz="1200" b="0" dirty="0">
+                        <a:solidFill>
+                          <a:srgbClr val="000000"/>
+                        </a:solidFill>
+                      </a:endParaRPr>
+                    </a:p>
+                  </a:txBody>
+                  <a:tcPr anchor="ctr">
+                    <a:lnL w="12700" cmpd="sng">
+                      <a:noFill/>
+                    </a:lnL>
+                    <a:lnR w="12700" cmpd="sng">
+                      <a:noFill/>
+                    </a:lnR>
+                    <a:lnT w="12700" cmpd="sng">
+                      <a:noFill/>
+                    </a:lnT>
+                    <a:lnB w="38100" cmpd="sng">
+                      <a:noFill/>
+                    </a:lnB>
+                    <a:lnTlToBr w="12700" cmpd="sng">
+                      <a:noFill/>
+                      <a:prstDash val="solid"/>
+                    </a:lnTlToBr>
+                    <a:lnBlToTr w="12700" cmpd="sng">
+                      <a:noFill/>
+                      <a:prstDash val="solid"/>
+                    </a:lnBlToTr>
+                    <a:noFill/>
+                  </a:tcPr>
+                </a:tc>
+                <a:tc>
+                  <a:txBody>
+                    <a:bodyPr/>
+                    <a:lstStyle/>
+                    <a:p>
+                      <a:pPr algn="ctr"/>
+                      <a:r>
+                        <a:rPr lang="en-US" sz="1200" b="0" dirty="0" smtClean="0">
+                          <a:solidFill>
+                            <a:srgbClr val="000000"/>
+                          </a:solidFill>
+                        </a:rPr>
+                        <a:t>family</a:t>
+                      </a:r>
+                      <a:endParaRPr lang="en-US" sz="1200" b="0" dirty="0">
+                        <a:solidFill>
+                          <a:srgbClr val="000000"/>
+                        </a:solidFill>
+                      </a:endParaRPr>
+                    </a:p>
+                  </a:txBody>
+                  <a:tcPr anchor="ctr">
+                    <a:lnL w="12700" cmpd="sng">
+                      <a:noFill/>
+                    </a:lnL>
+                    <a:lnR w="12700" cmpd="sng">
+                      <a:noFill/>
+                    </a:lnR>
+                    <a:lnT w="12700" cmpd="sng">
+                      <a:noFill/>
+                    </a:lnT>
+                    <a:lnB w="38100" cmpd="sng">
+                      <a:noFill/>
+                    </a:lnB>
+                    <a:lnTlToBr w="12700" cmpd="sng">
+                      <a:noFill/>
+                      <a:prstDash val="solid"/>
+                    </a:lnTlToBr>
+                    <a:lnBlToTr w="12700" cmpd="sng">
+                      <a:noFill/>
+                      <a:prstDash val="solid"/>
+                    </a:lnBlToTr>
+                    <a:noFill/>
+                  </a:tcPr>
+                </a:tc>
+                <a:tc>
+                  <a:txBody>
+                    <a:bodyPr/>
+                    <a:lstStyle/>
+                    <a:p>
+                      <a:pPr algn="ctr"/>
+                      <a:r>
+                        <a:rPr lang="en-US" sz="1200" b="0" dirty="0" smtClean="0">
+                          <a:solidFill>
+                            <a:srgbClr val="000000"/>
+                          </a:solidFill>
+                        </a:rPr>
+                        <a:t>parent</a:t>
+                      </a:r>
+                      <a:endParaRPr lang="en-US" sz="1200" b="0" dirty="0">
+                        <a:solidFill>
+                          <a:srgbClr val="000000"/>
+                        </a:solidFill>
+                      </a:endParaRPr>
+                    </a:p>
+                  </a:txBody>
+                  <a:tcPr anchor="ctr">
+                    <a:lnL w="12700" cmpd="sng">
+                      <a:noFill/>
+                    </a:lnL>
+                    <a:lnR w="12700" cmpd="sng">
+                      <a:noFill/>
+                    </a:lnR>
+                    <a:lnT w="12700" cmpd="sng">
+                      <a:noFill/>
+                    </a:lnT>
+                    <a:lnB w="38100" cmpd="sng">
+                      <a:noFill/>
+                    </a:lnB>
+                    <a:lnTlToBr w="12700" cmpd="sng">
+                      <a:noFill/>
+                      <a:prstDash val="solid"/>
+                    </a:lnTlToBr>
+                    <a:lnBlToTr w="12700" cmpd="sng">
+                      <a:noFill/>
+                      <a:prstDash val="solid"/>
+                    </a:lnBlToTr>
+                    <a:noFill/>
+                  </a:tcPr>
+                </a:tc>
+                <a:tc>
+                  <a:txBody>
+                    <a:bodyPr/>
+                    <a:lstStyle/>
+                    <a:p>
+                      <a:pPr algn="ctr"/>
+                      <a:r>
+                        <a:rPr lang="en-US" sz="1200" b="0" dirty="0" smtClean="0">
+                          <a:solidFill>
+                            <a:srgbClr val="000000"/>
+                          </a:solidFill>
+                        </a:rPr>
+                        <a:t>sister</a:t>
+                      </a:r>
+                      <a:endParaRPr lang="en-US" sz="1200" b="0" dirty="0">
+                        <a:solidFill>
+                          <a:srgbClr val="000000"/>
+                        </a:solidFill>
+                      </a:endParaRPr>
+                    </a:p>
+                  </a:txBody>
+                  <a:tcPr anchor="ctr">
+                    <a:lnL w="12700" cmpd="sng">
+                      <a:noFill/>
+                    </a:lnL>
+                    <a:lnR w="12700" cmpd="sng">
+                      <a:noFill/>
+                    </a:lnR>
+                    <a:lnT w="12700" cmpd="sng">
+                      <a:noFill/>
+                    </a:lnT>
+                    <a:lnB w="38100" cmpd="sng">
+                      <a:noFill/>
+                    </a:lnB>
+                    <a:lnTlToBr w="12700" cmpd="sng">
+                      <a:noFill/>
+                      <a:prstDash val="solid"/>
+                    </a:lnTlToBr>
+                    <a:lnBlToTr w="12700" cmpd="sng">
+                      <a:noFill/>
+                      <a:prstDash val="solid"/>
+                    </a:lnBlToTr>
+                    <a:noFill/>
+                  </a:tcPr>
+                </a:tc>
+                <a:tc>
+                  <a:txBody>
+                    <a:bodyPr/>
+                    <a:lstStyle/>
+                    <a:p>
+                      <a:pPr algn="ctr"/>
+                      <a:r>
+                        <a:rPr lang="en-US" sz="1200" b="0" dirty="0" smtClean="0">
+                          <a:solidFill>
+                            <a:srgbClr val="000000"/>
+                          </a:solidFill>
+                        </a:rPr>
+                        <a:t>….</a:t>
+                      </a:r>
+                      <a:endParaRPr lang="en-US" sz="1200" b="0" dirty="0">
+                        <a:solidFill>
+                          <a:srgbClr val="000000"/>
+                        </a:solidFill>
+                      </a:endParaRPr>
+                    </a:p>
+                  </a:txBody>
+                  <a:tcPr anchor="ctr">
+                    <a:lnL w="12700" cmpd="sng">
+                      <a:noFill/>
+                    </a:lnL>
+                    <a:lnR w="12700" cmpd="sng">
+                      <a:noFill/>
+                    </a:lnR>
+                    <a:lnT w="12700" cmpd="sng">
+                      <a:noFill/>
+                    </a:lnT>
+                    <a:lnB w="38100" cmpd="sng">
+                      <a:noFill/>
+                    </a:lnB>
+                    <a:lnTlToBr w="12700" cmpd="sng">
+                      <a:noFill/>
+                      <a:prstDash val="solid"/>
+                    </a:lnTlToBr>
+                    <a:lnBlToTr w="12700" cmpd="sng">
+                      <a:noFill/>
+                      <a:prstDash val="solid"/>
+                    </a:lnBlToTr>
+                    <a:noFill/>
+                  </a:tcPr>
+                </a:tc>
+              </a:tr>
+              <a:tr h="251984">
+                <a:tc>
+                  <a:txBody>
+                    <a:bodyPr/>
+                    <a:lstStyle/>
+                    <a:p>
+                      <a:pPr algn="ctr"/>
+                      <a:r>
+                        <a:rPr lang="en-US" sz="1200" b="0" dirty="0" smtClean="0">
+                          <a:solidFill>
+                            <a:srgbClr val="000000"/>
+                          </a:solidFill>
+                        </a:rPr>
+                        <a:t>music</a:t>
+                      </a:r>
+                      <a:endParaRPr lang="en-US" sz="1200" b="0" dirty="0">
+                        <a:solidFill>
+                          <a:srgbClr val="000000"/>
+                        </a:solidFill>
+                      </a:endParaRPr>
+                    </a:p>
+                  </a:txBody>
+                  <a:tcPr anchor="ctr">
+                    <a:lnL w="12700" cmpd="sng">
+                      <a:noFill/>
+                    </a:lnL>
+                    <a:lnR w="12700" cmpd="sng">
+                      <a:noFill/>
+                    </a:lnR>
+                    <a:lnT w="38100" cmpd="sng">
+                      <a:noFill/>
+                    </a:lnT>
+                    <a:lnB w="12700" cmpd="sng">
+                      <a:noFill/>
+                    </a:lnB>
+                    <a:lnTlToBr w="12700" cmpd="sng">
+                      <a:noFill/>
+                      <a:prstDash val="solid"/>
+                    </a:lnTlToBr>
+                    <a:lnBlToTr w="12700" cmpd="sng">
+                      <a:noFill/>
+                      <a:prstDash val="solid"/>
+                    </a:lnBlToTr>
+                    <a:noFill/>
+                  </a:tcPr>
+                </a:tc>
+                <a:tc>
+                  <a:txBody>
+                    <a:bodyPr/>
+                    <a:lstStyle/>
+                    <a:p>
+                      <a:pPr algn="ctr"/>
+                      <a:r>
+                        <a:rPr lang="en-US" sz="1200" b="0" dirty="0" smtClean="0">
+                          <a:solidFill>
+                            <a:srgbClr val="000000"/>
+                          </a:solidFill>
+                        </a:rPr>
+                        <a:t>play</a:t>
+                      </a:r>
+                      <a:endParaRPr lang="en-US" sz="1200" b="0" dirty="0">
+                        <a:solidFill>
+                          <a:srgbClr val="000000"/>
+                        </a:solidFill>
+                      </a:endParaRPr>
+                    </a:p>
+                  </a:txBody>
+                  <a:tcPr anchor="ctr">
+                    <a:lnL w="12700" cmpd="sng">
+                      <a:noFill/>
+                    </a:lnL>
+                    <a:lnR w="12700" cmpd="sng">
+                      <a:noFill/>
+                    </a:lnR>
+                    <a:lnT w="38100" cmpd="sng">
+                      <a:noFill/>
+                    </a:lnT>
+                    <a:lnB w="12700" cmpd="sng">
+                      <a:noFill/>
+                    </a:lnB>
+                    <a:lnTlToBr w="12700" cmpd="sng">
+                      <a:noFill/>
+                      <a:prstDash val="solid"/>
+                    </a:lnTlToBr>
+                    <a:lnBlToTr w="12700" cmpd="sng">
+                      <a:noFill/>
+                      <a:prstDash val="solid"/>
+                    </a:lnBlToTr>
+                    <a:noFill/>
+                  </a:tcPr>
+                </a:tc>
+                <a:tc>
+                  <a:txBody>
+                    <a:bodyPr/>
+                    <a:lstStyle/>
+                    <a:p>
+                      <a:pPr algn="ctr"/>
+                      <a:r>
+                        <a:rPr lang="en-US" sz="1200" b="0" dirty="0" smtClean="0">
+                          <a:solidFill>
+                            <a:srgbClr val="000000"/>
+                          </a:solidFill>
+                        </a:rPr>
+                        <a:t>piano</a:t>
+                      </a:r>
+                      <a:endParaRPr lang="en-US" sz="1200" b="0" dirty="0">
+                        <a:solidFill>
+                          <a:srgbClr val="000000"/>
+                        </a:solidFill>
+                      </a:endParaRPr>
+                    </a:p>
+                  </a:txBody>
+                  <a:tcPr anchor="ctr">
+                    <a:lnL w="12700" cmpd="sng">
+                      <a:noFill/>
+                    </a:lnL>
+                    <a:lnR w="12700" cmpd="sng">
+                      <a:noFill/>
+                    </a:lnR>
+                    <a:lnT w="38100" cmpd="sng">
+                      <a:noFill/>
+                    </a:lnT>
+                    <a:lnB w="12700" cmpd="sng">
+                      <a:noFill/>
+                    </a:lnB>
+                    <a:lnTlToBr w="12700" cmpd="sng">
+                      <a:noFill/>
+                      <a:prstDash val="solid"/>
+                    </a:lnTlToBr>
+                    <a:lnBlToTr w="12700" cmpd="sng">
+                      <a:noFill/>
+                      <a:prstDash val="solid"/>
+                    </a:lnBlToTr>
+                    <a:noFill/>
+                  </a:tcPr>
+                </a:tc>
+                <a:tc>
+                  <a:txBody>
+                    <a:bodyPr/>
+                    <a:lstStyle/>
+                    <a:p>
+                      <a:pPr algn="ctr"/>
+                      <a:r>
+                        <a:rPr lang="en-US" sz="1200" b="0" dirty="0" smtClean="0">
+                          <a:solidFill>
+                            <a:srgbClr val="000000"/>
+                          </a:solidFill>
+                        </a:rPr>
+                        <a:t>perform</a:t>
+                      </a:r>
+                      <a:endParaRPr lang="en-US" sz="1200" b="0" dirty="0">
+                        <a:solidFill>
+                          <a:srgbClr val="000000"/>
+                        </a:solidFill>
+                      </a:endParaRPr>
+                    </a:p>
+                  </a:txBody>
+                  <a:tcPr anchor="ctr">
+                    <a:lnL w="12700" cmpd="sng">
+                      <a:noFill/>
+                    </a:lnL>
+                    <a:lnR w="12700" cmpd="sng">
+                      <a:noFill/>
+                    </a:lnR>
+                    <a:lnT w="38100" cmpd="sng">
+                      <a:noFill/>
+                    </a:lnT>
+                    <a:lnB w="12700" cmpd="sng">
+                      <a:noFill/>
+                    </a:lnB>
+                    <a:lnTlToBr w="12700" cmpd="sng">
+                      <a:noFill/>
+                      <a:prstDash val="solid"/>
+                    </a:lnTlToBr>
+                    <a:lnBlToTr w="12700" cmpd="sng">
+                      <a:noFill/>
+                      <a:prstDash val="solid"/>
+                    </a:lnBlToTr>
+                    <a:noFill/>
+                  </a:tcPr>
+                </a:tc>
+                <a:tc>
+                  <a:txBody>
+                    <a:bodyPr/>
+                    <a:lstStyle/>
+                    <a:p>
+                      <a:pPr algn="ctr"/>
+                      <a:r>
+                        <a:rPr lang="en-US" sz="1200" b="0" dirty="0" smtClean="0">
+                          <a:solidFill>
+                            <a:srgbClr val="000000"/>
+                          </a:solidFill>
+                        </a:rPr>
+                        <a:t>theater</a:t>
+                      </a:r>
+                      <a:endParaRPr lang="en-US" sz="1200" b="0" dirty="0">
+                        <a:solidFill>
+                          <a:srgbClr val="000000"/>
+                        </a:solidFill>
+                      </a:endParaRPr>
+                    </a:p>
+                  </a:txBody>
+                  <a:tcPr anchor="ctr">
+                    <a:lnL w="12700" cmpd="sng">
+                      <a:noFill/>
+                    </a:lnL>
+                    <a:lnR w="12700" cmpd="sng">
+                      <a:noFill/>
+                    </a:lnR>
+                    <a:lnT w="38100" cmpd="sng">
+                      <a:noFill/>
+                    </a:lnT>
+                    <a:lnB w="12700" cmpd="sng">
+                      <a:noFill/>
+                    </a:lnB>
+                    <a:lnTlToBr w="12700" cmpd="sng">
+                      <a:noFill/>
+                      <a:prstDash val="solid"/>
+                    </a:lnTlToBr>
+                    <a:lnBlToTr w="12700" cmpd="sng">
+                      <a:noFill/>
+                      <a:prstDash val="solid"/>
+                    </a:lnBlToTr>
+                    <a:noFill/>
+                  </a:tcPr>
+                </a:tc>
+                <a:tc>
+                  <a:txBody>
+                    <a:bodyPr/>
+                    <a:lstStyle/>
+                    <a:p>
+                      <a:pPr algn="ctr"/>
+                      <a:r>
+                        <a:rPr lang="en-US" sz="1200" b="0" dirty="0" smtClean="0">
+                          <a:solidFill>
+                            <a:srgbClr val="000000"/>
+                          </a:solidFill>
+                        </a:rPr>
+                        <a:t>…</a:t>
+                      </a:r>
+                      <a:endParaRPr lang="en-US" sz="1200" b="0" dirty="0">
+                        <a:solidFill>
+                          <a:srgbClr val="000000"/>
+                        </a:solidFill>
+                      </a:endParaRPr>
+                    </a:p>
+                  </a:txBody>
+                  <a:tcPr anchor="ctr">
+                    <a:lnL w="12700" cmpd="sng">
+                      <a:noFill/>
+                    </a:lnL>
+                    <a:lnR w="12700" cmpd="sng">
+                      <a:noFill/>
+                    </a:lnR>
+                    <a:lnT w="38100" cmpd="sng">
+                      <a:noFill/>
+                    </a:lnT>
+                    <a:lnB w="12700" cmpd="sng">
+                      <a:noFill/>
+                    </a:lnB>
+                    <a:lnTlToBr w="12700" cmpd="sng">
+                      <a:noFill/>
+                      <a:prstDash val="solid"/>
+                    </a:lnTlToBr>
+                    <a:lnBlToTr w="12700" cmpd="sng">
+                      <a:noFill/>
+                      <a:prstDash val="solid"/>
+                    </a:lnBlToTr>
+                    <a:noFill/>
+                  </a:tcPr>
+                </a:tc>
+              </a:tr>
+              <a:tr h="251984">
+                <a:tc>
+                  <a:txBody>
+                    <a:bodyPr/>
+                    <a:lstStyle/>
+                    <a:p>
+                      <a:pPr algn="ctr"/>
+                      <a:r>
+                        <a:rPr lang="en-US" sz="1200" b="0" dirty="0" smtClean="0">
+                          <a:solidFill>
+                            <a:srgbClr val="000000"/>
+                          </a:solidFill>
+                        </a:rPr>
+                        <a:t>culture</a:t>
+                      </a:r>
+                      <a:endParaRPr lang="en-US" sz="1200" b="0" dirty="0">
+                        <a:solidFill>
+                          <a:srgbClr val="000000"/>
+                        </a:solidFill>
+                      </a:endParaRPr>
+                    </a:p>
+                  </a:txBody>
+                  <a:tcPr anchor="ctr">
+                    <a:lnL w="12700" cmpd="sng">
+                      <a:noFill/>
+                    </a:lnL>
+                    <a:lnR w="12700" cmpd="sng">
+                      <a:noFill/>
+                    </a:lnR>
+                    <a:lnT w="12700" cmpd="sng">
+                      <a:noFill/>
+                    </a:lnT>
+                    <a:lnB w="12700" cmpd="sng">
+                      <a:noFill/>
+                    </a:lnB>
+                    <a:lnTlToBr w="12700" cmpd="sng">
+                      <a:noFill/>
+                      <a:prstDash val="solid"/>
+                    </a:lnTlToBr>
+                    <a:lnBlToTr w="12700" cmpd="sng">
+                      <a:noFill/>
+                      <a:prstDash val="solid"/>
+                    </a:lnBlToTr>
+                    <a:noFill/>
+                  </a:tcPr>
+                </a:tc>
+                <a:tc>
+                  <a:txBody>
+                    <a:bodyPr/>
+                    <a:lstStyle/>
+                    <a:p>
+                      <a:pPr algn="ctr"/>
+                      <a:r>
+                        <a:rPr lang="en-US" sz="1200" b="0" dirty="0" smtClean="0">
+                          <a:solidFill>
+                            <a:srgbClr val="000000"/>
+                          </a:solidFill>
+                        </a:rPr>
+                        <a:t>world</a:t>
+                      </a:r>
+                      <a:endParaRPr lang="en-US" sz="1200" b="0" dirty="0">
+                        <a:solidFill>
+                          <a:srgbClr val="000000"/>
+                        </a:solidFill>
+                      </a:endParaRPr>
+                    </a:p>
+                  </a:txBody>
+                  <a:tcPr anchor="ctr">
+                    <a:lnL w="12700" cmpd="sng">
+                      <a:noFill/>
+                    </a:lnL>
+                    <a:lnR w="12700" cmpd="sng">
+                      <a:noFill/>
+                    </a:lnR>
+                    <a:lnT w="12700" cmpd="sng">
+                      <a:noFill/>
+                    </a:lnT>
+                    <a:lnB w="12700" cmpd="sng">
+                      <a:noFill/>
+                    </a:lnB>
+                    <a:lnTlToBr w="12700" cmpd="sng">
+                      <a:noFill/>
+                      <a:prstDash val="solid"/>
+                    </a:lnTlToBr>
+                    <a:lnBlToTr w="12700" cmpd="sng">
+                      <a:noFill/>
+                      <a:prstDash val="solid"/>
+                    </a:lnBlToTr>
+                    <a:noFill/>
+                  </a:tcPr>
+                </a:tc>
+                <a:tc>
+                  <a:txBody>
+                    <a:bodyPr/>
+                    <a:lstStyle/>
+                    <a:p>
+                      <a:pPr algn="ctr"/>
+                      <a:r>
+                        <a:rPr lang="en-US" sz="1200" b="0" dirty="0" smtClean="0">
+                          <a:solidFill>
+                            <a:srgbClr val="000000"/>
+                          </a:solidFill>
+                        </a:rPr>
+                        <a:t>language</a:t>
+                      </a:r>
+                      <a:endParaRPr lang="en-US" sz="1200" b="0" dirty="0">
+                        <a:solidFill>
+                          <a:srgbClr val="000000"/>
+                        </a:solidFill>
+                      </a:endParaRPr>
+                    </a:p>
+                  </a:txBody>
+                  <a:tcPr anchor="ctr">
+                    <a:lnL w="12700" cmpd="sng">
+                      <a:noFill/>
+                    </a:lnL>
+                    <a:lnR w="12700" cmpd="sng">
+                      <a:noFill/>
+                    </a:lnR>
+                    <a:lnT w="12700" cmpd="sng">
+                      <a:noFill/>
+                    </a:lnT>
+                    <a:lnB w="12700" cmpd="sng">
+                      <a:noFill/>
+                    </a:lnB>
+                    <a:lnTlToBr w="12700" cmpd="sng">
+                      <a:noFill/>
+                      <a:prstDash val="solid"/>
+                    </a:lnTlToBr>
+                    <a:lnBlToTr w="12700" cmpd="sng">
+                      <a:noFill/>
+                      <a:prstDash val="solid"/>
+                    </a:lnBlToTr>
+                    <a:noFill/>
+                  </a:tcPr>
+                </a:tc>
+                <a:tc>
+                  <a:txBody>
+                    <a:bodyPr/>
+                    <a:lstStyle/>
+                    <a:p>
+                      <a:pPr algn="ctr"/>
+                      <a:r>
+                        <a:rPr lang="en-US" sz="1200" b="0" dirty="0" smtClean="0">
+                          <a:solidFill>
+                            <a:srgbClr val="000000"/>
+                          </a:solidFill>
+                        </a:rPr>
+                        <a:t>travel</a:t>
+                      </a:r>
+                      <a:endParaRPr lang="en-US" sz="1200" b="0" dirty="0">
+                        <a:solidFill>
+                          <a:srgbClr val="000000"/>
+                        </a:solidFill>
+                      </a:endParaRPr>
+                    </a:p>
+                  </a:txBody>
+                  <a:tcPr anchor="ctr">
+                    <a:lnL w="12700" cmpd="sng">
+                      <a:noFill/>
+                    </a:lnL>
+                    <a:lnR w="12700" cmpd="sng">
+                      <a:noFill/>
+                    </a:lnR>
+                    <a:lnT w="12700" cmpd="sng">
+                      <a:noFill/>
+                    </a:lnT>
+                    <a:lnB w="12700" cmpd="sng">
+                      <a:noFill/>
+                    </a:lnB>
+                    <a:lnTlToBr w="12700" cmpd="sng">
+                      <a:noFill/>
+                      <a:prstDash val="solid"/>
+                    </a:lnTlToBr>
+                    <a:lnBlToTr w="12700" cmpd="sng">
+                      <a:noFill/>
+                      <a:prstDash val="solid"/>
+                    </a:lnBlToTr>
+                    <a:noFill/>
+                  </a:tcPr>
+                </a:tc>
+                <a:tc>
+                  <a:txBody>
+                    <a:bodyPr/>
+                    <a:lstStyle/>
+                    <a:p>
+                      <a:pPr algn="ctr"/>
+                      <a:r>
+                        <a:rPr lang="en-US" sz="1200" b="0" dirty="0" err="1" smtClean="0">
+                          <a:solidFill>
+                            <a:srgbClr val="000000"/>
+                          </a:solidFill>
+                        </a:rPr>
+                        <a:t>american</a:t>
+                      </a:r>
+                      <a:endParaRPr lang="en-US" sz="1200" b="0" dirty="0">
+                        <a:solidFill>
+                          <a:srgbClr val="000000"/>
+                        </a:solidFill>
+                      </a:endParaRPr>
+                    </a:p>
+                  </a:txBody>
+                  <a:tcPr anchor="ctr">
+                    <a:lnL w="12700" cmpd="sng">
+                      <a:noFill/>
+                    </a:lnL>
+                    <a:lnR w="12700" cmpd="sng">
+                      <a:noFill/>
+                    </a:lnR>
+                    <a:lnT w="12700" cmpd="sng">
+                      <a:noFill/>
+                    </a:lnT>
+                    <a:lnB w="12700" cmpd="sng">
+                      <a:noFill/>
+                    </a:lnB>
+                    <a:lnTlToBr w="12700" cmpd="sng">
+                      <a:noFill/>
+                      <a:prstDash val="solid"/>
+                    </a:lnTlToBr>
+                    <a:lnBlToTr w="12700" cmpd="sng">
+                      <a:noFill/>
+                      <a:prstDash val="solid"/>
+                    </a:lnBlToTr>
+                    <a:noFill/>
+                  </a:tcPr>
+                </a:tc>
+                <a:tc>
+                  <a:txBody>
+                    <a:bodyPr/>
+                    <a:lstStyle/>
+                    <a:p>
+                      <a:pPr algn="ctr"/>
+                      <a:r>
+                        <a:rPr lang="en-US" sz="1200" b="0" dirty="0" smtClean="0">
+                          <a:solidFill>
+                            <a:srgbClr val="000000"/>
+                          </a:solidFill>
+                        </a:rPr>
+                        <a:t>…</a:t>
+                      </a:r>
+                      <a:endParaRPr lang="en-US" sz="1200" b="0" dirty="0">
+                        <a:solidFill>
+                          <a:srgbClr val="000000"/>
+                        </a:solidFill>
+                      </a:endParaRPr>
+                    </a:p>
+                  </a:txBody>
+                  <a:tcPr anchor="ctr">
+                    <a:lnL w="12700" cmpd="sng">
+                      <a:noFill/>
+                    </a:lnL>
+                    <a:lnR w="12700" cmpd="sng">
+                      <a:noFill/>
+                    </a:lnR>
+                    <a:lnT w="12700" cmpd="sng">
+                      <a:noFill/>
+                    </a:lnT>
+                    <a:lnB w="12700" cmpd="sng">
+                      <a:noFill/>
+                    </a:lnB>
+                    <a:lnTlToBr w="12700" cmpd="sng">
+                      <a:noFill/>
+                      <a:prstDash val="solid"/>
+                    </a:lnTlToBr>
+                    <a:lnBlToTr w="12700" cmpd="sng">
+                      <a:noFill/>
+                      <a:prstDash val="solid"/>
+                    </a:lnBlToTr>
+                    <a:noFill/>
+                  </a:tcPr>
+                </a:tc>
+              </a:tr>
+              <a:tr h="251984">
+                <a:tc>
+                  <a:txBody>
+                    <a:bodyPr/>
+                    <a:lstStyle/>
+                    <a:p>
+                      <a:pPr algn="ctr"/>
+                      <a:r>
+                        <a:rPr lang="en-US" sz="1200" b="0" dirty="0" smtClean="0">
+                          <a:solidFill>
+                            <a:srgbClr val="000000"/>
+                          </a:solidFill>
+                        </a:rPr>
+                        <a:t>team</a:t>
+                      </a:r>
+                      <a:endParaRPr lang="en-US" sz="1200" b="0" dirty="0">
+                        <a:solidFill>
+                          <a:srgbClr val="000000"/>
+                        </a:solidFill>
+                      </a:endParaRPr>
+                    </a:p>
+                  </a:txBody>
+                  <a:tcPr anchor="ctr">
+                    <a:lnL w="12700" cmpd="sng">
+                      <a:noFill/>
+                    </a:lnL>
+                    <a:lnR w="12700" cmpd="sng">
+                      <a:noFill/>
+                    </a:lnR>
+                    <a:lnT w="12700" cmpd="sng">
+                      <a:noFill/>
+                    </a:lnT>
+                    <a:lnB w="12700" cmpd="sng">
+                      <a:noFill/>
+                    </a:lnB>
+                    <a:lnTlToBr w="12700" cmpd="sng">
+                      <a:noFill/>
+                      <a:prstDash val="solid"/>
+                    </a:lnTlToBr>
+                    <a:lnBlToTr w="12700" cmpd="sng">
+                      <a:noFill/>
+                      <a:prstDash val="solid"/>
+                    </a:lnBlToTr>
+                    <a:noFill/>
+                  </a:tcPr>
+                </a:tc>
+                <a:tc>
+                  <a:txBody>
+                    <a:bodyPr/>
+                    <a:lstStyle/>
+                    <a:p>
+                      <a:pPr algn="ctr"/>
+                      <a:r>
+                        <a:rPr lang="en-US" sz="1200" b="0" dirty="0" smtClean="0">
+                          <a:solidFill>
+                            <a:srgbClr val="000000"/>
+                          </a:solidFill>
+                        </a:rPr>
+                        <a:t>game</a:t>
+                      </a:r>
+                      <a:endParaRPr lang="en-US" sz="1200" b="0" dirty="0">
+                        <a:solidFill>
+                          <a:srgbClr val="000000"/>
+                        </a:solidFill>
+                      </a:endParaRPr>
+                    </a:p>
+                  </a:txBody>
+                  <a:tcPr anchor="ctr">
+                    <a:lnL w="12700" cmpd="sng">
+                      <a:noFill/>
+                    </a:lnL>
+                    <a:lnR w="12700" cmpd="sng">
+                      <a:noFill/>
+                    </a:lnR>
+                    <a:lnT w="12700" cmpd="sng">
+                      <a:noFill/>
+                    </a:lnT>
+                    <a:lnB w="12700" cmpd="sng">
+                      <a:noFill/>
+                    </a:lnB>
+                    <a:lnTlToBr w="12700" cmpd="sng">
+                      <a:noFill/>
+                      <a:prstDash val="solid"/>
+                    </a:lnTlToBr>
+                    <a:lnBlToTr w="12700" cmpd="sng">
+                      <a:noFill/>
+                      <a:prstDash val="solid"/>
+                    </a:lnBlToTr>
+                    <a:noFill/>
+                  </a:tcPr>
+                </a:tc>
+                <a:tc>
+                  <a:txBody>
+                    <a:bodyPr/>
+                    <a:lstStyle/>
+                    <a:p>
+                      <a:pPr algn="ctr"/>
+                      <a:r>
+                        <a:rPr lang="en-US" sz="1200" b="0" dirty="0" smtClean="0">
+                          <a:solidFill>
+                            <a:srgbClr val="000000"/>
+                          </a:solidFill>
+                        </a:rPr>
+                        <a:t>coach</a:t>
+                      </a:r>
+                      <a:endParaRPr lang="en-US" sz="1200" b="0" dirty="0">
+                        <a:solidFill>
+                          <a:srgbClr val="000000"/>
+                        </a:solidFill>
+                      </a:endParaRPr>
+                    </a:p>
+                  </a:txBody>
+                  <a:tcPr anchor="ctr">
+                    <a:lnL w="12700" cmpd="sng">
+                      <a:noFill/>
+                    </a:lnL>
+                    <a:lnR w="12700" cmpd="sng">
+                      <a:noFill/>
+                    </a:lnR>
+                    <a:lnT w="12700" cmpd="sng">
+                      <a:noFill/>
+                    </a:lnT>
+                    <a:lnB w="12700" cmpd="sng">
+                      <a:noFill/>
+                    </a:lnB>
+                    <a:lnTlToBr w="12700" cmpd="sng">
+                      <a:noFill/>
+                      <a:prstDash val="solid"/>
+                    </a:lnTlToBr>
+                    <a:lnBlToTr w="12700" cmpd="sng">
+                      <a:noFill/>
+                      <a:prstDash val="solid"/>
+                    </a:lnBlToTr>
+                    <a:noFill/>
+                  </a:tcPr>
+                </a:tc>
+                <a:tc>
+                  <a:txBody>
+                    <a:bodyPr/>
+                    <a:lstStyle/>
+                    <a:p>
+                      <a:pPr algn="ctr"/>
+                      <a:r>
+                        <a:rPr lang="en-US" sz="1200" b="0" dirty="0" smtClean="0">
+                          <a:solidFill>
+                            <a:srgbClr val="000000"/>
+                          </a:solidFill>
+                        </a:rPr>
+                        <a:t>player</a:t>
+                      </a:r>
+                      <a:endParaRPr lang="en-US" sz="1200" b="0" dirty="0">
+                        <a:solidFill>
+                          <a:srgbClr val="000000"/>
+                        </a:solidFill>
+                      </a:endParaRPr>
+                    </a:p>
+                  </a:txBody>
+                  <a:tcPr anchor="ctr">
+                    <a:lnL w="12700" cmpd="sng">
+                      <a:noFill/>
+                    </a:lnL>
+                    <a:lnR w="12700" cmpd="sng">
+                      <a:noFill/>
+                    </a:lnR>
+                    <a:lnT w="12700" cmpd="sng">
+                      <a:noFill/>
+                    </a:lnT>
+                    <a:lnB w="12700" cmpd="sng">
+                      <a:noFill/>
+                    </a:lnB>
+                    <a:lnTlToBr w="12700" cmpd="sng">
+                      <a:noFill/>
+                      <a:prstDash val="solid"/>
+                    </a:lnTlToBr>
+                    <a:lnBlToTr w="12700" cmpd="sng">
+                      <a:noFill/>
+                      <a:prstDash val="solid"/>
+                    </a:lnBlToTr>
+                    <a:noFill/>
+                  </a:tcPr>
+                </a:tc>
+                <a:tc>
+                  <a:txBody>
+                    <a:bodyPr/>
+                    <a:lstStyle/>
+                    <a:p>
+                      <a:pPr algn="ctr"/>
+                      <a:r>
+                        <a:rPr lang="en-US" sz="1200" b="0" dirty="0" smtClean="0">
+                          <a:solidFill>
+                            <a:srgbClr val="000000"/>
+                          </a:solidFill>
+                        </a:rPr>
+                        <a:t>season</a:t>
+                      </a:r>
+                      <a:endParaRPr lang="en-US" sz="1200" b="0" dirty="0">
+                        <a:solidFill>
+                          <a:srgbClr val="000000"/>
+                        </a:solidFill>
+                      </a:endParaRPr>
+                    </a:p>
+                  </a:txBody>
+                  <a:tcPr anchor="ctr">
+                    <a:lnL w="12700" cmpd="sng">
+                      <a:noFill/>
+                    </a:lnL>
+                    <a:lnR w="12700" cmpd="sng">
+                      <a:noFill/>
+                    </a:lnR>
+                    <a:lnT w="12700" cmpd="sng">
+                      <a:noFill/>
+                    </a:lnT>
+                    <a:lnB w="12700" cmpd="sng">
+                      <a:noFill/>
+                    </a:lnB>
+                    <a:lnTlToBr w="12700" cmpd="sng">
+                      <a:noFill/>
+                      <a:prstDash val="solid"/>
+                    </a:lnTlToBr>
+                    <a:lnBlToTr w="12700" cmpd="sng">
+                      <a:noFill/>
+                      <a:prstDash val="solid"/>
+                    </a:lnBlToTr>
+                    <a:noFill/>
+                  </a:tcPr>
+                </a:tc>
+                <a:tc>
+                  <a:txBody>
+                    <a:bodyPr/>
+                    <a:lstStyle/>
+                    <a:p>
+                      <a:pPr algn="ctr"/>
+                      <a:r>
+                        <a:rPr lang="en-US" sz="1200" b="0" dirty="0" smtClean="0">
+                          <a:solidFill>
+                            <a:srgbClr val="000000"/>
+                          </a:solidFill>
+                        </a:rPr>
+                        <a:t>…</a:t>
+                      </a:r>
+                      <a:endParaRPr lang="en-US" sz="1200" b="0" dirty="0">
+                        <a:solidFill>
+                          <a:srgbClr val="000000"/>
+                        </a:solidFill>
+                      </a:endParaRPr>
+                    </a:p>
+                  </a:txBody>
+                  <a:tcPr anchor="ctr">
+                    <a:lnL w="12700" cmpd="sng">
+                      <a:noFill/>
+                    </a:lnL>
+                    <a:lnR w="12700" cmpd="sng">
+                      <a:noFill/>
+                    </a:lnR>
+                    <a:lnT w="12700" cmpd="sng">
+                      <a:noFill/>
+                    </a:lnT>
+                    <a:lnB w="12700" cmpd="sng">
+                      <a:noFill/>
+                    </a:lnB>
+                    <a:lnTlToBr w="12700" cmpd="sng">
+                      <a:noFill/>
+                      <a:prstDash val="solid"/>
+                    </a:lnTlToBr>
+                    <a:lnBlToTr w="12700" cmpd="sng">
+                      <a:noFill/>
+                      <a:prstDash val="solid"/>
+                    </a:lnBlToTr>
+                    <a:noFill/>
+                  </a:tcPr>
+                </a:tc>
+              </a:tr>
+              <a:tr h="251984">
+                <a:tc>
+                  <a:txBody>
+                    <a:bodyPr/>
+                    <a:lstStyle/>
+                    <a:p>
+                      <a:pPr algn="ctr"/>
+                      <a:endParaRPr lang="en-US" sz="1200" b="0" dirty="0">
+                        <a:solidFill>
+                          <a:srgbClr val="000000"/>
+                        </a:solidFill>
+                      </a:endParaRPr>
+                    </a:p>
+                  </a:txBody>
+                  <a:tcPr anchor="ctr">
+                    <a:lnL w="12700" cmpd="sng">
+                      <a:noFill/>
+                    </a:lnL>
+                    <a:lnR w="12700" cmpd="sng">
+                      <a:noFill/>
+                    </a:lnR>
+                    <a:lnT w="12700" cmpd="sng">
+                      <a:noFill/>
+                    </a:lnT>
+                    <a:lnB w="12700" cmpd="sng">
+                      <a:noFill/>
+                    </a:lnB>
+                    <a:lnTlToBr w="12700" cmpd="sng">
+                      <a:noFill/>
+                      <a:prstDash val="solid"/>
+                    </a:lnTlToBr>
+                    <a:lnBlToTr w="12700" cmpd="sng">
+                      <a:noFill/>
+                      <a:prstDash val="solid"/>
+                    </a:lnBlToTr>
+                    <a:noFill/>
+                  </a:tcPr>
+                </a:tc>
+                <a:tc>
+                  <a:txBody>
+                    <a:bodyPr/>
+                    <a:lstStyle/>
+                    <a:p>
+                      <a:pPr algn="ctr"/>
+                      <a:endParaRPr lang="en-US" sz="1200" b="0">
+                        <a:solidFill>
+                          <a:srgbClr val="000000"/>
+                        </a:solidFill>
+                      </a:endParaRPr>
+                    </a:p>
+                  </a:txBody>
+                  <a:tcPr anchor="ctr">
+                    <a:lnL w="12700" cmpd="sng">
+                      <a:noFill/>
+                    </a:lnL>
+                    <a:lnR w="12700" cmpd="sng">
+                      <a:noFill/>
+                    </a:lnR>
+                    <a:lnT w="12700" cmpd="sng">
+                      <a:noFill/>
+                    </a:lnT>
+                    <a:lnB w="12700" cmpd="sng">
+                      <a:noFill/>
+                    </a:lnB>
+                    <a:lnTlToBr w="12700" cmpd="sng">
+                      <a:noFill/>
+                      <a:prstDash val="solid"/>
+                    </a:lnTlToBr>
+                    <a:lnBlToTr w="12700" cmpd="sng">
+                      <a:noFill/>
+                      <a:prstDash val="solid"/>
+                    </a:lnBlToTr>
+                    <a:noFill/>
+                  </a:tcPr>
+                </a:tc>
+                <a:tc>
+                  <a:txBody>
+                    <a:bodyPr/>
+                    <a:lstStyle/>
+                    <a:p>
+                      <a:pPr algn="ctr"/>
+                      <a:endParaRPr lang="en-US" sz="1200" b="0">
+                        <a:solidFill>
+                          <a:srgbClr val="000000"/>
+                        </a:solidFill>
+                      </a:endParaRPr>
+                    </a:p>
+                  </a:txBody>
+                  <a:tcPr anchor="ctr">
+                    <a:lnL w="12700" cmpd="sng">
+                      <a:noFill/>
+                    </a:lnL>
+                    <a:lnR w="12700" cmpd="sng">
+                      <a:noFill/>
+                    </a:lnR>
+                    <a:lnT w="12700" cmpd="sng">
+                      <a:noFill/>
+                    </a:lnT>
+                    <a:lnB w="12700" cmpd="sng">
+                      <a:noFill/>
+                    </a:lnB>
+                    <a:lnTlToBr w="12700" cmpd="sng">
+                      <a:noFill/>
+                      <a:prstDash val="solid"/>
+                    </a:lnTlToBr>
+                    <a:lnBlToTr w="12700" cmpd="sng">
+                      <a:noFill/>
+                      <a:prstDash val="solid"/>
+                    </a:lnBlToTr>
+                    <a:noFill/>
+                  </a:tcPr>
+                </a:tc>
+                <a:tc>
+                  <a:txBody>
+                    <a:bodyPr/>
+                    <a:lstStyle/>
+                    <a:p>
+                      <a:pPr algn="ctr"/>
+                      <a:endParaRPr lang="en-US" sz="1200" b="0" dirty="0">
+                        <a:solidFill>
+                          <a:srgbClr val="000000"/>
+                        </a:solidFill>
+                      </a:endParaRPr>
+                    </a:p>
+                  </a:txBody>
+                  <a:tcPr anchor="ctr">
+                    <a:lnL w="12700" cmpd="sng">
+                      <a:noFill/>
+                    </a:lnL>
+                    <a:lnR w="12700" cmpd="sng">
+                      <a:noFill/>
+                    </a:lnR>
+                    <a:lnT w="12700" cmpd="sng">
+                      <a:noFill/>
+                    </a:lnT>
+                    <a:lnB w="12700" cmpd="sng">
+                      <a:noFill/>
+                    </a:lnB>
+                    <a:lnTlToBr w="12700" cmpd="sng">
+                      <a:noFill/>
+                      <a:prstDash val="solid"/>
+                    </a:lnTlToBr>
+                    <a:lnBlToTr w="12700" cmpd="sng">
+                      <a:noFill/>
+                      <a:prstDash val="solid"/>
+                    </a:lnBlToTr>
+                    <a:noFill/>
+                  </a:tcPr>
+                </a:tc>
+                <a:tc>
+                  <a:txBody>
+                    <a:bodyPr/>
+                    <a:lstStyle/>
+                    <a:p>
+                      <a:pPr algn="ctr"/>
+                      <a:endParaRPr lang="en-US" sz="1200" b="0">
+                        <a:solidFill>
+                          <a:srgbClr val="000000"/>
+                        </a:solidFill>
+                      </a:endParaRPr>
+                    </a:p>
+                  </a:txBody>
+                  <a:tcPr anchor="ctr">
+                    <a:lnL w="12700" cmpd="sng">
+                      <a:noFill/>
+                    </a:lnL>
+                    <a:lnR w="12700" cmpd="sng">
+                      <a:noFill/>
+                    </a:lnR>
+                    <a:lnT w="12700" cmpd="sng">
+                      <a:noFill/>
+                    </a:lnT>
+                    <a:lnB w="12700" cmpd="sng">
+                      <a:noFill/>
+                    </a:lnB>
+                    <a:lnTlToBr w="12700" cmpd="sng">
+                      <a:noFill/>
+                      <a:prstDash val="solid"/>
+                    </a:lnTlToBr>
+                    <a:lnBlToTr w="12700" cmpd="sng">
+                      <a:noFill/>
+                      <a:prstDash val="solid"/>
+                    </a:lnBlToTr>
+                    <a:noFill/>
+                  </a:tcPr>
+                </a:tc>
+                <a:tc>
+                  <a:txBody>
+                    <a:bodyPr/>
+                    <a:lstStyle/>
+                    <a:p>
+                      <a:pPr algn="ctr"/>
+                      <a:r>
+                        <a:rPr lang="en-US" sz="1200" b="0" dirty="0" smtClean="0">
+                          <a:solidFill>
+                            <a:srgbClr val="000000"/>
+                          </a:solidFill>
+                        </a:rPr>
+                        <a:t>…</a:t>
+                      </a:r>
+                      <a:endParaRPr lang="en-US" sz="1200" b="0" dirty="0">
+                        <a:solidFill>
+                          <a:srgbClr val="000000"/>
+                        </a:solidFill>
+                      </a:endParaRPr>
+                    </a:p>
+                  </a:txBody>
+                  <a:tcPr anchor="ctr">
+                    <a:lnL w="12700" cmpd="sng">
+                      <a:noFill/>
+                    </a:lnL>
+                    <a:lnR w="12700" cmpd="sng">
+                      <a:noFill/>
+                    </a:lnR>
+                    <a:lnT w="12700" cmpd="sng">
+                      <a:noFill/>
+                    </a:lnT>
+                    <a:lnB w="12700" cmpd="sng">
+                      <a:noFill/>
+                    </a:lnB>
+                    <a:lnTlToBr w="12700" cmpd="sng">
+                      <a:noFill/>
+                      <a:prstDash val="solid"/>
+                    </a:lnTlToBr>
+                    <a:lnBlToTr w="12700" cmpd="sng">
+                      <a:noFill/>
+                      <a:prstDash val="solid"/>
+                    </a:lnBlToTr>
+                    <a:noFill/>
+                  </a:tcPr>
+                </a:tc>
+              </a:tr>
+              <a:tr h="251984">
+                <a:tc>
+                  <a:txBody>
+                    <a:bodyPr/>
+                    <a:lstStyle/>
+                    <a:p>
+                      <a:pPr algn="ctr"/>
+                      <a:r>
+                        <a:rPr lang="en-US" sz="1200" b="0" dirty="0" smtClean="0">
+                          <a:solidFill>
+                            <a:srgbClr val="000000"/>
+                          </a:solidFill>
+                        </a:rPr>
+                        <a:t>research</a:t>
+                      </a:r>
+                      <a:endParaRPr lang="en-US" sz="1200" b="0" dirty="0">
+                        <a:solidFill>
+                          <a:srgbClr val="000000"/>
+                        </a:solidFill>
+                      </a:endParaRPr>
+                    </a:p>
+                  </a:txBody>
+                  <a:tcPr anchor="ctr">
+                    <a:lnL w="12700" cmpd="sng">
+                      <a:noFill/>
+                    </a:lnL>
+                    <a:lnR w="12700" cmpd="sng">
+                      <a:noFill/>
+                    </a:lnR>
+                    <a:lnT w="12700" cmpd="sng">
+                      <a:noFill/>
+                    </a:lnT>
+                    <a:lnB w="12700" cmpd="sng">
+                      <a:noFill/>
+                    </a:lnB>
+                    <a:lnTlToBr w="12700" cmpd="sng">
+                      <a:noFill/>
+                      <a:prstDash val="solid"/>
+                    </a:lnTlToBr>
+                    <a:lnBlToTr w="12700" cmpd="sng">
+                      <a:noFill/>
+                      <a:prstDash val="solid"/>
+                    </a:lnBlToTr>
+                    <a:noFill/>
+                  </a:tcPr>
+                </a:tc>
+                <a:tc>
+                  <a:txBody>
+                    <a:bodyPr/>
+                    <a:lstStyle/>
+                    <a:p>
+                      <a:pPr algn="ctr"/>
+                      <a:r>
+                        <a:rPr lang="en-US" sz="1200" b="0" dirty="0" smtClean="0">
+                          <a:solidFill>
+                            <a:srgbClr val="000000"/>
+                          </a:solidFill>
+                        </a:rPr>
+                        <a:t>science</a:t>
+                      </a:r>
+                      <a:endParaRPr lang="en-US" sz="1200" b="0" dirty="0">
+                        <a:solidFill>
+                          <a:srgbClr val="000000"/>
+                        </a:solidFill>
+                      </a:endParaRPr>
+                    </a:p>
+                  </a:txBody>
+                  <a:tcPr anchor="ctr">
+                    <a:lnL w="12700" cmpd="sng">
+                      <a:noFill/>
+                    </a:lnL>
+                    <a:lnR w="12700" cmpd="sng">
+                      <a:noFill/>
+                    </a:lnR>
+                    <a:lnT w="12700" cmpd="sng">
+                      <a:noFill/>
+                    </a:lnT>
+                    <a:lnB w="12700" cmpd="sng">
+                      <a:noFill/>
+                    </a:lnB>
+                    <a:lnTlToBr w="12700" cmpd="sng">
+                      <a:noFill/>
+                      <a:prstDash val="solid"/>
+                    </a:lnTlToBr>
+                    <a:lnBlToTr w="12700" cmpd="sng">
+                      <a:noFill/>
+                      <a:prstDash val="solid"/>
+                    </a:lnBlToTr>
+                    <a:noFill/>
+                  </a:tcPr>
+                </a:tc>
+                <a:tc>
+                  <a:txBody>
+                    <a:bodyPr/>
+                    <a:lstStyle/>
+                    <a:p>
+                      <a:pPr algn="ctr"/>
+                      <a:r>
+                        <a:rPr lang="en-US" sz="1200" b="0" dirty="0" smtClean="0">
+                          <a:solidFill>
+                            <a:srgbClr val="000000"/>
+                          </a:solidFill>
+                        </a:rPr>
+                        <a:t>computer</a:t>
+                      </a:r>
+                      <a:endParaRPr lang="en-US" sz="1200" b="0" dirty="0">
+                        <a:solidFill>
+                          <a:srgbClr val="000000"/>
+                        </a:solidFill>
+                      </a:endParaRPr>
+                    </a:p>
+                  </a:txBody>
+                  <a:tcPr anchor="ctr">
+                    <a:lnL w="12700" cmpd="sng">
+                      <a:noFill/>
+                    </a:lnL>
+                    <a:lnR w="12700" cmpd="sng">
+                      <a:noFill/>
+                    </a:lnR>
+                    <a:lnT w="12700" cmpd="sng">
+                      <a:noFill/>
+                    </a:lnT>
+                    <a:lnB w="12700" cmpd="sng">
+                      <a:noFill/>
+                    </a:lnB>
+                    <a:lnTlToBr w="12700" cmpd="sng">
+                      <a:noFill/>
+                      <a:prstDash val="solid"/>
+                    </a:lnTlToBr>
+                    <a:lnBlToTr w="12700" cmpd="sng">
+                      <a:noFill/>
+                      <a:prstDash val="solid"/>
+                    </a:lnBlToTr>
+                    <a:noFill/>
+                  </a:tcPr>
+                </a:tc>
+                <a:tc>
+                  <a:txBody>
+                    <a:bodyPr/>
+                    <a:lstStyle/>
+                    <a:p>
+                      <a:pPr algn="ctr"/>
+                      <a:r>
+                        <a:rPr lang="en-US" sz="1200" b="0" dirty="0" smtClean="0">
+                          <a:solidFill>
+                            <a:srgbClr val="000000"/>
+                          </a:solidFill>
+                        </a:rPr>
+                        <a:t>technology</a:t>
+                      </a:r>
+                      <a:endParaRPr lang="en-US" sz="1200" b="0" dirty="0">
+                        <a:solidFill>
+                          <a:srgbClr val="000000"/>
+                        </a:solidFill>
+                      </a:endParaRPr>
+                    </a:p>
+                  </a:txBody>
+                  <a:tcPr anchor="ctr">
+                    <a:lnL w="12700" cmpd="sng">
+                      <a:noFill/>
+                    </a:lnL>
+                    <a:lnR w="12700" cmpd="sng">
+                      <a:noFill/>
+                    </a:lnR>
+                    <a:lnT w="12700" cmpd="sng">
+                      <a:noFill/>
+                    </a:lnT>
+                    <a:lnB w="12700" cmpd="sng">
+                      <a:noFill/>
+                    </a:lnB>
+                    <a:lnTlToBr w="12700" cmpd="sng">
+                      <a:noFill/>
+                      <a:prstDash val="solid"/>
+                    </a:lnTlToBr>
+                    <a:lnBlToTr w="12700" cmpd="sng">
+                      <a:noFill/>
+                      <a:prstDash val="solid"/>
+                    </a:lnBlToTr>
+                    <a:noFill/>
+                  </a:tcPr>
+                </a:tc>
+                <a:tc>
+                  <a:txBody>
+                    <a:bodyPr/>
+                    <a:lstStyle/>
+                    <a:p>
+                      <a:pPr algn="ctr"/>
+                      <a:r>
+                        <a:rPr lang="en-US" sz="1200" b="0" dirty="0" smtClean="0">
+                          <a:solidFill>
+                            <a:srgbClr val="000000"/>
+                          </a:solidFill>
+                        </a:rPr>
+                        <a:t>math</a:t>
+                      </a:r>
+                      <a:endParaRPr lang="en-US" sz="1200" b="0" dirty="0">
+                        <a:solidFill>
+                          <a:srgbClr val="000000"/>
+                        </a:solidFill>
+                      </a:endParaRPr>
+                    </a:p>
+                  </a:txBody>
+                  <a:tcPr anchor="ctr">
+                    <a:lnL w="12700" cmpd="sng">
+                      <a:noFill/>
+                    </a:lnL>
+                    <a:lnR w="12700" cmpd="sng">
+                      <a:noFill/>
+                    </a:lnR>
+                    <a:lnT w="12700" cmpd="sng">
+                      <a:noFill/>
+                    </a:lnT>
+                    <a:lnB w="12700" cmpd="sng">
+                      <a:noFill/>
+                    </a:lnB>
+                    <a:lnTlToBr w="12700" cmpd="sng">
+                      <a:noFill/>
+                      <a:prstDash val="solid"/>
+                    </a:lnTlToBr>
+                    <a:lnBlToTr w="12700" cmpd="sng">
+                      <a:noFill/>
+                      <a:prstDash val="solid"/>
+                    </a:lnBlToTr>
+                    <a:noFill/>
+                  </a:tcPr>
+                </a:tc>
+                <a:tc>
+                  <a:txBody>
+                    <a:bodyPr/>
+                    <a:lstStyle/>
+                    <a:p>
+                      <a:pPr algn="ctr"/>
+                      <a:r>
+                        <a:rPr lang="en-US" sz="1200" b="0" dirty="0" smtClean="0">
+                          <a:solidFill>
+                            <a:srgbClr val="000000"/>
+                          </a:solidFill>
+                        </a:rPr>
+                        <a:t>…</a:t>
+                      </a:r>
+                      <a:endParaRPr lang="en-US" sz="1200" b="0" dirty="0">
+                        <a:solidFill>
+                          <a:srgbClr val="000000"/>
+                        </a:solidFill>
+                      </a:endParaRPr>
+                    </a:p>
+                  </a:txBody>
+                  <a:tcPr anchor="ctr">
+                    <a:lnL w="12700" cmpd="sng">
+                      <a:noFill/>
+                    </a:lnL>
+                    <a:lnR w="12700" cmpd="sng">
+                      <a:noFill/>
+                    </a:lnR>
+                    <a:lnT w="12700" cmpd="sng">
+                      <a:noFill/>
+                    </a:lnT>
+                    <a:lnB w="12700" cmpd="sng">
+                      <a:noFill/>
+                    </a:lnB>
+                    <a:lnTlToBr w="12700" cmpd="sng">
+                      <a:noFill/>
+                      <a:prstDash val="solid"/>
+                    </a:lnTlToBr>
+                    <a:lnBlToTr w="12700" cmpd="sng">
+                      <a:noFill/>
+                      <a:prstDash val="solid"/>
+                    </a:lnBlToTr>
+                    <a:noFill/>
+                  </a:tcPr>
+                </a:tc>
+              </a:tr>
+              <a:tr h="251984">
+                <a:tc>
+                  <a:txBody>
+                    <a:bodyPr/>
+                    <a:lstStyle/>
+                    <a:p>
+                      <a:pPr algn="ctr"/>
+                      <a:r>
+                        <a:rPr lang="en-US" sz="1200" b="0" dirty="0" smtClean="0">
+                          <a:solidFill>
+                            <a:srgbClr val="000000"/>
+                          </a:solidFill>
+                        </a:rPr>
+                        <a:t>work</a:t>
+                      </a:r>
+                      <a:endParaRPr lang="en-US" sz="1200" b="0" dirty="0">
+                        <a:solidFill>
+                          <a:srgbClr val="000000"/>
+                        </a:solidFill>
+                      </a:endParaRPr>
+                    </a:p>
+                  </a:txBody>
+                  <a:tcPr anchor="ctr">
+                    <a:lnL w="12700" cmpd="sng">
+                      <a:noFill/>
+                    </a:lnL>
+                    <a:lnR w="12700" cmpd="sng">
+                      <a:noFill/>
+                    </a:lnR>
+                    <a:lnT w="12700" cmpd="sng">
+                      <a:noFill/>
+                    </a:lnT>
+                    <a:lnB w="12700" cmpd="sng">
+                      <a:noFill/>
+                    </a:lnB>
+                    <a:lnTlToBr w="12700" cmpd="sng">
+                      <a:noFill/>
+                      <a:prstDash val="solid"/>
+                    </a:lnTlToBr>
+                    <a:lnBlToTr w="12700" cmpd="sng">
+                      <a:noFill/>
+                      <a:prstDash val="solid"/>
+                    </a:lnBlToTr>
+                    <a:noFill/>
+                  </a:tcPr>
+                </a:tc>
+                <a:tc>
+                  <a:txBody>
+                    <a:bodyPr/>
+                    <a:lstStyle/>
+                    <a:p>
+                      <a:pPr algn="ctr"/>
+                      <a:r>
+                        <a:rPr lang="en-US" sz="1200" b="0" dirty="0" smtClean="0">
+                          <a:solidFill>
+                            <a:srgbClr val="000000"/>
+                          </a:solidFill>
+                        </a:rPr>
+                        <a:t>education</a:t>
+                      </a:r>
+                      <a:endParaRPr lang="en-US" sz="1200" b="0" dirty="0">
+                        <a:solidFill>
+                          <a:srgbClr val="000000"/>
+                        </a:solidFill>
+                      </a:endParaRPr>
+                    </a:p>
+                  </a:txBody>
+                  <a:tcPr anchor="ctr">
+                    <a:lnL w="12700" cmpd="sng">
+                      <a:noFill/>
+                    </a:lnL>
+                    <a:lnR w="12700" cmpd="sng">
+                      <a:noFill/>
+                    </a:lnR>
+                    <a:lnT w="12700" cmpd="sng">
+                      <a:noFill/>
+                    </a:lnT>
+                    <a:lnB w="12700" cmpd="sng">
+                      <a:noFill/>
+                    </a:lnB>
+                    <a:lnTlToBr w="12700" cmpd="sng">
+                      <a:noFill/>
+                      <a:prstDash val="solid"/>
+                    </a:lnTlToBr>
+                    <a:lnBlToTr w="12700" cmpd="sng">
+                      <a:noFill/>
+                      <a:prstDash val="solid"/>
+                    </a:lnBlToTr>
+                    <a:noFill/>
+                  </a:tcPr>
+                </a:tc>
+                <a:tc>
+                  <a:txBody>
+                    <a:bodyPr/>
+                    <a:lstStyle/>
+                    <a:p>
+                      <a:pPr algn="ctr"/>
+                      <a:r>
+                        <a:rPr lang="en-US" sz="1200" b="0" dirty="0" smtClean="0">
+                          <a:solidFill>
+                            <a:srgbClr val="000000"/>
+                          </a:solidFill>
+                        </a:rPr>
+                        <a:t>career</a:t>
+                      </a:r>
+                      <a:endParaRPr lang="en-US" sz="1200" b="0" dirty="0">
+                        <a:solidFill>
+                          <a:srgbClr val="000000"/>
+                        </a:solidFill>
+                      </a:endParaRPr>
+                    </a:p>
+                  </a:txBody>
+                  <a:tcPr anchor="ctr">
+                    <a:lnL w="12700" cmpd="sng">
+                      <a:noFill/>
+                    </a:lnL>
+                    <a:lnR w="12700" cmpd="sng">
+                      <a:noFill/>
+                    </a:lnR>
+                    <a:lnT w="12700" cmpd="sng">
+                      <a:noFill/>
+                    </a:lnT>
+                    <a:lnB w="12700" cmpd="sng">
+                      <a:noFill/>
+                    </a:lnB>
+                    <a:lnTlToBr w="12700" cmpd="sng">
+                      <a:noFill/>
+                      <a:prstDash val="solid"/>
+                    </a:lnTlToBr>
+                    <a:lnBlToTr w="12700" cmpd="sng">
+                      <a:noFill/>
+                      <a:prstDash val="solid"/>
+                    </a:lnBlToTr>
+                    <a:noFill/>
+                  </a:tcPr>
+                </a:tc>
+                <a:tc>
+                  <a:txBody>
+                    <a:bodyPr/>
+                    <a:lstStyle/>
+                    <a:p>
+                      <a:pPr algn="ctr"/>
+                      <a:r>
+                        <a:rPr lang="en-US" sz="1200" b="0" dirty="0" smtClean="0">
+                          <a:solidFill>
+                            <a:srgbClr val="000000"/>
+                          </a:solidFill>
+                        </a:rPr>
+                        <a:t>success</a:t>
+                      </a:r>
+                      <a:endParaRPr lang="en-US" sz="1200" b="0" dirty="0">
+                        <a:solidFill>
+                          <a:srgbClr val="000000"/>
+                        </a:solidFill>
+                      </a:endParaRPr>
+                    </a:p>
+                  </a:txBody>
+                  <a:tcPr anchor="ctr">
+                    <a:lnL w="12700" cmpd="sng">
+                      <a:noFill/>
+                    </a:lnL>
+                    <a:lnR w="12700" cmpd="sng">
+                      <a:noFill/>
+                    </a:lnR>
+                    <a:lnT w="12700" cmpd="sng">
+                      <a:noFill/>
+                    </a:lnT>
+                    <a:lnB w="12700" cmpd="sng">
+                      <a:noFill/>
+                    </a:lnB>
+                    <a:lnTlToBr w="12700" cmpd="sng">
+                      <a:noFill/>
+                      <a:prstDash val="solid"/>
+                    </a:lnTlToBr>
+                    <a:lnBlToTr w="12700" cmpd="sng">
+                      <a:noFill/>
+                      <a:prstDash val="solid"/>
+                    </a:lnBlToTr>
+                    <a:noFill/>
+                  </a:tcPr>
+                </a:tc>
+                <a:tc>
+                  <a:txBody>
+                    <a:bodyPr/>
+                    <a:lstStyle/>
+                    <a:p>
+                      <a:pPr algn="ctr"/>
+                      <a:r>
+                        <a:rPr lang="en-US" sz="1200" b="0" dirty="0" smtClean="0">
+                          <a:solidFill>
+                            <a:srgbClr val="000000"/>
+                          </a:solidFill>
+                        </a:rPr>
+                        <a:t>community</a:t>
+                      </a:r>
+                      <a:endParaRPr lang="en-US" sz="1200" b="0" dirty="0">
+                        <a:solidFill>
+                          <a:srgbClr val="000000"/>
+                        </a:solidFill>
+                      </a:endParaRPr>
+                    </a:p>
+                  </a:txBody>
+                  <a:tcPr anchor="ctr">
+                    <a:lnL w="12700" cmpd="sng">
+                      <a:noFill/>
+                    </a:lnL>
+                    <a:lnR w="12700" cmpd="sng">
+                      <a:noFill/>
+                    </a:lnR>
+                    <a:lnT w="12700" cmpd="sng">
+                      <a:noFill/>
+                    </a:lnT>
+                    <a:lnB w="12700" cmpd="sng">
+                      <a:noFill/>
+                    </a:lnB>
+                    <a:lnTlToBr w="12700" cmpd="sng">
+                      <a:noFill/>
+                      <a:prstDash val="solid"/>
+                    </a:lnTlToBr>
+                    <a:lnBlToTr w="12700" cmpd="sng">
+                      <a:noFill/>
+                      <a:prstDash val="solid"/>
+                    </a:lnBlToTr>
+                    <a:noFill/>
+                  </a:tcPr>
+                </a:tc>
+                <a:tc>
+                  <a:txBody>
+                    <a:bodyPr/>
+                    <a:lstStyle/>
+                    <a:p>
+                      <a:pPr algn="ctr"/>
+                      <a:r>
+                        <a:rPr lang="en-US" sz="1200" b="0" dirty="0" smtClean="0">
+                          <a:solidFill>
+                            <a:srgbClr val="000000"/>
+                          </a:solidFill>
+                        </a:rPr>
+                        <a:t>…</a:t>
+                      </a:r>
+                      <a:endParaRPr lang="en-US" sz="1200" b="0" dirty="0">
+                        <a:solidFill>
+                          <a:srgbClr val="000000"/>
+                        </a:solidFill>
+                      </a:endParaRPr>
+                    </a:p>
+                  </a:txBody>
+                  <a:tcPr anchor="ctr">
+                    <a:lnL w="12700" cmpd="sng">
+                      <a:noFill/>
+                    </a:lnL>
+                    <a:lnR w="12700" cmpd="sng">
+                      <a:noFill/>
+                    </a:lnR>
+                    <a:lnT w="12700" cmpd="sng">
+                      <a:noFill/>
+                    </a:lnT>
+                    <a:lnB w="12700" cmpd="sng">
+                      <a:noFill/>
+                    </a:lnB>
+                    <a:lnTlToBr w="12700" cmpd="sng">
+                      <a:noFill/>
+                      <a:prstDash val="solid"/>
+                    </a:lnTlToBr>
+                    <a:lnBlToTr w="12700" cmpd="sng">
+                      <a:noFill/>
+                      <a:prstDash val="solid"/>
+                    </a:lnBlToTr>
+                    <a:noFill/>
+                  </a:tcPr>
+                </a:tc>
+              </a:tr>
+            </a:tbl>
+          </a:graphicData>
+        </a:graphic>
+      </p:graphicFrame>
+      <p:graphicFrame>
+        <p:nvGraphicFramePr>
+          <p:cNvPr id="24" name="Table 23"/>
+          <p:cNvGraphicFramePr>
+            <a:graphicFrameLocks noGrp="1"/>
+          </p:cNvGraphicFramePr>
+          <p:nvPr>
+            <p:extLst>
+              <p:ext uri="{D42A27DB-BD31-4B8C-83A1-F6EECF244321}">
+                <p14:modId xmlns:p14="http://schemas.microsoft.com/office/powerpoint/2010/main" val="4152057600"/>
+              </p:ext>
+            </p:extLst>
+          </p:nvPr>
+        </p:nvGraphicFramePr>
+        <p:xfrm>
+          <a:off x="7355238" y="3682997"/>
+          <a:ext cx="1303340" cy="1920247"/>
+        </p:xfrm>
+        <a:graphic>
+          <a:graphicData uri="http://schemas.openxmlformats.org/drawingml/2006/table">
+            <a:tbl>
+              <a:tblPr firstRow="1" bandRow="1">
+                <a:tableStyleId>{5C22544A-7EE6-4342-B048-85BDC9FD1C3A}</a:tableStyleId>
+              </a:tblPr>
+              <a:tblGrid>
+                <a:gridCol w="1303340"/>
+              </a:tblGrid>
+              <a:tr h="274321">
+                <a:tc>
+                  <a:txBody>
+                    <a:bodyPr/>
+                    <a:lstStyle/>
+                    <a:p>
+                      <a:pPr algn="l"/>
+                      <a:r>
+                        <a:rPr lang="en-US" sz="1200" b="1" dirty="0" smtClean="0">
+                          <a:solidFill>
+                            <a:srgbClr val="0000FF"/>
+                          </a:solidFill>
+                        </a:rPr>
+                        <a:t>Family</a:t>
+                      </a:r>
+                      <a:endParaRPr lang="en-US" sz="1200" b="1" dirty="0">
+                        <a:solidFill>
+                          <a:srgbClr val="0000FF"/>
+                        </a:solidFill>
+                      </a:endParaRPr>
+                    </a:p>
+                  </a:txBody>
+                  <a:tcPr anchor="b">
+                    <a:lnL w="12700" cmpd="sng">
+                      <a:noFill/>
+                    </a:lnL>
+                    <a:lnR w="12700" cmpd="sng">
+                      <a:noFill/>
+                    </a:lnR>
+                    <a:lnT w="12700" cmpd="sng">
+                      <a:noFill/>
+                    </a:lnT>
+                    <a:lnB w="38100" cmpd="sng">
+                      <a:noFill/>
+                    </a:lnB>
+                    <a:lnTlToBr w="12700" cmpd="sng">
+                      <a:noFill/>
+                      <a:prstDash val="solid"/>
+                    </a:lnTlToBr>
+                    <a:lnBlToTr w="12700" cmpd="sng">
+                      <a:noFill/>
+                      <a:prstDash val="solid"/>
+                    </a:lnBlToTr>
+                    <a:noFill/>
+                  </a:tcPr>
+                </a:tc>
+              </a:tr>
+              <a:tr h="274321">
+                <a:tc>
+                  <a:txBody>
+                    <a:bodyPr/>
+                    <a:lstStyle/>
+                    <a:p>
+                      <a:pPr algn="l"/>
+                      <a:r>
+                        <a:rPr lang="en-US" sz="1200" b="1" dirty="0" smtClean="0">
+                          <a:solidFill>
+                            <a:srgbClr val="0000FF"/>
+                          </a:solidFill>
+                        </a:rPr>
+                        <a:t>Music/Arts</a:t>
+                      </a:r>
+                      <a:endParaRPr lang="en-US" sz="1200" b="1" dirty="0">
+                        <a:solidFill>
+                          <a:srgbClr val="0000FF"/>
+                        </a:solidFill>
+                      </a:endParaRPr>
+                    </a:p>
+                  </a:txBody>
+                  <a:tcPr anchor="b">
+                    <a:lnL w="12700" cmpd="sng">
+                      <a:noFill/>
+                    </a:lnL>
+                    <a:lnR w="12700" cmpd="sng">
+                      <a:noFill/>
+                    </a:lnR>
+                    <a:lnT w="38100" cmpd="sng">
+                      <a:noFill/>
+                    </a:lnT>
+                    <a:lnB w="12700" cmpd="sng">
+                      <a:noFill/>
+                    </a:lnB>
+                    <a:lnTlToBr w="12700" cmpd="sng">
+                      <a:noFill/>
+                      <a:prstDash val="solid"/>
+                    </a:lnTlToBr>
+                    <a:lnBlToTr w="12700" cmpd="sng">
+                      <a:noFill/>
+                      <a:prstDash val="solid"/>
+                    </a:lnBlToTr>
+                    <a:noFill/>
+                  </a:tcPr>
+                </a:tc>
+              </a:tr>
+              <a:tr h="274321">
+                <a:tc>
+                  <a:txBody>
+                    <a:bodyPr/>
+                    <a:lstStyle/>
+                    <a:p>
+                      <a:pPr algn="l"/>
+                      <a:r>
+                        <a:rPr lang="en-US" sz="1200" b="1" dirty="0" smtClean="0">
+                          <a:solidFill>
+                            <a:srgbClr val="0000FF"/>
+                          </a:solidFill>
+                        </a:rPr>
+                        <a:t>Culture</a:t>
+                      </a:r>
+                      <a:endParaRPr lang="en-US" sz="1200" b="1" dirty="0">
+                        <a:solidFill>
+                          <a:srgbClr val="0000FF"/>
+                        </a:solidFill>
+                      </a:endParaRPr>
+                    </a:p>
+                  </a:txBody>
+                  <a:tcPr anchor="b">
+                    <a:lnL w="12700" cmpd="sng">
+                      <a:noFill/>
+                    </a:lnL>
+                    <a:lnR w="12700" cmpd="sng">
+                      <a:noFill/>
+                    </a:lnR>
+                    <a:lnT w="12700" cmpd="sng">
+                      <a:noFill/>
+                    </a:lnT>
+                    <a:lnB w="12700" cmpd="sng">
+                      <a:noFill/>
+                    </a:lnB>
+                    <a:lnTlToBr w="12700" cmpd="sng">
+                      <a:noFill/>
+                      <a:prstDash val="solid"/>
+                    </a:lnTlToBr>
+                    <a:lnBlToTr w="12700" cmpd="sng">
+                      <a:noFill/>
+                      <a:prstDash val="solid"/>
+                    </a:lnBlToTr>
+                    <a:noFill/>
+                  </a:tcPr>
+                </a:tc>
+              </a:tr>
+              <a:tr h="274321">
+                <a:tc>
+                  <a:txBody>
+                    <a:bodyPr/>
+                    <a:lstStyle/>
+                    <a:p>
+                      <a:pPr algn="l"/>
+                      <a:r>
+                        <a:rPr lang="en-US" sz="1200" b="1" dirty="0" smtClean="0">
+                          <a:solidFill>
+                            <a:srgbClr val="0000FF"/>
+                          </a:solidFill>
+                        </a:rPr>
+                        <a:t>Sports</a:t>
+                      </a:r>
+                      <a:endParaRPr lang="en-US" sz="1200" b="1" dirty="0">
+                        <a:solidFill>
+                          <a:srgbClr val="0000FF"/>
+                        </a:solidFill>
+                      </a:endParaRPr>
+                    </a:p>
+                  </a:txBody>
+                  <a:tcPr anchor="b">
+                    <a:lnL w="12700" cmpd="sng">
+                      <a:noFill/>
+                    </a:lnL>
+                    <a:lnR w="12700" cmpd="sng">
+                      <a:noFill/>
+                    </a:lnR>
+                    <a:lnT w="12700" cmpd="sng">
+                      <a:noFill/>
+                    </a:lnT>
+                    <a:lnB w="12700" cmpd="sng">
+                      <a:noFill/>
+                    </a:lnB>
+                    <a:lnTlToBr w="12700" cmpd="sng">
+                      <a:noFill/>
+                      <a:prstDash val="solid"/>
+                    </a:lnTlToBr>
+                    <a:lnBlToTr w="12700" cmpd="sng">
+                      <a:noFill/>
+                      <a:prstDash val="solid"/>
+                    </a:lnBlToTr>
+                    <a:noFill/>
+                  </a:tcPr>
+                </a:tc>
+              </a:tr>
+              <a:tr h="274321">
+                <a:tc>
+                  <a:txBody>
+                    <a:bodyPr/>
+                    <a:lstStyle/>
+                    <a:p>
+                      <a:pPr algn="l"/>
+                      <a:r>
+                        <a:rPr lang="en-US" sz="1200" b="1" dirty="0" smtClean="0">
+                          <a:solidFill>
+                            <a:srgbClr val="0000FF"/>
+                          </a:solidFill>
+                        </a:rPr>
+                        <a:t>Personal/Story</a:t>
+                      </a:r>
+                      <a:endParaRPr lang="en-US" sz="1200" b="1" dirty="0">
+                        <a:solidFill>
+                          <a:srgbClr val="0000FF"/>
+                        </a:solidFill>
+                      </a:endParaRPr>
+                    </a:p>
+                  </a:txBody>
+                  <a:tcPr anchor="b">
+                    <a:lnL w="12700" cmpd="sng">
+                      <a:noFill/>
+                    </a:lnL>
+                    <a:lnR w="12700" cmpd="sng">
+                      <a:noFill/>
+                    </a:lnR>
+                    <a:lnT w="12700" cmpd="sng">
+                      <a:noFill/>
+                    </a:lnT>
+                    <a:lnB w="12700" cmpd="sng">
+                      <a:noFill/>
+                    </a:lnB>
+                    <a:lnTlToBr w="12700" cmpd="sng">
+                      <a:noFill/>
+                      <a:prstDash val="solid"/>
+                    </a:lnTlToBr>
+                    <a:lnBlToTr w="12700" cmpd="sng">
+                      <a:noFill/>
+                      <a:prstDash val="solid"/>
+                    </a:lnBlToTr>
+                    <a:noFill/>
+                  </a:tcPr>
+                </a:tc>
+              </a:tr>
+              <a:tr h="274321">
+                <a:tc>
+                  <a:txBody>
+                    <a:bodyPr/>
+                    <a:lstStyle/>
+                    <a:p>
+                      <a:pPr algn="l"/>
+                      <a:r>
+                        <a:rPr lang="en-US" sz="1200" b="1" dirty="0" smtClean="0">
+                          <a:solidFill>
+                            <a:srgbClr val="0000FF"/>
+                          </a:solidFill>
+                        </a:rPr>
+                        <a:t>Science</a:t>
+                      </a:r>
+                      <a:endParaRPr lang="en-US" sz="1200" b="1" dirty="0">
+                        <a:solidFill>
+                          <a:srgbClr val="0000FF"/>
+                        </a:solidFill>
+                      </a:endParaRPr>
+                    </a:p>
+                  </a:txBody>
+                  <a:tcPr anchor="b">
+                    <a:lnL w="12700" cmpd="sng">
+                      <a:noFill/>
+                    </a:lnL>
+                    <a:lnR w="12700" cmpd="sng">
+                      <a:noFill/>
+                    </a:lnR>
+                    <a:lnT w="12700" cmpd="sng">
+                      <a:noFill/>
+                    </a:lnT>
+                    <a:lnB w="12700" cmpd="sng">
+                      <a:noFill/>
+                    </a:lnB>
+                    <a:lnTlToBr w="12700" cmpd="sng">
+                      <a:noFill/>
+                      <a:prstDash val="solid"/>
+                    </a:lnTlToBr>
+                    <a:lnBlToTr w="12700" cmpd="sng">
+                      <a:noFill/>
+                      <a:prstDash val="solid"/>
+                    </a:lnBlToTr>
+                    <a:noFill/>
+                  </a:tcPr>
+                </a:tc>
+              </a:tr>
+              <a:tr h="274321">
+                <a:tc>
+                  <a:txBody>
+                    <a:bodyPr/>
+                    <a:lstStyle/>
+                    <a:p>
+                      <a:pPr algn="l"/>
+                      <a:r>
+                        <a:rPr lang="en-US" sz="1200" b="1" dirty="0" smtClean="0">
+                          <a:solidFill>
+                            <a:srgbClr val="0000FF"/>
+                          </a:solidFill>
+                        </a:rPr>
+                        <a:t>Career</a:t>
+                      </a:r>
+                      <a:endParaRPr lang="en-US" sz="1200" b="1" dirty="0">
+                        <a:solidFill>
+                          <a:srgbClr val="0000FF"/>
+                        </a:solidFill>
+                      </a:endParaRPr>
+                    </a:p>
+                  </a:txBody>
+                  <a:tcPr anchor="b">
+                    <a:lnL w="12700" cmpd="sng">
+                      <a:noFill/>
+                    </a:lnL>
+                    <a:lnR w="12700" cmpd="sng">
+                      <a:noFill/>
+                    </a:lnR>
+                    <a:lnT w="12700" cmpd="sng">
+                      <a:noFill/>
+                    </a:lnT>
+                    <a:lnB w="12700" cmpd="sng">
+                      <a:noFill/>
+                    </a:lnB>
+                    <a:lnTlToBr w="12700" cmpd="sng">
+                      <a:noFill/>
+                      <a:prstDash val="solid"/>
+                    </a:lnTlToBr>
+                    <a:lnBlToTr w="12700" cmpd="sng">
+                      <a:noFill/>
+                      <a:prstDash val="solid"/>
+                    </a:lnBlToTr>
+                    <a:noFill/>
+                  </a:tcPr>
+                </a:tc>
+              </a:tr>
+            </a:tbl>
+          </a:graphicData>
+        </a:graphic>
+      </p:graphicFrame>
+    </p:spTree>
+    <p:extLst>
+      <p:ext uri="{BB962C8B-B14F-4D97-AF65-F5344CB8AC3E}">
+        <p14:creationId xmlns:p14="http://schemas.microsoft.com/office/powerpoint/2010/main" val="1381476727"/>
       </p:ext>
     </p:extLst>
   </p:cSld>
